--- a/tp3-proyectos/Imagenes.pptx
+++ b/tp3-proyectos/Imagenes.pptx
@@ -109,7 +109,7 @@
   </p:defaultTextStyle>
   <p:extLst>
     <p:ext uri="{EFAFB233-063F-42B5-8137-9DF3F51BA10A}">
-      <p15:sldGuideLst xmlns:p15="http://schemas.microsoft.com/office/powerpoint/2012/main" xmlns="">
+      <p15:sldGuideLst xmlns:p15="http://schemas.microsoft.com/office/powerpoint/2012/main">
         <p15:guide id="1" orient="horz" pos="2160">
           <p15:clr>
             <a:srgbClr val="A4A3A4"/>
@@ -258,7 +258,7 @@
             <a:fld id="{EAE7EBD3-30FD-4FAB-979E-FE0AAD4807BC}" type="datetimeFigureOut">
               <a:rPr lang="es-AR" smtClean="0"/>
               <a:pPr/>
-              <a:t>17/11/2014</a:t>
+              <a:t>18/11/2014</a:t>
             </a:fld>
             <a:endParaRPr lang="es-AR"/>
           </a:p>
@@ -301,7 +301,7 @@
             <a:fld id="{A173DF1F-6FD9-4134-ABE5-0680BC74F2FF}" type="slidenum">
               <a:rPr lang="es-AR" smtClean="0"/>
               <a:pPr/>
-              <a:t>‹Nº›</a:t>
+              <a:t>‹#›</a:t>
             </a:fld>
             <a:endParaRPr lang="es-AR"/>
           </a:p>
@@ -310,7 +310,7 @@
     </p:spTree>
     <p:extLst>
       <p:ext uri="{BB962C8B-B14F-4D97-AF65-F5344CB8AC3E}">
-        <p14:creationId xmlns:p14="http://schemas.microsoft.com/office/powerpoint/2010/main" xmlns="" val="1478221447"/>
+        <p14:creationId xmlns:p14="http://schemas.microsoft.com/office/powerpoint/2010/main" val="1478221447"/>
       </p:ext>
     </p:extLst>
   </p:cSld>
@@ -430,7 +430,7 @@
             <a:fld id="{EAE7EBD3-30FD-4FAB-979E-FE0AAD4807BC}" type="datetimeFigureOut">
               <a:rPr lang="es-AR" smtClean="0"/>
               <a:pPr/>
-              <a:t>17/11/2014</a:t>
+              <a:t>18/11/2014</a:t>
             </a:fld>
             <a:endParaRPr lang="es-AR"/>
           </a:p>
@@ -473,7 +473,7 @@
             <a:fld id="{A173DF1F-6FD9-4134-ABE5-0680BC74F2FF}" type="slidenum">
               <a:rPr lang="es-AR" smtClean="0"/>
               <a:pPr/>
-              <a:t>‹Nº›</a:t>
+              <a:t>‹#›</a:t>
             </a:fld>
             <a:endParaRPr lang="es-AR"/>
           </a:p>
@@ -482,7 +482,7 @@
     </p:spTree>
     <p:extLst>
       <p:ext uri="{BB962C8B-B14F-4D97-AF65-F5344CB8AC3E}">
-        <p14:creationId xmlns:p14="http://schemas.microsoft.com/office/powerpoint/2010/main" xmlns="" val="787665529"/>
+        <p14:creationId xmlns:p14="http://schemas.microsoft.com/office/powerpoint/2010/main" val="787665529"/>
       </p:ext>
     </p:extLst>
   </p:cSld>
@@ -612,7 +612,7 @@
             <a:fld id="{EAE7EBD3-30FD-4FAB-979E-FE0AAD4807BC}" type="datetimeFigureOut">
               <a:rPr lang="es-AR" smtClean="0"/>
               <a:pPr/>
-              <a:t>17/11/2014</a:t>
+              <a:t>18/11/2014</a:t>
             </a:fld>
             <a:endParaRPr lang="es-AR"/>
           </a:p>
@@ -655,7 +655,7 @@
             <a:fld id="{A173DF1F-6FD9-4134-ABE5-0680BC74F2FF}" type="slidenum">
               <a:rPr lang="es-AR" smtClean="0"/>
               <a:pPr/>
-              <a:t>‹Nº›</a:t>
+              <a:t>‹#›</a:t>
             </a:fld>
             <a:endParaRPr lang="es-AR"/>
           </a:p>
@@ -664,7 +664,7 @@
     </p:spTree>
     <p:extLst>
       <p:ext uri="{BB962C8B-B14F-4D97-AF65-F5344CB8AC3E}">
-        <p14:creationId xmlns:p14="http://schemas.microsoft.com/office/powerpoint/2010/main" xmlns="" val="3550571343"/>
+        <p14:creationId xmlns:p14="http://schemas.microsoft.com/office/powerpoint/2010/main" val="3550571343"/>
       </p:ext>
     </p:extLst>
   </p:cSld>
@@ -784,7 +784,7 @@
             <a:fld id="{EAE7EBD3-30FD-4FAB-979E-FE0AAD4807BC}" type="datetimeFigureOut">
               <a:rPr lang="es-AR" smtClean="0"/>
               <a:pPr/>
-              <a:t>17/11/2014</a:t>
+              <a:t>18/11/2014</a:t>
             </a:fld>
             <a:endParaRPr lang="es-AR"/>
           </a:p>
@@ -827,7 +827,7 @@
             <a:fld id="{A173DF1F-6FD9-4134-ABE5-0680BC74F2FF}" type="slidenum">
               <a:rPr lang="es-AR" smtClean="0"/>
               <a:pPr/>
-              <a:t>‹Nº›</a:t>
+              <a:t>‹#›</a:t>
             </a:fld>
             <a:endParaRPr lang="es-AR"/>
           </a:p>
@@ -836,7 +836,7 @@
     </p:spTree>
     <p:extLst>
       <p:ext uri="{BB962C8B-B14F-4D97-AF65-F5344CB8AC3E}">
-        <p14:creationId xmlns:p14="http://schemas.microsoft.com/office/powerpoint/2010/main" xmlns="" val="1090226818"/>
+        <p14:creationId xmlns:p14="http://schemas.microsoft.com/office/powerpoint/2010/main" val="1090226818"/>
       </p:ext>
     </p:extLst>
   </p:cSld>
@@ -1032,7 +1032,7 @@
             <a:fld id="{EAE7EBD3-30FD-4FAB-979E-FE0AAD4807BC}" type="datetimeFigureOut">
               <a:rPr lang="es-AR" smtClean="0"/>
               <a:pPr/>
-              <a:t>17/11/2014</a:t>
+              <a:t>18/11/2014</a:t>
             </a:fld>
             <a:endParaRPr lang="es-AR"/>
           </a:p>
@@ -1075,7 +1075,7 @@
             <a:fld id="{A173DF1F-6FD9-4134-ABE5-0680BC74F2FF}" type="slidenum">
               <a:rPr lang="es-AR" smtClean="0"/>
               <a:pPr/>
-              <a:t>‹Nº›</a:t>
+              <a:t>‹#›</a:t>
             </a:fld>
             <a:endParaRPr lang="es-AR"/>
           </a:p>
@@ -1084,7 +1084,7 @@
     </p:spTree>
     <p:extLst>
       <p:ext uri="{BB962C8B-B14F-4D97-AF65-F5344CB8AC3E}">
-        <p14:creationId xmlns:p14="http://schemas.microsoft.com/office/powerpoint/2010/main" xmlns="" val="1797381584"/>
+        <p14:creationId xmlns:p14="http://schemas.microsoft.com/office/powerpoint/2010/main" val="1797381584"/>
       </p:ext>
     </p:extLst>
   </p:cSld>
@@ -1266,7 +1266,7 @@
             <a:fld id="{EAE7EBD3-30FD-4FAB-979E-FE0AAD4807BC}" type="datetimeFigureOut">
               <a:rPr lang="es-AR" smtClean="0"/>
               <a:pPr/>
-              <a:t>17/11/2014</a:t>
+              <a:t>18/11/2014</a:t>
             </a:fld>
             <a:endParaRPr lang="es-AR"/>
           </a:p>
@@ -1309,7 +1309,7 @@
             <a:fld id="{A173DF1F-6FD9-4134-ABE5-0680BC74F2FF}" type="slidenum">
               <a:rPr lang="es-AR" smtClean="0"/>
               <a:pPr/>
-              <a:t>‹Nº›</a:t>
+              <a:t>‹#›</a:t>
             </a:fld>
             <a:endParaRPr lang="es-AR"/>
           </a:p>
@@ -1318,7 +1318,7 @@
     </p:spTree>
     <p:extLst>
       <p:ext uri="{BB962C8B-B14F-4D97-AF65-F5344CB8AC3E}">
-        <p14:creationId xmlns:p14="http://schemas.microsoft.com/office/powerpoint/2010/main" xmlns="" val="141320725"/>
+        <p14:creationId xmlns:p14="http://schemas.microsoft.com/office/powerpoint/2010/main" val="141320725"/>
       </p:ext>
     </p:extLst>
   </p:cSld>
@@ -1635,7 +1635,7 @@
             <a:fld id="{EAE7EBD3-30FD-4FAB-979E-FE0AAD4807BC}" type="datetimeFigureOut">
               <a:rPr lang="es-AR" smtClean="0"/>
               <a:pPr/>
-              <a:t>17/11/2014</a:t>
+              <a:t>18/11/2014</a:t>
             </a:fld>
             <a:endParaRPr lang="es-AR"/>
           </a:p>
@@ -1678,7 +1678,7 @@
             <a:fld id="{A173DF1F-6FD9-4134-ABE5-0680BC74F2FF}" type="slidenum">
               <a:rPr lang="es-AR" smtClean="0"/>
               <a:pPr/>
-              <a:t>‹Nº›</a:t>
+              <a:t>‹#›</a:t>
             </a:fld>
             <a:endParaRPr lang="es-AR"/>
           </a:p>
@@ -1687,7 +1687,7 @@
     </p:spTree>
     <p:extLst>
       <p:ext uri="{BB962C8B-B14F-4D97-AF65-F5344CB8AC3E}">
-        <p14:creationId xmlns:p14="http://schemas.microsoft.com/office/powerpoint/2010/main" xmlns="" val="898217691"/>
+        <p14:creationId xmlns:p14="http://schemas.microsoft.com/office/powerpoint/2010/main" val="898217691"/>
       </p:ext>
     </p:extLst>
   </p:cSld>
@@ -1755,7 +1755,7 @@
             <a:fld id="{EAE7EBD3-30FD-4FAB-979E-FE0AAD4807BC}" type="datetimeFigureOut">
               <a:rPr lang="es-AR" smtClean="0"/>
               <a:pPr/>
-              <a:t>17/11/2014</a:t>
+              <a:t>18/11/2014</a:t>
             </a:fld>
             <a:endParaRPr lang="es-AR"/>
           </a:p>
@@ -1798,7 +1798,7 @@
             <a:fld id="{A173DF1F-6FD9-4134-ABE5-0680BC74F2FF}" type="slidenum">
               <a:rPr lang="es-AR" smtClean="0"/>
               <a:pPr/>
-              <a:t>‹Nº›</a:t>
+              <a:t>‹#›</a:t>
             </a:fld>
             <a:endParaRPr lang="es-AR"/>
           </a:p>
@@ -1807,7 +1807,7 @@
     </p:spTree>
     <p:extLst>
       <p:ext uri="{BB962C8B-B14F-4D97-AF65-F5344CB8AC3E}">
-        <p14:creationId xmlns:p14="http://schemas.microsoft.com/office/powerpoint/2010/main" xmlns="" val="1734197303"/>
+        <p14:creationId xmlns:p14="http://schemas.microsoft.com/office/powerpoint/2010/main" val="1734197303"/>
       </p:ext>
     </p:extLst>
   </p:cSld>
@@ -1852,7 +1852,7 @@
             <a:fld id="{EAE7EBD3-30FD-4FAB-979E-FE0AAD4807BC}" type="datetimeFigureOut">
               <a:rPr lang="es-AR" smtClean="0"/>
               <a:pPr/>
-              <a:t>17/11/2014</a:t>
+              <a:t>18/11/2014</a:t>
             </a:fld>
             <a:endParaRPr lang="es-AR"/>
           </a:p>
@@ -1895,7 +1895,7 @@
             <a:fld id="{A173DF1F-6FD9-4134-ABE5-0680BC74F2FF}" type="slidenum">
               <a:rPr lang="es-AR" smtClean="0"/>
               <a:pPr/>
-              <a:t>‹Nº›</a:t>
+              <a:t>‹#›</a:t>
             </a:fld>
             <a:endParaRPr lang="es-AR"/>
           </a:p>
@@ -1904,7 +1904,7 @@
     </p:spTree>
     <p:extLst>
       <p:ext uri="{BB962C8B-B14F-4D97-AF65-F5344CB8AC3E}">
-        <p14:creationId xmlns:p14="http://schemas.microsoft.com/office/powerpoint/2010/main" xmlns="" val="2733380732"/>
+        <p14:creationId xmlns:p14="http://schemas.microsoft.com/office/powerpoint/2010/main" val="2733380732"/>
       </p:ext>
     </p:extLst>
   </p:cSld>
@@ -2131,7 +2131,7 @@
             <a:fld id="{EAE7EBD3-30FD-4FAB-979E-FE0AAD4807BC}" type="datetimeFigureOut">
               <a:rPr lang="es-AR" smtClean="0"/>
               <a:pPr/>
-              <a:t>17/11/2014</a:t>
+              <a:t>18/11/2014</a:t>
             </a:fld>
             <a:endParaRPr lang="es-AR"/>
           </a:p>
@@ -2174,7 +2174,7 @@
             <a:fld id="{A173DF1F-6FD9-4134-ABE5-0680BC74F2FF}" type="slidenum">
               <a:rPr lang="es-AR" smtClean="0"/>
               <a:pPr/>
-              <a:t>‹Nº›</a:t>
+              <a:t>‹#›</a:t>
             </a:fld>
             <a:endParaRPr lang="es-AR"/>
           </a:p>
@@ -2183,7 +2183,7 @@
     </p:spTree>
     <p:extLst>
       <p:ext uri="{BB962C8B-B14F-4D97-AF65-F5344CB8AC3E}">
-        <p14:creationId xmlns:p14="http://schemas.microsoft.com/office/powerpoint/2010/main" xmlns="" val="201515298"/>
+        <p14:creationId xmlns:p14="http://schemas.microsoft.com/office/powerpoint/2010/main" val="201515298"/>
       </p:ext>
     </p:extLst>
   </p:cSld>
@@ -2386,7 +2386,7 @@
             <a:fld id="{EAE7EBD3-30FD-4FAB-979E-FE0AAD4807BC}" type="datetimeFigureOut">
               <a:rPr lang="es-AR" smtClean="0"/>
               <a:pPr/>
-              <a:t>17/11/2014</a:t>
+              <a:t>18/11/2014</a:t>
             </a:fld>
             <a:endParaRPr lang="es-AR"/>
           </a:p>
@@ -2429,7 +2429,7 @@
             <a:fld id="{A173DF1F-6FD9-4134-ABE5-0680BC74F2FF}" type="slidenum">
               <a:rPr lang="es-AR" smtClean="0"/>
               <a:pPr/>
-              <a:t>‹Nº›</a:t>
+              <a:t>‹#›</a:t>
             </a:fld>
             <a:endParaRPr lang="es-AR"/>
           </a:p>
@@ -2438,7 +2438,7 @@
     </p:spTree>
     <p:extLst>
       <p:ext uri="{BB962C8B-B14F-4D97-AF65-F5344CB8AC3E}">
-        <p14:creationId xmlns:p14="http://schemas.microsoft.com/office/powerpoint/2010/main" xmlns="" val="976262354"/>
+        <p14:creationId xmlns:p14="http://schemas.microsoft.com/office/powerpoint/2010/main" val="976262354"/>
       </p:ext>
     </p:extLst>
   </p:cSld>
@@ -2601,7 +2601,7 @@
             <a:fld id="{EAE7EBD3-30FD-4FAB-979E-FE0AAD4807BC}" type="datetimeFigureOut">
               <a:rPr lang="es-AR" smtClean="0"/>
               <a:pPr/>
-              <a:t>17/11/2014</a:t>
+              <a:t>18/11/2014</a:t>
             </a:fld>
             <a:endParaRPr lang="es-AR"/>
           </a:p>
@@ -2680,7 +2680,7 @@
             <a:fld id="{A173DF1F-6FD9-4134-ABE5-0680BC74F2FF}" type="slidenum">
               <a:rPr lang="es-AR" smtClean="0"/>
               <a:pPr/>
-              <a:t>‹Nº›</a:t>
+              <a:t>‹#›</a:t>
             </a:fld>
             <a:endParaRPr lang="es-AR"/>
           </a:p>
@@ -2689,7 +2689,7 @@
     </p:spTree>
     <p:extLst>
       <p:ext uri="{BB962C8B-B14F-4D97-AF65-F5344CB8AC3E}">
-        <p14:creationId xmlns:p14="http://schemas.microsoft.com/office/powerpoint/2010/main" xmlns="" val="2905328256"/>
+        <p14:creationId xmlns:p14="http://schemas.microsoft.com/office/powerpoint/2010/main" val="2905328256"/>
       </p:ext>
     </p:extLst>
   </p:cSld>
@@ -3152,126 +3152,6 @@
           </a:p>
         </p:txBody>
       </p:sp>
-      <p:cxnSp>
-        <p:nvCxnSpPr>
-          <p:cNvPr id="31" name="30 Conector recto"/>
-          <p:cNvCxnSpPr/>
-          <p:nvPr/>
-        </p:nvCxnSpPr>
-        <p:spPr>
-          <a:xfrm>
-            <a:off x="4267200" y="1765738"/>
-            <a:ext cx="157655" cy="0"/>
-          </a:xfrm>
-          <a:prstGeom prst="line">
-            <a:avLst/>
-          </a:prstGeom>
-        </p:spPr>
-        <p:style>
-          <a:lnRef idx="1">
-            <a:schemeClr val="accent1"/>
-          </a:lnRef>
-          <a:fillRef idx="0">
-            <a:schemeClr val="accent1"/>
-          </a:fillRef>
-          <a:effectRef idx="0">
-            <a:schemeClr val="accent1"/>
-          </a:effectRef>
-          <a:fontRef idx="minor">
-            <a:schemeClr val="tx1"/>
-          </a:fontRef>
-        </p:style>
-      </p:cxnSp>
-      <p:cxnSp>
-        <p:nvCxnSpPr>
-          <p:cNvPr id="32" name="31 Conector recto"/>
-          <p:cNvCxnSpPr/>
-          <p:nvPr/>
-        </p:nvCxnSpPr>
-        <p:spPr>
-          <a:xfrm>
-            <a:off x="4545724" y="1760485"/>
-            <a:ext cx="157655" cy="0"/>
-          </a:xfrm>
-          <a:prstGeom prst="line">
-            <a:avLst/>
-          </a:prstGeom>
-        </p:spPr>
-        <p:style>
-          <a:lnRef idx="1">
-            <a:schemeClr val="accent1"/>
-          </a:lnRef>
-          <a:fillRef idx="0">
-            <a:schemeClr val="accent1"/>
-          </a:fillRef>
-          <a:effectRef idx="0">
-            <a:schemeClr val="accent1"/>
-          </a:effectRef>
-          <a:fontRef idx="minor">
-            <a:schemeClr val="tx1"/>
-          </a:fontRef>
-        </p:style>
-      </p:cxnSp>
-      <p:cxnSp>
-        <p:nvCxnSpPr>
-          <p:cNvPr id="33" name="32 Conector recto"/>
-          <p:cNvCxnSpPr/>
-          <p:nvPr/>
-        </p:nvCxnSpPr>
-        <p:spPr>
-          <a:xfrm>
-            <a:off x="4824248" y="1765738"/>
-            <a:ext cx="157655" cy="0"/>
-          </a:xfrm>
-          <a:prstGeom prst="line">
-            <a:avLst/>
-          </a:prstGeom>
-        </p:spPr>
-        <p:style>
-          <a:lnRef idx="1">
-            <a:schemeClr val="accent1"/>
-          </a:lnRef>
-          <a:fillRef idx="0">
-            <a:schemeClr val="accent1"/>
-          </a:fillRef>
-          <a:effectRef idx="0">
-            <a:schemeClr val="accent1"/>
-          </a:effectRef>
-          <a:fontRef idx="minor">
-            <a:schemeClr val="tx1"/>
-          </a:fontRef>
-        </p:style>
-      </p:cxnSp>
-      <p:cxnSp>
-        <p:nvCxnSpPr>
-          <p:cNvPr id="34" name="33 Conector recto"/>
-          <p:cNvCxnSpPr/>
-          <p:nvPr/>
-        </p:nvCxnSpPr>
-        <p:spPr>
-          <a:xfrm>
-            <a:off x="5071230" y="1760498"/>
-            <a:ext cx="157655" cy="0"/>
-          </a:xfrm>
-          <a:prstGeom prst="line">
-            <a:avLst/>
-          </a:prstGeom>
-        </p:spPr>
-        <p:style>
-          <a:lnRef idx="1">
-            <a:schemeClr val="accent1"/>
-          </a:lnRef>
-          <a:fillRef idx="0">
-            <a:schemeClr val="accent1"/>
-          </a:fillRef>
-          <a:effectRef idx="0">
-            <a:schemeClr val="accent1"/>
-          </a:effectRef>
-          <a:fontRef idx="minor">
-            <a:schemeClr val="tx1"/>
-          </a:fontRef>
-        </p:style>
-      </p:cxnSp>
       <p:sp>
         <p:nvSpPr>
           <p:cNvPr id="38" name="37 CuadroTexto"/>
@@ -3669,10 +3549,44 @@
           </a:p>
         </p:txBody>
       </p:sp>
+      <p:cxnSp>
+        <p:nvCxnSpPr>
+          <p:cNvPr id="3" name="Straight Arrow Connector 2"/>
+          <p:cNvCxnSpPr/>
+          <p:nvPr/>
+        </p:nvCxnSpPr>
+        <p:spPr>
+          <a:xfrm flipV="1">
+            <a:off x="3695570" y="1816249"/>
+            <a:ext cx="2127161" cy="38637"/>
+          </a:xfrm>
+          <a:prstGeom prst="straightConnector1">
+            <a:avLst/>
+          </a:prstGeom>
+          <a:ln>
+            <a:prstDash val="lgDash"/>
+            <a:tailEnd type="triangle"/>
+          </a:ln>
+        </p:spPr>
+        <p:style>
+          <a:lnRef idx="1">
+            <a:schemeClr val="accent1"/>
+          </a:lnRef>
+          <a:fillRef idx="0">
+            <a:schemeClr val="accent1"/>
+          </a:fillRef>
+          <a:effectRef idx="0">
+            <a:schemeClr val="accent1"/>
+          </a:effectRef>
+          <a:fontRef idx="minor">
+            <a:schemeClr val="tx1"/>
+          </a:fontRef>
+        </p:style>
+      </p:cxnSp>
     </p:spTree>
     <p:extLst>
       <p:ext uri="{BB962C8B-B14F-4D97-AF65-F5344CB8AC3E}">
-        <p14:creationId xmlns:p14="http://schemas.microsoft.com/office/powerpoint/2010/main" xmlns="" val="546631854"/>
+        <p14:creationId xmlns:p14="http://schemas.microsoft.com/office/powerpoint/2010/main" val="546631854"/>
       </p:ext>
     </p:extLst>
   </p:cSld>
@@ -5668,441 +5582,6 @@
           </a:p>
         </p:txBody>
       </p:sp>
-      <p:cxnSp>
-        <p:nvCxnSpPr>
-          <p:cNvPr id="98" name="97 Conector recto"/>
-          <p:cNvCxnSpPr/>
-          <p:nvPr/>
-        </p:nvCxnSpPr>
-        <p:spPr>
-          <a:xfrm>
-            <a:off x="3394870" y="3731108"/>
-            <a:ext cx="157655" cy="0"/>
-          </a:xfrm>
-          <a:prstGeom prst="line">
-            <a:avLst/>
-          </a:prstGeom>
-        </p:spPr>
-        <p:style>
-          <a:lnRef idx="1">
-            <a:schemeClr val="accent1"/>
-          </a:lnRef>
-          <a:fillRef idx="0">
-            <a:schemeClr val="accent1"/>
-          </a:fillRef>
-          <a:effectRef idx="0">
-            <a:schemeClr val="accent1"/>
-          </a:effectRef>
-          <a:fontRef idx="minor">
-            <a:schemeClr val="tx1"/>
-          </a:fontRef>
-        </p:style>
-      </p:cxnSp>
-      <p:cxnSp>
-        <p:nvCxnSpPr>
-          <p:cNvPr id="99" name="98 Conector recto"/>
-          <p:cNvCxnSpPr/>
-          <p:nvPr/>
-        </p:nvCxnSpPr>
-        <p:spPr>
-          <a:xfrm>
-            <a:off x="3673394" y="3736365"/>
-            <a:ext cx="157655" cy="0"/>
-          </a:xfrm>
-          <a:prstGeom prst="line">
-            <a:avLst/>
-          </a:prstGeom>
-        </p:spPr>
-        <p:style>
-          <a:lnRef idx="1">
-            <a:schemeClr val="accent1"/>
-          </a:lnRef>
-          <a:fillRef idx="0">
-            <a:schemeClr val="accent1"/>
-          </a:fillRef>
-          <a:effectRef idx="0">
-            <a:schemeClr val="accent1"/>
-          </a:effectRef>
-          <a:fontRef idx="minor">
-            <a:schemeClr val="tx1"/>
-          </a:fontRef>
-        </p:style>
-      </p:cxnSp>
-      <p:cxnSp>
-        <p:nvCxnSpPr>
-          <p:cNvPr id="100" name="99 Conector recto"/>
-          <p:cNvCxnSpPr/>
-          <p:nvPr/>
-        </p:nvCxnSpPr>
-        <p:spPr>
-          <a:xfrm>
-            <a:off x="3951918" y="3731108"/>
-            <a:ext cx="157655" cy="0"/>
-          </a:xfrm>
-          <a:prstGeom prst="line">
-            <a:avLst/>
-          </a:prstGeom>
-        </p:spPr>
-        <p:style>
-          <a:lnRef idx="1">
-            <a:schemeClr val="accent1"/>
-          </a:lnRef>
-          <a:fillRef idx="0">
-            <a:schemeClr val="accent1"/>
-          </a:fillRef>
-          <a:effectRef idx="0">
-            <a:schemeClr val="accent1"/>
-          </a:effectRef>
-          <a:fontRef idx="minor">
-            <a:schemeClr val="tx1"/>
-          </a:fontRef>
-        </p:style>
-      </p:cxnSp>
-      <p:cxnSp>
-        <p:nvCxnSpPr>
-          <p:cNvPr id="103" name="102 Conector recto de flecha"/>
-          <p:cNvCxnSpPr>
-            <a:endCxn id="21" idx="2"/>
-          </p:cNvCxnSpPr>
-          <p:nvPr/>
-        </p:nvCxnSpPr>
-        <p:spPr>
-          <a:xfrm flipV="1">
-            <a:off x="4172607" y="3735449"/>
-            <a:ext cx="166630" cy="3117"/>
-          </a:xfrm>
-          <a:prstGeom prst="straightConnector1">
-            <a:avLst/>
-          </a:prstGeom>
-          <a:ln>
-            <a:tailEnd type="arrow"/>
-          </a:ln>
-        </p:spPr>
-        <p:style>
-          <a:lnRef idx="1">
-            <a:schemeClr val="accent1"/>
-          </a:lnRef>
-          <a:fillRef idx="0">
-            <a:schemeClr val="accent1"/>
-          </a:fillRef>
-          <a:effectRef idx="0">
-            <a:schemeClr val="accent1"/>
-          </a:effectRef>
-          <a:fontRef idx="minor">
-            <a:schemeClr val="tx1"/>
-          </a:fontRef>
-        </p:style>
-      </p:cxnSp>
-      <p:cxnSp>
-        <p:nvCxnSpPr>
-          <p:cNvPr id="106" name="105 Conector recto"/>
-          <p:cNvCxnSpPr/>
-          <p:nvPr/>
-        </p:nvCxnSpPr>
-        <p:spPr>
-          <a:xfrm>
-            <a:off x="5192110" y="2753710"/>
-            <a:ext cx="136635" cy="105104"/>
-          </a:xfrm>
-          <a:prstGeom prst="line">
-            <a:avLst/>
-          </a:prstGeom>
-        </p:spPr>
-        <p:style>
-          <a:lnRef idx="1">
-            <a:schemeClr val="accent1"/>
-          </a:lnRef>
-          <a:fillRef idx="0">
-            <a:schemeClr val="accent1"/>
-          </a:fillRef>
-          <a:effectRef idx="0">
-            <a:schemeClr val="accent1"/>
-          </a:effectRef>
-          <a:fontRef idx="minor">
-            <a:schemeClr val="tx1"/>
-          </a:fontRef>
-        </p:style>
-      </p:cxnSp>
-      <p:cxnSp>
-        <p:nvCxnSpPr>
-          <p:cNvPr id="107" name="106 Conector recto"/>
-          <p:cNvCxnSpPr/>
-          <p:nvPr/>
-        </p:nvCxnSpPr>
-        <p:spPr>
-          <a:xfrm>
-            <a:off x="5412828" y="2921877"/>
-            <a:ext cx="110332" cy="89313"/>
-          </a:xfrm>
-          <a:prstGeom prst="line">
-            <a:avLst/>
-          </a:prstGeom>
-        </p:spPr>
-        <p:style>
-          <a:lnRef idx="1">
-            <a:schemeClr val="accent1"/>
-          </a:lnRef>
-          <a:fillRef idx="0">
-            <a:schemeClr val="accent1"/>
-          </a:fillRef>
-          <a:effectRef idx="0">
-            <a:schemeClr val="accent1"/>
-          </a:effectRef>
-          <a:fontRef idx="minor">
-            <a:schemeClr val="tx1"/>
-          </a:fontRef>
-        </p:style>
-      </p:cxnSp>
-      <p:cxnSp>
-        <p:nvCxnSpPr>
-          <p:cNvPr id="108" name="107 Conector recto"/>
-          <p:cNvCxnSpPr/>
-          <p:nvPr/>
-        </p:nvCxnSpPr>
-        <p:spPr>
-          <a:xfrm>
-            <a:off x="5602014" y="3069021"/>
-            <a:ext cx="168139" cy="115587"/>
-          </a:xfrm>
-          <a:prstGeom prst="line">
-            <a:avLst/>
-          </a:prstGeom>
-        </p:spPr>
-        <p:style>
-          <a:lnRef idx="1">
-            <a:schemeClr val="accent1"/>
-          </a:lnRef>
-          <a:fillRef idx="0">
-            <a:schemeClr val="accent1"/>
-          </a:fillRef>
-          <a:effectRef idx="0">
-            <a:schemeClr val="accent1"/>
-          </a:effectRef>
-          <a:fontRef idx="minor">
-            <a:schemeClr val="tx1"/>
-          </a:fontRef>
-        </p:style>
-      </p:cxnSp>
-      <p:cxnSp>
-        <p:nvCxnSpPr>
-          <p:cNvPr id="109" name="108 Conector recto"/>
-          <p:cNvCxnSpPr/>
-          <p:nvPr/>
-        </p:nvCxnSpPr>
-        <p:spPr>
-          <a:xfrm>
-            <a:off x="6088011" y="3384331"/>
-            <a:ext cx="149841" cy="120857"/>
-          </a:xfrm>
-          <a:prstGeom prst="line">
-            <a:avLst/>
-          </a:prstGeom>
-        </p:spPr>
-        <p:style>
-          <a:lnRef idx="1">
-            <a:schemeClr val="accent1"/>
-          </a:lnRef>
-          <a:fillRef idx="0">
-            <a:schemeClr val="accent1"/>
-          </a:fillRef>
-          <a:effectRef idx="0">
-            <a:schemeClr val="accent1"/>
-          </a:effectRef>
-          <a:fontRef idx="minor">
-            <a:schemeClr val="tx1"/>
-          </a:fontRef>
-        </p:style>
-      </p:cxnSp>
-      <p:cxnSp>
-        <p:nvCxnSpPr>
-          <p:cNvPr id="128" name="127 Conector recto"/>
-          <p:cNvCxnSpPr/>
-          <p:nvPr/>
-        </p:nvCxnSpPr>
-        <p:spPr>
-          <a:xfrm>
-            <a:off x="5854262" y="3222092"/>
-            <a:ext cx="162884" cy="104405"/>
-          </a:xfrm>
-          <a:prstGeom prst="line">
-            <a:avLst/>
-          </a:prstGeom>
-        </p:spPr>
-        <p:style>
-          <a:lnRef idx="1">
-            <a:schemeClr val="accent1"/>
-          </a:lnRef>
-          <a:fillRef idx="0">
-            <a:schemeClr val="accent1"/>
-          </a:fillRef>
-          <a:effectRef idx="0">
-            <a:schemeClr val="accent1"/>
-          </a:effectRef>
-          <a:fontRef idx="minor">
-            <a:schemeClr val="tx1"/>
-          </a:fontRef>
-        </p:style>
-      </p:cxnSp>
-      <p:cxnSp>
-        <p:nvCxnSpPr>
-          <p:cNvPr id="138" name="137 Conector recto de flecha"/>
-          <p:cNvCxnSpPr>
-            <a:endCxn id="9" idx="5"/>
-          </p:cNvCxnSpPr>
-          <p:nvPr/>
-        </p:nvCxnSpPr>
-        <p:spPr>
-          <a:xfrm flipH="1" flipV="1">
-            <a:off x="4967120" y="2625560"/>
-            <a:ext cx="172439" cy="117640"/>
-          </a:xfrm>
-          <a:prstGeom prst="straightConnector1">
-            <a:avLst/>
-          </a:prstGeom>
-          <a:ln>
-            <a:tailEnd type="arrow"/>
-          </a:ln>
-        </p:spPr>
-        <p:style>
-          <a:lnRef idx="1">
-            <a:schemeClr val="accent1"/>
-          </a:lnRef>
-          <a:fillRef idx="0">
-            <a:schemeClr val="accent1"/>
-          </a:fillRef>
-          <a:effectRef idx="0">
-            <a:schemeClr val="accent1"/>
-          </a:effectRef>
-          <a:fontRef idx="minor">
-            <a:schemeClr val="tx1"/>
-          </a:fontRef>
-        </p:style>
-      </p:cxnSp>
-      <p:cxnSp>
-        <p:nvCxnSpPr>
-          <p:cNvPr id="141" name="140 Conector recto"/>
-          <p:cNvCxnSpPr/>
-          <p:nvPr/>
-        </p:nvCxnSpPr>
-        <p:spPr>
-          <a:xfrm>
-            <a:off x="8597462" y="3783724"/>
-            <a:ext cx="157655" cy="0"/>
-          </a:xfrm>
-          <a:prstGeom prst="line">
-            <a:avLst/>
-          </a:prstGeom>
-        </p:spPr>
-        <p:style>
-          <a:lnRef idx="1">
-            <a:schemeClr val="accent1"/>
-          </a:lnRef>
-          <a:fillRef idx="0">
-            <a:schemeClr val="accent1"/>
-          </a:fillRef>
-          <a:effectRef idx="0">
-            <a:schemeClr val="accent1"/>
-          </a:effectRef>
-          <a:fontRef idx="minor">
-            <a:schemeClr val="tx1"/>
-          </a:fontRef>
-        </p:style>
-      </p:cxnSp>
-      <p:cxnSp>
-        <p:nvCxnSpPr>
-          <p:cNvPr id="142" name="141 Conector recto"/>
-          <p:cNvCxnSpPr/>
-          <p:nvPr/>
-        </p:nvCxnSpPr>
-        <p:spPr>
-          <a:xfrm>
-            <a:off x="8812924" y="3778471"/>
-            <a:ext cx="157655" cy="0"/>
-          </a:xfrm>
-          <a:prstGeom prst="line">
-            <a:avLst/>
-          </a:prstGeom>
-        </p:spPr>
-        <p:style>
-          <a:lnRef idx="1">
-            <a:schemeClr val="accent1"/>
-          </a:lnRef>
-          <a:fillRef idx="0">
-            <a:schemeClr val="accent1"/>
-          </a:fillRef>
-          <a:effectRef idx="0">
-            <a:schemeClr val="accent1"/>
-          </a:effectRef>
-          <a:fontRef idx="minor">
-            <a:schemeClr val="tx1"/>
-          </a:fontRef>
-        </p:style>
-      </p:cxnSp>
-      <p:cxnSp>
-        <p:nvCxnSpPr>
-          <p:cNvPr id="145" name="144 Conector recto"/>
-          <p:cNvCxnSpPr/>
-          <p:nvPr/>
-        </p:nvCxnSpPr>
-        <p:spPr>
-          <a:xfrm>
-            <a:off x="9028386" y="3783726"/>
-            <a:ext cx="157655" cy="0"/>
-          </a:xfrm>
-          <a:prstGeom prst="line">
-            <a:avLst/>
-          </a:prstGeom>
-        </p:spPr>
-        <p:style>
-          <a:lnRef idx="1">
-            <a:schemeClr val="accent1"/>
-          </a:lnRef>
-          <a:fillRef idx="0">
-            <a:schemeClr val="accent1"/>
-          </a:fillRef>
-          <a:effectRef idx="0">
-            <a:schemeClr val="accent1"/>
-          </a:effectRef>
-          <a:fontRef idx="minor">
-            <a:schemeClr val="tx1"/>
-          </a:fontRef>
-        </p:style>
-      </p:cxnSp>
-      <p:cxnSp>
-        <p:nvCxnSpPr>
-          <p:cNvPr id="147" name="146 Conector recto de flecha"/>
-          <p:cNvCxnSpPr>
-            <a:endCxn id="34" idx="2"/>
-          </p:cNvCxnSpPr>
-          <p:nvPr/>
-        </p:nvCxnSpPr>
-        <p:spPr>
-          <a:xfrm>
-            <a:off x="9291145" y="3783724"/>
-            <a:ext cx="177140" cy="14788"/>
-          </a:xfrm>
-          <a:prstGeom prst="straightConnector1">
-            <a:avLst/>
-          </a:prstGeom>
-          <a:ln>
-            <a:tailEnd type="arrow"/>
-          </a:ln>
-        </p:spPr>
-        <p:style>
-          <a:lnRef idx="1">
-            <a:schemeClr val="accent1"/>
-          </a:lnRef>
-          <a:fillRef idx="0">
-            <a:schemeClr val="accent1"/>
-          </a:fillRef>
-          <a:effectRef idx="0">
-            <a:schemeClr val="accent1"/>
-          </a:effectRef>
-          <a:fontRef idx="minor">
-            <a:schemeClr val="tx1"/>
-          </a:fontRef>
-        </p:style>
-      </p:cxnSp>
       <p:sp>
         <p:nvSpPr>
           <p:cNvPr id="150" name="149 CuadroTexto"/>
@@ -7383,10 +6862,119 @@
           </a:p>
         </p:txBody>
       </p:sp>
+      <p:cxnSp>
+        <p:nvCxnSpPr>
+          <p:cNvPr id="111" name="Straight Arrow Connector 110"/>
+          <p:cNvCxnSpPr>
+            <a:stCxn id="24" idx="1"/>
+          </p:cNvCxnSpPr>
+          <p:nvPr/>
+        </p:nvCxnSpPr>
+        <p:spPr>
+          <a:xfrm flipH="1" flipV="1">
+            <a:off x="4982781" y="2654280"/>
+            <a:ext cx="1310399" cy="856242"/>
+          </a:xfrm>
+          <a:prstGeom prst="straightConnector1">
+            <a:avLst/>
+          </a:prstGeom>
+          <a:ln>
+            <a:prstDash val="lgDash"/>
+            <a:tailEnd type="triangle"/>
+          </a:ln>
+        </p:spPr>
+        <p:style>
+          <a:lnRef idx="1">
+            <a:schemeClr val="accent1"/>
+          </a:lnRef>
+          <a:fillRef idx="0">
+            <a:schemeClr val="accent1"/>
+          </a:fillRef>
+          <a:effectRef idx="0">
+            <a:schemeClr val="accent1"/>
+          </a:effectRef>
+          <a:fontRef idx="minor">
+            <a:schemeClr val="tx1"/>
+          </a:fontRef>
+        </p:style>
+      </p:cxnSp>
+      <p:cxnSp>
+        <p:nvCxnSpPr>
+          <p:cNvPr id="114" name="Straight Arrow Connector 113"/>
+          <p:cNvCxnSpPr>
+            <a:stCxn id="18" idx="6"/>
+            <a:endCxn id="21" idx="2"/>
+          </p:cNvCxnSpPr>
+          <p:nvPr/>
+        </p:nvCxnSpPr>
+        <p:spPr>
+          <a:xfrm>
+            <a:off x="3389586" y="3682897"/>
+            <a:ext cx="949651" cy="52552"/>
+          </a:xfrm>
+          <a:prstGeom prst="straightConnector1">
+            <a:avLst/>
+          </a:prstGeom>
+          <a:ln>
+            <a:prstDash val="lgDash"/>
+            <a:tailEnd type="triangle"/>
+          </a:ln>
+        </p:spPr>
+        <p:style>
+          <a:lnRef idx="1">
+            <a:schemeClr val="accent1"/>
+          </a:lnRef>
+          <a:fillRef idx="0">
+            <a:schemeClr val="accent1"/>
+          </a:fillRef>
+          <a:effectRef idx="0">
+            <a:schemeClr val="accent1"/>
+          </a:effectRef>
+          <a:fontRef idx="minor">
+            <a:schemeClr val="tx1"/>
+          </a:fontRef>
+        </p:style>
+      </p:cxnSp>
+      <p:cxnSp>
+        <p:nvCxnSpPr>
+          <p:cNvPr id="118" name="Straight Arrow Connector 117"/>
+          <p:cNvCxnSpPr>
+            <a:endCxn id="34" idx="2"/>
+          </p:cNvCxnSpPr>
+          <p:nvPr/>
+        </p:nvCxnSpPr>
+        <p:spPr>
+          <a:xfrm>
+            <a:off x="8657905" y="3752745"/>
+            <a:ext cx="810380" cy="45767"/>
+          </a:xfrm>
+          <a:prstGeom prst="straightConnector1">
+            <a:avLst/>
+          </a:prstGeom>
+          <a:ln>
+            <a:prstDash val="lgDash"/>
+            <a:tailEnd type="triangle"/>
+          </a:ln>
+        </p:spPr>
+        <p:style>
+          <a:lnRef idx="1">
+            <a:schemeClr val="accent1"/>
+          </a:lnRef>
+          <a:fillRef idx="0">
+            <a:schemeClr val="accent1"/>
+          </a:fillRef>
+          <a:effectRef idx="0">
+            <a:schemeClr val="accent1"/>
+          </a:effectRef>
+          <a:fontRef idx="minor">
+            <a:schemeClr val="tx1"/>
+          </a:fontRef>
+        </p:style>
+      </p:cxnSp>
     </p:spTree>
     <p:extLst>
       <p:ext uri="{BB962C8B-B14F-4D97-AF65-F5344CB8AC3E}">
-        <p14:creationId xmlns:p14="http://schemas.microsoft.com/office/powerpoint/2010/main" xmlns="" val="546631854"/>
+        <p14:creationId xmlns:p14="http://schemas.microsoft.com/office/powerpoint/2010/main" val="546631854"/>
       </p:ext>
     </p:extLst>
   </p:cSld>
@@ -7450,10 +7038,2954 @@
           </a:p>
         </p:txBody>
       </p:sp>
+      <p:sp>
+        <p:nvSpPr>
+          <p:cNvPr id="13" name="Oval 3"/>
+          <p:cNvSpPr/>
+          <p:nvPr/>
+        </p:nvSpPr>
+        <p:spPr>
+          <a:xfrm>
+            <a:off x="175715" y="3047078"/>
+            <a:ext cx="710983" cy="695640"/>
+          </a:xfrm>
+          <a:prstGeom prst="ellipse">
+            <a:avLst/>
+          </a:prstGeom>
+          <a:ln>
+            <a:solidFill>
+              <a:schemeClr val="tx2"/>
+            </a:solidFill>
+          </a:ln>
+          <a:effectLst>
+            <a:outerShdw blurRad="50800" dist="38100" dir="2700000" algn="tl" rotWithShape="0">
+              <a:prstClr val="black">
+                <a:alpha val="40000"/>
+              </a:prstClr>
+            </a:outerShdw>
+          </a:effectLst>
+        </p:spPr>
+        <p:style>
+          <a:lnRef idx="2">
+            <a:schemeClr val="accent6"/>
+          </a:lnRef>
+          <a:fillRef idx="1">
+            <a:schemeClr val="lt1"/>
+          </a:fillRef>
+          <a:effectRef idx="0">
+            <a:schemeClr val="accent6"/>
+          </a:effectRef>
+          <a:fontRef idx="minor">
+            <a:schemeClr val="dk1"/>
+          </a:fontRef>
+        </p:style>
+        <p:txBody>
+          <a:bodyPr rtlCol="0" anchor="ctr"/>
+          <a:lstStyle/>
+          <a:p>
+            <a:pPr algn="ctr"/>
+            <a:endParaRPr lang="es-AR"/>
+          </a:p>
+        </p:txBody>
+      </p:sp>
+      <p:cxnSp>
+        <p:nvCxnSpPr>
+          <p:cNvPr id="14" name="39 Conector recto"/>
+          <p:cNvCxnSpPr>
+            <a:stCxn id="13" idx="0"/>
+            <a:endCxn id="13" idx="4"/>
+          </p:cNvCxnSpPr>
+          <p:nvPr/>
+        </p:nvCxnSpPr>
+        <p:spPr>
+          <a:xfrm>
+            <a:off x="531207" y="3047078"/>
+            <a:ext cx="0" cy="695640"/>
+          </a:xfrm>
+          <a:prstGeom prst="line">
+            <a:avLst/>
+          </a:prstGeom>
+        </p:spPr>
+        <p:style>
+          <a:lnRef idx="1">
+            <a:schemeClr val="accent1"/>
+          </a:lnRef>
+          <a:fillRef idx="0">
+            <a:schemeClr val="accent1"/>
+          </a:fillRef>
+          <a:effectRef idx="0">
+            <a:schemeClr val="accent1"/>
+          </a:effectRef>
+          <a:fontRef idx="minor">
+            <a:schemeClr val="tx1"/>
+          </a:fontRef>
+        </p:style>
+      </p:cxnSp>
+      <p:cxnSp>
+        <p:nvCxnSpPr>
+          <p:cNvPr id="15" name="40 Conector recto"/>
+          <p:cNvCxnSpPr>
+            <a:stCxn id="13" idx="6"/>
+          </p:cNvCxnSpPr>
+          <p:nvPr/>
+        </p:nvCxnSpPr>
+        <p:spPr>
+          <a:xfrm flipH="1">
+            <a:off x="539857" y="3394898"/>
+            <a:ext cx="346841" cy="978"/>
+          </a:xfrm>
+          <a:prstGeom prst="line">
+            <a:avLst/>
+          </a:prstGeom>
+        </p:spPr>
+        <p:style>
+          <a:lnRef idx="1">
+            <a:schemeClr val="accent1"/>
+          </a:lnRef>
+          <a:fillRef idx="0">
+            <a:schemeClr val="accent1"/>
+          </a:fillRef>
+          <a:effectRef idx="0">
+            <a:schemeClr val="accent1"/>
+          </a:effectRef>
+          <a:fontRef idx="minor">
+            <a:schemeClr val="tx1"/>
+          </a:fontRef>
+        </p:style>
+      </p:cxnSp>
+      <p:sp>
+        <p:nvSpPr>
+          <p:cNvPr id="16" name="41 CuadroTexto"/>
+          <p:cNvSpPr txBox="1"/>
+          <p:nvPr/>
+        </p:nvSpPr>
+        <p:spPr>
+          <a:xfrm>
+            <a:off x="198271" y="3211946"/>
+            <a:ext cx="301686" cy="369332"/>
+          </a:xfrm>
+          <a:prstGeom prst="rect">
+            <a:avLst/>
+          </a:prstGeom>
+          <a:noFill/>
+        </p:spPr>
+        <p:txBody>
+          <a:bodyPr wrap="none" rtlCol="0">
+            <a:spAutoFit/>
+          </a:bodyPr>
+          <a:lstStyle/>
+          <a:p>
+            <a:r>
+              <a:rPr lang="es-AR" dirty="0" smtClean="0"/>
+              <a:t>1</a:t>
+            </a:r>
+            <a:endParaRPr lang="es-AR" dirty="0"/>
+          </a:p>
+        </p:txBody>
+      </p:sp>
+      <p:sp>
+        <p:nvSpPr>
+          <p:cNvPr id="17" name="42 CuadroTexto"/>
+          <p:cNvSpPr txBox="1"/>
+          <p:nvPr/>
+        </p:nvSpPr>
+        <p:spPr>
+          <a:xfrm>
+            <a:off x="524092" y="3054292"/>
+            <a:ext cx="301686" cy="369332"/>
+          </a:xfrm>
+          <a:prstGeom prst="rect">
+            <a:avLst/>
+          </a:prstGeom>
+          <a:noFill/>
+        </p:spPr>
+        <p:txBody>
+          <a:bodyPr wrap="none" rtlCol="0">
+            <a:spAutoFit/>
+          </a:bodyPr>
+          <a:lstStyle/>
+          <a:p>
+            <a:r>
+              <a:rPr lang="es-AR" dirty="0" smtClean="0"/>
+              <a:t>0</a:t>
+            </a:r>
+            <a:endParaRPr lang="es-AR" dirty="0"/>
+          </a:p>
+        </p:txBody>
+      </p:sp>
+      <p:sp>
+        <p:nvSpPr>
+          <p:cNvPr id="18" name="43 CuadroTexto"/>
+          <p:cNvSpPr txBox="1"/>
+          <p:nvPr/>
+        </p:nvSpPr>
+        <p:spPr>
+          <a:xfrm>
+            <a:off x="524092" y="3338070"/>
+            <a:ext cx="301686" cy="369332"/>
+          </a:xfrm>
+          <a:prstGeom prst="rect">
+            <a:avLst/>
+          </a:prstGeom>
+          <a:noFill/>
+        </p:spPr>
+        <p:txBody>
+          <a:bodyPr wrap="none" rtlCol="0">
+            <a:spAutoFit/>
+          </a:bodyPr>
+          <a:lstStyle/>
+          <a:p>
+            <a:r>
+              <a:rPr lang="es-AR" dirty="0" smtClean="0"/>
+              <a:t>0</a:t>
+            </a:r>
+            <a:endParaRPr lang="es-AR" dirty="0"/>
+          </a:p>
+        </p:txBody>
+      </p:sp>
+      <p:sp>
+        <p:nvSpPr>
+          <p:cNvPr id="19" name="Oval 3"/>
+          <p:cNvSpPr/>
+          <p:nvPr/>
+        </p:nvSpPr>
+        <p:spPr>
+          <a:xfrm>
+            <a:off x="1616003" y="2040380"/>
+            <a:ext cx="710983" cy="695640"/>
+          </a:xfrm>
+          <a:prstGeom prst="ellipse">
+            <a:avLst/>
+          </a:prstGeom>
+          <a:ln>
+            <a:solidFill>
+              <a:schemeClr val="tx2"/>
+            </a:solidFill>
+          </a:ln>
+          <a:effectLst>
+            <a:outerShdw blurRad="50800" dist="38100" dir="2700000" algn="tl" rotWithShape="0">
+              <a:prstClr val="black">
+                <a:alpha val="40000"/>
+              </a:prstClr>
+            </a:outerShdw>
+          </a:effectLst>
+        </p:spPr>
+        <p:style>
+          <a:lnRef idx="2">
+            <a:schemeClr val="accent6"/>
+          </a:lnRef>
+          <a:fillRef idx="1">
+            <a:schemeClr val="lt1"/>
+          </a:fillRef>
+          <a:effectRef idx="0">
+            <a:schemeClr val="accent6"/>
+          </a:effectRef>
+          <a:fontRef idx="minor">
+            <a:schemeClr val="dk1"/>
+          </a:fontRef>
+        </p:style>
+        <p:txBody>
+          <a:bodyPr rtlCol="0" anchor="ctr"/>
+          <a:lstStyle/>
+          <a:p>
+            <a:pPr algn="ctr"/>
+            <a:endParaRPr lang="es-AR"/>
+          </a:p>
+        </p:txBody>
+      </p:sp>
+      <p:cxnSp>
+        <p:nvCxnSpPr>
+          <p:cNvPr id="20" name="39 Conector recto"/>
+          <p:cNvCxnSpPr>
+            <a:stCxn id="19" idx="0"/>
+            <a:endCxn id="19" idx="4"/>
+          </p:cNvCxnSpPr>
+          <p:nvPr/>
+        </p:nvCxnSpPr>
+        <p:spPr>
+          <a:xfrm>
+            <a:off x="1971495" y="2040380"/>
+            <a:ext cx="0" cy="695640"/>
+          </a:xfrm>
+          <a:prstGeom prst="line">
+            <a:avLst/>
+          </a:prstGeom>
+        </p:spPr>
+        <p:style>
+          <a:lnRef idx="1">
+            <a:schemeClr val="accent1"/>
+          </a:lnRef>
+          <a:fillRef idx="0">
+            <a:schemeClr val="accent1"/>
+          </a:fillRef>
+          <a:effectRef idx="0">
+            <a:schemeClr val="accent1"/>
+          </a:effectRef>
+          <a:fontRef idx="minor">
+            <a:schemeClr val="tx1"/>
+          </a:fontRef>
+        </p:style>
+      </p:cxnSp>
+      <p:cxnSp>
+        <p:nvCxnSpPr>
+          <p:cNvPr id="21" name="40 Conector recto"/>
+          <p:cNvCxnSpPr>
+            <a:stCxn id="19" idx="6"/>
+          </p:cNvCxnSpPr>
+          <p:nvPr/>
+        </p:nvCxnSpPr>
+        <p:spPr>
+          <a:xfrm flipH="1">
+            <a:off x="1980145" y="2388200"/>
+            <a:ext cx="346841" cy="978"/>
+          </a:xfrm>
+          <a:prstGeom prst="line">
+            <a:avLst/>
+          </a:prstGeom>
+        </p:spPr>
+        <p:style>
+          <a:lnRef idx="1">
+            <a:schemeClr val="accent1"/>
+          </a:lnRef>
+          <a:fillRef idx="0">
+            <a:schemeClr val="accent1"/>
+          </a:fillRef>
+          <a:effectRef idx="0">
+            <a:schemeClr val="accent1"/>
+          </a:effectRef>
+          <a:fontRef idx="minor">
+            <a:schemeClr val="tx1"/>
+          </a:fontRef>
+        </p:style>
+      </p:cxnSp>
+      <p:sp>
+        <p:nvSpPr>
+          <p:cNvPr id="22" name="41 CuadroTexto"/>
+          <p:cNvSpPr txBox="1"/>
+          <p:nvPr/>
+        </p:nvSpPr>
+        <p:spPr>
+          <a:xfrm>
+            <a:off x="1638559" y="2205248"/>
+            <a:ext cx="301686" cy="369332"/>
+          </a:xfrm>
+          <a:prstGeom prst="rect">
+            <a:avLst/>
+          </a:prstGeom>
+          <a:noFill/>
+        </p:spPr>
+        <p:txBody>
+          <a:bodyPr wrap="none" rtlCol="0">
+            <a:spAutoFit/>
+          </a:bodyPr>
+          <a:lstStyle/>
+          <a:p>
+            <a:r>
+              <a:rPr lang="es-AR" dirty="0"/>
+              <a:t>2</a:t>
+            </a:r>
+            <a:endParaRPr lang="es-AR" dirty="0"/>
+          </a:p>
+        </p:txBody>
+      </p:sp>
+      <p:sp>
+        <p:nvSpPr>
+          <p:cNvPr id="23" name="42 CuadroTexto"/>
+          <p:cNvSpPr txBox="1"/>
+          <p:nvPr/>
+        </p:nvSpPr>
+        <p:spPr>
+          <a:xfrm>
+            <a:off x="1964380" y="2047594"/>
+            <a:ext cx="418704" cy="369332"/>
+          </a:xfrm>
+          <a:prstGeom prst="rect">
+            <a:avLst/>
+          </a:prstGeom>
+          <a:noFill/>
+        </p:spPr>
+        <p:txBody>
+          <a:bodyPr wrap="none" rtlCol="0">
+            <a:spAutoFit/>
+          </a:bodyPr>
+          <a:lstStyle/>
+          <a:p>
+            <a:r>
+              <a:rPr lang="es-AR" dirty="0" smtClean="0"/>
+              <a:t>48</a:t>
+            </a:r>
+            <a:endParaRPr lang="es-AR" dirty="0"/>
+          </a:p>
+        </p:txBody>
+      </p:sp>
+      <p:sp>
+        <p:nvSpPr>
+          <p:cNvPr id="24" name="43 CuadroTexto"/>
+          <p:cNvSpPr txBox="1"/>
+          <p:nvPr/>
+        </p:nvSpPr>
+        <p:spPr>
+          <a:xfrm>
+            <a:off x="1964380" y="2331372"/>
+            <a:ext cx="418704" cy="369332"/>
+          </a:xfrm>
+          <a:prstGeom prst="rect">
+            <a:avLst/>
+          </a:prstGeom>
+          <a:noFill/>
+        </p:spPr>
+        <p:txBody>
+          <a:bodyPr wrap="none" rtlCol="0">
+            <a:spAutoFit/>
+          </a:bodyPr>
+          <a:lstStyle/>
+          <a:p>
+            <a:r>
+              <a:rPr lang="es-AR" dirty="0" smtClean="0"/>
+              <a:t>48</a:t>
+            </a:r>
+            <a:endParaRPr lang="es-AR" dirty="0"/>
+          </a:p>
+        </p:txBody>
+      </p:sp>
+      <p:grpSp>
+        <p:nvGrpSpPr>
+          <p:cNvPr id="51" name="Group 50"/>
+          <p:cNvGrpSpPr/>
+          <p:nvPr/>
+        </p:nvGrpSpPr>
+        <p:grpSpPr>
+          <a:xfrm>
+            <a:off x="2888865" y="3075804"/>
+            <a:ext cx="767081" cy="695640"/>
+            <a:chOff x="2888865" y="3075804"/>
+            <a:chExt cx="767081" cy="695640"/>
+          </a:xfrm>
+        </p:grpSpPr>
+        <p:sp>
+          <p:nvSpPr>
+            <p:cNvPr id="25" name="Oval 3"/>
+            <p:cNvSpPr/>
+            <p:nvPr/>
+          </p:nvSpPr>
+          <p:spPr>
+            <a:xfrm>
+              <a:off x="2888865" y="3075804"/>
+              <a:ext cx="710983" cy="695640"/>
+            </a:xfrm>
+            <a:prstGeom prst="ellipse">
+              <a:avLst/>
+            </a:prstGeom>
+            <a:ln>
+              <a:solidFill>
+                <a:schemeClr val="tx2"/>
+              </a:solidFill>
+            </a:ln>
+            <a:effectLst>
+              <a:outerShdw blurRad="50800" dist="38100" dir="2700000" algn="tl" rotWithShape="0">
+                <a:prstClr val="black">
+                  <a:alpha val="40000"/>
+                </a:prstClr>
+              </a:outerShdw>
+            </a:effectLst>
+          </p:spPr>
+          <p:style>
+            <a:lnRef idx="2">
+              <a:schemeClr val="accent6"/>
+            </a:lnRef>
+            <a:fillRef idx="1">
+              <a:schemeClr val="lt1"/>
+            </a:fillRef>
+            <a:effectRef idx="0">
+              <a:schemeClr val="accent6"/>
+            </a:effectRef>
+            <a:fontRef idx="minor">
+              <a:schemeClr val="dk1"/>
+            </a:fontRef>
+          </p:style>
+          <p:txBody>
+            <a:bodyPr rtlCol="0" anchor="ctr"/>
+            <a:lstStyle/>
+            <a:p>
+              <a:pPr algn="ctr"/>
+              <a:endParaRPr lang="es-AR"/>
+            </a:p>
+          </p:txBody>
+        </p:sp>
+        <p:cxnSp>
+          <p:nvCxnSpPr>
+            <p:cNvPr id="26" name="39 Conector recto"/>
+            <p:cNvCxnSpPr>
+              <a:stCxn id="25" idx="0"/>
+              <a:endCxn id="25" idx="4"/>
+            </p:cNvCxnSpPr>
+            <p:nvPr/>
+          </p:nvCxnSpPr>
+          <p:spPr>
+            <a:xfrm>
+              <a:off x="3244357" y="3075804"/>
+              <a:ext cx="0" cy="695640"/>
+            </a:xfrm>
+            <a:prstGeom prst="line">
+              <a:avLst/>
+            </a:prstGeom>
+          </p:spPr>
+          <p:style>
+            <a:lnRef idx="1">
+              <a:schemeClr val="accent1"/>
+            </a:lnRef>
+            <a:fillRef idx="0">
+              <a:schemeClr val="accent1"/>
+            </a:fillRef>
+            <a:effectRef idx="0">
+              <a:schemeClr val="accent1"/>
+            </a:effectRef>
+            <a:fontRef idx="minor">
+              <a:schemeClr val="tx1"/>
+            </a:fontRef>
+          </p:style>
+        </p:cxnSp>
+        <p:cxnSp>
+          <p:nvCxnSpPr>
+            <p:cNvPr id="27" name="40 Conector recto"/>
+            <p:cNvCxnSpPr>
+              <a:stCxn id="25" idx="6"/>
+            </p:cNvCxnSpPr>
+            <p:nvPr/>
+          </p:nvCxnSpPr>
+          <p:spPr>
+            <a:xfrm flipH="1">
+              <a:off x="3253007" y="3423624"/>
+              <a:ext cx="346841" cy="978"/>
+            </a:xfrm>
+            <a:prstGeom prst="line">
+              <a:avLst/>
+            </a:prstGeom>
+          </p:spPr>
+          <p:style>
+            <a:lnRef idx="1">
+              <a:schemeClr val="accent1"/>
+            </a:lnRef>
+            <a:fillRef idx="0">
+              <a:schemeClr val="accent1"/>
+            </a:fillRef>
+            <a:effectRef idx="0">
+              <a:schemeClr val="accent1"/>
+            </a:effectRef>
+            <a:fontRef idx="minor">
+              <a:schemeClr val="tx1"/>
+            </a:fontRef>
+          </p:style>
+        </p:cxnSp>
+        <p:sp>
+          <p:nvSpPr>
+            <p:cNvPr id="28" name="41 CuadroTexto"/>
+            <p:cNvSpPr txBox="1"/>
+            <p:nvPr/>
+          </p:nvSpPr>
+          <p:spPr>
+            <a:xfrm>
+              <a:off x="2911421" y="3240672"/>
+              <a:ext cx="301686" cy="369332"/>
+            </a:xfrm>
+            <a:prstGeom prst="rect">
+              <a:avLst/>
+            </a:prstGeom>
+            <a:noFill/>
+          </p:spPr>
+          <p:txBody>
+            <a:bodyPr wrap="none" rtlCol="0">
+              <a:spAutoFit/>
+            </a:bodyPr>
+            <a:lstStyle/>
+            <a:p>
+              <a:r>
+                <a:rPr lang="es-AR" dirty="0" smtClean="0"/>
+                <a:t>3</a:t>
+              </a:r>
+              <a:endParaRPr lang="es-AR" dirty="0"/>
+            </a:p>
+          </p:txBody>
+        </p:sp>
+        <p:sp>
+          <p:nvSpPr>
+            <p:cNvPr id="30" name="42 CuadroTexto"/>
+            <p:cNvSpPr txBox="1"/>
+            <p:nvPr/>
+          </p:nvSpPr>
+          <p:spPr>
+            <a:xfrm>
+              <a:off x="3237242" y="3083018"/>
+              <a:ext cx="418704" cy="369332"/>
+            </a:xfrm>
+            <a:prstGeom prst="rect">
+              <a:avLst/>
+            </a:prstGeom>
+            <a:noFill/>
+          </p:spPr>
+          <p:txBody>
+            <a:bodyPr wrap="none" rtlCol="0">
+              <a:spAutoFit/>
+            </a:bodyPr>
+            <a:lstStyle/>
+            <a:p>
+              <a:r>
+                <a:rPr lang="es-AR" dirty="0" smtClean="0"/>
+                <a:t>48</a:t>
+              </a:r>
+              <a:endParaRPr lang="es-AR" dirty="0"/>
+            </a:p>
+          </p:txBody>
+        </p:sp>
+        <p:sp>
+          <p:nvSpPr>
+            <p:cNvPr id="31" name="43 CuadroTexto"/>
+            <p:cNvSpPr txBox="1"/>
+            <p:nvPr/>
+          </p:nvSpPr>
+          <p:spPr>
+            <a:xfrm>
+              <a:off x="3237242" y="3366796"/>
+              <a:ext cx="418704" cy="369332"/>
+            </a:xfrm>
+            <a:prstGeom prst="rect">
+              <a:avLst/>
+            </a:prstGeom>
+            <a:noFill/>
+          </p:spPr>
+          <p:txBody>
+            <a:bodyPr wrap="none" rtlCol="0">
+              <a:spAutoFit/>
+            </a:bodyPr>
+            <a:lstStyle/>
+            <a:p>
+              <a:r>
+                <a:rPr lang="es-AR" dirty="0" smtClean="0"/>
+                <a:t>48</a:t>
+              </a:r>
+              <a:endParaRPr lang="es-AR" dirty="0"/>
+            </a:p>
+          </p:txBody>
+        </p:sp>
+      </p:grpSp>
+      <p:cxnSp>
+        <p:nvCxnSpPr>
+          <p:cNvPr id="32" name="41 Conector recto de flecha"/>
+          <p:cNvCxnSpPr>
+            <a:endCxn id="25" idx="2"/>
+          </p:cNvCxnSpPr>
+          <p:nvPr/>
+        </p:nvCxnSpPr>
+        <p:spPr>
+          <a:xfrm>
+            <a:off x="946510" y="3423624"/>
+            <a:ext cx="1942355" cy="0"/>
+          </a:xfrm>
+          <a:prstGeom prst="straightConnector1">
+            <a:avLst/>
+          </a:prstGeom>
+          <a:ln>
+            <a:tailEnd type="arrow"/>
+          </a:ln>
+        </p:spPr>
+        <p:style>
+          <a:lnRef idx="1">
+            <a:schemeClr val="accent1"/>
+          </a:lnRef>
+          <a:fillRef idx="0">
+            <a:schemeClr val="accent1"/>
+          </a:fillRef>
+          <a:effectRef idx="0">
+            <a:schemeClr val="accent1"/>
+          </a:effectRef>
+          <a:fontRef idx="minor">
+            <a:schemeClr val="tx1"/>
+          </a:fontRef>
+        </p:style>
+      </p:cxnSp>
+      <p:sp>
+        <p:nvSpPr>
+          <p:cNvPr id="33" name="80 CuadroTexto"/>
+          <p:cNvSpPr txBox="1"/>
+          <p:nvPr/>
+        </p:nvSpPr>
+        <p:spPr>
+          <a:xfrm>
+            <a:off x="1816644" y="3040341"/>
+            <a:ext cx="309700" cy="369332"/>
+          </a:xfrm>
+          <a:prstGeom prst="rect">
+            <a:avLst/>
+          </a:prstGeom>
+          <a:noFill/>
+        </p:spPr>
+        <p:txBody>
+          <a:bodyPr wrap="none" rtlCol="0">
+            <a:spAutoFit/>
+          </a:bodyPr>
+          <a:lstStyle/>
+          <a:p>
+            <a:r>
+              <a:rPr lang="es-AR" dirty="0"/>
+              <a:t>B</a:t>
+            </a:r>
+            <a:endParaRPr lang="es-AR" dirty="0"/>
+          </a:p>
+        </p:txBody>
+      </p:sp>
+      <p:sp>
+        <p:nvSpPr>
+          <p:cNvPr id="34" name="181 CuadroTexto"/>
+          <p:cNvSpPr txBox="1"/>
+          <p:nvPr/>
+        </p:nvSpPr>
+        <p:spPr>
+          <a:xfrm>
+            <a:off x="1745213" y="3522736"/>
+            <a:ext cx="367408" cy="307777"/>
+          </a:xfrm>
+          <a:prstGeom prst="rect">
+            <a:avLst/>
+          </a:prstGeom>
+          <a:noFill/>
+        </p:spPr>
+        <p:txBody>
+          <a:bodyPr wrap="none" rtlCol="0">
+            <a:spAutoFit/>
+          </a:bodyPr>
+          <a:lstStyle/>
+          <a:p>
+            <a:r>
+              <a:rPr lang="es-AR" sz="1400" dirty="0" smtClean="0">
+                <a:solidFill>
+                  <a:srgbClr val="00B050"/>
+                </a:solidFill>
+              </a:rPr>
+              <a:t>24</a:t>
+            </a:r>
+            <a:endParaRPr lang="es-AR" sz="1400" dirty="0">
+              <a:solidFill>
+                <a:srgbClr val="00B050"/>
+              </a:solidFill>
+            </a:endParaRPr>
+          </a:p>
+        </p:txBody>
+      </p:sp>
+      <p:cxnSp>
+        <p:nvCxnSpPr>
+          <p:cNvPr id="35" name="41 Conector recto de flecha"/>
+          <p:cNvCxnSpPr>
+            <a:endCxn id="19" idx="2"/>
+          </p:cNvCxnSpPr>
+          <p:nvPr/>
+        </p:nvCxnSpPr>
+        <p:spPr>
+          <a:xfrm flipV="1">
+            <a:off x="579738" y="2388200"/>
+            <a:ext cx="1036265" cy="667978"/>
+          </a:xfrm>
+          <a:prstGeom prst="straightConnector1">
+            <a:avLst/>
+          </a:prstGeom>
+          <a:ln>
+            <a:tailEnd type="arrow"/>
+          </a:ln>
+        </p:spPr>
+        <p:style>
+          <a:lnRef idx="1">
+            <a:schemeClr val="accent1"/>
+          </a:lnRef>
+          <a:fillRef idx="0">
+            <a:schemeClr val="accent1"/>
+          </a:fillRef>
+          <a:effectRef idx="0">
+            <a:schemeClr val="accent1"/>
+          </a:effectRef>
+          <a:fontRef idx="minor">
+            <a:schemeClr val="tx1"/>
+          </a:fontRef>
+        </p:style>
+      </p:cxnSp>
+      <p:cxnSp>
+        <p:nvCxnSpPr>
+          <p:cNvPr id="38" name="41 Conector recto de flecha"/>
+          <p:cNvCxnSpPr>
+            <a:endCxn id="25" idx="0"/>
+          </p:cNvCxnSpPr>
+          <p:nvPr/>
+        </p:nvCxnSpPr>
+        <p:spPr>
+          <a:xfrm>
+            <a:off x="2374383" y="2373739"/>
+            <a:ext cx="869974" cy="702065"/>
+          </a:xfrm>
+          <a:prstGeom prst="straightConnector1">
+            <a:avLst/>
+          </a:prstGeom>
+          <a:ln>
+            <a:prstDash val="lgDash"/>
+            <a:tailEnd type="arrow"/>
+          </a:ln>
+        </p:spPr>
+        <p:style>
+          <a:lnRef idx="1">
+            <a:schemeClr val="accent1"/>
+          </a:lnRef>
+          <a:fillRef idx="0">
+            <a:schemeClr val="accent1"/>
+          </a:fillRef>
+          <a:effectRef idx="0">
+            <a:schemeClr val="accent1"/>
+          </a:effectRef>
+          <a:fontRef idx="minor">
+            <a:schemeClr val="tx1"/>
+          </a:fontRef>
+        </p:style>
+      </p:cxnSp>
+      <p:sp>
+        <p:nvSpPr>
+          <p:cNvPr id="42" name="80 CuadroTexto"/>
+          <p:cNvSpPr txBox="1"/>
+          <p:nvPr/>
+        </p:nvSpPr>
+        <p:spPr>
+          <a:xfrm>
+            <a:off x="857623" y="2289089"/>
+            <a:ext cx="317716" cy="369332"/>
+          </a:xfrm>
+          <a:prstGeom prst="rect">
+            <a:avLst/>
+          </a:prstGeom>
+          <a:noFill/>
+        </p:spPr>
+        <p:txBody>
+          <a:bodyPr wrap="none" rtlCol="0">
+            <a:spAutoFit/>
+          </a:bodyPr>
+          <a:lstStyle/>
+          <a:p>
+            <a:r>
+              <a:rPr lang="es-AR" dirty="0" smtClean="0"/>
+              <a:t>A</a:t>
+            </a:r>
+            <a:endParaRPr lang="es-AR" dirty="0"/>
+          </a:p>
+        </p:txBody>
+      </p:sp>
+      <p:sp>
+        <p:nvSpPr>
+          <p:cNvPr id="43" name="181 CuadroTexto"/>
+          <p:cNvSpPr txBox="1"/>
+          <p:nvPr/>
+        </p:nvSpPr>
+        <p:spPr>
+          <a:xfrm>
+            <a:off x="1098597" y="2722189"/>
+            <a:ext cx="367408" cy="307777"/>
+          </a:xfrm>
+          <a:prstGeom prst="rect">
+            <a:avLst/>
+          </a:prstGeom>
+          <a:noFill/>
+        </p:spPr>
+        <p:txBody>
+          <a:bodyPr wrap="none" rtlCol="0">
+            <a:spAutoFit/>
+          </a:bodyPr>
+          <a:lstStyle/>
+          <a:p>
+            <a:r>
+              <a:rPr lang="es-AR" sz="1400" dirty="0" smtClean="0">
+                <a:solidFill>
+                  <a:srgbClr val="00B050"/>
+                </a:solidFill>
+              </a:rPr>
+              <a:t>48</a:t>
+            </a:r>
+            <a:endParaRPr lang="es-AR" sz="1400" dirty="0">
+              <a:solidFill>
+                <a:srgbClr val="00B050"/>
+              </a:solidFill>
+            </a:endParaRPr>
+          </a:p>
+        </p:txBody>
+      </p:sp>
+      <p:grpSp>
+        <p:nvGrpSpPr>
+          <p:cNvPr id="50" name="Group 49"/>
+          <p:cNvGrpSpPr/>
+          <p:nvPr/>
+        </p:nvGrpSpPr>
+        <p:grpSpPr>
+          <a:xfrm>
+            <a:off x="4362369" y="3104530"/>
+            <a:ext cx="767081" cy="695640"/>
+            <a:chOff x="4134779" y="3104530"/>
+            <a:chExt cx="767081" cy="695640"/>
+          </a:xfrm>
+        </p:grpSpPr>
+        <p:sp>
+          <p:nvSpPr>
+            <p:cNvPr id="44" name="Oval 3"/>
+            <p:cNvSpPr/>
+            <p:nvPr/>
+          </p:nvSpPr>
+          <p:spPr>
+            <a:xfrm>
+              <a:off x="4134779" y="3104530"/>
+              <a:ext cx="710983" cy="695640"/>
+            </a:xfrm>
+            <a:prstGeom prst="ellipse">
+              <a:avLst/>
+            </a:prstGeom>
+            <a:ln>
+              <a:solidFill>
+                <a:schemeClr val="tx2"/>
+              </a:solidFill>
+            </a:ln>
+            <a:effectLst>
+              <a:outerShdw blurRad="50800" dist="38100" dir="2700000" algn="tl" rotWithShape="0">
+                <a:prstClr val="black">
+                  <a:alpha val="40000"/>
+                </a:prstClr>
+              </a:outerShdw>
+            </a:effectLst>
+          </p:spPr>
+          <p:style>
+            <a:lnRef idx="2">
+              <a:schemeClr val="accent6"/>
+            </a:lnRef>
+            <a:fillRef idx="1">
+              <a:schemeClr val="lt1"/>
+            </a:fillRef>
+            <a:effectRef idx="0">
+              <a:schemeClr val="accent6"/>
+            </a:effectRef>
+            <a:fontRef idx="minor">
+              <a:schemeClr val="dk1"/>
+            </a:fontRef>
+          </p:style>
+          <p:txBody>
+            <a:bodyPr rtlCol="0" anchor="ctr"/>
+            <a:lstStyle/>
+            <a:p>
+              <a:pPr algn="ctr"/>
+              <a:endParaRPr lang="es-AR"/>
+            </a:p>
+          </p:txBody>
+        </p:sp>
+        <p:cxnSp>
+          <p:nvCxnSpPr>
+            <p:cNvPr id="45" name="39 Conector recto"/>
+            <p:cNvCxnSpPr>
+              <a:stCxn id="44" idx="0"/>
+              <a:endCxn id="44" idx="4"/>
+            </p:cNvCxnSpPr>
+            <p:nvPr/>
+          </p:nvCxnSpPr>
+          <p:spPr>
+            <a:xfrm>
+              <a:off x="4490271" y="3104530"/>
+              <a:ext cx="0" cy="695640"/>
+            </a:xfrm>
+            <a:prstGeom prst="line">
+              <a:avLst/>
+            </a:prstGeom>
+          </p:spPr>
+          <p:style>
+            <a:lnRef idx="1">
+              <a:schemeClr val="accent1"/>
+            </a:lnRef>
+            <a:fillRef idx="0">
+              <a:schemeClr val="accent1"/>
+            </a:fillRef>
+            <a:effectRef idx="0">
+              <a:schemeClr val="accent1"/>
+            </a:effectRef>
+            <a:fontRef idx="minor">
+              <a:schemeClr val="tx1"/>
+            </a:fontRef>
+          </p:style>
+        </p:cxnSp>
+        <p:cxnSp>
+          <p:nvCxnSpPr>
+            <p:cNvPr id="46" name="40 Conector recto"/>
+            <p:cNvCxnSpPr>
+              <a:stCxn id="44" idx="6"/>
+            </p:cNvCxnSpPr>
+            <p:nvPr/>
+          </p:nvCxnSpPr>
+          <p:spPr>
+            <a:xfrm flipH="1">
+              <a:off x="4498921" y="3452350"/>
+              <a:ext cx="346841" cy="978"/>
+            </a:xfrm>
+            <a:prstGeom prst="line">
+              <a:avLst/>
+            </a:prstGeom>
+          </p:spPr>
+          <p:style>
+            <a:lnRef idx="1">
+              <a:schemeClr val="accent1"/>
+            </a:lnRef>
+            <a:fillRef idx="0">
+              <a:schemeClr val="accent1"/>
+            </a:fillRef>
+            <a:effectRef idx="0">
+              <a:schemeClr val="accent1"/>
+            </a:effectRef>
+            <a:fontRef idx="minor">
+              <a:schemeClr val="tx1"/>
+            </a:fontRef>
+          </p:style>
+        </p:cxnSp>
+        <p:sp>
+          <p:nvSpPr>
+            <p:cNvPr id="47" name="41 CuadroTexto"/>
+            <p:cNvSpPr txBox="1"/>
+            <p:nvPr/>
+          </p:nvSpPr>
+          <p:spPr>
+            <a:xfrm>
+              <a:off x="4157335" y="3269398"/>
+              <a:ext cx="301686" cy="369332"/>
+            </a:xfrm>
+            <a:prstGeom prst="rect">
+              <a:avLst/>
+            </a:prstGeom>
+            <a:noFill/>
+          </p:spPr>
+          <p:txBody>
+            <a:bodyPr wrap="none" rtlCol="0">
+              <a:spAutoFit/>
+            </a:bodyPr>
+            <a:lstStyle/>
+            <a:p>
+              <a:r>
+                <a:rPr lang="es-AR" dirty="0"/>
+                <a:t>4</a:t>
+              </a:r>
+              <a:endParaRPr lang="es-AR" dirty="0"/>
+            </a:p>
+          </p:txBody>
+        </p:sp>
+        <p:sp>
+          <p:nvSpPr>
+            <p:cNvPr id="48" name="42 CuadroTexto"/>
+            <p:cNvSpPr txBox="1"/>
+            <p:nvPr/>
+          </p:nvSpPr>
+          <p:spPr>
+            <a:xfrm>
+              <a:off x="4483156" y="3111744"/>
+              <a:ext cx="418704" cy="369332"/>
+            </a:xfrm>
+            <a:prstGeom prst="rect">
+              <a:avLst/>
+            </a:prstGeom>
+            <a:noFill/>
+          </p:spPr>
+          <p:txBody>
+            <a:bodyPr wrap="none" rtlCol="0">
+              <a:spAutoFit/>
+            </a:bodyPr>
+            <a:lstStyle/>
+            <a:p>
+              <a:r>
+                <a:rPr lang="es-AR" dirty="0" smtClean="0"/>
+                <a:t>54</a:t>
+              </a:r>
+              <a:endParaRPr lang="es-AR" dirty="0"/>
+            </a:p>
+          </p:txBody>
+        </p:sp>
+        <p:sp>
+          <p:nvSpPr>
+            <p:cNvPr id="49" name="43 CuadroTexto"/>
+            <p:cNvSpPr txBox="1"/>
+            <p:nvPr/>
+          </p:nvSpPr>
+          <p:spPr>
+            <a:xfrm>
+              <a:off x="4483156" y="3395522"/>
+              <a:ext cx="418704" cy="369332"/>
+            </a:xfrm>
+            <a:prstGeom prst="rect">
+              <a:avLst/>
+            </a:prstGeom>
+            <a:noFill/>
+          </p:spPr>
+          <p:txBody>
+            <a:bodyPr wrap="none" rtlCol="0">
+              <a:spAutoFit/>
+            </a:bodyPr>
+            <a:lstStyle/>
+            <a:p>
+              <a:r>
+                <a:rPr lang="es-AR" dirty="0" smtClean="0"/>
+                <a:t>54</a:t>
+              </a:r>
+              <a:endParaRPr lang="es-AR" dirty="0"/>
+            </a:p>
+          </p:txBody>
+        </p:sp>
+      </p:grpSp>
+      <p:cxnSp>
+        <p:nvCxnSpPr>
+          <p:cNvPr id="52" name="41 Conector recto de flecha"/>
+          <p:cNvCxnSpPr>
+            <a:endCxn id="44" idx="2"/>
+          </p:cNvCxnSpPr>
+          <p:nvPr/>
+        </p:nvCxnSpPr>
+        <p:spPr>
+          <a:xfrm>
+            <a:off x="3688286" y="3446975"/>
+            <a:ext cx="674083" cy="5375"/>
+          </a:xfrm>
+          <a:prstGeom prst="straightConnector1">
+            <a:avLst/>
+          </a:prstGeom>
+          <a:ln>
+            <a:tailEnd type="arrow"/>
+          </a:ln>
+        </p:spPr>
+        <p:style>
+          <a:lnRef idx="1">
+            <a:schemeClr val="accent1"/>
+          </a:lnRef>
+          <a:fillRef idx="0">
+            <a:schemeClr val="accent1"/>
+          </a:fillRef>
+          <a:effectRef idx="0">
+            <a:schemeClr val="accent1"/>
+          </a:effectRef>
+          <a:fontRef idx="minor">
+            <a:schemeClr val="tx1"/>
+          </a:fontRef>
+        </p:style>
+      </p:cxnSp>
+      <p:sp>
+        <p:nvSpPr>
+          <p:cNvPr id="55" name="80 CuadroTexto"/>
+          <p:cNvSpPr txBox="1"/>
+          <p:nvPr/>
+        </p:nvSpPr>
+        <p:spPr>
+          <a:xfrm>
+            <a:off x="3850813" y="3075804"/>
+            <a:ext cx="308098" cy="369332"/>
+          </a:xfrm>
+          <a:prstGeom prst="rect">
+            <a:avLst/>
+          </a:prstGeom>
+          <a:noFill/>
+        </p:spPr>
+        <p:txBody>
+          <a:bodyPr wrap="none" rtlCol="0">
+            <a:spAutoFit/>
+          </a:bodyPr>
+          <a:lstStyle/>
+          <a:p>
+            <a:r>
+              <a:rPr lang="es-AR" dirty="0"/>
+              <a:t>C</a:t>
+            </a:r>
+            <a:endParaRPr lang="es-AR" dirty="0"/>
+          </a:p>
+        </p:txBody>
+      </p:sp>
+      <p:sp>
+        <p:nvSpPr>
+          <p:cNvPr id="56" name="181 CuadroTexto"/>
+          <p:cNvSpPr txBox="1"/>
+          <p:nvPr/>
+        </p:nvSpPr>
+        <p:spPr>
+          <a:xfrm>
+            <a:off x="3948225" y="3536566"/>
+            <a:ext cx="276038" cy="307777"/>
+          </a:xfrm>
+          <a:prstGeom prst="rect">
+            <a:avLst/>
+          </a:prstGeom>
+          <a:noFill/>
+        </p:spPr>
+        <p:txBody>
+          <a:bodyPr wrap="none" rtlCol="0">
+            <a:spAutoFit/>
+          </a:bodyPr>
+          <a:lstStyle/>
+          <a:p>
+            <a:r>
+              <a:rPr lang="es-AR" sz="1400" dirty="0" smtClean="0">
+                <a:solidFill>
+                  <a:srgbClr val="00B050"/>
+                </a:solidFill>
+              </a:rPr>
+              <a:t>6</a:t>
+            </a:r>
+            <a:endParaRPr lang="es-AR" sz="1400" dirty="0">
+              <a:solidFill>
+                <a:srgbClr val="00B050"/>
+              </a:solidFill>
+            </a:endParaRPr>
+          </a:p>
+        </p:txBody>
+      </p:sp>
+      <p:cxnSp>
+        <p:nvCxnSpPr>
+          <p:cNvPr id="64" name="41 Conector recto de flecha"/>
+          <p:cNvCxnSpPr>
+            <a:endCxn id="58" idx="2"/>
+          </p:cNvCxnSpPr>
+          <p:nvPr/>
+        </p:nvCxnSpPr>
+        <p:spPr>
+          <a:xfrm>
+            <a:off x="5150663" y="3475701"/>
+            <a:ext cx="674083" cy="5375"/>
+          </a:xfrm>
+          <a:prstGeom prst="straightConnector1">
+            <a:avLst/>
+          </a:prstGeom>
+          <a:ln>
+            <a:tailEnd type="arrow"/>
+          </a:ln>
+        </p:spPr>
+        <p:style>
+          <a:lnRef idx="1">
+            <a:schemeClr val="accent1"/>
+          </a:lnRef>
+          <a:fillRef idx="0">
+            <a:schemeClr val="accent1"/>
+          </a:fillRef>
+          <a:effectRef idx="0">
+            <a:schemeClr val="accent1"/>
+          </a:effectRef>
+          <a:fontRef idx="minor">
+            <a:schemeClr val="tx1"/>
+          </a:fontRef>
+        </p:style>
+      </p:cxnSp>
+      <p:sp>
+        <p:nvSpPr>
+          <p:cNvPr id="65" name="80 CuadroTexto"/>
+          <p:cNvSpPr txBox="1"/>
+          <p:nvPr/>
+        </p:nvSpPr>
+        <p:spPr>
+          <a:xfrm>
+            <a:off x="5313190" y="3104530"/>
+            <a:ext cx="327334" cy="369332"/>
+          </a:xfrm>
+          <a:prstGeom prst="rect">
+            <a:avLst/>
+          </a:prstGeom>
+          <a:noFill/>
+        </p:spPr>
+        <p:txBody>
+          <a:bodyPr wrap="none" rtlCol="0">
+            <a:spAutoFit/>
+          </a:bodyPr>
+          <a:lstStyle/>
+          <a:p>
+            <a:r>
+              <a:rPr lang="es-AR" dirty="0"/>
+              <a:t>D</a:t>
+            </a:r>
+            <a:endParaRPr lang="es-AR" dirty="0"/>
+          </a:p>
+        </p:txBody>
+      </p:sp>
+      <p:sp>
+        <p:nvSpPr>
+          <p:cNvPr id="66" name="181 CuadroTexto"/>
+          <p:cNvSpPr txBox="1"/>
+          <p:nvPr/>
+        </p:nvSpPr>
+        <p:spPr>
+          <a:xfrm>
+            <a:off x="5410602" y="3565292"/>
+            <a:ext cx="276038" cy="307777"/>
+          </a:xfrm>
+          <a:prstGeom prst="rect">
+            <a:avLst/>
+          </a:prstGeom>
+          <a:noFill/>
+        </p:spPr>
+        <p:txBody>
+          <a:bodyPr wrap="none" rtlCol="0">
+            <a:spAutoFit/>
+          </a:bodyPr>
+          <a:lstStyle/>
+          <a:p>
+            <a:r>
+              <a:rPr lang="es-AR" sz="1400" dirty="0">
+                <a:solidFill>
+                  <a:srgbClr val="00B050"/>
+                </a:solidFill>
+              </a:rPr>
+              <a:t>4</a:t>
+            </a:r>
+            <a:endParaRPr lang="es-AR" sz="1400" dirty="0">
+              <a:solidFill>
+                <a:srgbClr val="00B050"/>
+              </a:solidFill>
+            </a:endParaRPr>
+          </a:p>
+        </p:txBody>
+      </p:sp>
+      <p:grpSp>
+        <p:nvGrpSpPr>
+          <p:cNvPr id="57" name="Group 56"/>
+          <p:cNvGrpSpPr/>
+          <p:nvPr/>
+        </p:nvGrpSpPr>
+        <p:grpSpPr>
+          <a:xfrm>
+            <a:off x="5824746" y="3133256"/>
+            <a:ext cx="767081" cy="695640"/>
+            <a:chOff x="4134779" y="3104530"/>
+            <a:chExt cx="767081" cy="695640"/>
+          </a:xfrm>
+        </p:grpSpPr>
+        <p:sp>
+          <p:nvSpPr>
+            <p:cNvPr id="58" name="Oval 3"/>
+            <p:cNvSpPr/>
+            <p:nvPr/>
+          </p:nvSpPr>
+          <p:spPr>
+            <a:xfrm>
+              <a:off x="4134779" y="3104530"/>
+              <a:ext cx="710983" cy="695640"/>
+            </a:xfrm>
+            <a:prstGeom prst="ellipse">
+              <a:avLst/>
+            </a:prstGeom>
+            <a:ln>
+              <a:solidFill>
+                <a:schemeClr val="tx2"/>
+              </a:solidFill>
+            </a:ln>
+            <a:effectLst>
+              <a:outerShdw blurRad="50800" dist="38100" dir="2700000" algn="tl" rotWithShape="0">
+                <a:prstClr val="black">
+                  <a:alpha val="40000"/>
+                </a:prstClr>
+              </a:outerShdw>
+            </a:effectLst>
+          </p:spPr>
+          <p:style>
+            <a:lnRef idx="2">
+              <a:schemeClr val="accent6"/>
+            </a:lnRef>
+            <a:fillRef idx="1">
+              <a:schemeClr val="lt1"/>
+            </a:fillRef>
+            <a:effectRef idx="0">
+              <a:schemeClr val="accent6"/>
+            </a:effectRef>
+            <a:fontRef idx="minor">
+              <a:schemeClr val="dk1"/>
+            </a:fontRef>
+          </p:style>
+          <p:txBody>
+            <a:bodyPr rtlCol="0" anchor="ctr"/>
+            <a:lstStyle/>
+            <a:p>
+              <a:pPr algn="ctr"/>
+              <a:endParaRPr lang="es-AR"/>
+            </a:p>
+          </p:txBody>
+        </p:sp>
+        <p:cxnSp>
+          <p:nvCxnSpPr>
+            <p:cNvPr id="59" name="39 Conector recto"/>
+            <p:cNvCxnSpPr>
+              <a:stCxn id="58" idx="0"/>
+              <a:endCxn id="58" idx="4"/>
+            </p:cNvCxnSpPr>
+            <p:nvPr/>
+          </p:nvCxnSpPr>
+          <p:spPr>
+            <a:xfrm>
+              <a:off x="4490271" y="3104530"/>
+              <a:ext cx="0" cy="695640"/>
+            </a:xfrm>
+            <a:prstGeom prst="line">
+              <a:avLst/>
+            </a:prstGeom>
+          </p:spPr>
+          <p:style>
+            <a:lnRef idx="1">
+              <a:schemeClr val="accent1"/>
+            </a:lnRef>
+            <a:fillRef idx="0">
+              <a:schemeClr val="accent1"/>
+            </a:fillRef>
+            <a:effectRef idx="0">
+              <a:schemeClr val="accent1"/>
+            </a:effectRef>
+            <a:fontRef idx="minor">
+              <a:schemeClr val="tx1"/>
+            </a:fontRef>
+          </p:style>
+        </p:cxnSp>
+        <p:cxnSp>
+          <p:nvCxnSpPr>
+            <p:cNvPr id="60" name="40 Conector recto"/>
+            <p:cNvCxnSpPr>
+              <a:stCxn id="58" idx="6"/>
+            </p:cNvCxnSpPr>
+            <p:nvPr/>
+          </p:nvCxnSpPr>
+          <p:spPr>
+            <a:xfrm flipH="1">
+              <a:off x="4498921" y="3452350"/>
+              <a:ext cx="346841" cy="978"/>
+            </a:xfrm>
+            <a:prstGeom prst="line">
+              <a:avLst/>
+            </a:prstGeom>
+          </p:spPr>
+          <p:style>
+            <a:lnRef idx="1">
+              <a:schemeClr val="accent1"/>
+            </a:lnRef>
+            <a:fillRef idx="0">
+              <a:schemeClr val="accent1"/>
+            </a:fillRef>
+            <a:effectRef idx="0">
+              <a:schemeClr val="accent1"/>
+            </a:effectRef>
+            <a:fontRef idx="minor">
+              <a:schemeClr val="tx1"/>
+            </a:fontRef>
+          </p:style>
+        </p:cxnSp>
+        <p:sp>
+          <p:nvSpPr>
+            <p:cNvPr id="61" name="41 CuadroTexto"/>
+            <p:cNvSpPr txBox="1"/>
+            <p:nvPr/>
+          </p:nvSpPr>
+          <p:spPr>
+            <a:xfrm>
+              <a:off x="4157335" y="3269398"/>
+              <a:ext cx="301686" cy="369332"/>
+            </a:xfrm>
+            <a:prstGeom prst="rect">
+              <a:avLst/>
+            </a:prstGeom>
+            <a:noFill/>
+          </p:spPr>
+          <p:txBody>
+            <a:bodyPr wrap="none" rtlCol="0">
+              <a:spAutoFit/>
+            </a:bodyPr>
+            <a:lstStyle/>
+            <a:p>
+              <a:r>
+                <a:rPr lang="es-AR" dirty="0" smtClean="0"/>
+                <a:t>5</a:t>
+              </a:r>
+              <a:endParaRPr lang="es-AR" dirty="0"/>
+            </a:p>
+          </p:txBody>
+        </p:sp>
+        <p:sp>
+          <p:nvSpPr>
+            <p:cNvPr id="62" name="42 CuadroTexto"/>
+            <p:cNvSpPr txBox="1"/>
+            <p:nvPr/>
+          </p:nvSpPr>
+          <p:spPr>
+            <a:xfrm>
+              <a:off x="4483156" y="3111744"/>
+              <a:ext cx="418704" cy="369332"/>
+            </a:xfrm>
+            <a:prstGeom prst="rect">
+              <a:avLst/>
+            </a:prstGeom>
+            <a:noFill/>
+          </p:spPr>
+          <p:txBody>
+            <a:bodyPr wrap="none" rtlCol="0">
+              <a:spAutoFit/>
+            </a:bodyPr>
+            <a:lstStyle/>
+            <a:p>
+              <a:r>
+                <a:rPr lang="es-AR" dirty="0" smtClean="0"/>
+                <a:t>58</a:t>
+              </a:r>
+              <a:endParaRPr lang="es-AR" dirty="0"/>
+            </a:p>
+          </p:txBody>
+        </p:sp>
+        <p:sp>
+          <p:nvSpPr>
+            <p:cNvPr id="63" name="43 CuadroTexto"/>
+            <p:cNvSpPr txBox="1"/>
+            <p:nvPr/>
+          </p:nvSpPr>
+          <p:spPr>
+            <a:xfrm>
+              <a:off x="4483156" y="3395522"/>
+              <a:ext cx="418704" cy="369332"/>
+            </a:xfrm>
+            <a:prstGeom prst="rect">
+              <a:avLst/>
+            </a:prstGeom>
+            <a:noFill/>
+          </p:spPr>
+          <p:txBody>
+            <a:bodyPr wrap="none" rtlCol="0">
+              <a:spAutoFit/>
+            </a:bodyPr>
+            <a:lstStyle/>
+            <a:p>
+              <a:r>
+                <a:rPr lang="es-AR" dirty="0" smtClean="0"/>
+                <a:t>58</a:t>
+              </a:r>
+              <a:endParaRPr lang="es-AR" dirty="0"/>
+            </a:p>
+          </p:txBody>
+        </p:sp>
+      </p:grpSp>
+      <p:cxnSp>
+        <p:nvCxnSpPr>
+          <p:cNvPr id="67" name="41 Conector recto de flecha"/>
+          <p:cNvCxnSpPr>
+            <a:endCxn id="71" idx="2"/>
+          </p:cNvCxnSpPr>
+          <p:nvPr/>
+        </p:nvCxnSpPr>
+        <p:spPr>
+          <a:xfrm>
+            <a:off x="6615962" y="3446975"/>
+            <a:ext cx="674083" cy="5375"/>
+          </a:xfrm>
+          <a:prstGeom prst="straightConnector1">
+            <a:avLst/>
+          </a:prstGeom>
+          <a:ln>
+            <a:tailEnd type="arrow"/>
+          </a:ln>
+        </p:spPr>
+        <p:style>
+          <a:lnRef idx="1">
+            <a:schemeClr val="accent1"/>
+          </a:lnRef>
+          <a:fillRef idx="0">
+            <a:schemeClr val="accent1"/>
+          </a:fillRef>
+          <a:effectRef idx="0">
+            <a:schemeClr val="accent1"/>
+          </a:effectRef>
+          <a:fontRef idx="minor">
+            <a:schemeClr val="tx1"/>
+          </a:fontRef>
+        </p:style>
+      </p:cxnSp>
+      <p:sp>
+        <p:nvSpPr>
+          <p:cNvPr id="68" name="80 CuadroTexto"/>
+          <p:cNvSpPr txBox="1"/>
+          <p:nvPr/>
+        </p:nvSpPr>
+        <p:spPr>
+          <a:xfrm>
+            <a:off x="6778489" y="3075804"/>
+            <a:ext cx="296876" cy="369332"/>
+          </a:xfrm>
+          <a:prstGeom prst="rect">
+            <a:avLst/>
+          </a:prstGeom>
+          <a:noFill/>
+        </p:spPr>
+        <p:txBody>
+          <a:bodyPr wrap="none" rtlCol="0">
+            <a:spAutoFit/>
+          </a:bodyPr>
+          <a:lstStyle/>
+          <a:p>
+            <a:r>
+              <a:rPr lang="es-AR" dirty="0" smtClean="0"/>
+              <a:t>E</a:t>
+            </a:r>
+            <a:endParaRPr lang="es-AR" dirty="0"/>
+          </a:p>
+        </p:txBody>
+      </p:sp>
+      <p:sp>
+        <p:nvSpPr>
+          <p:cNvPr id="69" name="181 CuadroTexto"/>
+          <p:cNvSpPr txBox="1"/>
+          <p:nvPr/>
+        </p:nvSpPr>
+        <p:spPr>
+          <a:xfrm>
+            <a:off x="6875901" y="3536566"/>
+            <a:ext cx="276038" cy="307777"/>
+          </a:xfrm>
+          <a:prstGeom prst="rect">
+            <a:avLst/>
+          </a:prstGeom>
+          <a:noFill/>
+        </p:spPr>
+        <p:txBody>
+          <a:bodyPr wrap="none" rtlCol="0">
+            <a:spAutoFit/>
+          </a:bodyPr>
+          <a:lstStyle/>
+          <a:p>
+            <a:r>
+              <a:rPr lang="es-AR" sz="1400" dirty="0">
+                <a:solidFill>
+                  <a:srgbClr val="00B050"/>
+                </a:solidFill>
+              </a:rPr>
+              <a:t>2</a:t>
+            </a:r>
+            <a:endParaRPr lang="es-AR" sz="1400" dirty="0">
+              <a:solidFill>
+                <a:srgbClr val="00B050"/>
+              </a:solidFill>
+            </a:endParaRPr>
+          </a:p>
+        </p:txBody>
+      </p:sp>
+      <p:grpSp>
+        <p:nvGrpSpPr>
+          <p:cNvPr id="70" name="Group 69"/>
+          <p:cNvGrpSpPr/>
+          <p:nvPr/>
+        </p:nvGrpSpPr>
+        <p:grpSpPr>
+          <a:xfrm>
+            <a:off x="7290045" y="3104530"/>
+            <a:ext cx="767081" cy="695640"/>
+            <a:chOff x="4134779" y="3104530"/>
+            <a:chExt cx="767081" cy="695640"/>
+          </a:xfrm>
+        </p:grpSpPr>
+        <p:sp>
+          <p:nvSpPr>
+            <p:cNvPr id="71" name="Oval 3"/>
+            <p:cNvSpPr/>
+            <p:nvPr/>
+          </p:nvSpPr>
+          <p:spPr>
+            <a:xfrm>
+              <a:off x="4134779" y="3104530"/>
+              <a:ext cx="710983" cy="695640"/>
+            </a:xfrm>
+            <a:prstGeom prst="ellipse">
+              <a:avLst/>
+            </a:prstGeom>
+            <a:ln>
+              <a:solidFill>
+                <a:schemeClr val="tx2"/>
+              </a:solidFill>
+            </a:ln>
+            <a:effectLst>
+              <a:outerShdw blurRad="50800" dist="38100" dir="2700000" algn="tl" rotWithShape="0">
+                <a:prstClr val="black">
+                  <a:alpha val="40000"/>
+                </a:prstClr>
+              </a:outerShdw>
+            </a:effectLst>
+          </p:spPr>
+          <p:style>
+            <a:lnRef idx="2">
+              <a:schemeClr val="accent6"/>
+            </a:lnRef>
+            <a:fillRef idx="1">
+              <a:schemeClr val="lt1"/>
+            </a:fillRef>
+            <a:effectRef idx="0">
+              <a:schemeClr val="accent6"/>
+            </a:effectRef>
+            <a:fontRef idx="minor">
+              <a:schemeClr val="dk1"/>
+            </a:fontRef>
+          </p:style>
+          <p:txBody>
+            <a:bodyPr rtlCol="0" anchor="ctr"/>
+            <a:lstStyle/>
+            <a:p>
+              <a:pPr algn="ctr"/>
+              <a:endParaRPr lang="es-AR"/>
+            </a:p>
+          </p:txBody>
+        </p:sp>
+        <p:cxnSp>
+          <p:nvCxnSpPr>
+            <p:cNvPr id="72" name="39 Conector recto"/>
+            <p:cNvCxnSpPr>
+              <a:stCxn id="71" idx="0"/>
+              <a:endCxn id="71" idx="4"/>
+            </p:cNvCxnSpPr>
+            <p:nvPr/>
+          </p:nvCxnSpPr>
+          <p:spPr>
+            <a:xfrm>
+              <a:off x="4490271" y="3104530"/>
+              <a:ext cx="0" cy="695640"/>
+            </a:xfrm>
+            <a:prstGeom prst="line">
+              <a:avLst/>
+            </a:prstGeom>
+          </p:spPr>
+          <p:style>
+            <a:lnRef idx="1">
+              <a:schemeClr val="accent1"/>
+            </a:lnRef>
+            <a:fillRef idx="0">
+              <a:schemeClr val="accent1"/>
+            </a:fillRef>
+            <a:effectRef idx="0">
+              <a:schemeClr val="accent1"/>
+            </a:effectRef>
+            <a:fontRef idx="minor">
+              <a:schemeClr val="tx1"/>
+            </a:fontRef>
+          </p:style>
+        </p:cxnSp>
+        <p:cxnSp>
+          <p:nvCxnSpPr>
+            <p:cNvPr id="73" name="40 Conector recto"/>
+            <p:cNvCxnSpPr>
+              <a:stCxn id="71" idx="6"/>
+            </p:cNvCxnSpPr>
+            <p:nvPr/>
+          </p:nvCxnSpPr>
+          <p:spPr>
+            <a:xfrm flipH="1">
+              <a:off x="4498921" y="3452350"/>
+              <a:ext cx="346841" cy="978"/>
+            </a:xfrm>
+            <a:prstGeom prst="line">
+              <a:avLst/>
+            </a:prstGeom>
+          </p:spPr>
+          <p:style>
+            <a:lnRef idx="1">
+              <a:schemeClr val="accent1"/>
+            </a:lnRef>
+            <a:fillRef idx="0">
+              <a:schemeClr val="accent1"/>
+            </a:fillRef>
+            <a:effectRef idx="0">
+              <a:schemeClr val="accent1"/>
+            </a:effectRef>
+            <a:fontRef idx="minor">
+              <a:schemeClr val="tx1"/>
+            </a:fontRef>
+          </p:style>
+        </p:cxnSp>
+        <p:sp>
+          <p:nvSpPr>
+            <p:cNvPr id="74" name="41 CuadroTexto"/>
+            <p:cNvSpPr txBox="1"/>
+            <p:nvPr/>
+          </p:nvSpPr>
+          <p:spPr>
+            <a:xfrm>
+              <a:off x="4157335" y="3269398"/>
+              <a:ext cx="301686" cy="369332"/>
+            </a:xfrm>
+            <a:prstGeom prst="rect">
+              <a:avLst/>
+            </a:prstGeom>
+            <a:noFill/>
+          </p:spPr>
+          <p:txBody>
+            <a:bodyPr wrap="none" rtlCol="0">
+              <a:spAutoFit/>
+            </a:bodyPr>
+            <a:lstStyle/>
+            <a:p>
+              <a:r>
+                <a:rPr lang="es-AR" dirty="0"/>
+                <a:t>6</a:t>
+              </a:r>
+              <a:endParaRPr lang="es-AR" dirty="0"/>
+            </a:p>
+          </p:txBody>
+        </p:sp>
+        <p:sp>
+          <p:nvSpPr>
+            <p:cNvPr id="75" name="42 CuadroTexto"/>
+            <p:cNvSpPr txBox="1"/>
+            <p:nvPr/>
+          </p:nvSpPr>
+          <p:spPr>
+            <a:xfrm>
+              <a:off x="4483156" y="3111744"/>
+              <a:ext cx="418704" cy="369332"/>
+            </a:xfrm>
+            <a:prstGeom prst="rect">
+              <a:avLst/>
+            </a:prstGeom>
+            <a:noFill/>
+          </p:spPr>
+          <p:txBody>
+            <a:bodyPr wrap="none" rtlCol="0">
+              <a:spAutoFit/>
+            </a:bodyPr>
+            <a:lstStyle/>
+            <a:p>
+              <a:r>
+                <a:rPr lang="es-AR" dirty="0" smtClean="0"/>
+                <a:t>60</a:t>
+              </a:r>
+              <a:endParaRPr lang="es-AR" dirty="0"/>
+            </a:p>
+          </p:txBody>
+        </p:sp>
+        <p:sp>
+          <p:nvSpPr>
+            <p:cNvPr id="76" name="43 CuadroTexto"/>
+            <p:cNvSpPr txBox="1"/>
+            <p:nvPr/>
+          </p:nvSpPr>
+          <p:spPr>
+            <a:xfrm>
+              <a:off x="4483156" y="3395522"/>
+              <a:ext cx="418704" cy="369332"/>
+            </a:xfrm>
+            <a:prstGeom prst="rect">
+              <a:avLst/>
+            </a:prstGeom>
+            <a:noFill/>
+          </p:spPr>
+          <p:txBody>
+            <a:bodyPr wrap="none" rtlCol="0">
+              <a:spAutoFit/>
+            </a:bodyPr>
+            <a:lstStyle/>
+            <a:p>
+              <a:r>
+                <a:rPr lang="es-AR" dirty="0" smtClean="0"/>
+                <a:t>60</a:t>
+              </a:r>
+              <a:endParaRPr lang="es-AR" dirty="0"/>
+            </a:p>
+          </p:txBody>
+        </p:sp>
+      </p:grpSp>
+      <p:cxnSp>
+        <p:nvCxnSpPr>
+          <p:cNvPr id="77" name="41 Conector recto de flecha"/>
+          <p:cNvCxnSpPr>
+            <a:endCxn id="81" idx="2"/>
+          </p:cNvCxnSpPr>
+          <p:nvPr/>
+        </p:nvCxnSpPr>
+        <p:spPr>
+          <a:xfrm>
+            <a:off x="7998939" y="3431528"/>
+            <a:ext cx="674083" cy="5375"/>
+          </a:xfrm>
+          <a:prstGeom prst="straightConnector1">
+            <a:avLst/>
+          </a:prstGeom>
+          <a:ln>
+            <a:tailEnd type="arrow"/>
+          </a:ln>
+        </p:spPr>
+        <p:style>
+          <a:lnRef idx="1">
+            <a:schemeClr val="accent1"/>
+          </a:lnRef>
+          <a:fillRef idx="0">
+            <a:schemeClr val="accent1"/>
+          </a:fillRef>
+          <a:effectRef idx="0">
+            <a:schemeClr val="accent1"/>
+          </a:effectRef>
+          <a:fontRef idx="minor">
+            <a:schemeClr val="tx1"/>
+          </a:fontRef>
+        </p:style>
+      </p:cxnSp>
+      <p:sp>
+        <p:nvSpPr>
+          <p:cNvPr id="78" name="80 CuadroTexto"/>
+          <p:cNvSpPr txBox="1"/>
+          <p:nvPr/>
+        </p:nvSpPr>
+        <p:spPr>
+          <a:xfrm>
+            <a:off x="8161466" y="3060357"/>
+            <a:ext cx="290464" cy="369332"/>
+          </a:xfrm>
+          <a:prstGeom prst="rect">
+            <a:avLst/>
+          </a:prstGeom>
+          <a:noFill/>
+        </p:spPr>
+        <p:txBody>
+          <a:bodyPr wrap="none" rtlCol="0">
+            <a:spAutoFit/>
+          </a:bodyPr>
+          <a:lstStyle/>
+          <a:p>
+            <a:r>
+              <a:rPr lang="es-AR" dirty="0"/>
+              <a:t>F</a:t>
+            </a:r>
+            <a:endParaRPr lang="es-AR" dirty="0"/>
+          </a:p>
+        </p:txBody>
+      </p:sp>
+      <p:sp>
+        <p:nvSpPr>
+          <p:cNvPr id="79" name="181 CuadroTexto"/>
+          <p:cNvSpPr txBox="1"/>
+          <p:nvPr/>
+        </p:nvSpPr>
+        <p:spPr>
+          <a:xfrm>
+            <a:off x="8258878" y="3521119"/>
+            <a:ext cx="276038" cy="307777"/>
+          </a:xfrm>
+          <a:prstGeom prst="rect">
+            <a:avLst/>
+          </a:prstGeom>
+          <a:noFill/>
+        </p:spPr>
+        <p:txBody>
+          <a:bodyPr wrap="none" rtlCol="0">
+            <a:spAutoFit/>
+          </a:bodyPr>
+          <a:lstStyle/>
+          <a:p>
+            <a:r>
+              <a:rPr lang="es-AR" sz="1400" dirty="0">
+                <a:solidFill>
+                  <a:srgbClr val="00B050"/>
+                </a:solidFill>
+              </a:rPr>
+              <a:t>2</a:t>
+            </a:r>
+            <a:endParaRPr lang="es-AR" sz="1400" dirty="0">
+              <a:solidFill>
+                <a:srgbClr val="00B050"/>
+              </a:solidFill>
+            </a:endParaRPr>
+          </a:p>
+        </p:txBody>
+      </p:sp>
+      <p:grpSp>
+        <p:nvGrpSpPr>
+          <p:cNvPr id="80" name="Group 79"/>
+          <p:cNvGrpSpPr/>
+          <p:nvPr/>
+        </p:nvGrpSpPr>
+        <p:grpSpPr>
+          <a:xfrm>
+            <a:off x="8673022" y="3089083"/>
+            <a:ext cx="767081" cy="695640"/>
+            <a:chOff x="4134779" y="3104530"/>
+            <a:chExt cx="767081" cy="695640"/>
+          </a:xfrm>
+        </p:grpSpPr>
+        <p:sp>
+          <p:nvSpPr>
+            <p:cNvPr id="81" name="Oval 3"/>
+            <p:cNvSpPr/>
+            <p:nvPr/>
+          </p:nvSpPr>
+          <p:spPr>
+            <a:xfrm>
+              <a:off x="4134779" y="3104530"/>
+              <a:ext cx="710983" cy="695640"/>
+            </a:xfrm>
+            <a:prstGeom prst="ellipse">
+              <a:avLst/>
+            </a:prstGeom>
+            <a:ln>
+              <a:solidFill>
+                <a:schemeClr val="tx2"/>
+              </a:solidFill>
+            </a:ln>
+            <a:effectLst>
+              <a:outerShdw blurRad="50800" dist="38100" dir="2700000" algn="tl" rotWithShape="0">
+                <a:prstClr val="black">
+                  <a:alpha val="40000"/>
+                </a:prstClr>
+              </a:outerShdw>
+            </a:effectLst>
+          </p:spPr>
+          <p:style>
+            <a:lnRef idx="2">
+              <a:schemeClr val="accent6"/>
+            </a:lnRef>
+            <a:fillRef idx="1">
+              <a:schemeClr val="lt1"/>
+            </a:fillRef>
+            <a:effectRef idx="0">
+              <a:schemeClr val="accent6"/>
+            </a:effectRef>
+            <a:fontRef idx="minor">
+              <a:schemeClr val="dk1"/>
+            </a:fontRef>
+          </p:style>
+          <p:txBody>
+            <a:bodyPr rtlCol="0" anchor="ctr"/>
+            <a:lstStyle/>
+            <a:p>
+              <a:pPr algn="ctr"/>
+              <a:endParaRPr lang="es-AR"/>
+            </a:p>
+          </p:txBody>
+        </p:sp>
+        <p:cxnSp>
+          <p:nvCxnSpPr>
+            <p:cNvPr id="82" name="39 Conector recto"/>
+            <p:cNvCxnSpPr>
+              <a:stCxn id="81" idx="0"/>
+              <a:endCxn id="81" idx="4"/>
+            </p:cNvCxnSpPr>
+            <p:nvPr/>
+          </p:nvCxnSpPr>
+          <p:spPr>
+            <a:xfrm>
+              <a:off x="4490271" y="3104530"/>
+              <a:ext cx="0" cy="695640"/>
+            </a:xfrm>
+            <a:prstGeom prst="line">
+              <a:avLst/>
+            </a:prstGeom>
+          </p:spPr>
+          <p:style>
+            <a:lnRef idx="1">
+              <a:schemeClr val="accent1"/>
+            </a:lnRef>
+            <a:fillRef idx="0">
+              <a:schemeClr val="accent1"/>
+            </a:fillRef>
+            <a:effectRef idx="0">
+              <a:schemeClr val="accent1"/>
+            </a:effectRef>
+            <a:fontRef idx="minor">
+              <a:schemeClr val="tx1"/>
+            </a:fontRef>
+          </p:style>
+        </p:cxnSp>
+        <p:cxnSp>
+          <p:nvCxnSpPr>
+            <p:cNvPr id="83" name="40 Conector recto"/>
+            <p:cNvCxnSpPr>
+              <a:stCxn id="81" idx="6"/>
+            </p:cNvCxnSpPr>
+            <p:nvPr/>
+          </p:nvCxnSpPr>
+          <p:spPr>
+            <a:xfrm flipH="1">
+              <a:off x="4498921" y="3452350"/>
+              <a:ext cx="346841" cy="978"/>
+            </a:xfrm>
+            <a:prstGeom prst="line">
+              <a:avLst/>
+            </a:prstGeom>
+          </p:spPr>
+          <p:style>
+            <a:lnRef idx="1">
+              <a:schemeClr val="accent1"/>
+            </a:lnRef>
+            <a:fillRef idx="0">
+              <a:schemeClr val="accent1"/>
+            </a:fillRef>
+            <a:effectRef idx="0">
+              <a:schemeClr val="accent1"/>
+            </a:effectRef>
+            <a:fontRef idx="minor">
+              <a:schemeClr val="tx1"/>
+            </a:fontRef>
+          </p:style>
+        </p:cxnSp>
+        <p:sp>
+          <p:nvSpPr>
+            <p:cNvPr id="84" name="41 CuadroTexto"/>
+            <p:cNvSpPr txBox="1"/>
+            <p:nvPr/>
+          </p:nvSpPr>
+          <p:spPr>
+            <a:xfrm>
+              <a:off x="4157335" y="3269398"/>
+              <a:ext cx="301686" cy="369332"/>
+            </a:xfrm>
+            <a:prstGeom prst="rect">
+              <a:avLst/>
+            </a:prstGeom>
+            <a:noFill/>
+          </p:spPr>
+          <p:txBody>
+            <a:bodyPr wrap="none" rtlCol="0">
+              <a:spAutoFit/>
+            </a:bodyPr>
+            <a:lstStyle/>
+            <a:p>
+              <a:r>
+                <a:rPr lang="es-AR" dirty="0"/>
+                <a:t>7</a:t>
+              </a:r>
+              <a:endParaRPr lang="es-AR" dirty="0"/>
+            </a:p>
+          </p:txBody>
+        </p:sp>
+        <p:sp>
+          <p:nvSpPr>
+            <p:cNvPr id="85" name="42 CuadroTexto"/>
+            <p:cNvSpPr txBox="1"/>
+            <p:nvPr/>
+          </p:nvSpPr>
+          <p:spPr>
+            <a:xfrm>
+              <a:off x="4483156" y="3111744"/>
+              <a:ext cx="418704" cy="369332"/>
+            </a:xfrm>
+            <a:prstGeom prst="rect">
+              <a:avLst/>
+            </a:prstGeom>
+            <a:noFill/>
+          </p:spPr>
+          <p:txBody>
+            <a:bodyPr wrap="none" rtlCol="0">
+              <a:spAutoFit/>
+            </a:bodyPr>
+            <a:lstStyle/>
+            <a:p>
+              <a:r>
+                <a:rPr lang="es-AR" dirty="0" smtClean="0"/>
+                <a:t>62</a:t>
+              </a:r>
+              <a:endParaRPr lang="es-AR" dirty="0"/>
+            </a:p>
+          </p:txBody>
+        </p:sp>
+        <p:sp>
+          <p:nvSpPr>
+            <p:cNvPr id="86" name="43 CuadroTexto"/>
+            <p:cNvSpPr txBox="1"/>
+            <p:nvPr/>
+          </p:nvSpPr>
+          <p:spPr>
+            <a:xfrm>
+              <a:off x="4483156" y="3395522"/>
+              <a:ext cx="418704" cy="369332"/>
+            </a:xfrm>
+            <a:prstGeom prst="rect">
+              <a:avLst/>
+            </a:prstGeom>
+            <a:noFill/>
+          </p:spPr>
+          <p:txBody>
+            <a:bodyPr wrap="none" rtlCol="0">
+              <a:spAutoFit/>
+            </a:bodyPr>
+            <a:lstStyle/>
+            <a:p>
+              <a:r>
+                <a:rPr lang="es-AR" dirty="0" smtClean="0"/>
+                <a:t>62</a:t>
+              </a:r>
+              <a:endParaRPr lang="es-AR" dirty="0"/>
+            </a:p>
+          </p:txBody>
+        </p:sp>
+      </p:grpSp>
+      <p:cxnSp>
+        <p:nvCxnSpPr>
+          <p:cNvPr id="96" name="41 Conector recto de flecha"/>
+          <p:cNvCxnSpPr>
+            <a:endCxn id="100" idx="2"/>
+          </p:cNvCxnSpPr>
+          <p:nvPr/>
+        </p:nvCxnSpPr>
+        <p:spPr>
+          <a:xfrm>
+            <a:off x="9407171" y="3440385"/>
+            <a:ext cx="674083" cy="5375"/>
+          </a:xfrm>
+          <a:prstGeom prst="straightConnector1">
+            <a:avLst/>
+          </a:prstGeom>
+          <a:ln>
+            <a:tailEnd type="arrow"/>
+          </a:ln>
+        </p:spPr>
+        <p:style>
+          <a:lnRef idx="1">
+            <a:schemeClr val="accent1"/>
+          </a:lnRef>
+          <a:fillRef idx="0">
+            <a:schemeClr val="accent1"/>
+          </a:fillRef>
+          <a:effectRef idx="0">
+            <a:schemeClr val="accent1"/>
+          </a:effectRef>
+          <a:fontRef idx="minor">
+            <a:schemeClr val="tx1"/>
+          </a:fontRef>
+        </p:style>
+      </p:cxnSp>
+      <p:sp>
+        <p:nvSpPr>
+          <p:cNvPr id="97" name="80 CuadroTexto"/>
+          <p:cNvSpPr txBox="1"/>
+          <p:nvPr/>
+        </p:nvSpPr>
+        <p:spPr>
+          <a:xfrm>
+            <a:off x="9569698" y="3069214"/>
+            <a:ext cx="330540" cy="369332"/>
+          </a:xfrm>
+          <a:prstGeom prst="rect">
+            <a:avLst/>
+          </a:prstGeom>
+          <a:noFill/>
+        </p:spPr>
+        <p:txBody>
+          <a:bodyPr wrap="none" rtlCol="0">
+            <a:spAutoFit/>
+          </a:bodyPr>
+          <a:lstStyle/>
+          <a:p>
+            <a:r>
+              <a:rPr lang="es-AR" dirty="0" smtClean="0"/>
+              <a:t>G</a:t>
+            </a:r>
+            <a:endParaRPr lang="es-AR" dirty="0"/>
+          </a:p>
+        </p:txBody>
+      </p:sp>
+      <p:sp>
+        <p:nvSpPr>
+          <p:cNvPr id="98" name="181 CuadroTexto"/>
+          <p:cNvSpPr txBox="1"/>
+          <p:nvPr/>
+        </p:nvSpPr>
+        <p:spPr>
+          <a:xfrm>
+            <a:off x="9667110" y="3529976"/>
+            <a:ext cx="276038" cy="307777"/>
+          </a:xfrm>
+          <a:prstGeom prst="rect">
+            <a:avLst/>
+          </a:prstGeom>
+          <a:noFill/>
+        </p:spPr>
+        <p:txBody>
+          <a:bodyPr wrap="none" rtlCol="0">
+            <a:spAutoFit/>
+          </a:bodyPr>
+          <a:lstStyle/>
+          <a:p>
+            <a:r>
+              <a:rPr lang="es-AR" sz="1400" dirty="0" smtClean="0">
+                <a:solidFill>
+                  <a:srgbClr val="00B050"/>
+                </a:solidFill>
+              </a:rPr>
+              <a:t>1</a:t>
+            </a:r>
+            <a:endParaRPr lang="es-AR" sz="1400" dirty="0">
+              <a:solidFill>
+                <a:srgbClr val="00B050"/>
+              </a:solidFill>
+            </a:endParaRPr>
+          </a:p>
+        </p:txBody>
+      </p:sp>
+      <p:grpSp>
+        <p:nvGrpSpPr>
+          <p:cNvPr id="99" name="Group 98"/>
+          <p:cNvGrpSpPr/>
+          <p:nvPr/>
+        </p:nvGrpSpPr>
+        <p:grpSpPr>
+          <a:xfrm>
+            <a:off x="10081254" y="3097940"/>
+            <a:ext cx="767081" cy="695640"/>
+            <a:chOff x="4134779" y="3104530"/>
+            <a:chExt cx="767081" cy="695640"/>
+          </a:xfrm>
+        </p:grpSpPr>
+        <p:sp>
+          <p:nvSpPr>
+            <p:cNvPr id="100" name="Oval 3"/>
+            <p:cNvSpPr/>
+            <p:nvPr/>
+          </p:nvSpPr>
+          <p:spPr>
+            <a:xfrm>
+              <a:off x="4134779" y="3104530"/>
+              <a:ext cx="710983" cy="695640"/>
+            </a:xfrm>
+            <a:prstGeom prst="ellipse">
+              <a:avLst/>
+            </a:prstGeom>
+            <a:ln>
+              <a:solidFill>
+                <a:schemeClr val="tx2"/>
+              </a:solidFill>
+            </a:ln>
+            <a:effectLst>
+              <a:outerShdw blurRad="50800" dist="38100" dir="2700000" algn="tl" rotWithShape="0">
+                <a:prstClr val="black">
+                  <a:alpha val="40000"/>
+                </a:prstClr>
+              </a:outerShdw>
+            </a:effectLst>
+          </p:spPr>
+          <p:style>
+            <a:lnRef idx="2">
+              <a:schemeClr val="accent6"/>
+            </a:lnRef>
+            <a:fillRef idx="1">
+              <a:schemeClr val="lt1"/>
+            </a:fillRef>
+            <a:effectRef idx="0">
+              <a:schemeClr val="accent6"/>
+            </a:effectRef>
+            <a:fontRef idx="minor">
+              <a:schemeClr val="dk1"/>
+            </a:fontRef>
+          </p:style>
+          <p:txBody>
+            <a:bodyPr rtlCol="0" anchor="ctr"/>
+            <a:lstStyle/>
+            <a:p>
+              <a:pPr algn="ctr"/>
+              <a:endParaRPr lang="es-AR"/>
+            </a:p>
+          </p:txBody>
+        </p:sp>
+        <p:cxnSp>
+          <p:nvCxnSpPr>
+            <p:cNvPr id="101" name="39 Conector recto"/>
+            <p:cNvCxnSpPr>
+              <a:stCxn id="100" idx="0"/>
+              <a:endCxn id="100" idx="4"/>
+            </p:cNvCxnSpPr>
+            <p:nvPr/>
+          </p:nvCxnSpPr>
+          <p:spPr>
+            <a:xfrm>
+              <a:off x="4490271" y="3104530"/>
+              <a:ext cx="0" cy="695640"/>
+            </a:xfrm>
+            <a:prstGeom prst="line">
+              <a:avLst/>
+            </a:prstGeom>
+          </p:spPr>
+          <p:style>
+            <a:lnRef idx="1">
+              <a:schemeClr val="accent1"/>
+            </a:lnRef>
+            <a:fillRef idx="0">
+              <a:schemeClr val="accent1"/>
+            </a:fillRef>
+            <a:effectRef idx="0">
+              <a:schemeClr val="accent1"/>
+            </a:effectRef>
+            <a:fontRef idx="minor">
+              <a:schemeClr val="tx1"/>
+            </a:fontRef>
+          </p:style>
+        </p:cxnSp>
+        <p:cxnSp>
+          <p:nvCxnSpPr>
+            <p:cNvPr id="102" name="40 Conector recto"/>
+            <p:cNvCxnSpPr>
+              <a:stCxn id="100" idx="6"/>
+            </p:cNvCxnSpPr>
+            <p:nvPr/>
+          </p:nvCxnSpPr>
+          <p:spPr>
+            <a:xfrm flipH="1">
+              <a:off x="4498921" y="3452350"/>
+              <a:ext cx="346841" cy="978"/>
+            </a:xfrm>
+            <a:prstGeom prst="line">
+              <a:avLst/>
+            </a:prstGeom>
+          </p:spPr>
+          <p:style>
+            <a:lnRef idx="1">
+              <a:schemeClr val="accent1"/>
+            </a:lnRef>
+            <a:fillRef idx="0">
+              <a:schemeClr val="accent1"/>
+            </a:fillRef>
+            <a:effectRef idx="0">
+              <a:schemeClr val="accent1"/>
+            </a:effectRef>
+            <a:fontRef idx="minor">
+              <a:schemeClr val="tx1"/>
+            </a:fontRef>
+          </p:style>
+        </p:cxnSp>
+        <p:sp>
+          <p:nvSpPr>
+            <p:cNvPr id="103" name="41 CuadroTexto"/>
+            <p:cNvSpPr txBox="1"/>
+            <p:nvPr/>
+          </p:nvSpPr>
+          <p:spPr>
+            <a:xfrm>
+              <a:off x="4157335" y="3269398"/>
+              <a:ext cx="301686" cy="369332"/>
+            </a:xfrm>
+            <a:prstGeom prst="rect">
+              <a:avLst/>
+            </a:prstGeom>
+            <a:noFill/>
+          </p:spPr>
+          <p:txBody>
+            <a:bodyPr wrap="none" rtlCol="0">
+              <a:spAutoFit/>
+            </a:bodyPr>
+            <a:lstStyle/>
+            <a:p>
+              <a:r>
+                <a:rPr lang="es-AR" dirty="0" smtClean="0"/>
+                <a:t>8</a:t>
+              </a:r>
+              <a:endParaRPr lang="es-AR" dirty="0"/>
+            </a:p>
+          </p:txBody>
+        </p:sp>
+        <p:sp>
+          <p:nvSpPr>
+            <p:cNvPr id="104" name="42 CuadroTexto"/>
+            <p:cNvSpPr txBox="1"/>
+            <p:nvPr/>
+          </p:nvSpPr>
+          <p:spPr>
+            <a:xfrm>
+              <a:off x="4483156" y="3111744"/>
+              <a:ext cx="418704" cy="369332"/>
+            </a:xfrm>
+            <a:prstGeom prst="rect">
+              <a:avLst/>
+            </a:prstGeom>
+            <a:noFill/>
+          </p:spPr>
+          <p:txBody>
+            <a:bodyPr wrap="none" rtlCol="0">
+              <a:spAutoFit/>
+            </a:bodyPr>
+            <a:lstStyle/>
+            <a:p>
+              <a:r>
+                <a:rPr lang="es-AR" dirty="0" smtClean="0"/>
+                <a:t>63</a:t>
+              </a:r>
+              <a:endParaRPr lang="es-AR" dirty="0"/>
+            </a:p>
+          </p:txBody>
+        </p:sp>
+        <p:sp>
+          <p:nvSpPr>
+            <p:cNvPr id="105" name="43 CuadroTexto"/>
+            <p:cNvSpPr txBox="1"/>
+            <p:nvPr/>
+          </p:nvSpPr>
+          <p:spPr>
+            <a:xfrm>
+              <a:off x="4483156" y="3395522"/>
+              <a:ext cx="418704" cy="369332"/>
+            </a:xfrm>
+            <a:prstGeom prst="rect">
+              <a:avLst/>
+            </a:prstGeom>
+            <a:noFill/>
+          </p:spPr>
+          <p:txBody>
+            <a:bodyPr wrap="none" rtlCol="0">
+              <a:spAutoFit/>
+            </a:bodyPr>
+            <a:lstStyle/>
+            <a:p>
+              <a:r>
+                <a:rPr lang="es-AR" dirty="0" smtClean="0"/>
+                <a:t>63</a:t>
+              </a:r>
+              <a:endParaRPr lang="es-AR" dirty="0"/>
+            </a:p>
+          </p:txBody>
+        </p:sp>
+      </p:grpSp>
+      <p:sp>
+        <p:nvSpPr>
+          <p:cNvPr id="110" name="Freeform 109"/>
+          <p:cNvSpPr/>
+          <p:nvPr/>
+        </p:nvSpPr>
+        <p:spPr>
+          <a:xfrm>
+            <a:off x="6168980" y="1635616"/>
+            <a:ext cx="3045228" cy="1507047"/>
+          </a:xfrm>
+          <a:custGeom>
+            <a:avLst/>
+            <a:gdLst>
+              <a:gd name="connsiteX0" fmla="*/ 0 w 2980231"/>
+              <a:gd name="connsiteY0" fmla="*/ 1862964 h 1876062"/>
+              <a:gd name="connsiteX1" fmla="*/ 721217 w 2980231"/>
+              <a:gd name="connsiteY1" fmla="*/ 356136 h 1876062"/>
+              <a:gd name="connsiteX2" fmla="*/ 2730321 w 2980231"/>
+              <a:gd name="connsiteY2" fmla="*/ 111437 h 1876062"/>
+              <a:gd name="connsiteX3" fmla="*/ 2949262 w 2980231"/>
+              <a:gd name="connsiteY3" fmla="*/ 1837206 h 1876062"/>
+              <a:gd name="connsiteX4" fmla="*/ 2949262 w 2980231"/>
+              <a:gd name="connsiteY4" fmla="*/ 1837206 h 1876062"/>
+              <a:gd name="connsiteX5" fmla="*/ 2962141 w 2980231"/>
+              <a:gd name="connsiteY5" fmla="*/ 1875843 h 1876062"/>
+              <a:gd name="connsiteX6" fmla="*/ 2962141 w 2980231"/>
+              <a:gd name="connsiteY6" fmla="*/ 1850085 h 1876062"/>
+            </a:gdLst>
+            <a:ahLst/>
+            <a:cxnLst>
+              <a:cxn ang="0">
+                <a:pos x="connsiteX0" y="connsiteY0"/>
+              </a:cxn>
+              <a:cxn ang="0">
+                <a:pos x="connsiteX1" y="connsiteY1"/>
+              </a:cxn>
+              <a:cxn ang="0">
+                <a:pos x="connsiteX2" y="connsiteY2"/>
+              </a:cxn>
+              <a:cxn ang="0">
+                <a:pos x="connsiteX3" y="connsiteY3"/>
+              </a:cxn>
+              <a:cxn ang="0">
+                <a:pos x="connsiteX4" y="connsiteY4"/>
+              </a:cxn>
+              <a:cxn ang="0">
+                <a:pos x="connsiteX5" y="connsiteY5"/>
+              </a:cxn>
+              <a:cxn ang="0">
+                <a:pos x="connsiteX6" y="connsiteY6"/>
+              </a:cxn>
+            </a:cxnLst>
+            <a:rect l="l" t="t" r="r" b="b"/>
+            <a:pathLst>
+              <a:path w="2980231" h="1876062">
+                <a:moveTo>
+                  <a:pt x="0" y="1862964"/>
+                </a:moveTo>
+                <a:cubicBezTo>
+                  <a:pt x="133082" y="1255510"/>
+                  <a:pt x="266164" y="648057"/>
+                  <a:pt x="721217" y="356136"/>
+                </a:cubicBezTo>
+                <a:cubicBezTo>
+                  <a:pt x="1176271" y="64215"/>
+                  <a:pt x="2358980" y="-135408"/>
+                  <a:pt x="2730321" y="111437"/>
+                </a:cubicBezTo>
+                <a:cubicBezTo>
+                  <a:pt x="3101662" y="358282"/>
+                  <a:pt x="2949262" y="1837206"/>
+                  <a:pt x="2949262" y="1837206"/>
+                </a:cubicBezTo>
+                <a:lnTo>
+                  <a:pt x="2949262" y="1837206"/>
+                </a:lnTo>
+                <a:cubicBezTo>
+                  <a:pt x="2951408" y="1843645"/>
+                  <a:pt x="2959995" y="1873697"/>
+                  <a:pt x="2962141" y="1875843"/>
+                </a:cubicBezTo>
+                <a:cubicBezTo>
+                  <a:pt x="2964287" y="1877989"/>
+                  <a:pt x="2963214" y="1864037"/>
+                  <a:pt x="2962141" y="1850085"/>
+                </a:cubicBezTo>
+              </a:path>
+            </a:pathLst>
+          </a:custGeom>
+          <a:noFill/>
+          <a:ln>
+            <a:prstDash val="dash"/>
+            <a:headEnd type="none" w="med" len="med"/>
+            <a:tailEnd type="triangle" w="med" len="med"/>
+          </a:ln>
+        </p:spPr>
+        <p:style>
+          <a:lnRef idx="2">
+            <a:schemeClr val="accent1">
+              <a:shade val="50000"/>
+            </a:schemeClr>
+          </a:lnRef>
+          <a:fillRef idx="1">
+            <a:schemeClr val="accent1"/>
+          </a:fillRef>
+          <a:effectRef idx="0">
+            <a:schemeClr val="accent1"/>
+          </a:effectRef>
+          <a:fontRef idx="minor">
+            <a:schemeClr val="lt1"/>
+          </a:fontRef>
+        </p:style>
+        <p:txBody>
+          <a:bodyPr rtlCol="0" anchor="ctr"/>
+          <a:lstStyle/>
+          <a:p>
+            <a:pPr algn="ctr"/>
+            <a:endParaRPr lang="en-US"/>
+          </a:p>
+        </p:txBody>
+      </p:sp>
+      <p:sp>
+        <p:nvSpPr>
+          <p:cNvPr id="111" name="Freeform 110"/>
+          <p:cNvSpPr/>
+          <p:nvPr/>
+        </p:nvSpPr>
+        <p:spPr>
+          <a:xfrm>
+            <a:off x="7600412" y="2355774"/>
+            <a:ext cx="1496907" cy="760913"/>
+          </a:xfrm>
+          <a:custGeom>
+            <a:avLst/>
+            <a:gdLst>
+              <a:gd name="connsiteX0" fmla="*/ 11002 w 1496907"/>
+              <a:gd name="connsiteY0" fmla="*/ 748034 h 760913"/>
+              <a:gd name="connsiteX1" fmla="*/ 191306 w 1496907"/>
+              <a:gd name="connsiteY1" fmla="*/ 129849 h 760913"/>
+              <a:gd name="connsiteX2" fmla="*/ 1324647 w 1496907"/>
+              <a:gd name="connsiteY2" fmla="*/ 52575 h 760913"/>
+              <a:gd name="connsiteX3" fmla="*/ 1492073 w 1496907"/>
+              <a:gd name="connsiteY3" fmla="*/ 760913 h 760913"/>
+              <a:gd name="connsiteX4" fmla="*/ 1492073 w 1496907"/>
+              <a:gd name="connsiteY4" fmla="*/ 760913 h 760913"/>
+            </a:gdLst>
+            <a:ahLst/>
+            <a:cxnLst>
+              <a:cxn ang="0">
+                <a:pos x="connsiteX0" y="connsiteY0"/>
+              </a:cxn>
+              <a:cxn ang="0">
+                <a:pos x="connsiteX1" y="connsiteY1"/>
+              </a:cxn>
+              <a:cxn ang="0">
+                <a:pos x="connsiteX2" y="connsiteY2"/>
+              </a:cxn>
+              <a:cxn ang="0">
+                <a:pos x="connsiteX3" y="connsiteY3"/>
+              </a:cxn>
+              <a:cxn ang="0">
+                <a:pos x="connsiteX4" y="connsiteY4"/>
+              </a:cxn>
+            </a:cxnLst>
+            <a:rect l="l" t="t" r="r" b="b"/>
+            <a:pathLst>
+              <a:path w="1496907" h="760913">
+                <a:moveTo>
+                  <a:pt x="11002" y="748034"/>
+                </a:moveTo>
+                <a:cubicBezTo>
+                  <a:pt x="-8317" y="496896"/>
+                  <a:pt x="-27635" y="245759"/>
+                  <a:pt x="191306" y="129849"/>
+                </a:cubicBezTo>
+                <a:cubicBezTo>
+                  <a:pt x="410247" y="13939"/>
+                  <a:pt x="1107853" y="-52602"/>
+                  <a:pt x="1324647" y="52575"/>
+                </a:cubicBezTo>
+                <a:cubicBezTo>
+                  <a:pt x="1541441" y="157752"/>
+                  <a:pt x="1492073" y="760913"/>
+                  <a:pt x="1492073" y="760913"/>
+                </a:cubicBezTo>
+                <a:lnTo>
+                  <a:pt x="1492073" y="760913"/>
+                </a:lnTo>
+              </a:path>
+            </a:pathLst>
+          </a:custGeom>
+          <a:noFill/>
+          <a:ln>
+            <a:prstDash val="dash"/>
+            <a:headEnd type="none" w="med" len="med"/>
+            <a:tailEnd type="triangle" w="med" len="med"/>
+          </a:ln>
+        </p:spPr>
+        <p:style>
+          <a:lnRef idx="2">
+            <a:schemeClr val="accent1">
+              <a:shade val="50000"/>
+            </a:schemeClr>
+          </a:lnRef>
+          <a:fillRef idx="1">
+            <a:schemeClr val="accent1"/>
+          </a:fillRef>
+          <a:effectRef idx="0">
+            <a:schemeClr val="accent1"/>
+          </a:effectRef>
+          <a:fontRef idx="minor">
+            <a:schemeClr val="lt1"/>
+          </a:fontRef>
+        </p:style>
+        <p:txBody>
+          <a:bodyPr rtlCol="0" anchor="ctr"/>
+          <a:lstStyle/>
+          <a:p>
+            <a:pPr algn="ctr"/>
+            <a:endParaRPr lang="en-US"/>
+          </a:p>
+        </p:txBody>
+      </p:sp>
+      <p:cxnSp>
+        <p:nvCxnSpPr>
+          <p:cNvPr id="112" name="49 Conector recto de flecha"/>
+          <p:cNvCxnSpPr/>
+          <p:nvPr/>
+        </p:nvCxnSpPr>
+        <p:spPr>
+          <a:xfrm flipV="1">
+            <a:off x="390544" y="2232260"/>
+            <a:ext cx="1247611" cy="831132"/>
+          </a:xfrm>
+          <a:prstGeom prst="straightConnector1">
+            <a:avLst/>
+          </a:prstGeom>
+          <a:ln>
+            <a:tailEnd type="arrow"/>
+          </a:ln>
+        </p:spPr>
+        <p:style>
+          <a:lnRef idx="3">
+            <a:schemeClr val="accent2"/>
+          </a:lnRef>
+          <a:fillRef idx="0">
+            <a:schemeClr val="accent2"/>
+          </a:fillRef>
+          <a:effectRef idx="2">
+            <a:schemeClr val="accent2"/>
+          </a:effectRef>
+          <a:fontRef idx="minor">
+            <a:schemeClr val="tx1"/>
+          </a:fontRef>
+        </p:style>
+      </p:cxnSp>
+      <p:cxnSp>
+        <p:nvCxnSpPr>
+          <p:cNvPr id="115" name="49 Conector recto de flecha"/>
+          <p:cNvCxnSpPr>
+            <a:endCxn id="30" idx="0"/>
+          </p:cNvCxnSpPr>
+          <p:nvPr/>
+        </p:nvCxnSpPr>
+        <p:spPr>
+          <a:xfrm>
+            <a:off x="2293402" y="2137026"/>
+            <a:ext cx="1153192" cy="945992"/>
+          </a:xfrm>
+          <a:prstGeom prst="straightConnector1">
+            <a:avLst/>
+          </a:prstGeom>
+          <a:ln>
+            <a:tailEnd type="arrow"/>
+          </a:ln>
+        </p:spPr>
+        <p:style>
+          <a:lnRef idx="3">
+            <a:schemeClr val="accent2"/>
+          </a:lnRef>
+          <a:fillRef idx="0">
+            <a:schemeClr val="accent2"/>
+          </a:fillRef>
+          <a:effectRef idx="2">
+            <a:schemeClr val="accent2"/>
+          </a:effectRef>
+          <a:fontRef idx="minor">
+            <a:schemeClr val="tx1"/>
+          </a:fontRef>
+        </p:style>
+      </p:cxnSp>
+      <p:cxnSp>
+        <p:nvCxnSpPr>
+          <p:cNvPr id="117" name="49 Conector recto de flecha"/>
+          <p:cNvCxnSpPr/>
+          <p:nvPr/>
+        </p:nvCxnSpPr>
+        <p:spPr>
+          <a:xfrm>
+            <a:off x="3631830" y="3580188"/>
+            <a:ext cx="698199" cy="14253"/>
+          </a:xfrm>
+          <a:prstGeom prst="straightConnector1">
+            <a:avLst/>
+          </a:prstGeom>
+          <a:ln>
+            <a:tailEnd type="arrow"/>
+          </a:ln>
+        </p:spPr>
+        <p:style>
+          <a:lnRef idx="3">
+            <a:schemeClr val="accent2"/>
+          </a:lnRef>
+          <a:fillRef idx="0">
+            <a:schemeClr val="accent2"/>
+          </a:fillRef>
+          <a:effectRef idx="2">
+            <a:schemeClr val="accent2"/>
+          </a:effectRef>
+          <a:fontRef idx="minor">
+            <a:schemeClr val="tx1"/>
+          </a:fontRef>
+        </p:style>
+      </p:cxnSp>
+      <p:cxnSp>
+        <p:nvCxnSpPr>
+          <p:cNvPr id="121" name="49 Conector recto de flecha"/>
+          <p:cNvCxnSpPr/>
+          <p:nvPr/>
+        </p:nvCxnSpPr>
+        <p:spPr>
+          <a:xfrm>
+            <a:off x="5149103" y="3588878"/>
+            <a:ext cx="698199" cy="14253"/>
+          </a:xfrm>
+          <a:prstGeom prst="straightConnector1">
+            <a:avLst/>
+          </a:prstGeom>
+          <a:ln>
+            <a:tailEnd type="arrow"/>
+          </a:ln>
+        </p:spPr>
+        <p:style>
+          <a:lnRef idx="3">
+            <a:schemeClr val="accent2"/>
+          </a:lnRef>
+          <a:fillRef idx="0">
+            <a:schemeClr val="accent2"/>
+          </a:fillRef>
+          <a:effectRef idx="2">
+            <a:schemeClr val="accent2"/>
+          </a:effectRef>
+          <a:fontRef idx="minor">
+            <a:schemeClr val="tx1"/>
+          </a:fontRef>
+        </p:style>
+      </p:cxnSp>
+      <p:cxnSp>
+        <p:nvCxnSpPr>
+          <p:cNvPr id="122" name="49 Conector recto de flecha"/>
+          <p:cNvCxnSpPr/>
+          <p:nvPr/>
+        </p:nvCxnSpPr>
+        <p:spPr>
+          <a:xfrm>
+            <a:off x="6577827" y="3538864"/>
+            <a:ext cx="698199" cy="14253"/>
+          </a:xfrm>
+          <a:prstGeom prst="straightConnector1">
+            <a:avLst/>
+          </a:prstGeom>
+          <a:ln>
+            <a:tailEnd type="arrow"/>
+          </a:ln>
+        </p:spPr>
+        <p:style>
+          <a:lnRef idx="3">
+            <a:schemeClr val="accent2"/>
+          </a:lnRef>
+          <a:fillRef idx="0">
+            <a:schemeClr val="accent2"/>
+          </a:fillRef>
+          <a:effectRef idx="2">
+            <a:schemeClr val="accent2"/>
+          </a:effectRef>
+          <a:fontRef idx="minor">
+            <a:schemeClr val="tx1"/>
+          </a:fontRef>
+        </p:style>
+      </p:cxnSp>
+      <p:cxnSp>
+        <p:nvCxnSpPr>
+          <p:cNvPr id="123" name="49 Conector recto de flecha"/>
+          <p:cNvCxnSpPr/>
+          <p:nvPr/>
+        </p:nvCxnSpPr>
+        <p:spPr>
+          <a:xfrm>
+            <a:off x="8008143" y="3538864"/>
+            <a:ext cx="698199" cy="14253"/>
+          </a:xfrm>
+          <a:prstGeom prst="straightConnector1">
+            <a:avLst/>
+          </a:prstGeom>
+          <a:ln>
+            <a:tailEnd type="arrow"/>
+          </a:ln>
+        </p:spPr>
+        <p:style>
+          <a:lnRef idx="3">
+            <a:schemeClr val="accent2"/>
+          </a:lnRef>
+          <a:fillRef idx="0">
+            <a:schemeClr val="accent2"/>
+          </a:fillRef>
+          <a:effectRef idx="2">
+            <a:schemeClr val="accent2"/>
+          </a:effectRef>
+          <a:fontRef idx="minor">
+            <a:schemeClr val="tx1"/>
+          </a:fontRef>
+        </p:style>
+      </p:cxnSp>
+      <p:cxnSp>
+        <p:nvCxnSpPr>
+          <p:cNvPr id="124" name="49 Conector recto de flecha"/>
+          <p:cNvCxnSpPr/>
+          <p:nvPr/>
+        </p:nvCxnSpPr>
+        <p:spPr>
+          <a:xfrm>
+            <a:off x="9399220" y="3538864"/>
+            <a:ext cx="698199" cy="14253"/>
+          </a:xfrm>
+          <a:prstGeom prst="straightConnector1">
+            <a:avLst/>
+          </a:prstGeom>
+          <a:ln>
+            <a:tailEnd type="arrow"/>
+          </a:ln>
+        </p:spPr>
+        <p:style>
+          <a:lnRef idx="3">
+            <a:schemeClr val="accent2"/>
+          </a:lnRef>
+          <a:fillRef idx="0">
+            <a:schemeClr val="accent2"/>
+          </a:fillRef>
+          <a:effectRef idx="2">
+            <a:schemeClr val="accent2"/>
+          </a:effectRef>
+          <a:fontRef idx="minor">
+            <a:schemeClr val="tx1"/>
+          </a:fontRef>
+        </p:style>
+      </p:cxnSp>
     </p:spTree>
     <p:extLst>
       <p:ext uri="{BB962C8B-B14F-4D97-AF65-F5344CB8AC3E}">
-        <p14:creationId xmlns:p14="http://schemas.microsoft.com/office/powerpoint/2010/main" xmlns="" val="546631854"/>
+        <p14:creationId xmlns:p14="http://schemas.microsoft.com/office/powerpoint/2010/main" val="546631854"/>
       </p:ext>
     </p:extLst>
   </p:cSld>
@@ -11414,7 +13946,7 @@
     </p:spTree>
     <p:extLst>
       <p:ext uri="{BB962C8B-B14F-4D97-AF65-F5344CB8AC3E}">
-        <p14:creationId xmlns:p14="http://schemas.microsoft.com/office/powerpoint/2010/main" xmlns="" val="546631854"/>
+        <p14:creationId xmlns:p14="http://schemas.microsoft.com/office/powerpoint/2010/main" val="546631854"/>
       </p:ext>
     </p:extLst>
   </p:cSld>
@@ -11686,7 +14218,7 @@
   <a:extraClrSchemeLst/>
   <a:extLst>
     <a:ext uri="{05A4C25C-085E-4340-85A3-A5531E510DB2}">
-      <thm15:themeFamily xmlns:thm15="http://schemas.microsoft.com/office/thememl/2012/main" xmlns="" name="Office Theme" id="{62F939B6-93AF-4DB8-9C6B-D6C7DFDC589F}" vid="{4A3C46E8-61CC-4603-A589-7422A47A8E4A}"/>
+      <thm15:themeFamily xmlns:thm15="http://schemas.microsoft.com/office/thememl/2012/main" name="Office Theme" id="{62F939B6-93AF-4DB8-9C6B-D6C7DFDC589F}" vid="{4A3C46E8-61CC-4603-A589-7422A47A8E4A}"/>
     </a:ext>
   </a:extLst>
 </a:theme>

--- a/tp3-proyectos/Imagenes.pptx
+++ b/tp3-proyectos/Imagenes.pptx
@@ -111,7 +111,7 @@
   </p:defaultTextStyle>
   <p:extLst>
     <p:ext uri="{EFAFB233-063F-42B5-8137-9DF3F51BA10A}">
-      <p15:sldGuideLst xmlns:p15="http://schemas.microsoft.com/office/powerpoint/2012/main" xmlns="">
+      <p15:sldGuideLst xmlns:p15="http://schemas.microsoft.com/office/powerpoint/2012/main">
         <p15:guide id="1" orient="horz" pos="2160">
           <p15:clr>
             <a:srgbClr val="A4A3A4"/>
@@ -303,7 +303,7 @@
             <a:fld id="{A173DF1F-6FD9-4134-ABE5-0680BC74F2FF}" type="slidenum">
               <a:rPr lang="es-AR" smtClean="0"/>
               <a:pPr/>
-              <a:t>‹Nº›</a:t>
+              <a:t>‹#›</a:t>
             </a:fld>
             <a:endParaRPr lang="es-AR"/>
           </a:p>
@@ -312,7 +312,7 @@
     </p:spTree>
     <p:extLst>
       <p:ext uri="{BB962C8B-B14F-4D97-AF65-F5344CB8AC3E}">
-        <p14:creationId xmlns:p14="http://schemas.microsoft.com/office/powerpoint/2010/main" xmlns="" val="1478221447"/>
+        <p14:creationId xmlns:p14="http://schemas.microsoft.com/office/powerpoint/2010/main" val="1478221447"/>
       </p:ext>
     </p:extLst>
   </p:cSld>
@@ -475,7 +475,7 @@
             <a:fld id="{A173DF1F-6FD9-4134-ABE5-0680BC74F2FF}" type="slidenum">
               <a:rPr lang="es-AR" smtClean="0"/>
               <a:pPr/>
-              <a:t>‹Nº›</a:t>
+              <a:t>‹#›</a:t>
             </a:fld>
             <a:endParaRPr lang="es-AR"/>
           </a:p>
@@ -484,7 +484,7 @@
     </p:spTree>
     <p:extLst>
       <p:ext uri="{BB962C8B-B14F-4D97-AF65-F5344CB8AC3E}">
-        <p14:creationId xmlns:p14="http://schemas.microsoft.com/office/powerpoint/2010/main" xmlns="" val="787665529"/>
+        <p14:creationId xmlns:p14="http://schemas.microsoft.com/office/powerpoint/2010/main" val="787665529"/>
       </p:ext>
     </p:extLst>
   </p:cSld>
@@ -657,7 +657,7 @@
             <a:fld id="{A173DF1F-6FD9-4134-ABE5-0680BC74F2FF}" type="slidenum">
               <a:rPr lang="es-AR" smtClean="0"/>
               <a:pPr/>
-              <a:t>‹Nº›</a:t>
+              <a:t>‹#›</a:t>
             </a:fld>
             <a:endParaRPr lang="es-AR"/>
           </a:p>
@@ -666,7 +666,7 @@
     </p:spTree>
     <p:extLst>
       <p:ext uri="{BB962C8B-B14F-4D97-AF65-F5344CB8AC3E}">
-        <p14:creationId xmlns:p14="http://schemas.microsoft.com/office/powerpoint/2010/main" xmlns="" val="3550571343"/>
+        <p14:creationId xmlns:p14="http://schemas.microsoft.com/office/powerpoint/2010/main" val="3550571343"/>
       </p:ext>
     </p:extLst>
   </p:cSld>
@@ -829,7 +829,7 @@
             <a:fld id="{A173DF1F-6FD9-4134-ABE5-0680BC74F2FF}" type="slidenum">
               <a:rPr lang="es-AR" smtClean="0"/>
               <a:pPr/>
-              <a:t>‹Nº›</a:t>
+              <a:t>‹#›</a:t>
             </a:fld>
             <a:endParaRPr lang="es-AR"/>
           </a:p>
@@ -838,7 +838,7 @@
     </p:spTree>
     <p:extLst>
       <p:ext uri="{BB962C8B-B14F-4D97-AF65-F5344CB8AC3E}">
-        <p14:creationId xmlns:p14="http://schemas.microsoft.com/office/powerpoint/2010/main" xmlns="" val="1090226818"/>
+        <p14:creationId xmlns:p14="http://schemas.microsoft.com/office/powerpoint/2010/main" val="1090226818"/>
       </p:ext>
     </p:extLst>
   </p:cSld>
@@ -1077,7 +1077,7 @@
             <a:fld id="{A173DF1F-6FD9-4134-ABE5-0680BC74F2FF}" type="slidenum">
               <a:rPr lang="es-AR" smtClean="0"/>
               <a:pPr/>
-              <a:t>‹Nº›</a:t>
+              <a:t>‹#›</a:t>
             </a:fld>
             <a:endParaRPr lang="es-AR"/>
           </a:p>
@@ -1086,7 +1086,7 @@
     </p:spTree>
     <p:extLst>
       <p:ext uri="{BB962C8B-B14F-4D97-AF65-F5344CB8AC3E}">
-        <p14:creationId xmlns:p14="http://schemas.microsoft.com/office/powerpoint/2010/main" xmlns="" val="1797381584"/>
+        <p14:creationId xmlns:p14="http://schemas.microsoft.com/office/powerpoint/2010/main" val="1797381584"/>
       </p:ext>
     </p:extLst>
   </p:cSld>
@@ -1311,7 +1311,7 @@
             <a:fld id="{A173DF1F-6FD9-4134-ABE5-0680BC74F2FF}" type="slidenum">
               <a:rPr lang="es-AR" smtClean="0"/>
               <a:pPr/>
-              <a:t>‹Nº›</a:t>
+              <a:t>‹#›</a:t>
             </a:fld>
             <a:endParaRPr lang="es-AR"/>
           </a:p>
@@ -1320,7 +1320,7 @@
     </p:spTree>
     <p:extLst>
       <p:ext uri="{BB962C8B-B14F-4D97-AF65-F5344CB8AC3E}">
-        <p14:creationId xmlns:p14="http://schemas.microsoft.com/office/powerpoint/2010/main" xmlns="" val="141320725"/>
+        <p14:creationId xmlns:p14="http://schemas.microsoft.com/office/powerpoint/2010/main" val="141320725"/>
       </p:ext>
     </p:extLst>
   </p:cSld>
@@ -1680,7 +1680,7 @@
             <a:fld id="{A173DF1F-6FD9-4134-ABE5-0680BC74F2FF}" type="slidenum">
               <a:rPr lang="es-AR" smtClean="0"/>
               <a:pPr/>
-              <a:t>‹Nº›</a:t>
+              <a:t>‹#›</a:t>
             </a:fld>
             <a:endParaRPr lang="es-AR"/>
           </a:p>
@@ -1689,7 +1689,7 @@
     </p:spTree>
     <p:extLst>
       <p:ext uri="{BB962C8B-B14F-4D97-AF65-F5344CB8AC3E}">
-        <p14:creationId xmlns:p14="http://schemas.microsoft.com/office/powerpoint/2010/main" xmlns="" val="898217691"/>
+        <p14:creationId xmlns:p14="http://schemas.microsoft.com/office/powerpoint/2010/main" val="898217691"/>
       </p:ext>
     </p:extLst>
   </p:cSld>
@@ -1800,7 +1800,7 @@
             <a:fld id="{A173DF1F-6FD9-4134-ABE5-0680BC74F2FF}" type="slidenum">
               <a:rPr lang="es-AR" smtClean="0"/>
               <a:pPr/>
-              <a:t>‹Nº›</a:t>
+              <a:t>‹#›</a:t>
             </a:fld>
             <a:endParaRPr lang="es-AR"/>
           </a:p>
@@ -1809,7 +1809,7 @@
     </p:spTree>
     <p:extLst>
       <p:ext uri="{BB962C8B-B14F-4D97-AF65-F5344CB8AC3E}">
-        <p14:creationId xmlns:p14="http://schemas.microsoft.com/office/powerpoint/2010/main" xmlns="" val="1734197303"/>
+        <p14:creationId xmlns:p14="http://schemas.microsoft.com/office/powerpoint/2010/main" val="1734197303"/>
       </p:ext>
     </p:extLst>
   </p:cSld>
@@ -1897,7 +1897,7 @@
             <a:fld id="{A173DF1F-6FD9-4134-ABE5-0680BC74F2FF}" type="slidenum">
               <a:rPr lang="es-AR" smtClean="0"/>
               <a:pPr/>
-              <a:t>‹Nº›</a:t>
+              <a:t>‹#›</a:t>
             </a:fld>
             <a:endParaRPr lang="es-AR"/>
           </a:p>
@@ -1906,7 +1906,7 @@
     </p:spTree>
     <p:extLst>
       <p:ext uri="{BB962C8B-B14F-4D97-AF65-F5344CB8AC3E}">
-        <p14:creationId xmlns:p14="http://schemas.microsoft.com/office/powerpoint/2010/main" xmlns="" val="2733380732"/>
+        <p14:creationId xmlns:p14="http://schemas.microsoft.com/office/powerpoint/2010/main" val="2733380732"/>
       </p:ext>
     </p:extLst>
   </p:cSld>
@@ -2176,7 +2176,7 @@
             <a:fld id="{A173DF1F-6FD9-4134-ABE5-0680BC74F2FF}" type="slidenum">
               <a:rPr lang="es-AR" smtClean="0"/>
               <a:pPr/>
-              <a:t>‹Nº›</a:t>
+              <a:t>‹#›</a:t>
             </a:fld>
             <a:endParaRPr lang="es-AR"/>
           </a:p>
@@ -2185,7 +2185,7 @@
     </p:spTree>
     <p:extLst>
       <p:ext uri="{BB962C8B-B14F-4D97-AF65-F5344CB8AC3E}">
-        <p14:creationId xmlns:p14="http://schemas.microsoft.com/office/powerpoint/2010/main" xmlns="" val="201515298"/>
+        <p14:creationId xmlns:p14="http://schemas.microsoft.com/office/powerpoint/2010/main" val="201515298"/>
       </p:ext>
     </p:extLst>
   </p:cSld>
@@ -2431,7 +2431,7 @@
             <a:fld id="{A173DF1F-6FD9-4134-ABE5-0680BC74F2FF}" type="slidenum">
               <a:rPr lang="es-AR" smtClean="0"/>
               <a:pPr/>
-              <a:t>‹Nº›</a:t>
+              <a:t>‹#›</a:t>
             </a:fld>
             <a:endParaRPr lang="es-AR"/>
           </a:p>
@@ -2440,7 +2440,7 @@
     </p:spTree>
     <p:extLst>
       <p:ext uri="{BB962C8B-B14F-4D97-AF65-F5344CB8AC3E}">
-        <p14:creationId xmlns:p14="http://schemas.microsoft.com/office/powerpoint/2010/main" xmlns="" val="976262354"/>
+        <p14:creationId xmlns:p14="http://schemas.microsoft.com/office/powerpoint/2010/main" val="976262354"/>
       </p:ext>
     </p:extLst>
   </p:cSld>
@@ -2682,7 +2682,7 @@
             <a:fld id="{A173DF1F-6FD9-4134-ABE5-0680BC74F2FF}" type="slidenum">
               <a:rPr lang="es-AR" smtClean="0"/>
               <a:pPr/>
-              <a:t>‹Nº›</a:t>
+              <a:t>‹#›</a:t>
             </a:fld>
             <a:endParaRPr lang="es-AR"/>
           </a:p>
@@ -2691,7 +2691,7 @@
     </p:spTree>
     <p:extLst>
       <p:ext uri="{BB962C8B-B14F-4D97-AF65-F5344CB8AC3E}">
-        <p14:creationId xmlns:p14="http://schemas.microsoft.com/office/powerpoint/2010/main" xmlns="" val="2905328256"/>
+        <p14:creationId xmlns:p14="http://schemas.microsoft.com/office/powerpoint/2010/main" val="2905328256"/>
       </p:ext>
     </p:extLst>
   </p:cSld>
@@ -3588,7 +3588,7 @@
     </p:spTree>
     <p:extLst>
       <p:ext uri="{BB962C8B-B14F-4D97-AF65-F5344CB8AC3E}">
-        <p14:creationId xmlns:p14="http://schemas.microsoft.com/office/powerpoint/2010/main" xmlns="" val="546631854"/>
+        <p14:creationId xmlns:p14="http://schemas.microsoft.com/office/powerpoint/2010/main" val="546631854"/>
       </p:ext>
     </p:extLst>
   </p:cSld>
@@ -6977,7 +6977,7 @@
     </p:spTree>
     <p:extLst>
       <p:ext uri="{BB962C8B-B14F-4D97-AF65-F5344CB8AC3E}">
-        <p14:creationId xmlns:p14="http://schemas.microsoft.com/office/powerpoint/2010/main" xmlns="" val="546631854"/>
+        <p14:creationId xmlns:p14="http://schemas.microsoft.com/office/powerpoint/2010/main" val="546631854"/>
       </p:ext>
     </p:extLst>
   </p:cSld>
@@ -9185,14 +9185,12 @@
       <p:cxnSp>
         <p:nvCxnSpPr>
           <p:cNvPr id="96" name="41 Conector recto de flecha"/>
-          <p:cNvCxnSpPr>
-            <a:endCxn id="100" idx="2"/>
-          </p:cNvCxnSpPr>
-          <p:nvPr/>
-        </p:nvCxnSpPr>
-        <p:spPr>
-          <a:xfrm>
-            <a:off x="9407171" y="3440385"/>
+          <p:cNvCxnSpPr/>
+          <p:nvPr/>
+        </p:nvCxnSpPr>
+        <p:spPr>
+          <a:xfrm>
+            <a:off x="8067242" y="5130120"/>
             <a:ext cx="674083" cy="5375"/>
           </a:xfrm>
           <a:prstGeom prst="straightConnector1">
@@ -9225,7 +9223,7 @@
         </p:nvSpPr>
         <p:spPr>
           <a:xfrm>
-            <a:off x="9569698" y="3069214"/>
+            <a:off x="8170116" y="4780446"/>
             <a:ext cx="330540" cy="369332"/>
           </a:xfrm>
           <a:prstGeom prst="rect">
@@ -9255,7 +9253,7 @@
         </p:nvSpPr>
         <p:spPr>
           <a:xfrm>
-            <a:off x="9667110" y="3529976"/>
+            <a:off x="8267528" y="5241208"/>
             <a:ext cx="276038" cy="307777"/>
           </a:xfrm>
           <a:prstGeom prst="rect">
@@ -9293,7 +9291,7 @@
         </p:nvGrpSpPr>
         <p:grpSpPr>
           <a:xfrm>
-            <a:off x="10081254" y="3097940"/>
+            <a:off x="8824714" y="4813714"/>
             <a:ext cx="767081" cy="695640"/>
             <a:chOff x="4134779" y="3104530"/>
             <a:chExt cx="767081" cy="695640"/>
@@ -9438,7 +9436,7 @@
             <a:p>
               <a:r>
                 <a:rPr lang="es-AR" dirty="0" smtClean="0"/>
-                <a:t>8</a:t>
+                <a:t>9</a:t>
               </a:r>
               <a:endParaRPr lang="es-AR" dirty="0"/>
             </a:p>
@@ -9505,230 +9503,6 @@
           </p:txBody>
         </p:sp>
       </p:grpSp>
-      <p:sp>
-        <p:nvSpPr>
-          <p:cNvPr id="110" name="Freeform 109"/>
-          <p:cNvSpPr/>
-          <p:nvPr/>
-        </p:nvSpPr>
-        <p:spPr>
-          <a:xfrm>
-            <a:off x="6168980" y="1635616"/>
-            <a:ext cx="3045228" cy="1507047"/>
-          </a:xfrm>
-          <a:custGeom>
-            <a:avLst/>
-            <a:gdLst>
-              <a:gd name="connsiteX0" fmla="*/ 0 w 2980231"/>
-              <a:gd name="connsiteY0" fmla="*/ 1862964 h 1876062"/>
-              <a:gd name="connsiteX1" fmla="*/ 721217 w 2980231"/>
-              <a:gd name="connsiteY1" fmla="*/ 356136 h 1876062"/>
-              <a:gd name="connsiteX2" fmla="*/ 2730321 w 2980231"/>
-              <a:gd name="connsiteY2" fmla="*/ 111437 h 1876062"/>
-              <a:gd name="connsiteX3" fmla="*/ 2949262 w 2980231"/>
-              <a:gd name="connsiteY3" fmla="*/ 1837206 h 1876062"/>
-              <a:gd name="connsiteX4" fmla="*/ 2949262 w 2980231"/>
-              <a:gd name="connsiteY4" fmla="*/ 1837206 h 1876062"/>
-              <a:gd name="connsiteX5" fmla="*/ 2962141 w 2980231"/>
-              <a:gd name="connsiteY5" fmla="*/ 1875843 h 1876062"/>
-              <a:gd name="connsiteX6" fmla="*/ 2962141 w 2980231"/>
-              <a:gd name="connsiteY6" fmla="*/ 1850085 h 1876062"/>
-            </a:gdLst>
-            <a:ahLst/>
-            <a:cxnLst>
-              <a:cxn ang="0">
-                <a:pos x="connsiteX0" y="connsiteY0"/>
-              </a:cxn>
-              <a:cxn ang="0">
-                <a:pos x="connsiteX1" y="connsiteY1"/>
-              </a:cxn>
-              <a:cxn ang="0">
-                <a:pos x="connsiteX2" y="connsiteY2"/>
-              </a:cxn>
-              <a:cxn ang="0">
-                <a:pos x="connsiteX3" y="connsiteY3"/>
-              </a:cxn>
-              <a:cxn ang="0">
-                <a:pos x="connsiteX4" y="connsiteY4"/>
-              </a:cxn>
-              <a:cxn ang="0">
-                <a:pos x="connsiteX5" y="connsiteY5"/>
-              </a:cxn>
-              <a:cxn ang="0">
-                <a:pos x="connsiteX6" y="connsiteY6"/>
-              </a:cxn>
-            </a:cxnLst>
-            <a:rect l="l" t="t" r="r" b="b"/>
-            <a:pathLst>
-              <a:path w="2980231" h="1876062">
-                <a:moveTo>
-                  <a:pt x="0" y="1862964"/>
-                </a:moveTo>
-                <a:cubicBezTo>
-                  <a:pt x="133082" y="1255510"/>
-                  <a:pt x="266164" y="648057"/>
-                  <a:pt x="721217" y="356136"/>
-                </a:cubicBezTo>
-                <a:cubicBezTo>
-                  <a:pt x="1176271" y="64215"/>
-                  <a:pt x="2358980" y="-135408"/>
-                  <a:pt x="2730321" y="111437"/>
-                </a:cubicBezTo>
-                <a:cubicBezTo>
-                  <a:pt x="3101662" y="358282"/>
-                  <a:pt x="2949262" y="1837206"/>
-                  <a:pt x="2949262" y="1837206"/>
-                </a:cubicBezTo>
-                <a:lnTo>
-                  <a:pt x="2949262" y="1837206"/>
-                </a:lnTo>
-                <a:cubicBezTo>
-                  <a:pt x="2951408" y="1843645"/>
-                  <a:pt x="2959995" y="1873697"/>
-                  <a:pt x="2962141" y="1875843"/>
-                </a:cubicBezTo>
-                <a:cubicBezTo>
-                  <a:pt x="2964287" y="1877989"/>
-                  <a:pt x="2963214" y="1864037"/>
-                  <a:pt x="2962141" y="1850085"/>
-                </a:cubicBezTo>
-              </a:path>
-            </a:pathLst>
-          </a:custGeom>
-          <a:noFill/>
-          <a:ln>
-            <a:prstDash val="dash"/>
-            <a:headEnd type="none" w="med" len="med"/>
-            <a:tailEnd type="triangle" w="med" len="med"/>
-          </a:ln>
-        </p:spPr>
-        <p:style>
-          <a:lnRef idx="2">
-            <a:schemeClr val="accent1">
-              <a:shade val="50000"/>
-            </a:schemeClr>
-          </a:lnRef>
-          <a:fillRef idx="1">
-            <a:schemeClr val="accent1"/>
-          </a:fillRef>
-          <a:effectRef idx="0">
-            <a:schemeClr val="accent1"/>
-          </a:effectRef>
-          <a:fontRef idx="minor">
-            <a:schemeClr val="lt1"/>
-          </a:fontRef>
-        </p:style>
-        <p:txBody>
-          <a:bodyPr rtlCol="0" anchor="ctr"/>
-          <a:lstStyle/>
-          <a:p>
-            <a:pPr algn="ctr"/>
-            <a:endParaRPr lang="en-US"/>
-          </a:p>
-        </p:txBody>
-      </p:sp>
-      <p:sp>
-        <p:nvSpPr>
-          <p:cNvPr id="111" name="Freeform 110"/>
-          <p:cNvSpPr/>
-          <p:nvPr/>
-        </p:nvSpPr>
-        <p:spPr>
-          <a:xfrm>
-            <a:off x="7600412" y="2355774"/>
-            <a:ext cx="1496907" cy="760913"/>
-          </a:xfrm>
-          <a:custGeom>
-            <a:avLst/>
-            <a:gdLst>
-              <a:gd name="connsiteX0" fmla="*/ 11002 w 1496907"/>
-              <a:gd name="connsiteY0" fmla="*/ 748034 h 760913"/>
-              <a:gd name="connsiteX1" fmla="*/ 191306 w 1496907"/>
-              <a:gd name="connsiteY1" fmla="*/ 129849 h 760913"/>
-              <a:gd name="connsiteX2" fmla="*/ 1324647 w 1496907"/>
-              <a:gd name="connsiteY2" fmla="*/ 52575 h 760913"/>
-              <a:gd name="connsiteX3" fmla="*/ 1492073 w 1496907"/>
-              <a:gd name="connsiteY3" fmla="*/ 760913 h 760913"/>
-              <a:gd name="connsiteX4" fmla="*/ 1492073 w 1496907"/>
-              <a:gd name="connsiteY4" fmla="*/ 760913 h 760913"/>
-            </a:gdLst>
-            <a:ahLst/>
-            <a:cxnLst>
-              <a:cxn ang="0">
-                <a:pos x="connsiteX0" y="connsiteY0"/>
-              </a:cxn>
-              <a:cxn ang="0">
-                <a:pos x="connsiteX1" y="connsiteY1"/>
-              </a:cxn>
-              <a:cxn ang="0">
-                <a:pos x="connsiteX2" y="connsiteY2"/>
-              </a:cxn>
-              <a:cxn ang="0">
-                <a:pos x="connsiteX3" y="connsiteY3"/>
-              </a:cxn>
-              <a:cxn ang="0">
-                <a:pos x="connsiteX4" y="connsiteY4"/>
-              </a:cxn>
-            </a:cxnLst>
-            <a:rect l="l" t="t" r="r" b="b"/>
-            <a:pathLst>
-              <a:path w="1496907" h="760913">
-                <a:moveTo>
-                  <a:pt x="11002" y="748034"/>
-                </a:moveTo>
-                <a:cubicBezTo>
-                  <a:pt x="-8317" y="496896"/>
-                  <a:pt x="-27635" y="245759"/>
-                  <a:pt x="191306" y="129849"/>
-                </a:cubicBezTo>
-                <a:cubicBezTo>
-                  <a:pt x="410247" y="13939"/>
-                  <a:pt x="1107853" y="-52602"/>
-                  <a:pt x="1324647" y="52575"/>
-                </a:cubicBezTo>
-                <a:cubicBezTo>
-                  <a:pt x="1541441" y="157752"/>
-                  <a:pt x="1492073" y="760913"/>
-                  <a:pt x="1492073" y="760913"/>
-                </a:cubicBezTo>
-                <a:lnTo>
-                  <a:pt x="1492073" y="760913"/>
-                </a:lnTo>
-              </a:path>
-            </a:pathLst>
-          </a:custGeom>
-          <a:noFill/>
-          <a:ln>
-            <a:prstDash val="dash"/>
-            <a:headEnd type="none" w="med" len="med"/>
-            <a:tailEnd type="triangle" w="med" len="med"/>
-          </a:ln>
-        </p:spPr>
-        <p:style>
-          <a:lnRef idx="2">
-            <a:schemeClr val="accent1">
-              <a:shade val="50000"/>
-            </a:schemeClr>
-          </a:lnRef>
-          <a:fillRef idx="1">
-            <a:schemeClr val="accent1"/>
-          </a:fillRef>
-          <a:effectRef idx="0">
-            <a:schemeClr val="accent1"/>
-          </a:effectRef>
-          <a:fontRef idx="minor">
-            <a:schemeClr val="lt1"/>
-          </a:fontRef>
-        </p:style>
-        <p:txBody>
-          <a:bodyPr rtlCol="0" anchor="ctr"/>
-          <a:lstStyle/>
-          <a:p>
-            <a:pPr algn="ctr"/>
-            <a:endParaRPr lang="en-US"/>
-          </a:p>
-        </p:txBody>
-      </p:sp>
       <p:cxnSp>
         <p:nvCxnSpPr>
           <p:cNvPr id="112" name="49 Conector recto de flecha"/>
@@ -9937,7 +9711,7 @@
         </p:nvCxnSpPr>
         <p:spPr>
           <a:xfrm>
-            <a:off x="9399220" y="3538864"/>
+            <a:off x="8042384" y="5193159"/>
             <a:ext cx="698199" cy="14253"/>
           </a:xfrm>
           <a:prstGeom prst="straightConnector1">
@@ -9962,10 +9736,336 @@
           </a:fontRef>
         </p:style>
       </p:cxnSp>
+      <p:grpSp>
+        <p:nvGrpSpPr>
+          <p:cNvPr id="88" name="Group 87"/>
+          <p:cNvGrpSpPr/>
+          <p:nvPr/>
+        </p:nvGrpSpPr>
+        <p:grpSpPr>
+          <a:xfrm>
+            <a:off x="7276026" y="4784988"/>
+            <a:ext cx="767081" cy="695640"/>
+            <a:chOff x="4134779" y="3104530"/>
+            <a:chExt cx="767081" cy="695640"/>
+          </a:xfrm>
+        </p:grpSpPr>
+        <p:sp>
+          <p:nvSpPr>
+            <p:cNvPr id="89" name="Oval 3"/>
+            <p:cNvSpPr/>
+            <p:nvPr/>
+          </p:nvSpPr>
+          <p:spPr>
+            <a:xfrm>
+              <a:off x="4134779" y="3104530"/>
+              <a:ext cx="710983" cy="695640"/>
+            </a:xfrm>
+            <a:prstGeom prst="ellipse">
+              <a:avLst/>
+            </a:prstGeom>
+            <a:ln>
+              <a:solidFill>
+                <a:schemeClr val="tx2"/>
+              </a:solidFill>
+            </a:ln>
+            <a:effectLst>
+              <a:outerShdw blurRad="50800" dist="38100" dir="2700000" algn="tl" rotWithShape="0">
+                <a:prstClr val="black">
+                  <a:alpha val="40000"/>
+                </a:prstClr>
+              </a:outerShdw>
+            </a:effectLst>
+          </p:spPr>
+          <p:style>
+            <a:lnRef idx="2">
+              <a:schemeClr val="accent6"/>
+            </a:lnRef>
+            <a:fillRef idx="1">
+              <a:schemeClr val="lt1"/>
+            </a:fillRef>
+            <a:effectRef idx="0">
+              <a:schemeClr val="accent6"/>
+            </a:effectRef>
+            <a:fontRef idx="minor">
+              <a:schemeClr val="dk1"/>
+            </a:fontRef>
+          </p:style>
+          <p:txBody>
+            <a:bodyPr rtlCol="0" anchor="ctr"/>
+            <a:lstStyle/>
+            <a:p>
+              <a:pPr algn="ctr"/>
+              <a:endParaRPr lang="es-AR"/>
+            </a:p>
+          </p:txBody>
+        </p:sp>
+        <p:cxnSp>
+          <p:nvCxnSpPr>
+            <p:cNvPr id="90" name="39 Conector recto"/>
+            <p:cNvCxnSpPr>
+              <a:stCxn id="89" idx="0"/>
+              <a:endCxn id="89" idx="4"/>
+            </p:cNvCxnSpPr>
+            <p:nvPr/>
+          </p:nvCxnSpPr>
+          <p:spPr>
+            <a:xfrm>
+              <a:off x="4490271" y="3104530"/>
+              <a:ext cx="0" cy="695640"/>
+            </a:xfrm>
+            <a:prstGeom prst="line">
+              <a:avLst/>
+            </a:prstGeom>
+          </p:spPr>
+          <p:style>
+            <a:lnRef idx="1">
+              <a:schemeClr val="accent1"/>
+            </a:lnRef>
+            <a:fillRef idx="0">
+              <a:schemeClr val="accent1"/>
+            </a:fillRef>
+            <a:effectRef idx="0">
+              <a:schemeClr val="accent1"/>
+            </a:effectRef>
+            <a:fontRef idx="minor">
+              <a:schemeClr val="tx1"/>
+            </a:fontRef>
+          </p:style>
+        </p:cxnSp>
+        <p:cxnSp>
+          <p:nvCxnSpPr>
+            <p:cNvPr id="91" name="40 Conector recto"/>
+            <p:cNvCxnSpPr>
+              <a:stCxn id="89" idx="6"/>
+            </p:cNvCxnSpPr>
+            <p:nvPr/>
+          </p:nvCxnSpPr>
+          <p:spPr>
+            <a:xfrm flipH="1">
+              <a:off x="4498921" y="3452350"/>
+              <a:ext cx="346841" cy="978"/>
+            </a:xfrm>
+            <a:prstGeom prst="line">
+              <a:avLst/>
+            </a:prstGeom>
+          </p:spPr>
+          <p:style>
+            <a:lnRef idx="1">
+              <a:schemeClr val="accent1"/>
+            </a:lnRef>
+            <a:fillRef idx="0">
+              <a:schemeClr val="accent1"/>
+            </a:fillRef>
+            <a:effectRef idx="0">
+              <a:schemeClr val="accent1"/>
+            </a:effectRef>
+            <a:fontRef idx="minor">
+              <a:schemeClr val="tx1"/>
+            </a:fontRef>
+          </p:style>
+        </p:cxnSp>
+        <p:sp>
+          <p:nvSpPr>
+            <p:cNvPr id="92" name="41 CuadroTexto"/>
+            <p:cNvSpPr txBox="1"/>
+            <p:nvPr/>
+          </p:nvSpPr>
+          <p:spPr>
+            <a:xfrm>
+              <a:off x="4157335" y="3269398"/>
+              <a:ext cx="301686" cy="369332"/>
+            </a:xfrm>
+            <a:prstGeom prst="rect">
+              <a:avLst/>
+            </a:prstGeom>
+            <a:noFill/>
+          </p:spPr>
+          <p:txBody>
+            <a:bodyPr wrap="none" rtlCol="0">
+              <a:spAutoFit/>
+            </a:bodyPr>
+            <a:lstStyle/>
+            <a:p>
+              <a:r>
+                <a:rPr lang="es-AR" dirty="0" smtClean="0"/>
+                <a:t>8</a:t>
+              </a:r>
+              <a:endParaRPr lang="es-AR" dirty="0"/>
+            </a:p>
+          </p:txBody>
+        </p:sp>
+        <p:sp>
+          <p:nvSpPr>
+            <p:cNvPr id="93" name="42 CuadroTexto"/>
+            <p:cNvSpPr txBox="1"/>
+            <p:nvPr/>
+          </p:nvSpPr>
+          <p:spPr>
+            <a:xfrm>
+              <a:off x="4483156" y="3111744"/>
+              <a:ext cx="418704" cy="369332"/>
+            </a:xfrm>
+            <a:prstGeom prst="rect">
+              <a:avLst/>
+            </a:prstGeom>
+            <a:noFill/>
+          </p:spPr>
+          <p:txBody>
+            <a:bodyPr wrap="none" rtlCol="0">
+              <a:spAutoFit/>
+            </a:bodyPr>
+            <a:lstStyle/>
+            <a:p>
+              <a:r>
+                <a:rPr lang="es-AR" dirty="0" smtClean="0"/>
+                <a:t>62</a:t>
+              </a:r>
+              <a:endParaRPr lang="es-AR" dirty="0"/>
+            </a:p>
+          </p:txBody>
+        </p:sp>
+        <p:sp>
+          <p:nvSpPr>
+            <p:cNvPr id="94" name="43 CuadroTexto"/>
+            <p:cNvSpPr txBox="1"/>
+            <p:nvPr/>
+          </p:nvSpPr>
+          <p:spPr>
+            <a:xfrm>
+              <a:off x="4483156" y="3395522"/>
+              <a:ext cx="418704" cy="369332"/>
+            </a:xfrm>
+            <a:prstGeom prst="rect">
+              <a:avLst/>
+            </a:prstGeom>
+            <a:noFill/>
+          </p:spPr>
+          <p:txBody>
+            <a:bodyPr wrap="none" rtlCol="0">
+              <a:spAutoFit/>
+            </a:bodyPr>
+            <a:lstStyle/>
+            <a:p>
+              <a:r>
+                <a:rPr lang="es-AR" dirty="0" smtClean="0"/>
+                <a:t>62</a:t>
+              </a:r>
+              <a:endParaRPr lang="es-AR" dirty="0"/>
+            </a:p>
+          </p:txBody>
+        </p:sp>
+      </p:grpSp>
+      <p:cxnSp>
+        <p:nvCxnSpPr>
+          <p:cNvPr id="95" name="41 Conector recto de flecha"/>
+          <p:cNvCxnSpPr>
+            <a:endCxn id="89" idx="1"/>
+          </p:cNvCxnSpPr>
+          <p:nvPr/>
+        </p:nvCxnSpPr>
+        <p:spPr>
+          <a:xfrm>
+            <a:off x="6337571" y="3800170"/>
+            <a:ext cx="1042576" cy="1086692"/>
+          </a:xfrm>
+          <a:prstGeom prst="straightConnector1">
+            <a:avLst/>
+          </a:prstGeom>
+          <a:ln>
+            <a:prstDash val="lgDash"/>
+            <a:tailEnd type="arrow"/>
+          </a:ln>
+        </p:spPr>
+        <p:style>
+          <a:lnRef idx="1">
+            <a:schemeClr val="accent1"/>
+          </a:lnRef>
+          <a:fillRef idx="0">
+            <a:schemeClr val="accent1"/>
+          </a:fillRef>
+          <a:effectRef idx="0">
+            <a:schemeClr val="accent1"/>
+          </a:effectRef>
+          <a:fontRef idx="minor">
+            <a:schemeClr val="tx1"/>
+          </a:fontRef>
+        </p:style>
+      </p:cxnSp>
+      <p:cxnSp>
+        <p:nvCxnSpPr>
+          <p:cNvPr id="106" name="41 Conector recto de flecha"/>
+          <p:cNvCxnSpPr>
+            <a:endCxn id="89" idx="0"/>
+          </p:cNvCxnSpPr>
+          <p:nvPr/>
+        </p:nvCxnSpPr>
+        <p:spPr>
+          <a:xfrm flipH="1">
+            <a:off x="7631518" y="3812257"/>
+            <a:ext cx="13719" cy="972731"/>
+          </a:xfrm>
+          <a:prstGeom prst="straightConnector1">
+            <a:avLst/>
+          </a:prstGeom>
+          <a:ln>
+            <a:prstDash val="lgDash"/>
+            <a:tailEnd type="arrow"/>
+          </a:ln>
+        </p:spPr>
+        <p:style>
+          <a:lnRef idx="1">
+            <a:schemeClr val="accent1"/>
+          </a:lnRef>
+          <a:fillRef idx="0">
+            <a:schemeClr val="accent1"/>
+          </a:fillRef>
+          <a:effectRef idx="0">
+            <a:schemeClr val="accent1"/>
+          </a:effectRef>
+          <a:fontRef idx="minor">
+            <a:schemeClr val="tx1"/>
+          </a:fontRef>
+        </p:style>
+      </p:cxnSp>
+      <p:cxnSp>
+        <p:nvCxnSpPr>
+          <p:cNvPr id="107" name="41 Conector recto de flecha"/>
+          <p:cNvCxnSpPr/>
+          <p:nvPr/>
+        </p:nvCxnSpPr>
+        <p:spPr>
+          <a:xfrm flipH="1">
+            <a:off x="7862057" y="3827478"/>
+            <a:ext cx="994091" cy="1059384"/>
+          </a:xfrm>
+          <a:prstGeom prst="straightConnector1">
+            <a:avLst/>
+          </a:prstGeom>
+          <a:ln>
+            <a:prstDash val="lgDash"/>
+            <a:tailEnd type="arrow"/>
+          </a:ln>
+        </p:spPr>
+        <p:style>
+          <a:lnRef idx="1">
+            <a:schemeClr val="accent1"/>
+          </a:lnRef>
+          <a:fillRef idx="0">
+            <a:schemeClr val="accent1"/>
+          </a:fillRef>
+          <a:effectRef idx="0">
+            <a:schemeClr val="accent1"/>
+          </a:effectRef>
+          <a:fontRef idx="minor">
+            <a:schemeClr val="tx1"/>
+          </a:fontRef>
+        </p:style>
+      </p:cxnSp>
     </p:spTree>
     <p:extLst>
       <p:ext uri="{BB962C8B-B14F-4D97-AF65-F5344CB8AC3E}">
-        <p14:creationId xmlns:p14="http://schemas.microsoft.com/office/powerpoint/2010/main" xmlns="" val="546631854"/>
+        <p14:creationId xmlns:p14="http://schemas.microsoft.com/office/powerpoint/2010/main" val="546631854"/>
       </p:ext>
     </p:extLst>
   </p:cSld>
@@ -14309,7 +14409,7 @@
     </p:spTree>
     <p:extLst>
       <p:ext uri="{BB962C8B-B14F-4D97-AF65-F5344CB8AC3E}">
-        <p14:creationId xmlns:p14="http://schemas.microsoft.com/office/powerpoint/2010/main" xmlns="" val="546631854"/>
+        <p14:creationId xmlns:p14="http://schemas.microsoft.com/office/powerpoint/2010/main" val="546631854"/>
       </p:ext>
     </p:extLst>
   </p:cSld>
@@ -14482,11 +14582,7 @@
           <a:p>
             <a:r>
               <a:rPr lang="es-AR" dirty="0" smtClean="0"/>
-              <a:t>EJERCICIO </a:t>
-            </a:r>
-            <a:r>
-              <a:rPr lang="es-AR" dirty="0" smtClean="0"/>
-              <a:t>3.2.1</a:t>
+              <a:t>EJERCICIO 3.2.1</a:t>
             </a:r>
             <a:endParaRPr lang="es-AR" dirty="0"/>
           </a:p>
@@ -18657,7 +18753,7 @@
     </p:spTree>
     <p:extLst>
       <p:ext uri="{BB962C8B-B14F-4D97-AF65-F5344CB8AC3E}">
-        <p14:creationId xmlns:p14="http://schemas.microsoft.com/office/powerpoint/2010/main" xmlns="" val="546631854"/>
+        <p14:creationId xmlns:p14="http://schemas.microsoft.com/office/powerpoint/2010/main" val="546631854"/>
       </p:ext>
     </p:extLst>
   </p:cSld>
@@ -18830,11 +18926,7 @@
           <a:p>
             <a:r>
               <a:rPr lang="es-AR" dirty="0" smtClean="0"/>
-              <a:t>EJERCICIO </a:t>
-            </a:r>
-            <a:r>
-              <a:rPr lang="es-AR" dirty="0" smtClean="0"/>
-              <a:t>3.2.2</a:t>
+              <a:t>EJERCICIO 3.2.2</a:t>
             </a:r>
             <a:endParaRPr lang="es-AR" dirty="0"/>
           </a:p>
@@ -23005,7 +23097,7 @@
     </p:spTree>
     <p:extLst>
       <p:ext uri="{BB962C8B-B14F-4D97-AF65-F5344CB8AC3E}">
-        <p14:creationId xmlns:p14="http://schemas.microsoft.com/office/powerpoint/2010/main" xmlns="" val="546631854"/>
+        <p14:creationId xmlns:p14="http://schemas.microsoft.com/office/powerpoint/2010/main" val="546631854"/>
       </p:ext>
     </p:extLst>
   </p:cSld>
@@ -23277,7 +23369,7 @@
   <a:extraClrSchemeLst/>
   <a:extLst>
     <a:ext uri="{05A4C25C-085E-4340-85A3-A5531E510DB2}">
-      <thm15:themeFamily xmlns:thm15="http://schemas.microsoft.com/office/thememl/2012/main" xmlns="" name="Office Theme" id="{62F939B6-93AF-4DB8-9C6B-D6C7DFDC589F}" vid="{4A3C46E8-61CC-4603-A589-7422A47A8E4A}"/>
+      <thm15:themeFamily xmlns:thm15="http://schemas.microsoft.com/office/thememl/2012/main" name="Office Theme" id="{62F939B6-93AF-4DB8-9C6B-D6C7DFDC589F}" vid="{4A3C46E8-61CC-4603-A589-7422A47A8E4A}"/>
     </a:ext>
   </a:extLst>
 </a:theme>

--- a/tp3-proyectos/Imagenes.pptx
+++ b/tp3-proyectos/Imagenes.pptx
@@ -11,6 +11,7 @@
     <p:sldId id="258" r:id="rId5"/>
     <p:sldId id="260" r:id="rId6"/>
     <p:sldId id="261" r:id="rId7"/>
+    <p:sldId id="262" r:id="rId8"/>
   </p:sldIdLst>
   <p:sldSz cx="12192000" cy="6858000"/>
   <p:notesSz cx="6858000" cy="9144000"/>
@@ -111,7 +112,7 @@
   </p:defaultTextStyle>
   <p:extLst>
     <p:ext uri="{EFAFB233-063F-42B5-8137-9DF3F51BA10A}">
-      <p15:sldGuideLst xmlns:p15="http://schemas.microsoft.com/office/powerpoint/2012/main">
+      <p15:sldGuideLst xmlns:p15="http://schemas.microsoft.com/office/powerpoint/2012/main" xmlns="">
         <p15:guide id="1" orient="horz" pos="2160">
           <p15:clr>
             <a:srgbClr val="A4A3A4"/>
@@ -260,7 +261,7 @@
             <a:fld id="{EAE7EBD3-30FD-4FAB-979E-FE0AAD4807BC}" type="datetimeFigureOut">
               <a:rPr lang="es-AR" smtClean="0"/>
               <a:pPr/>
-              <a:t>18/11/2014</a:t>
+              <a:t>20/11/2014</a:t>
             </a:fld>
             <a:endParaRPr lang="es-AR"/>
           </a:p>
@@ -432,7 +433,7 @@
             <a:fld id="{EAE7EBD3-30FD-4FAB-979E-FE0AAD4807BC}" type="datetimeFigureOut">
               <a:rPr lang="es-AR" smtClean="0"/>
               <a:pPr/>
-              <a:t>18/11/2014</a:t>
+              <a:t>20/11/2014</a:t>
             </a:fld>
             <a:endParaRPr lang="es-AR"/>
           </a:p>
@@ -614,7 +615,7 @@
             <a:fld id="{EAE7EBD3-30FD-4FAB-979E-FE0AAD4807BC}" type="datetimeFigureOut">
               <a:rPr lang="es-AR" smtClean="0"/>
               <a:pPr/>
-              <a:t>18/11/2014</a:t>
+              <a:t>20/11/2014</a:t>
             </a:fld>
             <a:endParaRPr lang="es-AR"/>
           </a:p>
@@ -786,7 +787,7 @@
             <a:fld id="{EAE7EBD3-30FD-4FAB-979E-FE0AAD4807BC}" type="datetimeFigureOut">
               <a:rPr lang="es-AR" smtClean="0"/>
               <a:pPr/>
-              <a:t>18/11/2014</a:t>
+              <a:t>20/11/2014</a:t>
             </a:fld>
             <a:endParaRPr lang="es-AR"/>
           </a:p>
@@ -1034,7 +1035,7 @@
             <a:fld id="{EAE7EBD3-30FD-4FAB-979E-FE0AAD4807BC}" type="datetimeFigureOut">
               <a:rPr lang="es-AR" smtClean="0"/>
               <a:pPr/>
-              <a:t>18/11/2014</a:t>
+              <a:t>20/11/2014</a:t>
             </a:fld>
             <a:endParaRPr lang="es-AR"/>
           </a:p>
@@ -1268,7 +1269,7 @@
             <a:fld id="{EAE7EBD3-30FD-4FAB-979E-FE0AAD4807BC}" type="datetimeFigureOut">
               <a:rPr lang="es-AR" smtClean="0"/>
               <a:pPr/>
-              <a:t>18/11/2014</a:t>
+              <a:t>20/11/2014</a:t>
             </a:fld>
             <a:endParaRPr lang="es-AR"/>
           </a:p>
@@ -1637,7 +1638,7 @@
             <a:fld id="{EAE7EBD3-30FD-4FAB-979E-FE0AAD4807BC}" type="datetimeFigureOut">
               <a:rPr lang="es-AR" smtClean="0"/>
               <a:pPr/>
-              <a:t>18/11/2014</a:t>
+              <a:t>20/11/2014</a:t>
             </a:fld>
             <a:endParaRPr lang="es-AR"/>
           </a:p>
@@ -1757,7 +1758,7 @@
             <a:fld id="{EAE7EBD3-30FD-4FAB-979E-FE0AAD4807BC}" type="datetimeFigureOut">
               <a:rPr lang="es-AR" smtClean="0"/>
               <a:pPr/>
-              <a:t>18/11/2014</a:t>
+              <a:t>20/11/2014</a:t>
             </a:fld>
             <a:endParaRPr lang="es-AR"/>
           </a:p>
@@ -1854,7 +1855,7 @@
             <a:fld id="{EAE7EBD3-30FD-4FAB-979E-FE0AAD4807BC}" type="datetimeFigureOut">
               <a:rPr lang="es-AR" smtClean="0"/>
               <a:pPr/>
-              <a:t>18/11/2014</a:t>
+              <a:t>20/11/2014</a:t>
             </a:fld>
             <a:endParaRPr lang="es-AR"/>
           </a:p>
@@ -2133,7 +2134,7 @@
             <a:fld id="{EAE7EBD3-30FD-4FAB-979E-FE0AAD4807BC}" type="datetimeFigureOut">
               <a:rPr lang="es-AR" smtClean="0"/>
               <a:pPr/>
-              <a:t>18/11/2014</a:t>
+              <a:t>20/11/2014</a:t>
             </a:fld>
             <a:endParaRPr lang="es-AR"/>
           </a:p>
@@ -2388,7 +2389,7 @@
             <a:fld id="{EAE7EBD3-30FD-4FAB-979E-FE0AAD4807BC}" type="datetimeFigureOut">
               <a:rPr lang="es-AR" smtClean="0"/>
               <a:pPr/>
-              <a:t>18/11/2014</a:t>
+              <a:t>20/11/2014</a:t>
             </a:fld>
             <a:endParaRPr lang="es-AR"/>
           </a:p>
@@ -2603,7 +2604,7 @@
             <a:fld id="{EAE7EBD3-30FD-4FAB-979E-FE0AAD4807BC}" type="datetimeFigureOut">
               <a:rPr lang="es-AR" smtClean="0"/>
               <a:pPr/>
-              <a:t>18/11/2014</a:t>
+              <a:t>20/11/2014</a:t>
             </a:fld>
             <a:endParaRPr lang="es-AR"/>
           </a:p>
@@ -23111,6 +23112,2032 @@
       </p:par>
     </p:tnLst>
   </p:timing>
+</p:sld>
+</file>
+
+<file path=ppt/slides/slide7.xml><?xml version="1.0" encoding="utf-8"?>
+<p:sld xmlns:a="http://schemas.openxmlformats.org/drawingml/2006/main" xmlns:r="http://schemas.openxmlformats.org/officeDocument/2006/relationships" xmlns:p="http://schemas.openxmlformats.org/presentationml/2006/main">
+  <p:cSld>
+    <p:spTree>
+      <p:nvGrpSpPr>
+        <p:cNvPr id="1" name=""/>
+        <p:cNvGrpSpPr/>
+        <p:nvPr/>
+      </p:nvGrpSpPr>
+      <p:grpSpPr>
+        <a:xfrm>
+          <a:off x="0" y="0"/>
+          <a:ext cx="0" cy="0"/>
+          <a:chOff x="0" y="0"/>
+          <a:chExt cx="0" cy="0"/>
+        </a:xfrm>
+      </p:grpSpPr>
+      <p:sp>
+        <p:nvSpPr>
+          <p:cNvPr id="6" name="Rectangle 5"/>
+          <p:cNvSpPr/>
+          <p:nvPr/>
+        </p:nvSpPr>
+        <p:spPr>
+          <a:xfrm>
+            <a:off x="715082" y="815033"/>
+            <a:ext cx="1290290" cy="369332"/>
+          </a:xfrm>
+          <a:prstGeom prst="rect">
+            <a:avLst/>
+          </a:prstGeom>
+        </p:spPr>
+        <p:txBody>
+          <a:bodyPr wrap="none">
+            <a:spAutoFit/>
+          </a:bodyPr>
+          <a:lstStyle/>
+          <a:p>
+            <a:r>
+              <a:rPr lang="es-AR" dirty="0"/>
+              <a:t>EJERCICIO </a:t>
+            </a:r>
+            <a:r>
+              <a:rPr lang="es-AR" dirty="0" smtClean="0"/>
+              <a:t>4</a:t>
+            </a:r>
+            <a:endParaRPr lang="es-AR" dirty="0"/>
+          </a:p>
+        </p:txBody>
+      </p:sp>
+      <p:sp>
+        <p:nvSpPr>
+          <p:cNvPr id="35" name="Oval 3"/>
+          <p:cNvSpPr/>
+          <p:nvPr/>
+        </p:nvSpPr>
+        <p:spPr>
+          <a:xfrm>
+            <a:off x="1257490" y="3352670"/>
+            <a:ext cx="710983" cy="695640"/>
+          </a:xfrm>
+          <a:prstGeom prst="ellipse">
+            <a:avLst/>
+          </a:prstGeom>
+          <a:ln>
+            <a:solidFill>
+              <a:schemeClr val="tx2"/>
+            </a:solidFill>
+          </a:ln>
+          <a:effectLst>
+            <a:outerShdw blurRad="50800" dist="38100" dir="2700000" algn="tl" rotWithShape="0">
+              <a:prstClr val="black">
+                <a:alpha val="40000"/>
+              </a:prstClr>
+            </a:outerShdw>
+          </a:effectLst>
+        </p:spPr>
+        <p:style>
+          <a:lnRef idx="2">
+            <a:schemeClr val="accent6"/>
+          </a:lnRef>
+          <a:fillRef idx="1">
+            <a:schemeClr val="lt1"/>
+          </a:fillRef>
+          <a:effectRef idx="0">
+            <a:schemeClr val="accent6"/>
+          </a:effectRef>
+          <a:fontRef idx="minor">
+            <a:schemeClr val="dk1"/>
+          </a:fontRef>
+        </p:style>
+        <p:txBody>
+          <a:bodyPr rtlCol="0" anchor="ctr"/>
+          <a:lstStyle/>
+          <a:p>
+            <a:pPr algn="ctr"/>
+            <a:endParaRPr lang="es-AR"/>
+          </a:p>
+        </p:txBody>
+      </p:sp>
+      <p:cxnSp>
+        <p:nvCxnSpPr>
+          <p:cNvPr id="36" name="39 Conector recto"/>
+          <p:cNvCxnSpPr>
+            <a:stCxn id="35" idx="0"/>
+            <a:endCxn id="35" idx="4"/>
+          </p:cNvCxnSpPr>
+          <p:nvPr/>
+        </p:nvCxnSpPr>
+        <p:spPr>
+          <a:xfrm>
+            <a:off x="1612982" y="3352670"/>
+            <a:ext cx="0" cy="695640"/>
+          </a:xfrm>
+          <a:prstGeom prst="line">
+            <a:avLst/>
+          </a:prstGeom>
+        </p:spPr>
+        <p:style>
+          <a:lnRef idx="1">
+            <a:schemeClr val="accent1"/>
+          </a:lnRef>
+          <a:fillRef idx="0">
+            <a:schemeClr val="accent1"/>
+          </a:fillRef>
+          <a:effectRef idx="0">
+            <a:schemeClr val="accent1"/>
+          </a:effectRef>
+          <a:fontRef idx="minor">
+            <a:schemeClr val="tx1"/>
+          </a:fontRef>
+        </p:style>
+      </p:cxnSp>
+      <p:cxnSp>
+        <p:nvCxnSpPr>
+          <p:cNvPr id="37" name="40 Conector recto"/>
+          <p:cNvCxnSpPr>
+            <a:stCxn id="35" idx="6"/>
+          </p:cNvCxnSpPr>
+          <p:nvPr/>
+        </p:nvCxnSpPr>
+        <p:spPr>
+          <a:xfrm flipH="1">
+            <a:off x="1621632" y="3700490"/>
+            <a:ext cx="346841" cy="978"/>
+          </a:xfrm>
+          <a:prstGeom prst="line">
+            <a:avLst/>
+          </a:prstGeom>
+        </p:spPr>
+        <p:style>
+          <a:lnRef idx="1">
+            <a:schemeClr val="accent1"/>
+          </a:lnRef>
+          <a:fillRef idx="0">
+            <a:schemeClr val="accent1"/>
+          </a:fillRef>
+          <a:effectRef idx="0">
+            <a:schemeClr val="accent1"/>
+          </a:effectRef>
+          <a:fontRef idx="minor">
+            <a:schemeClr val="tx1"/>
+          </a:fontRef>
+        </p:style>
+      </p:cxnSp>
+      <p:sp>
+        <p:nvSpPr>
+          <p:cNvPr id="38" name="41 CuadroTexto"/>
+          <p:cNvSpPr txBox="1"/>
+          <p:nvPr/>
+        </p:nvSpPr>
+        <p:spPr>
+          <a:xfrm>
+            <a:off x="1280046" y="3517538"/>
+            <a:ext cx="301686" cy="369332"/>
+          </a:xfrm>
+          <a:prstGeom prst="rect">
+            <a:avLst/>
+          </a:prstGeom>
+          <a:noFill/>
+        </p:spPr>
+        <p:txBody>
+          <a:bodyPr wrap="none" rtlCol="0">
+            <a:spAutoFit/>
+          </a:bodyPr>
+          <a:lstStyle/>
+          <a:p>
+            <a:r>
+              <a:rPr lang="es-AR" dirty="0" smtClean="0"/>
+              <a:t>1</a:t>
+            </a:r>
+            <a:endParaRPr lang="es-AR" dirty="0"/>
+          </a:p>
+        </p:txBody>
+      </p:sp>
+      <p:sp>
+        <p:nvSpPr>
+          <p:cNvPr id="39" name="42 CuadroTexto"/>
+          <p:cNvSpPr txBox="1"/>
+          <p:nvPr/>
+        </p:nvSpPr>
+        <p:spPr>
+          <a:xfrm>
+            <a:off x="1605867" y="3359884"/>
+            <a:ext cx="301686" cy="369332"/>
+          </a:xfrm>
+          <a:prstGeom prst="rect">
+            <a:avLst/>
+          </a:prstGeom>
+          <a:noFill/>
+        </p:spPr>
+        <p:txBody>
+          <a:bodyPr wrap="none" rtlCol="0">
+            <a:spAutoFit/>
+          </a:bodyPr>
+          <a:lstStyle/>
+          <a:p>
+            <a:r>
+              <a:rPr lang="es-AR" dirty="0" smtClean="0"/>
+              <a:t>0</a:t>
+            </a:r>
+            <a:endParaRPr lang="es-AR" dirty="0"/>
+          </a:p>
+        </p:txBody>
+      </p:sp>
+      <p:sp>
+        <p:nvSpPr>
+          <p:cNvPr id="40" name="43 CuadroTexto"/>
+          <p:cNvSpPr txBox="1"/>
+          <p:nvPr/>
+        </p:nvSpPr>
+        <p:spPr>
+          <a:xfrm>
+            <a:off x="1605867" y="3643662"/>
+            <a:ext cx="301686" cy="369332"/>
+          </a:xfrm>
+          <a:prstGeom prst="rect">
+            <a:avLst/>
+          </a:prstGeom>
+          <a:noFill/>
+        </p:spPr>
+        <p:txBody>
+          <a:bodyPr wrap="none" rtlCol="0">
+            <a:spAutoFit/>
+          </a:bodyPr>
+          <a:lstStyle/>
+          <a:p>
+            <a:r>
+              <a:rPr lang="es-AR" dirty="0" smtClean="0"/>
+              <a:t>0</a:t>
+            </a:r>
+            <a:endParaRPr lang="es-AR" dirty="0"/>
+          </a:p>
+        </p:txBody>
+      </p:sp>
+      <p:sp>
+        <p:nvSpPr>
+          <p:cNvPr id="41" name="Oval 3"/>
+          <p:cNvSpPr/>
+          <p:nvPr/>
+        </p:nvSpPr>
+        <p:spPr>
+          <a:xfrm>
+            <a:off x="3282948" y="3355128"/>
+            <a:ext cx="710983" cy="695640"/>
+          </a:xfrm>
+          <a:prstGeom prst="ellipse">
+            <a:avLst/>
+          </a:prstGeom>
+          <a:ln>
+            <a:solidFill>
+              <a:schemeClr val="tx2"/>
+            </a:solidFill>
+          </a:ln>
+          <a:effectLst>
+            <a:outerShdw blurRad="50800" dist="38100" dir="2700000" algn="tl" rotWithShape="0">
+              <a:prstClr val="black">
+                <a:alpha val="40000"/>
+              </a:prstClr>
+            </a:outerShdw>
+          </a:effectLst>
+        </p:spPr>
+        <p:style>
+          <a:lnRef idx="2">
+            <a:schemeClr val="accent6"/>
+          </a:lnRef>
+          <a:fillRef idx="1">
+            <a:schemeClr val="lt1"/>
+          </a:fillRef>
+          <a:effectRef idx="0">
+            <a:schemeClr val="accent6"/>
+          </a:effectRef>
+          <a:fontRef idx="minor">
+            <a:schemeClr val="dk1"/>
+          </a:fontRef>
+        </p:style>
+        <p:txBody>
+          <a:bodyPr rtlCol="0" anchor="ctr"/>
+          <a:lstStyle/>
+          <a:p>
+            <a:pPr algn="ctr"/>
+            <a:endParaRPr lang="es-AR"/>
+          </a:p>
+        </p:txBody>
+      </p:sp>
+      <p:cxnSp>
+        <p:nvCxnSpPr>
+          <p:cNvPr id="42" name="39 Conector recto"/>
+          <p:cNvCxnSpPr>
+            <a:stCxn id="41" idx="0"/>
+            <a:endCxn id="41" idx="4"/>
+          </p:cNvCxnSpPr>
+          <p:nvPr/>
+        </p:nvCxnSpPr>
+        <p:spPr>
+          <a:xfrm>
+            <a:off x="3638440" y="3355128"/>
+            <a:ext cx="0" cy="695640"/>
+          </a:xfrm>
+          <a:prstGeom prst="line">
+            <a:avLst/>
+          </a:prstGeom>
+        </p:spPr>
+        <p:style>
+          <a:lnRef idx="1">
+            <a:schemeClr val="accent1"/>
+          </a:lnRef>
+          <a:fillRef idx="0">
+            <a:schemeClr val="accent1"/>
+          </a:fillRef>
+          <a:effectRef idx="0">
+            <a:schemeClr val="accent1"/>
+          </a:effectRef>
+          <a:fontRef idx="minor">
+            <a:schemeClr val="tx1"/>
+          </a:fontRef>
+        </p:style>
+      </p:cxnSp>
+      <p:cxnSp>
+        <p:nvCxnSpPr>
+          <p:cNvPr id="43" name="40 Conector recto"/>
+          <p:cNvCxnSpPr>
+            <a:stCxn id="41" idx="6"/>
+          </p:cNvCxnSpPr>
+          <p:nvPr/>
+        </p:nvCxnSpPr>
+        <p:spPr>
+          <a:xfrm flipH="1">
+            <a:off x="3647090" y="3702948"/>
+            <a:ext cx="346841" cy="978"/>
+          </a:xfrm>
+          <a:prstGeom prst="line">
+            <a:avLst/>
+          </a:prstGeom>
+        </p:spPr>
+        <p:style>
+          <a:lnRef idx="1">
+            <a:schemeClr val="accent1"/>
+          </a:lnRef>
+          <a:fillRef idx="0">
+            <a:schemeClr val="accent1"/>
+          </a:fillRef>
+          <a:effectRef idx="0">
+            <a:schemeClr val="accent1"/>
+          </a:effectRef>
+          <a:fontRef idx="minor">
+            <a:schemeClr val="tx1"/>
+          </a:fontRef>
+        </p:style>
+      </p:cxnSp>
+      <p:sp>
+        <p:nvSpPr>
+          <p:cNvPr id="44" name="41 CuadroTexto"/>
+          <p:cNvSpPr txBox="1"/>
+          <p:nvPr/>
+        </p:nvSpPr>
+        <p:spPr>
+          <a:xfrm>
+            <a:off x="3305504" y="3519996"/>
+            <a:ext cx="301686" cy="369332"/>
+          </a:xfrm>
+          <a:prstGeom prst="rect">
+            <a:avLst/>
+          </a:prstGeom>
+          <a:noFill/>
+        </p:spPr>
+        <p:txBody>
+          <a:bodyPr wrap="none" rtlCol="0">
+            <a:spAutoFit/>
+          </a:bodyPr>
+          <a:lstStyle/>
+          <a:p>
+            <a:r>
+              <a:rPr lang="es-AR" dirty="0"/>
+              <a:t>2</a:t>
+            </a:r>
+            <a:endParaRPr lang="es-AR" dirty="0"/>
+          </a:p>
+        </p:txBody>
+      </p:sp>
+      <p:sp>
+        <p:nvSpPr>
+          <p:cNvPr id="45" name="42 CuadroTexto"/>
+          <p:cNvSpPr txBox="1"/>
+          <p:nvPr/>
+        </p:nvSpPr>
+        <p:spPr>
+          <a:xfrm>
+            <a:off x="3631325" y="3362342"/>
+            <a:ext cx="301686" cy="369332"/>
+          </a:xfrm>
+          <a:prstGeom prst="rect">
+            <a:avLst/>
+          </a:prstGeom>
+          <a:noFill/>
+        </p:spPr>
+        <p:txBody>
+          <a:bodyPr wrap="none" rtlCol="0">
+            <a:spAutoFit/>
+          </a:bodyPr>
+          <a:lstStyle/>
+          <a:p>
+            <a:r>
+              <a:rPr lang="es-AR" dirty="0" smtClean="0"/>
+              <a:t>0</a:t>
+            </a:r>
+            <a:endParaRPr lang="es-AR" dirty="0"/>
+          </a:p>
+        </p:txBody>
+      </p:sp>
+      <p:sp>
+        <p:nvSpPr>
+          <p:cNvPr id="46" name="43 CuadroTexto"/>
+          <p:cNvSpPr txBox="1"/>
+          <p:nvPr/>
+        </p:nvSpPr>
+        <p:spPr>
+          <a:xfrm>
+            <a:off x="3631325" y="3646120"/>
+            <a:ext cx="301686" cy="369332"/>
+          </a:xfrm>
+          <a:prstGeom prst="rect">
+            <a:avLst/>
+          </a:prstGeom>
+          <a:noFill/>
+        </p:spPr>
+        <p:txBody>
+          <a:bodyPr wrap="none" rtlCol="0">
+            <a:spAutoFit/>
+          </a:bodyPr>
+          <a:lstStyle/>
+          <a:p>
+            <a:r>
+              <a:rPr lang="es-AR" dirty="0" smtClean="0"/>
+              <a:t>0</a:t>
+            </a:r>
+            <a:endParaRPr lang="es-AR" dirty="0"/>
+          </a:p>
+        </p:txBody>
+      </p:sp>
+      <p:sp>
+        <p:nvSpPr>
+          <p:cNvPr id="47" name="Oval 3"/>
+          <p:cNvSpPr/>
+          <p:nvPr/>
+        </p:nvSpPr>
+        <p:spPr>
+          <a:xfrm>
+            <a:off x="5052566" y="2266080"/>
+            <a:ext cx="710983" cy="695640"/>
+          </a:xfrm>
+          <a:prstGeom prst="ellipse">
+            <a:avLst/>
+          </a:prstGeom>
+          <a:ln>
+            <a:solidFill>
+              <a:schemeClr val="tx2"/>
+            </a:solidFill>
+          </a:ln>
+          <a:effectLst>
+            <a:outerShdw blurRad="50800" dist="38100" dir="2700000" algn="tl" rotWithShape="0">
+              <a:prstClr val="black">
+                <a:alpha val="40000"/>
+              </a:prstClr>
+            </a:outerShdw>
+          </a:effectLst>
+        </p:spPr>
+        <p:style>
+          <a:lnRef idx="2">
+            <a:schemeClr val="accent6"/>
+          </a:lnRef>
+          <a:fillRef idx="1">
+            <a:schemeClr val="lt1"/>
+          </a:fillRef>
+          <a:effectRef idx="0">
+            <a:schemeClr val="accent6"/>
+          </a:effectRef>
+          <a:fontRef idx="minor">
+            <a:schemeClr val="dk1"/>
+          </a:fontRef>
+        </p:style>
+        <p:txBody>
+          <a:bodyPr rtlCol="0" anchor="ctr"/>
+          <a:lstStyle/>
+          <a:p>
+            <a:pPr algn="ctr"/>
+            <a:endParaRPr lang="es-AR"/>
+          </a:p>
+        </p:txBody>
+      </p:sp>
+      <p:cxnSp>
+        <p:nvCxnSpPr>
+          <p:cNvPr id="48" name="39 Conector recto"/>
+          <p:cNvCxnSpPr>
+            <a:stCxn id="47" idx="0"/>
+            <a:endCxn id="47" idx="4"/>
+          </p:cNvCxnSpPr>
+          <p:nvPr/>
+        </p:nvCxnSpPr>
+        <p:spPr>
+          <a:xfrm>
+            <a:off x="5408058" y="2266080"/>
+            <a:ext cx="0" cy="695640"/>
+          </a:xfrm>
+          <a:prstGeom prst="line">
+            <a:avLst/>
+          </a:prstGeom>
+        </p:spPr>
+        <p:style>
+          <a:lnRef idx="1">
+            <a:schemeClr val="accent1"/>
+          </a:lnRef>
+          <a:fillRef idx="0">
+            <a:schemeClr val="accent1"/>
+          </a:fillRef>
+          <a:effectRef idx="0">
+            <a:schemeClr val="accent1"/>
+          </a:effectRef>
+          <a:fontRef idx="minor">
+            <a:schemeClr val="tx1"/>
+          </a:fontRef>
+        </p:style>
+      </p:cxnSp>
+      <p:cxnSp>
+        <p:nvCxnSpPr>
+          <p:cNvPr id="49" name="40 Conector recto"/>
+          <p:cNvCxnSpPr>
+            <a:stCxn id="47" idx="6"/>
+          </p:cNvCxnSpPr>
+          <p:nvPr/>
+        </p:nvCxnSpPr>
+        <p:spPr>
+          <a:xfrm flipH="1">
+            <a:off x="5416708" y="2613900"/>
+            <a:ext cx="346841" cy="978"/>
+          </a:xfrm>
+          <a:prstGeom prst="line">
+            <a:avLst/>
+          </a:prstGeom>
+        </p:spPr>
+        <p:style>
+          <a:lnRef idx="1">
+            <a:schemeClr val="accent1"/>
+          </a:lnRef>
+          <a:fillRef idx="0">
+            <a:schemeClr val="accent1"/>
+          </a:fillRef>
+          <a:effectRef idx="0">
+            <a:schemeClr val="accent1"/>
+          </a:effectRef>
+          <a:fontRef idx="minor">
+            <a:schemeClr val="tx1"/>
+          </a:fontRef>
+        </p:style>
+      </p:cxnSp>
+      <p:sp>
+        <p:nvSpPr>
+          <p:cNvPr id="50" name="41 CuadroTexto"/>
+          <p:cNvSpPr txBox="1"/>
+          <p:nvPr/>
+        </p:nvSpPr>
+        <p:spPr>
+          <a:xfrm>
+            <a:off x="5075122" y="2430948"/>
+            <a:ext cx="301686" cy="369332"/>
+          </a:xfrm>
+          <a:prstGeom prst="rect">
+            <a:avLst/>
+          </a:prstGeom>
+          <a:noFill/>
+        </p:spPr>
+        <p:txBody>
+          <a:bodyPr wrap="none" rtlCol="0">
+            <a:spAutoFit/>
+          </a:bodyPr>
+          <a:lstStyle/>
+          <a:p>
+            <a:r>
+              <a:rPr lang="es-AR" dirty="0"/>
+              <a:t>3</a:t>
+            </a:r>
+            <a:endParaRPr lang="es-AR" dirty="0"/>
+          </a:p>
+        </p:txBody>
+      </p:sp>
+      <p:sp>
+        <p:nvSpPr>
+          <p:cNvPr id="51" name="42 CuadroTexto"/>
+          <p:cNvSpPr txBox="1"/>
+          <p:nvPr/>
+        </p:nvSpPr>
+        <p:spPr>
+          <a:xfrm>
+            <a:off x="5400943" y="2273294"/>
+            <a:ext cx="301686" cy="369332"/>
+          </a:xfrm>
+          <a:prstGeom prst="rect">
+            <a:avLst/>
+          </a:prstGeom>
+          <a:noFill/>
+        </p:spPr>
+        <p:txBody>
+          <a:bodyPr wrap="none" rtlCol="0">
+            <a:spAutoFit/>
+          </a:bodyPr>
+          <a:lstStyle/>
+          <a:p>
+            <a:r>
+              <a:rPr lang="es-AR" dirty="0" smtClean="0"/>
+              <a:t>0</a:t>
+            </a:r>
+            <a:endParaRPr lang="es-AR" dirty="0"/>
+          </a:p>
+        </p:txBody>
+      </p:sp>
+      <p:sp>
+        <p:nvSpPr>
+          <p:cNvPr id="52" name="43 CuadroTexto"/>
+          <p:cNvSpPr txBox="1"/>
+          <p:nvPr/>
+        </p:nvSpPr>
+        <p:spPr>
+          <a:xfrm>
+            <a:off x="5400943" y="2557072"/>
+            <a:ext cx="301686" cy="369332"/>
+          </a:xfrm>
+          <a:prstGeom prst="rect">
+            <a:avLst/>
+          </a:prstGeom>
+          <a:noFill/>
+        </p:spPr>
+        <p:txBody>
+          <a:bodyPr wrap="none" rtlCol="0">
+            <a:spAutoFit/>
+          </a:bodyPr>
+          <a:lstStyle/>
+          <a:p>
+            <a:r>
+              <a:rPr lang="es-AR" dirty="0" smtClean="0"/>
+              <a:t>0</a:t>
+            </a:r>
+            <a:endParaRPr lang="es-AR" dirty="0"/>
+          </a:p>
+        </p:txBody>
+      </p:sp>
+      <p:sp>
+        <p:nvSpPr>
+          <p:cNvPr id="53" name="Oval 3"/>
+          <p:cNvSpPr/>
+          <p:nvPr/>
+        </p:nvSpPr>
+        <p:spPr>
+          <a:xfrm>
+            <a:off x="5060760" y="4493147"/>
+            <a:ext cx="710983" cy="695640"/>
+          </a:xfrm>
+          <a:prstGeom prst="ellipse">
+            <a:avLst/>
+          </a:prstGeom>
+          <a:ln>
+            <a:solidFill>
+              <a:schemeClr val="tx2"/>
+            </a:solidFill>
+          </a:ln>
+          <a:effectLst>
+            <a:outerShdw blurRad="50800" dist="38100" dir="2700000" algn="tl" rotWithShape="0">
+              <a:prstClr val="black">
+                <a:alpha val="40000"/>
+              </a:prstClr>
+            </a:outerShdw>
+          </a:effectLst>
+        </p:spPr>
+        <p:style>
+          <a:lnRef idx="2">
+            <a:schemeClr val="accent6"/>
+          </a:lnRef>
+          <a:fillRef idx="1">
+            <a:schemeClr val="lt1"/>
+          </a:fillRef>
+          <a:effectRef idx="0">
+            <a:schemeClr val="accent6"/>
+          </a:effectRef>
+          <a:fontRef idx="minor">
+            <a:schemeClr val="dk1"/>
+          </a:fontRef>
+        </p:style>
+        <p:txBody>
+          <a:bodyPr rtlCol="0" anchor="ctr"/>
+          <a:lstStyle/>
+          <a:p>
+            <a:pPr algn="ctr"/>
+            <a:endParaRPr lang="es-AR"/>
+          </a:p>
+        </p:txBody>
+      </p:sp>
+      <p:cxnSp>
+        <p:nvCxnSpPr>
+          <p:cNvPr id="54" name="39 Conector recto"/>
+          <p:cNvCxnSpPr>
+            <a:stCxn id="53" idx="0"/>
+            <a:endCxn id="53" idx="4"/>
+          </p:cNvCxnSpPr>
+          <p:nvPr/>
+        </p:nvCxnSpPr>
+        <p:spPr>
+          <a:xfrm>
+            <a:off x="5416252" y="4493147"/>
+            <a:ext cx="0" cy="695640"/>
+          </a:xfrm>
+          <a:prstGeom prst="line">
+            <a:avLst/>
+          </a:prstGeom>
+        </p:spPr>
+        <p:style>
+          <a:lnRef idx="1">
+            <a:schemeClr val="accent1"/>
+          </a:lnRef>
+          <a:fillRef idx="0">
+            <a:schemeClr val="accent1"/>
+          </a:fillRef>
+          <a:effectRef idx="0">
+            <a:schemeClr val="accent1"/>
+          </a:effectRef>
+          <a:fontRef idx="minor">
+            <a:schemeClr val="tx1"/>
+          </a:fontRef>
+        </p:style>
+      </p:cxnSp>
+      <p:cxnSp>
+        <p:nvCxnSpPr>
+          <p:cNvPr id="55" name="40 Conector recto"/>
+          <p:cNvCxnSpPr>
+            <a:stCxn id="53" idx="6"/>
+          </p:cNvCxnSpPr>
+          <p:nvPr/>
+        </p:nvCxnSpPr>
+        <p:spPr>
+          <a:xfrm flipH="1">
+            <a:off x="5424902" y="4840967"/>
+            <a:ext cx="346841" cy="978"/>
+          </a:xfrm>
+          <a:prstGeom prst="line">
+            <a:avLst/>
+          </a:prstGeom>
+        </p:spPr>
+        <p:style>
+          <a:lnRef idx="1">
+            <a:schemeClr val="accent1"/>
+          </a:lnRef>
+          <a:fillRef idx="0">
+            <a:schemeClr val="accent1"/>
+          </a:fillRef>
+          <a:effectRef idx="0">
+            <a:schemeClr val="accent1"/>
+          </a:effectRef>
+          <a:fontRef idx="minor">
+            <a:schemeClr val="tx1"/>
+          </a:fontRef>
+        </p:style>
+      </p:cxnSp>
+      <p:sp>
+        <p:nvSpPr>
+          <p:cNvPr id="56" name="41 CuadroTexto"/>
+          <p:cNvSpPr txBox="1"/>
+          <p:nvPr/>
+        </p:nvSpPr>
+        <p:spPr>
+          <a:xfrm>
+            <a:off x="5083316" y="4658015"/>
+            <a:ext cx="301686" cy="369332"/>
+          </a:xfrm>
+          <a:prstGeom prst="rect">
+            <a:avLst/>
+          </a:prstGeom>
+          <a:noFill/>
+        </p:spPr>
+        <p:txBody>
+          <a:bodyPr wrap="none" rtlCol="0">
+            <a:spAutoFit/>
+          </a:bodyPr>
+          <a:lstStyle/>
+          <a:p>
+            <a:r>
+              <a:rPr lang="es-AR" dirty="0" smtClean="0"/>
+              <a:t>4</a:t>
+            </a:r>
+            <a:endParaRPr lang="es-AR" dirty="0"/>
+          </a:p>
+        </p:txBody>
+      </p:sp>
+      <p:sp>
+        <p:nvSpPr>
+          <p:cNvPr id="57" name="42 CuadroTexto"/>
+          <p:cNvSpPr txBox="1"/>
+          <p:nvPr/>
+        </p:nvSpPr>
+        <p:spPr>
+          <a:xfrm>
+            <a:off x="5409137" y="4500361"/>
+            <a:ext cx="301686" cy="369332"/>
+          </a:xfrm>
+          <a:prstGeom prst="rect">
+            <a:avLst/>
+          </a:prstGeom>
+          <a:noFill/>
+        </p:spPr>
+        <p:txBody>
+          <a:bodyPr wrap="none" rtlCol="0">
+            <a:spAutoFit/>
+          </a:bodyPr>
+          <a:lstStyle/>
+          <a:p>
+            <a:r>
+              <a:rPr lang="es-AR" dirty="0" smtClean="0"/>
+              <a:t>0</a:t>
+            </a:r>
+            <a:endParaRPr lang="es-AR" dirty="0"/>
+          </a:p>
+        </p:txBody>
+      </p:sp>
+      <p:sp>
+        <p:nvSpPr>
+          <p:cNvPr id="58" name="43 CuadroTexto"/>
+          <p:cNvSpPr txBox="1"/>
+          <p:nvPr/>
+        </p:nvSpPr>
+        <p:spPr>
+          <a:xfrm>
+            <a:off x="5409137" y="4784139"/>
+            <a:ext cx="301686" cy="369332"/>
+          </a:xfrm>
+          <a:prstGeom prst="rect">
+            <a:avLst/>
+          </a:prstGeom>
+          <a:noFill/>
+        </p:spPr>
+        <p:txBody>
+          <a:bodyPr wrap="none" rtlCol="0">
+            <a:spAutoFit/>
+          </a:bodyPr>
+          <a:lstStyle/>
+          <a:p>
+            <a:r>
+              <a:rPr lang="es-AR" dirty="0" smtClean="0"/>
+              <a:t>0</a:t>
+            </a:r>
+            <a:endParaRPr lang="es-AR" dirty="0"/>
+          </a:p>
+        </p:txBody>
+      </p:sp>
+      <p:sp>
+        <p:nvSpPr>
+          <p:cNvPr id="59" name="Oval 3"/>
+          <p:cNvSpPr/>
+          <p:nvPr/>
+        </p:nvSpPr>
+        <p:spPr>
+          <a:xfrm>
+            <a:off x="6722183" y="3360881"/>
+            <a:ext cx="710983" cy="695640"/>
+          </a:xfrm>
+          <a:prstGeom prst="ellipse">
+            <a:avLst/>
+          </a:prstGeom>
+          <a:ln>
+            <a:solidFill>
+              <a:schemeClr val="tx2"/>
+            </a:solidFill>
+          </a:ln>
+          <a:effectLst>
+            <a:outerShdw blurRad="50800" dist="38100" dir="2700000" algn="tl" rotWithShape="0">
+              <a:prstClr val="black">
+                <a:alpha val="40000"/>
+              </a:prstClr>
+            </a:outerShdw>
+          </a:effectLst>
+        </p:spPr>
+        <p:style>
+          <a:lnRef idx="2">
+            <a:schemeClr val="accent6"/>
+          </a:lnRef>
+          <a:fillRef idx="1">
+            <a:schemeClr val="lt1"/>
+          </a:fillRef>
+          <a:effectRef idx="0">
+            <a:schemeClr val="accent6"/>
+          </a:effectRef>
+          <a:fontRef idx="minor">
+            <a:schemeClr val="dk1"/>
+          </a:fontRef>
+        </p:style>
+        <p:txBody>
+          <a:bodyPr rtlCol="0" anchor="ctr"/>
+          <a:lstStyle/>
+          <a:p>
+            <a:pPr algn="ctr"/>
+            <a:endParaRPr lang="es-AR"/>
+          </a:p>
+        </p:txBody>
+      </p:sp>
+      <p:cxnSp>
+        <p:nvCxnSpPr>
+          <p:cNvPr id="60" name="39 Conector recto"/>
+          <p:cNvCxnSpPr>
+            <a:stCxn id="59" idx="0"/>
+            <a:endCxn id="59" idx="4"/>
+          </p:cNvCxnSpPr>
+          <p:nvPr/>
+        </p:nvCxnSpPr>
+        <p:spPr>
+          <a:xfrm>
+            <a:off x="7077675" y="3360881"/>
+            <a:ext cx="0" cy="695640"/>
+          </a:xfrm>
+          <a:prstGeom prst="line">
+            <a:avLst/>
+          </a:prstGeom>
+        </p:spPr>
+        <p:style>
+          <a:lnRef idx="1">
+            <a:schemeClr val="accent1"/>
+          </a:lnRef>
+          <a:fillRef idx="0">
+            <a:schemeClr val="accent1"/>
+          </a:fillRef>
+          <a:effectRef idx="0">
+            <a:schemeClr val="accent1"/>
+          </a:effectRef>
+          <a:fontRef idx="minor">
+            <a:schemeClr val="tx1"/>
+          </a:fontRef>
+        </p:style>
+      </p:cxnSp>
+      <p:cxnSp>
+        <p:nvCxnSpPr>
+          <p:cNvPr id="61" name="40 Conector recto"/>
+          <p:cNvCxnSpPr>
+            <a:stCxn id="59" idx="6"/>
+          </p:cNvCxnSpPr>
+          <p:nvPr/>
+        </p:nvCxnSpPr>
+        <p:spPr>
+          <a:xfrm flipH="1">
+            <a:off x="7086325" y="3708701"/>
+            <a:ext cx="346841" cy="978"/>
+          </a:xfrm>
+          <a:prstGeom prst="line">
+            <a:avLst/>
+          </a:prstGeom>
+        </p:spPr>
+        <p:style>
+          <a:lnRef idx="1">
+            <a:schemeClr val="accent1"/>
+          </a:lnRef>
+          <a:fillRef idx="0">
+            <a:schemeClr val="accent1"/>
+          </a:fillRef>
+          <a:effectRef idx="0">
+            <a:schemeClr val="accent1"/>
+          </a:effectRef>
+          <a:fontRef idx="minor">
+            <a:schemeClr val="tx1"/>
+          </a:fontRef>
+        </p:style>
+      </p:cxnSp>
+      <p:sp>
+        <p:nvSpPr>
+          <p:cNvPr id="62" name="41 CuadroTexto"/>
+          <p:cNvSpPr txBox="1"/>
+          <p:nvPr/>
+        </p:nvSpPr>
+        <p:spPr>
+          <a:xfrm>
+            <a:off x="6744739" y="3525749"/>
+            <a:ext cx="301686" cy="369332"/>
+          </a:xfrm>
+          <a:prstGeom prst="rect">
+            <a:avLst/>
+          </a:prstGeom>
+          <a:noFill/>
+        </p:spPr>
+        <p:txBody>
+          <a:bodyPr wrap="none" rtlCol="0">
+            <a:spAutoFit/>
+          </a:bodyPr>
+          <a:lstStyle/>
+          <a:p>
+            <a:r>
+              <a:rPr lang="es-AR" dirty="0" smtClean="0"/>
+              <a:t>5</a:t>
+            </a:r>
+            <a:endParaRPr lang="es-AR" dirty="0"/>
+          </a:p>
+        </p:txBody>
+      </p:sp>
+      <p:sp>
+        <p:nvSpPr>
+          <p:cNvPr id="63" name="42 CuadroTexto"/>
+          <p:cNvSpPr txBox="1"/>
+          <p:nvPr/>
+        </p:nvSpPr>
+        <p:spPr>
+          <a:xfrm>
+            <a:off x="7070560" y="3368095"/>
+            <a:ext cx="301686" cy="369332"/>
+          </a:xfrm>
+          <a:prstGeom prst="rect">
+            <a:avLst/>
+          </a:prstGeom>
+          <a:noFill/>
+        </p:spPr>
+        <p:txBody>
+          <a:bodyPr wrap="none" rtlCol="0">
+            <a:spAutoFit/>
+          </a:bodyPr>
+          <a:lstStyle/>
+          <a:p>
+            <a:r>
+              <a:rPr lang="es-AR" dirty="0" smtClean="0"/>
+              <a:t>0</a:t>
+            </a:r>
+            <a:endParaRPr lang="es-AR" dirty="0"/>
+          </a:p>
+        </p:txBody>
+      </p:sp>
+      <p:sp>
+        <p:nvSpPr>
+          <p:cNvPr id="64" name="43 CuadroTexto"/>
+          <p:cNvSpPr txBox="1"/>
+          <p:nvPr/>
+        </p:nvSpPr>
+        <p:spPr>
+          <a:xfrm>
+            <a:off x="7070560" y="3651873"/>
+            <a:ext cx="301686" cy="369332"/>
+          </a:xfrm>
+          <a:prstGeom prst="rect">
+            <a:avLst/>
+          </a:prstGeom>
+          <a:noFill/>
+        </p:spPr>
+        <p:txBody>
+          <a:bodyPr wrap="none" rtlCol="0">
+            <a:spAutoFit/>
+          </a:bodyPr>
+          <a:lstStyle/>
+          <a:p>
+            <a:r>
+              <a:rPr lang="es-AR" dirty="0" smtClean="0"/>
+              <a:t>0</a:t>
+            </a:r>
+            <a:endParaRPr lang="es-AR" dirty="0"/>
+          </a:p>
+        </p:txBody>
+      </p:sp>
+      <p:sp>
+        <p:nvSpPr>
+          <p:cNvPr id="65" name="Oval 3"/>
+          <p:cNvSpPr/>
+          <p:nvPr/>
+        </p:nvSpPr>
+        <p:spPr>
+          <a:xfrm>
+            <a:off x="8673814" y="3365476"/>
+            <a:ext cx="710983" cy="695640"/>
+          </a:xfrm>
+          <a:prstGeom prst="ellipse">
+            <a:avLst/>
+          </a:prstGeom>
+          <a:ln>
+            <a:solidFill>
+              <a:schemeClr val="tx2"/>
+            </a:solidFill>
+          </a:ln>
+          <a:effectLst>
+            <a:outerShdw blurRad="50800" dist="38100" dir="2700000" algn="tl" rotWithShape="0">
+              <a:prstClr val="black">
+                <a:alpha val="40000"/>
+              </a:prstClr>
+            </a:outerShdw>
+          </a:effectLst>
+        </p:spPr>
+        <p:style>
+          <a:lnRef idx="2">
+            <a:schemeClr val="accent6"/>
+          </a:lnRef>
+          <a:fillRef idx="1">
+            <a:schemeClr val="lt1"/>
+          </a:fillRef>
+          <a:effectRef idx="0">
+            <a:schemeClr val="accent6"/>
+          </a:effectRef>
+          <a:fontRef idx="minor">
+            <a:schemeClr val="dk1"/>
+          </a:fontRef>
+        </p:style>
+        <p:txBody>
+          <a:bodyPr rtlCol="0" anchor="ctr"/>
+          <a:lstStyle/>
+          <a:p>
+            <a:pPr algn="ctr"/>
+            <a:endParaRPr lang="es-AR"/>
+          </a:p>
+        </p:txBody>
+      </p:sp>
+      <p:cxnSp>
+        <p:nvCxnSpPr>
+          <p:cNvPr id="66" name="39 Conector recto"/>
+          <p:cNvCxnSpPr>
+            <a:stCxn id="65" idx="0"/>
+            <a:endCxn id="65" idx="4"/>
+          </p:cNvCxnSpPr>
+          <p:nvPr/>
+        </p:nvCxnSpPr>
+        <p:spPr>
+          <a:xfrm>
+            <a:off x="9029306" y="3365476"/>
+            <a:ext cx="0" cy="695640"/>
+          </a:xfrm>
+          <a:prstGeom prst="line">
+            <a:avLst/>
+          </a:prstGeom>
+        </p:spPr>
+        <p:style>
+          <a:lnRef idx="1">
+            <a:schemeClr val="accent1"/>
+          </a:lnRef>
+          <a:fillRef idx="0">
+            <a:schemeClr val="accent1"/>
+          </a:fillRef>
+          <a:effectRef idx="0">
+            <a:schemeClr val="accent1"/>
+          </a:effectRef>
+          <a:fontRef idx="minor">
+            <a:schemeClr val="tx1"/>
+          </a:fontRef>
+        </p:style>
+      </p:cxnSp>
+      <p:cxnSp>
+        <p:nvCxnSpPr>
+          <p:cNvPr id="67" name="40 Conector recto"/>
+          <p:cNvCxnSpPr>
+            <a:stCxn id="65" idx="6"/>
+          </p:cNvCxnSpPr>
+          <p:nvPr/>
+        </p:nvCxnSpPr>
+        <p:spPr>
+          <a:xfrm flipH="1">
+            <a:off x="9037956" y="3713296"/>
+            <a:ext cx="346841" cy="978"/>
+          </a:xfrm>
+          <a:prstGeom prst="line">
+            <a:avLst/>
+          </a:prstGeom>
+        </p:spPr>
+        <p:style>
+          <a:lnRef idx="1">
+            <a:schemeClr val="accent1"/>
+          </a:lnRef>
+          <a:fillRef idx="0">
+            <a:schemeClr val="accent1"/>
+          </a:fillRef>
+          <a:effectRef idx="0">
+            <a:schemeClr val="accent1"/>
+          </a:effectRef>
+          <a:fontRef idx="minor">
+            <a:schemeClr val="tx1"/>
+          </a:fontRef>
+        </p:style>
+      </p:cxnSp>
+      <p:sp>
+        <p:nvSpPr>
+          <p:cNvPr id="68" name="41 CuadroTexto"/>
+          <p:cNvSpPr txBox="1"/>
+          <p:nvPr/>
+        </p:nvSpPr>
+        <p:spPr>
+          <a:xfrm>
+            <a:off x="8696370" y="3530344"/>
+            <a:ext cx="301686" cy="369332"/>
+          </a:xfrm>
+          <a:prstGeom prst="rect">
+            <a:avLst/>
+          </a:prstGeom>
+          <a:noFill/>
+        </p:spPr>
+        <p:txBody>
+          <a:bodyPr wrap="none" rtlCol="0">
+            <a:spAutoFit/>
+          </a:bodyPr>
+          <a:lstStyle/>
+          <a:p>
+            <a:r>
+              <a:rPr lang="es-AR" dirty="0" smtClean="0"/>
+              <a:t>6</a:t>
+            </a:r>
+            <a:endParaRPr lang="es-AR" dirty="0"/>
+          </a:p>
+        </p:txBody>
+      </p:sp>
+      <p:sp>
+        <p:nvSpPr>
+          <p:cNvPr id="69" name="42 CuadroTexto"/>
+          <p:cNvSpPr txBox="1"/>
+          <p:nvPr/>
+        </p:nvSpPr>
+        <p:spPr>
+          <a:xfrm>
+            <a:off x="9022191" y="3372690"/>
+            <a:ext cx="301686" cy="369332"/>
+          </a:xfrm>
+          <a:prstGeom prst="rect">
+            <a:avLst/>
+          </a:prstGeom>
+          <a:noFill/>
+        </p:spPr>
+        <p:txBody>
+          <a:bodyPr wrap="none" rtlCol="0">
+            <a:spAutoFit/>
+          </a:bodyPr>
+          <a:lstStyle/>
+          <a:p>
+            <a:r>
+              <a:rPr lang="es-AR" dirty="0" smtClean="0"/>
+              <a:t>0</a:t>
+            </a:r>
+            <a:endParaRPr lang="es-AR" dirty="0"/>
+          </a:p>
+        </p:txBody>
+      </p:sp>
+      <p:sp>
+        <p:nvSpPr>
+          <p:cNvPr id="70" name="43 CuadroTexto"/>
+          <p:cNvSpPr txBox="1"/>
+          <p:nvPr/>
+        </p:nvSpPr>
+        <p:spPr>
+          <a:xfrm>
+            <a:off x="9022191" y="3656468"/>
+            <a:ext cx="301686" cy="369332"/>
+          </a:xfrm>
+          <a:prstGeom prst="rect">
+            <a:avLst/>
+          </a:prstGeom>
+          <a:noFill/>
+        </p:spPr>
+        <p:txBody>
+          <a:bodyPr wrap="none" rtlCol="0">
+            <a:spAutoFit/>
+          </a:bodyPr>
+          <a:lstStyle/>
+          <a:p>
+            <a:r>
+              <a:rPr lang="es-AR" dirty="0" smtClean="0"/>
+              <a:t>0</a:t>
+            </a:r>
+            <a:endParaRPr lang="es-AR" dirty="0"/>
+          </a:p>
+        </p:txBody>
+      </p:sp>
+      <p:sp>
+        <p:nvSpPr>
+          <p:cNvPr id="71" name="Oval 3"/>
+          <p:cNvSpPr/>
+          <p:nvPr/>
+        </p:nvSpPr>
+        <p:spPr>
+          <a:xfrm>
+            <a:off x="10693682" y="3362397"/>
+            <a:ext cx="710983" cy="695640"/>
+          </a:xfrm>
+          <a:prstGeom prst="ellipse">
+            <a:avLst/>
+          </a:prstGeom>
+          <a:ln>
+            <a:solidFill>
+              <a:schemeClr val="tx2"/>
+            </a:solidFill>
+          </a:ln>
+          <a:effectLst>
+            <a:outerShdw blurRad="50800" dist="38100" dir="2700000" algn="tl" rotWithShape="0">
+              <a:prstClr val="black">
+                <a:alpha val="40000"/>
+              </a:prstClr>
+            </a:outerShdw>
+          </a:effectLst>
+        </p:spPr>
+        <p:style>
+          <a:lnRef idx="2">
+            <a:schemeClr val="accent6"/>
+          </a:lnRef>
+          <a:fillRef idx="1">
+            <a:schemeClr val="lt1"/>
+          </a:fillRef>
+          <a:effectRef idx="0">
+            <a:schemeClr val="accent6"/>
+          </a:effectRef>
+          <a:fontRef idx="minor">
+            <a:schemeClr val="dk1"/>
+          </a:fontRef>
+        </p:style>
+        <p:txBody>
+          <a:bodyPr rtlCol="0" anchor="ctr"/>
+          <a:lstStyle/>
+          <a:p>
+            <a:pPr algn="ctr"/>
+            <a:endParaRPr lang="es-AR"/>
+          </a:p>
+        </p:txBody>
+      </p:sp>
+      <p:cxnSp>
+        <p:nvCxnSpPr>
+          <p:cNvPr id="72" name="39 Conector recto"/>
+          <p:cNvCxnSpPr>
+            <a:stCxn id="71" idx="0"/>
+            <a:endCxn id="71" idx="4"/>
+          </p:cNvCxnSpPr>
+          <p:nvPr/>
+        </p:nvCxnSpPr>
+        <p:spPr>
+          <a:xfrm>
+            <a:off x="11049174" y="3362397"/>
+            <a:ext cx="0" cy="695640"/>
+          </a:xfrm>
+          <a:prstGeom prst="line">
+            <a:avLst/>
+          </a:prstGeom>
+        </p:spPr>
+        <p:style>
+          <a:lnRef idx="1">
+            <a:schemeClr val="accent1"/>
+          </a:lnRef>
+          <a:fillRef idx="0">
+            <a:schemeClr val="accent1"/>
+          </a:fillRef>
+          <a:effectRef idx="0">
+            <a:schemeClr val="accent1"/>
+          </a:effectRef>
+          <a:fontRef idx="minor">
+            <a:schemeClr val="tx1"/>
+          </a:fontRef>
+        </p:style>
+      </p:cxnSp>
+      <p:cxnSp>
+        <p:nvCxnSpPr>
+          <p:cNvPr id="73" name="40 Conector recto"/>
+          <p:cNvCxnSpPr>
+            <a:stCxn id="71" idx="6"/>
+          </p:cNvCxnSpPr>
+          <p:nvPr/>
+        </p:nvCxnSpPr>
+        <p:spPr>
+          <a:xfrm flipH="1">
+            <a:off x="11057824" y="3710217"/>
+            <a:ext cx="346841" cy="978"/>
+          </a:xfrm>
+          <a:prstGeom prst="line">
+            <a:avLst/>
+          </a:prstGeom>
+        </p:spPr>
+        <p:style>
+          <a:lnRef idx="1">
+            <a:schemeClr val="accent1"/>
+          </a:lnRef>
+          <a:fillRef idx="0">
+            <a:schemeClr val="accent1"/>
+          </a:fillRef>
+          <a:effectRef idx="0">
+            <a:schemeClr val="accent1"/>
+          </a:effectRef>
+          <a:fontRef idx="minor">
+            <a:schemeClr val="tx1"/>
+          </a:fontRef>
+        </p:style>
+      </p:cxnSp>
+      <p:sp>
+        <p:nvSpPr>
+          <p:cNvPr id="74" name="41 CuadroTexto"/>
+          <p:cNvSpPr txBox="1"/>
+          <p:nvPr/>
+        </p:nvSpPr>
+        <p:spPr>
+          <a:xfrm>
+            <a:off x="10716238" y="3527265"/>
+            <a:ext cx="301686" cy="369332"/>
+          </a:xfrm>
+          <a:prstGeom prst="rect">
+            <a:avLst/>
+          </a:prstGeom>
+          <a:noFill/>
+        </p:spPr>
+        <p:txBody>
+          <a:bodyPr wrap="none" rtlCol="0">
+            <a:spAutoFit/>
+          </a:bodyPr>
+          <a:lstStyle/>
+          <a:p>
+            <a:r>
+              <a:rPr lang="es-AR" dirty="0" smtClean="0"/>
+              <a:t>7</a:t>
+            </a:r>
+            <a:endParaRPr lang="es-AR" dirty="0"/>
+          </a:p>
+        </p:txBody>
+      </p:sp>
+      <p:sp>
+        <p:nvSpPr>
+          <p:cNvPr id="75" name="42 CuadroTexto"/>
+          <p:cNvSpPr txBox="1"/>
+          <p:nvPr/>
+        </p:nvSpPr>
+        <p:spPr>
+          <a:xfrm>
+            <a:off x="11042059" y="3369611"/>
+            <a:ext cx="301686" cy="369332"/>
+          </a:xfrm>
+          <a:prstGeom prst="rect">
+            <a:avLst/>
+          </a:prstGeom>
+          <a:noFill/>
+        </p:spPr>
+        <p:txBody>
+          <a:bodyPr wrap="none" rtlCol="0">
+            <a:spAutoFit/>
+          </a:bodyPr>
+          <a:lstStyle/>
+          <a:p>
+            <a:r>
+              <a:rPr lang="es-AR" dirty="0" smtClean="0"/>
+              <a:t>0</a:t>
+            </a:r>
+            <a:endParaRPr lang="es-AR" dirty="0"/>
+          </a:p>
+        </p:txBody>
+      </p:sp>
+      <p:sp>
+        <p:nvSpPr>
+          <p:cNvPr id="76" name="43 CuadroTexto"/>
+          <p:cNvSpPr txBox="1"/>
+          <p:nvPr/>
+        </p:nvSpPr>
+        <p:spPr>
+          <a:xfrm>
+            <a:off x="11042059" y="3653389"/>
+            <a:ext cx="301686" cy="369332"/>
+          </a:xfrm>
+          <a:prstGeom prst="rect">
+            <a:avLst/>
+          </a:prstGeom>
+          <a:noFill/>
+        </p:spPr>
+        <p:txBody>
+          <a:bodyPr wrap="none" rtlCol="0">
+            <a:spAutoFit/>
+          </a:bodyPr>
+          <a:lstStyle/>
+          <a:p>
+            <a:r>
+              <a:rPr lang="es-AR" dirty="0" smtClean="0"/>
+              <a:t>0</a:t>
+            </a:r>
+            <a:endParaRPr lang="es-AR" dirty="0"/>
+          </a:p>
+        </p:txBody>
+      </p:sp>
+      <p:cxnSp>
+        <p:nvCxnSpPr>
+          <p:cNvPr id="78" name="Straight Arrow Connector 77"/>
+          <p:cNvCxnSpPr>
+            <a:stCxn id="35" idx="6"/>
+            <a:endCxn id="41" idx="2"/>
+          </p:cNvCxnSpPr>
+          <p:nvPr/>
+        </p:nvCxnSpPr>
+        <p:spPr>
+          <a:xfrm>
+            <a:off x="1968473" y="3700490"/>
+            <a:ext cx="1314475" cy="2458"/>
+          </a:xfrm>
+          <a:prstGeom prst="straightConnector1">
+            <a:avLst/>
+          </a:prstGeom>
+          <a:ln w="38100">
+            <a:tailEnd type="arrow"/>
+          </a:ln>
+        </p:spPr>
+        <p:style>
+          <a:lnRef idx="1">
+            <a:schemeClr val="accent1"/>
+          </a:lnRef>
+          <a:fillRef idx="0">
+            <a:schemeClr val="accent1"/>
+          </a:fillRef>
+          <a:effectRef idx="0">
+            <a:schemeClr val="accent1"/>
+          </a:effectRef>
+          <a:fontRef idx="minor">
+            <a:schemeClr val="tx1"/>
+          </a:fontRef>
+        </p:style>
+      </p:cxnSp>
+      <p:cxnSp>
+        <p:nvCxnSpPr>
+          <p:cNvPr id="80" name="Straight Arrow Connector 79"/>
+          <p:cNvCxnSpPr>
+            <a:stCxn id="41" idx="7"/>
+            <a:endCxn id="47" idx="2"/>
+          </p:cNvCxnSpPr>
+          <p:nvPr/>
+        </p:nvCxnSpPr>
+        <p:spPr>
+          <a:xfrm flipV="1">
+            <a:off x="3889810" y="2613900"/>
+            <a:ext cx="1162756" cy="843102"/>
+          </a:xfrm>
+          <a:prstGeom prst="straightConnector1">
+            <a:avLst/>
+          </a:prstGeom>
+          <a:ln w="38100">
+            <a:tailEnd type="arrow"/>
+          </a:ln>
+        </p:spPr>
+        <p:style>
+          <a:lnRef idx="1">
+            <a:schemeClr val="accent1"/>
+          </a:lnRef>
+          <a:fillRef idx="0">
+            <a:schemeClr val="accent1"/>
+          </a:fillRef>
+          <a:effectRef idx="0">
+            <a:schemeClr val="accent1"/>
+          </a:effectRef>
+          <a:fontRef idx="minor">
+            <a:schemeClr val="tx1"/>
+          </a:fontRef>
+        </p:style>
+      </p:cxnSp>
+      <p:cxnSp>
+        <p:nvCxnSpPr>
+          <p:cNvPr id="82" name="Straight Arrow Connector 81"/>
+          <p:cNvCxnSpPr>
+            <a:stCxn id="41" idx="5"/>
+            <a:endCxn id="53" idx="2"/>
+          </p:cNvCxnSpPr>
+          <p:nvPr/>
+        </p:nvCxnSpPr>
+        <p:spPr>
+          <a:xfrm>
+            <a:off x="3889810" y="3948894"/>
+            <a:ext cx="1170950" cy="892073"/>
+          </a:xfrm>
+          <a:prstGeom prst="straightConnector1">
+            <a:avLst/>
+          </a:prstGeom>
+          <a:ln w="38100">
+            <a:tailEnd type="arrow"/>
+          </a:ln>
+        </p:spPr>
+        <p:style>
+          <a:lnRef idx="1">
+            <a:schemeClr val="accent1"/>
+          </a:lnRef>
+          <a:fillRef idx="0">
+            <a:schemeClr val="accent1"/>
+          </a:fillRef>
+          <a:effectRef idx="0">
+            <a:schemeClr val="accent1"/>
+          </a:effectRef>
+          <a:fontRef idx="minor">
+            <a:schemeClr val="tx1"/>
+          </a:fontRef>
+        </p:style>
+      </p:cxnSp>
+      <p:cxnSp>
+        <p:nvCxnSpPr>
+          <p:cNvPr id="84" name="Straight Arrow Connector 83"/>
+          <p:cNvCxnSpPr>
+            <a:stCxn id="53" idx="6"/>
+            <a:endCxn id="59" idx="3"/>
+          </p:cNvCxnSpPr>
+          <p:nvPr/>
+        </p:nvCxnSpPr>
+        <p:spPr>
+          <a:xfrm flipV="1">
+            <a:off x="5771743" y="3954647"/>
+            <a:ext cx="1054561" cy="886320"/>
+          </a:xfrm>
+          <a:prstGeom prst="straightConnector1">
+            <a:avLst/>
+          </a:prstGeom>
+          <a:ln w="38100">
+            <a:tailEnd type="arrow"/>
+          </a:ln>
+        </p:spPr>
+        <p:style>
+          <a:lnRef idx="1">
+            <a:schemeClr val="accent1"/>
+          </a:lnRef>
+          <a:fillRef idx="0">
+            <a:schemeClr val="accent1"/>
+          </a:fillRef>
+          <a:effectRef idx="0">
+            <a:schemeClr val="accent1"/>
+          </a:effectRef>
+          <a:fontRef idx="minor">
+            <a:schemeClr val="tx1"/>
+          </a:fontRef>
+        </p:style>
+      </p:cxnSp>
+      <p:cxnSp>
+        <p:nvCxnSpPr>
+          <p:cNvPr id="86" name="Straight Arrow Connector 85"/>
+          <p:cNvCxnSpPr>
+            <a:stCxn id="47" idx="6"/>
+            <a:endCxn id="59" idx="1"/>
+          </p:cNvCxnSpPr>
+          <p:nvPr/>
+        </p:nvCxnSpPr>
+        <p:spPr>
+          <a:xfrm>
+            <a:off x="5763549" y="2613900"/>
+            <a:ext cx="1062755" cy="848855"/>
+          </a:xfrm>
+          <a:prstGeom prst="straightConnector1">
+            <a:avLst/>
+          </a:prstGeom>
+          <a:ln w="38100">
+            <a:tailEnd type="arrow"/>
+          </a:ln>
+        </p:spPr>
+        <p:style>
+          <a:lnRef idx="1">
+            <a:schemeClr val="accent1"/>
+          </a:lnRef>
+          <a:fillRef idx="0">
+            <a:schemeClr val="accent1"/>
+          </a:fillRef>
+          <a:effectRef idx="0">
+            <a:schemeClr val="accent1"/>
+          </a:effectRef>
+          <a:fontRef idx="minor">
+            <a:schemeClr val="tx1"/>
+          </a:fontRef>
+        </p:style>
+      </p:cxnSp>
+      <p:cxnSp>
+        <p:nvCxnSpPr>
+          <p:cNvPr id="94" name="Straight Arrow Connector 93"/>
+          <p:cNvCxnSpPr>
+            <a:stCxn id="59" idx="6"/>
+            <a:endCxn id="68" idx="1"/>
+          </p:cNvCxnSpPr>
+          <p:nvPr/>
+        </p:nvCxnSpPr>
+        <p:spPr>
+          <a:xfrm>
+            <a:off x="7433166" y="3708701"/>
+            <a:ext cx="1263204" cy="6309"/>
+          </a:xfrm>
+          <a:prstGeom prst="straightConnector1">
+            <a:avLst/>
+          </a:prstGeom>
+          <a:ln w="38100">
+            <a:tailEnd type="arrow"/>
+          </a:ln>
+        </p:spPr>
+        <p:style>
+          <a:lnRef idx="1">
+            <a:schemeClr val="accent1"/>
+          </a:lnRef>
+          <a:fillRef idx="0">
+            <a:schemeClr val="accent1"/>
+          </a:fillRef>
+          <a:effectRef idx="0">
+            <a:schemeClr val="accent1"/>
+          </a:effectRef>
+          <a:fontRef idx="minor">
+            <a:schemeClr val="tx1"/>
+          </a:fontRef>
+        </p:style>
+      </p:cxnSp>
+      <p:cxnSp>
+        <p:nvCxnSpPr>
+          <p:cNvPr id="96" name="Straight Arrow Connector 95"/>
+          <p:cNvCxnSpPr>
+            <a:stCxn id="65" idx="6"/>
+            <a:endCxn id="74" idx="1"/>
+          </p:cNvCxnSpPr>
+          <p:nvPr/>
+        </p:nvCxnSpPr>
+        <p:spPr>
+          <a:xfrm flipV="1">
+            <a:off x="9384797" y="3711931"/>
+            <a:ext cx="1331441" cy="1365"/>
+          </a:xfrm>
+          <a:prstGeom prst="straightConnector1">
+            <a:avLst/>
+          </a:prstGeom>
+          <a:ln w="38100">
+            <a:tailEnd type="arrow"/>
+          </a:ln>
+        </p:spPr>
+        <p:style>
+          <a:lnRef idx="1">
+            <a:schemeClr val="accent1"/>
+          </a:lnRef>
+          <a:fillRef idx="0">
+            <a:schemeClr val="accent1"/>
+          </a:fillRef>
+          <a:effectRef idx="0">
+            <a:schemeClr val="accent1"/>
+          </a:effectRef>
+          <a:fontRef idx="minor">
+            <a:schemeClr val="tx1"/>
+          </a:fontRef>
+        </p:style>
+      </p:cxnSp>
+      <p:sp>
+        <p:nvSpPr>
+          <p:cNvPr id="97" name="45 CuadroTexto"/>
+          <p:cNvSpPr txBox="1"/>
+          <p:nvPr/>
+        </p:nvSpPr>
+        <p:spPr>
+          <a:xfrm>
+            <a:off x="2346084" y="3282541"/>
+            <a:ext cx="317716" cy="369332"/>
+          </a:xfrm>
+          <a:prstGeom prst="rect">
+            <a:avLst/>
+          </a:prstGeom>
+          <a:noFill/>
+        </p:spPr>
+        <p:txBody>
+          <a:bodyPr wrap="none" rtlCol="0">
+            <a:spAutoFit/>
+          </a:bodyPr>
+          <a:lstStyle/>
+          <a:p>
+            <a:r>
+              <a:rPr lang="es-AR" dirty="0" smtClean="0"/>
+              <a:t>A</a:t>
+            </a:r>
+            <a:endParaRPr lang="es-AR" dirty="0"/>
+          </a:p>
+        </p:txBody>
+      </p:sp>
+      <p:sp>
+        <p:nvSpPr>
+          <p:cNvPr id="98" name="45 CuadroTexto"/>
+          <p:cNvSpPr txBox="1"/>
+          <p:nvPr/>
+        </p:nvSpPr>
+        <p:spPr>
+          <a:xfrm>
+            <a:off x="4117549" y="2630625"/>
+            <a:ext cx="309700" cy="369332"/>
+          </a:xfrm>
+          <a:prstGeom prst="rect">
+            <a:avLst/>
+          </a:prstGeom>
+          <a:noFill/>
+        </p:spPr>
+        <p:txBody>
+          <a:bodyPr wrap="none" rtlCol="0">
+            <a:spAutoFit/>
+          </a:bodyPr>
+          <a:lstStyle/>
+          <a:p>
+            <a:r>
+              <a:rPr lang="es-AR" dirty="0"/>
+              <a:t>B</a:t>
+            </a:r>
+            <a:endParaRPr lang="es-AR" dirty="0"/>
+          </a:p>
+        </p:txBody>
+      </p:sp>
+      <p:sp>
+        <p:nvSpPr>
+          <p:cNvPr id="99" name="45 CuadroTexto"/>
+          <p:cNvSpPr txBox="1"/>
+          <p:nvPr/>
+        </p:nvSpPr>
+        <p:spPr>
+          <a:xfrm>
+            <a:off x="6294926" y="2619684"/>
+            <a:ext cx="308098" cy="369332"/>
+          </a:xfrm>
+          <a:prstGeom prst="rect">
+            <a:avLst/>
+          </a:prstGeom>
+          <a:noFill/>
+        </p:spPr>
+        <p:txBody>
+          <a:bodyPr wrap="none" rtlCol="0">
+            <a:spAutoFit/>
+          </a:bodyPr>
+          <a:lstStyle/>
+          <a:p>
+            <a:r>
+              <a:rPr lang="es-AR" dirty="0"/>
+              <a:t>C</a:t>
+            </a:r>
+            <a:endParaRPr lang="es-AR" dirty="0"/>
+          </a:p>
+        </p:txBody>
+      </p:sp>
+      <p:sp>
+        <p:nvSpPr>
+          <p:cNvPr id="100" name="45 CuadroTexto"/>
+          <p:cNvSpPr txBox="1"/>
+          <p:nvPr/>
+        </p:nvSpPr>
+        <p:spPr>
+          <a:xfrm>
+            <a:off x="4117549" y="4394930"/>
+            <a:ext cx="327334" cy="369332"/>
+          </a:xfrm>
+          <a:prstGeom prst="rect">
+            <a:avLst/>
+          </a:prstGeom>
+          <a:noFill/>
+        </p:spPr>
+        <p:txBody>
+          <a:bodyPr wrap="none" rtlCol="0">
+            <a:spAutoFit/>
+          </a:bodyPr>
+          <a:lstStyle/>
+          <a:p>
+            <a:r>
+              <a:rPr lang="es-AR" dirty="0" smtClean="0"/>
+              <a:t>D</a:t>
+            </a:r>
+            <a:endParaRPr lang="es-AR" dirty="0"/>
+          </a:p>
+        </p:txBody>
+      </p:sp>
+      <p:sp>
+        <p:nvSpPr>
+          <p:cNvPr id="101" name="45 CuadroTexto"/>
+          <p:cNvSpPr txBox="1"/>
+          <p:nvPr/>
+        </p:nvSpPr>
+        <p:spPr>
+          <a:xfrm>
+            <a:off x="6294926" y="4417043"/>
+            <a:ext cx="296876" cy="369332"/>
+          </a:xfrm>
+          <a:prstGeom prst="rect">
+            <a:avLst/>
+          </a:prstGeom>
+          <a:noFill/>
+        </p:spPr>
+        <p:txBody>
+          <a:bodyPr wrap="none" rtlCol="0">
+            <a:spAutoFit/>
+          </a:bodyPr>
+          <a:lstStyle/>
+          <a:p>
+            <a:r>
+              <a:rPr lang="es-AR" dirty="0"/>
+              <a:t>E</a:t>
+            </a:r>
+            <a:endParaRPr lang="es-AR" dirty="0"/>
+          </a:p>
+        </p:txBody>
+      </p:sp>
+      <p:sp>
+        <p:nvSpPr>
+          <p:cNvPr id="102" name="45 CuadroTexto"/>
+          <p:cNvSpPr txBox="1"/>
+          <p:nvPr/>
+        </p:nvSpPr>
+        <p:spPr>
+          <a:xfrm>
+            <a:off x="7905910" y="3294525"/>
+            <a:ext cx="330540" cy="369332"/>
+          </a:xfrm>
+          <a:prstGeom prst="rect">
+            <a:avLst/>
+          </a:prstGeom>
+          <a:noFill/>
+        </p:spPr>
+        <p:txBody>
+          <a:bodyPr wrap="none" rtlCol="0">
+            <a:spAutoFit/>
+          </a:bodyPr>
+          <a:lstStyle/>
+          <a:p>
+            <a:r>
+              <a:rPr lang="es-AR" dirty="0"/>
+              <a:t>G</a:t>
+            </a:r>
+            <a:endParaRPr lang="es-AR" dirty="0"/>
+          </a:p>
+        </p:txBody>
+      </p:sp>
+      <p:sp>
+        <p:nvSpPr>
+          <p:cNvPr id="103" name="45 CuadroTexto"/>
+          <p:cNvSpPr txBox="1"/>
+          <p:nvPr/>
+        </p:nvSpPr>
+        <p:spPr>
+          <a:xfrm>
+            <a:off x="9852780" y="3272336"/>
+            <a:ext cx="330540" cy="369332"/>
+          </a:xfrm>
+          <a:prstGeom prst="rect">
+            <a:avLst/>
+          </a:prstGeom>
+          <a:noFill/>
+        </p:spPr>
+        <p:txBody>
+          <a:bodyPr wrap="none" rtlCol="0">
+            <a:spAutoFit/>
+          </a:bodyPr>
+          <a:lstStyle/>
+          <a:p>
+            <a:r>
+              <a:rPr lang="es-AR" dirty="0" smtClean="0"/>
+              <a:t>G</a:t>
+            </a:r>
+            <a:endParaRPr lang="es-AR" dirty="0"/>
+          </a:p>
+        </p:txBody>
+      </p:sp>
+      <p:cxnSp>
+        <p:nvCxnSpPr>
+          <p:cNvPr id="105" name="Elbow Connector 104"/>
+          <p:cNvCxnSpPr>
+            <a:stCxn id="53" idx="6"/>
+            <a:endCxn id="71" idx="4"/>
+          </p:cNvCxnSpPr>
+          <p:nvPr/>
+        </p:nvCxnSpPr>
+        <p:spPr>
+          <a:xfrm flipV="1">
+            <a:off x="5771743" y="4058037"/>
+            <a:ext cx="5277431" cy="782930"/>
+          </a:xfrm>
+          <a:prstGeom prst="bentConnector2">
+            <a:avLst/>
+          </a:prstGeom>
+          <a:ln w="38100">
+            <a:tailEnd type="arrow"/>
+          </a:ln>
+        </p:spPr>
+        <p:style>
+          <a:lnRef idx="1">
+            <a:schemeClr val="accent1"/>
+          </a:lnRef>
+          <a:fillRef idx="0">
+            <a:schemeClr val="accent1"/>
+          </a:fillRef>
+          <a:effectRef idx="0">
+            <a:schemeClr val="accent1"/>
+          </a:effectRef>
+          <a:fontRef idx="minor">
+            <a:schemeClr val="tx1"/>
+          </a:fontRef>
+        </p:style>
+      </p:cxnSp>
+      <p:sp>
+        <p:nvSpPr>
+          <p:cNvPr id="106" name="45 CuadroTexto"/>
+          <p:cNvSpPr txBox="1"/>
+          <p:nvPr/>
+        </p:nvSpPr>
+        <p:spPr>
+          <a:xfrm>
+            <a:off x="8547932" y="4469696"/>
+            <a:ext cx="328936" cy="369332"/>
+          </a:xfrm>
+          <a:prstGeom prst="rect">
+            <a:avLst/>
+          </a:prstGeom>
+          <a:noFill/>
+        </p:spPr>
+        <p:txBody>
+          <a:bodyPr wrap="none" rtlCol="0">
+            <a:spAutoFit/>
+          </a:bodyPr>
+          <a:lstStyle/>
+          <a:p>
+            <a:r>
+              <a:rPr lang="es-AR" dirty="0" smtClean="0"/>
+              <a:t>H</a:t>
+            </a:r>
+            <a:endParaRPr lang="es-AR" dirty="0"/>
+          </a:p>
+        </p:txBody>
+      </p:sp>
+    </p:spTree>
+    <p:extLst>
+      <p:ext uri="{BB962C8B-B14F-4D97-AF65-F5344CB8AC3E}">
+        <p14:creationId xmlns:p14="http://schemas.microsoft.com/office/powerpoint/2010/main" val="3314279428"/>
+      </p:ext>
+    </p:extLst>
+  </p:cSld>
+  <p:clrMapOvr>
+    <a:masterClrMapping/>
+  </p:clrMapOvr>
 </p:sld>
 </file>
 
@@ -23369,7 +25396,7 @@
   <a:extraClrSchemeLst/>
   <a:extLst>
     <a:ext uri="{05A4C25C-085E-4340-85A3-A5531E510DB2}">
-      <thm15:themeFamily xmlns:thm15="http://schemas.microsoft.com/office/thememl/2012/main" name="Office Theme" id="{62F939B6-93AF-4DB8-9C6B-D6C7DFDC589F}" vid="{4A3C46E8-61CC-4603-A589-7422A47A8E4A}"/>
+      <thm15:themeFamily xmlns:thm15="http://schemas.microsoft.com/office/thememl/2012/main" xmlns="" name="Office Theme" id="{62F939B6-93AF-4DB8-9C6B-D6C7DFDC589F}" vid="{4A3C46E8-61CC-4603-A589-7422A47A8E4A}"/>
     </a:ext>
   </a:extLst>
 </a:theme>

--- a/tp3-proyectos/Imagenes.pptx
+++ b/tp3-proyectos/Imagenes.pptx
@@ -14,7 +14,9 @@
     <p:sldId id="261" r:id="rId8"/>
     <p:sldId id="262" r:id="rId9"/>
     <p:sldId id="265" r:id="rId10"/>
-    <p:sldId id="263" r:id="rId11"/>
+    <p:sldId id="266" r:id="rId11"/>
+    <p:sldId id="263" r:id="rId12"/>
+    <p:sldId id="267" r:id="rId13"/>
   </p:sldIdLst>
   <p:sldSz cx="12192000" cy="6858000"/>
   <p:notesSz cx="6858000" cy="9144000"/>
@@ -3720,6 +3722,2298 @@
 </file>
 
 <file path=ppt/slides/slide10.xml><?xml version="1.0" encoding="utf-8"?>
+<p:sld xmlns:a="http://schemas.openxmlformats.org/drawingml/2006/main" xmlns:r="http://schemas.openxmlformats.org/officeDocument/2006/relationships" xmlns:p="http://schemas.openxmlformats.org/presentationml/2006/main">
+  <p:cSld>
+    <p:spTree>
+      <p:nvGrpSpPr>
+        <p:cNvPr id="1" name=""/>
+        <p:cNvGrpSpPr/>
+        <p:nvPr/>
+      </p:nvGrpSpPr>
+      <p:grpSpPr>
+        <a:xfrm>
+          <a:off x="0" y="0"/>
+          <a:ext cx="0" cy="0"/>
+          <a:chOff x="0" y="0"/>
+          <a:chExt cx="0" cy="0"/>
+        </a:xfrm>
+      </p:grpSpPr>
+      <p:sp>
+        <p:nvSpPr>
+          <p:cNvPr id="4" name="Oval 3"/>
+          <p:cNvSpPr/>
+          <p:nvPr/>
+        </p:nvSpPr>
+        <p:spPr>
+          <a:xfrm>
+            <a:off x="1257490" y="3352670"/>
+            <a:ext cx="710983" cy="695640"/>
+          </a:xfrm>
+          <a:prstGeom prst="ellipse">
+            <a:avLst/>
+          </a:prstGeom>
+          <a:ln>
+            <a:solidFill>
+              <a:schemeClr val="tx2"/>
+            </a:solidFill>
+          </a:ln>
+          <a:effectLst>
+            <a:outerShdw blurRad="50800" dist="38100" dir="2700000" algn="tl" rotWithShape="0">
+              <a:prstClr val="black">
+                <a:alpha val="40000"/>
+              </a:prstClr>
+            </a:outerShdw>
+          </a:effectLst>
+        </p:spPr>
+        <p:style>
+          <a:lnRef idx="2">
+            <a:schemeClr val="accent6"/>
+          </a:lnRef>
+          <a:fillRef idx="1">
+            <a:schemeClr val="lt1"/>
+          </a:fillRef>
+          <a:effectRef idx="0">
+            <a:schemeClr val="accent6"/>
+          </a:effectRef>
+          <a:fontRef idx="minor">
+            <a:schemeClr val="dk1"/>
+          </a:fontRef>
+        </p:style>
+        <p:txBody>
+          <a:bodyPr rtlCol="0" anchor="ctr"/>
+          <a:lstStyle/>
+          <a:p>
+            <a:pPr algn="ctr"/>
+            <a:endParaRPr lang="es-AR"/>
+          </a:p>
+        </p:txBody>
+      </p:sp>
+      <p:cxnSp>
+        <p:nvCxnSpPr>
+          <p:cNvPr id="5" name="39 Conector recto"/>
+          <p:cNvCxnSpPr>
+            <a:stCxn id="4" idx="0"/>
+            <a:endCxn id="4" idx="4"/>
+          </p:cNvCxnSpPr>
+          <p:nvPr/>
+        </p:nvCxnSpPr>
+        <p:spPr>
+          <a:xfrm>
+            <a:off x="1612982" y="3352670"/>
+            <a:ext cx="0" cy="695640"/>
+          </a:xfrm>
+          <a:prstGeom prst="line">
+            <a:avLst/>
+          </a:prstGeom>
+        </p:spPr>
+        <p:style>
+          <a:lnRef idx="1">
+            <a:schemeClr val="accent1"/>
+          </a:lnRef>
+          <a:fillRef idx="0">
+            <a:schemeClr val="accent1"/>
+          </a:fillRef>
+          <a:effectRef idx="0">
+            <a:schemeClr val="accent1"/>
+          </a:effectRef>
+          <a:fontRef idx="minor">
+            <a:schemeClr val="tx1"/>
+          </a:fontRef>
+        </p:style>
+      </p:cxnSp>
+      <p:cxnSp>
+        <p:nvCxnSpPr>
+          <p:cNvPr id="6" name="40 Conector recto"/>
+          <p:cNvCxnSpPr>
+            <a:stCxn id="4" idx="6"/>
+          </p:cNvCxnSpPr>
+          <p:nvPr/>
+        </p:nvCxnSpPr>
+        <p:spPr>
+          <a:xfrm flipH="1">
+            <a:off x="1621632" y="3700490"/>
+            <a:ext cx="346841" cy="978"/>
+          </a:xfrm>
+          <a:prstGeom prst="line">
+            <a:avLst/>
+          </a:prstGeom>
+        </p:spPr>
+        <p:style>
+          <a:lnRef idx="1">
+            <a:schemeClr val="accent1"/>
+          </a:lnRef>
+          <a:fillRef idx="0">
+            <a:schemeClr val="accent1"/>
+          </a:fillRef>
+          <a:effectRef idx="0">
+            <a:schemeClr val="accent1"/>
+          </a:effectRef>
+          <a:fontRef idx="minor">
+            <a:schemeClr val="tx1"/>
+          </a:fontRef>
+        </p:style>
+      </p:cxnSp>
+      <p:sp>
+        <p:nvSpPr>
+          <p:cNvPr id="7" name="41 CuadroTexto"/>
+          <p:cNvSpPr txBox="1"/>
+          <p:nvPr/>
+        </p:nvSpPr>
+        <p:spPr>
+          <a:xfrm>
+            <a:off x="1280046" y="3517538"/>
+            <a:ext cx="301686" cy="369332"/>
+          </a:xfrm>
+          <a:prstGeom prst="rect">
+            <a:avLst/>
+          </a:prstGeom>
+          <a:noFill/>
+        </p:spPr>
+        <p:txBody>
+          <a:bodyPr wrap="none" rtlCol="0">
+            <a:spAutoFit/>
+          </a:bodyPr>
+          <a:lstStyle/>
+          <a:p>
+            <a:r>
+              <a:rPr lang="es-AR" dirty="0" smtClean="0"/>
+              <a:t>1</a:t>
+            </a:r>
+            <a:endParaRPr lang="es-AR" dirty="0"/>
+          </a:p>
+        </p:txBody>
+      </p:sp>
+      <p:sp>
+        <p:nvSpPr>
+          <p:cNvPr id="8" name="42 CuadroTexto"/>
+          <p:cNvSpPr txBox="1"/>
+          <p:nvPr/>
+        </p:nvSpPr>
+        <p:spPr>
+          <a:xfrm>
+            <a:off x="1605867" y="3359884"/>
+            <a:ext cx="301686" cy="369332"/>
+          </a:xfrm>
+          <a:prstGeom prst="rect">
+            <a:avLst/>
+          </a:prstGeom>
+          <a:noFill/>
+        </p:spPr>
+        <p:txBody>
+          <a:bodyPr wrap="none" rtlCol="0">
+            <a:spAutoFit/>
+          </a:bodyPr>
+          <a:lstStyle/>
+          <a:p>
+            <a:r>
+              <a:rPr lang="es-AR" dirty="0" smtClean="0"/>
+              <a:t>0</a:t>
+            </a:r>
+            <a:endParaRPr lang="es-AR" dirty="0"/>
+          </a:p>
+        </p:txBody>
+      </p:sp>
+      <p:sp>
+        <p:nvSpPr>
+          <p:cNvPr id="9" name="43 CuadroTexto"/>
+          <p:cNvSpPr txBox="1"/>
+          <p:nvPr/>
+        </p:nvSpPr>
+        <p:spPr>
+          <a:xfrm>
+            <a:off x="1605867" y="3643662"/>
+            <a:ext cx="301686" cy="369332"/>
+          </a:xfrm>
+          <a:prstGeom prst="rect">
+            <a:avLst/>
+          </a:prstGeom>
+          <a:noFill/>
+        </p:spPr>
+        <p:txBody>
+          <a:bodyPr wrap="none" rtlCol="0">
+            <a:spAutoFit/>
+          </a:bodyPr>
+          <a:lstStyle/>
+          <a:p>
+            <a:r>
+              <a:rPr lang="es-AR" dirty="0" smtClean="0"/>
+              <a:t>3</a:t>
+            </a:r>
+            <a:endParaRPr lang="es-AR" dirty="0"/>
+          </a:p>
+        </p:txBody>
+      </p:sp>
+      <p:sp>
+        <p:nvSpPr>
+          <p:cNvPr id="10" name="Oval 3"/>
+          <p:cNvSpPr/>
+          <p:nvPr/>
+        </p:nvSpPr>
+        <p:spPr>
+          <a:xfrm>
+            <a:off x="3282948" y="3355128"/>
+            <a:ext cx="710983" cy="695640"/>
+          </a:xfrm>
+          <a:prstGeom prst="ellipse">
+            <a:avLst/>
+          </a:prstGeom>
+          <a:ln>
+            <a:solidFill>
+              <a:schemeClr val="tx2"/>
+            </a:solidFill>
+          </a:ln>
+          <a:effectLst>
+            <a:outerShdw blurRad="50800" dist="38100" dir="2700000" algn="tl" rotWithShape="0">
+              <a:prstClr val="black">
+                <a:alpha val="40000"/>
+              </a:prstClr>
+            </a:outerShdw>
+          </a:effectLst>
+        </p:spPr>
+        <p:style>
+          <a:lnRef idx="2">
+            <a:schemeClr val="accent6"/>
+          </a:lnRef>
+          <a:fillRef idx="1">
+            <a:schemeClr val="lt1"/>
+          </a:fillRef>
+          <a:effectRef idx="0">
+            <a:schemeClr val="accent6"/>
+          </a:effectRef>
+          <a:fontRef idx="minor">
+            <a:schemeClr val="dk1"/>
+          </a:fontRef>
+        </p:style>
+        <p:txBody>
+          <a:bodyPr rtlCol="0" anchor="ctr"/>
+          <a:lstStyle/>
+          <a:p>
+            <a:pPr algn="ctr"/>
+            <a:endParaRPr lang="es-AR"/>
+          </a:p>
+        </p:txBody>
+      </p:sp>
+      <p:cxnSp>
+        <p:nvCxnSpPr>
+          <p:cNvPr id="11" name="39 Conector recto"/>
+          <p:cNvCxnSpPr>
+            <a:stCxn id="10" idx="0"/>
+            <a:endCxn id="10" idx="4"/>
+          </p:cNvCxnSpPr>
+          <p:nvPr/>
+        </p:nvCxnSpPr>
+        <p:spPr>
+          <a:xfrm>
+            <a:off x="3638440" y="3355128"/>
+            <a:ext cx="0" cy="695640"/>
+          </a:xfrm>
+          <a:prstGeom prst="line">
+            <a:avLst/>
+          </a:prstGeom>
+        </p:spPr>
+        <p:style>
+          <a:lnRef idx="1">
+            <a:schemeClr val="accent1"/>
+          </a:lnRef>
+          <a:fillRef idx="0">
+            <a:schemeClr val="accent1"/>
+          </a:fillRef>
+          <a:effectRef idx="0">
+            <a:schemeClr val="accent1"/>
+          </a:effectRef>
+          <a:fontRef idx="minor">
+            <a:schemeClr val="tx1"/>
+          </a:fontRef>
+        </p:style>
+      </p:cxnSp>
+      <p:cxnSp>
+        <p:nvCxnSpPr>
+          <p:cNvPr id="12" name="40 Conector recto"/>
+          <p:cNvCxnSpPr>
+            <a:stCxn id="10" idx="6"/>
+          </p:cNvCxnSpPr>
+          <p:nvPr/>
+        </p:nvCxnSpPr>
+        <p:spPr>
+          <a:xfrm flipH="1">
+            <a:off x="3647090" y="3702948"/>
+            <a:ext cx="346841" cy="978"/>
+          </a:xfrm>
+          <a:prstGeom prst="line">
+            <a:avLst/>
+          </a:prstGeom>
+        </p:spPr>
+        <p:style>
+          <a:lnRef idx="1">
+            <a:schemeClr val="accent1"/>
+          </a:lnRef>
+          <a:fillRef idx="0">
+            <a:schemeClr val="accent1"/>
+          </a:fillRef>
+          <a:effectRef idx="0">
+            <a:schemeClr val="accent1"/>
+          </a:effectRef>
+          <a:fontRef idx="minor">
+            <a:schemeClr val="tx1"/>
+          </a:fontRef>
+        </p:style>
+      </p:cxnSp>
+      <p:sp>
+        <p:nvSpPr>
+          <p:cNvPr id="13" name="41 CuadroTexto"/>
+          <p:cNvSpPr txBox="1"/>
+          <p:nvPr/>
+        </p:nvSpPr>
+        <p:spPr>
+          <a:xfrm>
+            <a:off x="3305504" y="3519996"/>
+            <a:ext cx="301686" cy="369332"/>
+          </a:xfrm>
+          <a:prstGeom prst="rect">
+            <a:avLst/>
+          </a:prstGeom>
+          <a:noFill/>
+        </p:spPr>
+        <p:txBody>
+          <a:bodyPr wrap="none" rtlCol="0">
+            <a:spAutoFit/>
+          </a:bodyPr>
+          <a:lstStyle/>
+          <a:p>
+            <a:r>
+              <a:rPr lang="es-AR" dirty="0"/>
+              <a:t>2</a:t>
+            </a:r>
+          </a:p>
+        </p:txBody>
+      </p:sp>
+      <p:sp>
+        <p:nvSpPr>
+          <p:cNvPr id="14" name="42 CuadroTexto"/>
+          <p:cNvSpPr txBox="1"/>
+          <p:nvPr/>
+        </p:nvSpPr>
+        <p:spPr>
+          <a:xfrm>
+            <a:off x="3631325" y="3362342"/>
+            <a:ext cx="301686" cy="369332"/>
+          </a:xfrm>
+          <a:prstGeom prst="rect">
+            <a:avLst/>
+          </a:prstGeom>
+          <a:noFill/>
+        </p:spPr>
+        <p:txBody>
+          <a:bodyPr wrap="none" rtlCol="0">
+            <a:spAutoFit/>
+          </a:bodyPr>
+          <a:lstStyle/>
+          <a:p>
+            <a:r>
+              <a:rPr lang="es-AR" dirty="0"/>
+              <a:t>3</a:t>
+            </a:r>
+            <a:endParaRPr lang="es-AR" dirty="0"/>
+          </a:p>
+        </p:txBody>
+      </p:sp>
+      <p:sp>
+        <p:nvSpPr>
+          <p:cNvPr id="15" name="43 CuadroTexto"/>
+          <p:cNvSpPr txBox="1"/>
+          <p:nvPr/>
+        </p:nvSpPr>
+        <p:spPr>
+          <a:xfrm>
+            <a:off x="3631325" y="3646120"/>
+            <a:ext cx="301686" cy="369332"/>
+          </a:xfrm>
+          <a:prstGeom prst="rect">
+            <a:avLst/>
+          </a:prstGeom>
+          <a:noFill/>
+        </p:spPr>
+        <p:txBody>
+          <a:bodyPr wrap="none" rtlCol="0">
+            <a:spAutoFit/>
+          </a:bodyPr>
+          <a:lstStyle/>
+          <a:p>
+            <a:r>
+              <a:rPr lang="es-AR" dirty="0" smtClean="0"/>
+              <a:t>6</a:t>
+            </a:r>
+            <a:endParaRPr lang="es-AR" dirty="0"/>
+          </a:p>
+        </p:txBody>
+      </p:sp>
+      <p:sp>
+        <p:nvSpPr>
+          <p:cNvPr id="16" name="Oval 3"/>
+          <p:cNvSpPr/>
+          <p:nvPr/>
+        </p:nvSpPr>
+        <p:spPr>
+          <a:xfrm>
+            <a:off x="5052566" y="2266080"/>
+            <a:ext cx="710983" cy="695640"/>
+          </a:xfrm>
+          <a:prstGeom prst="ellipse">
+            <a:avLst/>
+          </a:prstGeom>
+          <a:ln>
+            <a:solidFill>
+              <a:schemeClr val="tx2"/>
+            </a:solidFill>
+          </a:ln>
+          <a:effectLst>
+            <a:outerShdw blurRad="50800" dist="38100" dir="2700000" algn="tl" rotWithShape="0">
+              <a:prstClr val="black">
+                <a:alpha val="40000"/>
+              </a:prstClr>
+            </a:outerShdw>
+          </a:effectLst>
+        </p:spPr>
+        <p:style>
+          <a:lnRef idx="2">
+            <a:schemeClr val="accent6"/>
+          </a:lnRef>
+          <a:fillRef idx="1">
+            <a:schemeClr val="lt1"/>
+          </a:fillRef>
+          <a:effectRef idx="0">
+            <a:schemeClr val="accent6"/>
+          </a:effectRef>
+          <a:fontRef idx="minor">
+            <a:schemeClr val="dk1"/>
+          </a:fontRef>
+        </p:style>
+        <p:txBody>
+          <a:bodyPr rtlCol="0" anchor="ctr"/>
+          <a:lstStyle/>
+          <a:p>
+            <a:pPr algn="ctr"/>
+            <a:endParaRPr lang="es-AR"/>
+          </a:p>
+        </p:txBody>
+      </p:sp>
+      <p:cxnSp>
+        <p:nvCxnSpPr>
+          <p:cNvPr id="17" name="39 Conector recto"/>
+          <p:cNvCxnSpPr>
+            <a:stCxn id="16" idx="0"/>
+            <a:endCxn id="16" idx="4"/>
+          </p:cNvCxnSpPr>
+          <p:nvPr/>
+        </p:nvCxnSpPr>
+        <p:spPr>
+          <a:xfrm>
+            <a:off x="5408058" y="2266080"/>
+            <a:ext cx="0" cy="695640"/>
+          </a:xfrm>
+          <a:prstGeom prst="line">
+            <a:avLst/>
+          </a:prstGeom>
+        </p:spPr>
+        <p:style>
+          <a:lnRef idx="1">
+            <a:schemeClr val="accent1"/>
+          </a:lnRef>
+          <a:fillRef idx="0">
+            <a:schemeClr val="accent1"/>
+          </a:fillRef>
+          <a:effectRef idx="0">
+            <a:schemeClr val="accent1"/>
+          </a:effectRef>
+          <a:fontRef idx="minor">
+            <a:schemeClr val="tx1"/>
+          </a:fontRef>
+        </p:style>
+      </p:cxnSp>
+      <p:cxnSp>
+        <p:nvCxnSpPr>
+          <p:cNvPr id="18" name="40 Conector recto"/>
+          <p:cNvCxnSpPr>
+            <a:stCxn id="16" idx="6"/>
+          </p:cNvCxnSpPr>
+          <p:nvPr/>
+        </p:nvCxnSpPr>
+        <p:spPr>
+          <a:xfrm flipH="1">
+            <a:off x="5416708" y="2613900"/>
+            <a:ext cx="346841" cy="978"/>
+          </a:xfrm>
+          <a:prstGeom prst="line">
+            <a:avLst/>
+          </a:prstGeom>
+        </p:spPr>
+        <p:style>
+          <a:lnRef idx="1">
+            <a:schemeClr val="accent1"/>
+          </a:lnRef>
+          <a:fillRef idx="0">
+            <a:schemeClr val="accent1"/>
+          </a:fillRef>
+          <a:effectRef idx="0">
+            <a:schemeClr val="accent1"/>
+          </a:effectRef>
+          <a:fontRef idx="minor">
+            <a:schemeClr val="tx1"/>
+          </a:fontRef>
+        </p:style>
+      </p:cxnSp>
+      <p:sp>
+        <p:nvSpPr>
+          <p:cNvPr id="19" name="41 CuadroTexto"/>
+          <p:cNvSpPr txBox="1"/>
+          <p:nvPr/>
+        </p:nvSpPr>
+        <p:spPr>
+          <a:xfrm>
+            <a:off x="5075122" y="2430948"/>
+            <a:ext cx="301686" cy="369332"/>
+          </a:xfrm>
+          <a:prstGeom prst="rect">
+            <a:avLst/>
+          </a:prstGeom>
+          <a:noFill/>
+        </p:spPr>
+        <p:txBody>
+          <a:bodyPr wrap="none" rtlCol="0">
+            <a:spAutoFit/>
+          </a:bodyPr>
+          <a:lstStyle/>
+          <a:p>
+            <a:r>
+              <a:rPr lang="es-AR" dirty="0"/>
+              <a:t>3</a:t>
+            </a:r>
+          </a:p>
+        </p:txBody>
+      </p:sp>
+      <p:sp>
+        <p:nvSpPr>
+          <p:cNvPr id="20" name="42 CuadroTexto"/>
+          <p:cNvSpPr txBox="1"/>
+          <p:nvPr/>
+        </p:nvSpPr>
+        <p:spPr>
+          <a:xfrm>
+            <a:off x="5400943" y="2273294"/>
+            <a:ext cx="301686" cy="369332"/>
+          </a:xfrm>
+          <a:prstGeom prst="rect">
+            <a:avLst/>
+          </a:prstGeom>
+          <a:noFill/>
+        </p:spPr>
+        <p:txBody>
+          <a:bodyPr wrap="none" rtlCol="0">
+            <a:spAutoFit/>
+          </a:bodyPr>
+          <a:lstStyle/>
+          <a:p>
+            <a:r>
+              <a:rPr lang="es-AR" dirty="0"/>
+              <a:t>4</a:t>
+            </a:r>
+            <a:endParaRPr lang="es-AR" dirty="0"/>
+          </a:p>
+        </p:txBody>
+      </p:sp>
+      <p:sp>
+        <p:nvSpPr>
+          <p:cNvPr id="21" name="43 CuadroTexto"/>
+          <p:cNvSpPr txBox="1"/>
+          <p:nvPr/>
+        </p:nvSpPr>
+        <p:spPr>
+          <a:xfrm>
+            <a:off x="5400943" y="2557072"/>
+            <a:ext cx="301686" cy="369332"/>
+          </a:xfrm>
+          <a:prstGeom prst="rect">
+            <a:avLst/>
+          </a:prstGeom>
+          <a:noFill/>
+        </p:spPr>
+        <p:txBody>
+          <a:bodyPr wrap="none" rtlCol="0">
+            <a:spAutoFit/>
+          </a:bodyPr>
+          <a:lstStyle/>
+          <a:p>
+            <a:r>
+              <a:rPr lang="es-AR" dirty="0" smtClean="0"/>
+              <a:t>9</a:t>
+            </a:r>
+            <a:endParaRPr lang="es-AR" dirty="0"/>
+          </a:p>
+        </p:txBody>
+      </p:sp>
+      <p:sp>
+        <p:nvSpPr>
+          <p:cNvPr id="22" name="Oval 3"/>
+          <p:cNvSpPr/>
+          <p:nvPr/>
+        </p:nvSpPr>
+        <p:spPr>
+          <a:xfrm>
+            <a:off x="5060760" y="4493147"/>
+            <a:ext cx="710983" cy="695640"/>
+          </a:xfrm>
+          <a:prstGeom prst="ellipse">
+            <a:avLst/>
+          </a:prstGeom>
+          <a:ln>
+            <a:solidFill>
+              <a:schemeClr val="tx2"/>
+            </a:solidFill>
+          </a:ln>
+          <a:effectLst>
+            <a:outerShdw blurRad="50800" dist="38100" dir="2700000" algn="tl" rotWithShape="0">
+              <a:prstClr val="black">
+                <a:alpha val="40000"/>
+              </a:prstClr>
+            </a:outerShdw>
+          </a:effectLst>
+        </p:spPr>
+        <p:style>
+          <a:lnRef idx="2">
+            <a:schemeClr val="accent6"/>
+          </a:lnRef>
+          <a:fillRef idx="1">
+            <a:schemeClr val="lt1"/>
+          </a:fillRef>
+          <a:effectRef idx="0">
+            <a:schemeClr val="accent6"/>
+          </a:effectRef>
+          <a:fontRef idx="minor">
+            <a:schemeClr val="dk1"/>
+          </a:fontRef>
+        </p:style>
+        <p:txBody>
+          <a:bodyPr rtlCol="0" anchor="ctr"/>
+          <a:lstStyle/>
+          <a:p>
+            <a:pPr algn="ctr"/>
+            <a:endParaRPr lang="es-AR"/>
+          </a:p>
+        </p:txBody>
+      </p:sp>
+      <p:cxnSp>
+        <p:nvCxnSpPr>
+          <p:cNvPr id="23" name="39 Conector recto"/>
+          <p:cNvCxnSpPr>
+            <a:stCxn id="22" idx="0"/>
+            <a:endCxn id="22" idx="4"/>
+          </p:cNvCxnSpPr>
+          <p:nvPr/>
+        </p:nvCxnSpPr>
+        <p:spPr>
+          <a:xfrm>
+            <a:off x="5416252" y="4493147"/>
+            <a:ext cx="0" cy="695640"/>
+          </a:xfrm>
+          <a:prstGeom prst="line">
+            <a:avLst/>
+          </a:prstGeom>
+        </p:spPr>
+        <p:style>
+          <a:lnRef idx="1">
+            <a:schemeClr val="accent1"/>
+          </a:lnRef>
+          <a:fillRef idx="0">
+            <a:schemeClr val="accent1"/>
+          </a:fillRef>
+          <a:effectRef idx="0">
+            <a:schemeClr val="accent1"/>
+          </a:effectRef>
+          <a:fontRef idx="minor">
+            <a:schemeClr val="tx1"/>
+          </a:fontRef>
+        </p:style>
+      </p:cxnSp>
+      <p:cxnSp>
+        <p:nvCxnSpPr>
+          <p:cNvPr id="24" name="40 Conector recto"/>
+          <p:cNvCxnSpPr>
+            <a:stCxn id="22" idx="6"/>
+          </p:cNvCxnSpPr>
+          <p:nvPr/>
+        </p:nvCxnSpPr>
+        <p:spPr>
+          <a:xfrm flipH="1">
+            <a:off x="5424902" y="4840967"/>
+            <a:ext cx="346841" cy="978"/>
+          </a:xfrm>
+          <a:prstGeom prst="line">
+            <a:avLst/>
+          </a:prstGeom>
+        </p:spPr>
+        <p:style>
+          <a:lnRef idx="1">
+            <a:schemeClr val="accent1"/>
+          </a:lnRef>
+          <a:fillRef idx="0">
+            <a:schemeClr val="accent1"/>
+          </a:fillRef>
+          <a:effectRef idx="0">
+            <a:schemeClr val="accent1"/>
+          </a:effectRef>
+          <a:fontRef idx="minor">
+            <a:schemeClr val="tx1"/>
+          </a:fontRef>
+        </p:style>
+      </p:cxnSp>
+      <p:sp>
+        <p:nvSpPr>
+          <p:cNvPr id="25" name="41 CuadroTexto"/>
+          <p:cNvSpPr txBox="1"/>
+          <p:nvPr/>
+        </p:nvSpPr>
+        <p:spPr>
+          <a:xfrm>
+            <a:off x="5083316" y="4658015"/>
+            <a:ext cx="301686" cy="369332"/>
+          </a:xfrm>
+          <a:prstGeom prst="rect">
+            <a:avLst/>
+          </a:prstGeom>
+          <a:noFill/>
+        </p:spPr>
+        <p:txBody>
+          <a:bodyPr wrap="none" rtlCol="0">
+            <a:spAutoFit/>
+          </a:bodyPr>
+          <a:lstStyle/>
+          <a:p>
+            <a:r>
+              <a:rPr lang="es-AR" dirty="0" smtClean="0"/>
+              <a:t>4</a:t>
+            </a:r>
+            <a:endParaRPr lang="es-AR" dirty="0"/>
+          </a:p>
+        </p:txBody>
+      </p:sp>
+      <p:sp>
+        <p:nvSpPr>
+          <p:cNvPr id="26" name="42 CuadroTexto"/>
+          <p:cNvSpPr txBox="1"/>
+          <p:nvPr/>
+        </p:nvSpPr>
+        <p:spPr>
+          <a:xfrm>
+            <a:off x="5409137" y="4500361"/>
+            <a:ext cx="301686" cy="369332"/>
+          </a:xfrm>
+          <a:prstGeom prst="rect">
+            <a:avLst/>
+          </a:prstGeom>
+          <a:noFill/>
+        </p:spPr>
+        <p:txBody>
+          <a:bodyPr wrap="none" rtlCol="0">
+            <a:spAutoFit/>
+          </a:bodyPr>
+          <a:lstStyle/>
+          <a:p>
+            <a:r>
+              <a:rPr lang="es-AR" dirty="0"/>
+              <a:t>5</a:t>
+            </a:r>
+            <a:endParaRPr lang="es-AR" dirty="0"/>
+          </a:p>
+        </p:txBody>
+      </p:sp>
+      <p:sp>
+        <p:nvSpPr>
+          <p:cNvPr id="27" name="43 CuadroTexto"/>
+          <p:cNvSpPr txBox="1"/>
+          <p:nvPr/>
+        </p:nvSpPr>
+        <p:spPr>
+          <a:xfrm>
+            <a:off x="5409137" y="4784139"/>
+            <a:ext cx="301686" cy="369332"/>
+          </a:xfrm>
+          <a:prstGeom prst="rect">
+            <a:avLst/>
+          </a:prstGeom>
+          <a:noFill/>
+        </p:spPr>
+        <p:txBody>
+          <a:bodyPr wrap="none" rtlCol="0">
+            <a:spAutoFit/>
+          </a:bodyPr>
+          <a:lstStyle/>
+          <a:p>
+            <a:r>
+              <a:rPr lang="es-AR" dirty="0" smtClean="0"/>
+              <a:t>8</a:t>
+            </a:r>
+            <a:endParaRPr lang="es-AR" dirty="0"/>
+          </a:p>
+        </p:txBody>
+      </p:sp>
+      <p:sp>
+        <p:nvSpPr>
+          <p:cNvPr id="28" name="Oval 3"/>
+          <p:cNvSpPr/>
+          <p:nvPr/>
+        </p:nvSpPr>
+        <p:spPr>
+          <a:xfrm>
+            <a:off x="6722183" y="3360881"/>
+            <a:ext cx="710983" cy="695640"/>
+          </a:xfrm>
+          <a:prstGeom prst="ellipse">
+            <a:avLst/>
+          </a:prstGeom>
+          <a:ln>
+            <a:solidFill>
+              <a:schemeClr val="tx2"/>
+            </a:solidFill>
+          </a:ln>
+          <a:effectLst>
+            <a:outerShdw blurRad="50800" dist="38100" dir="2700000" algn="tl" rotWithShape="0">
+              <a:prstClr val="black">
+                <a:alpha val="40000"/>
+              </a:prstClr>
+            </a:outerShdw>
+          </a:effectLst>
+        </p:spPr>
+        <p:style>
+          <a:lnRef idx="2">
+            <a:schemeClr val="accent6"/>
+          </a:lnRef>
+          <a:fillRef idx="1">
+            <a:schemeClr val="lt1"/>
+          </a:fillRef>
+          <a:effectRef idx="0">
+            <a:schemeClr val="accent6"/>
+          </a:effectRef>
+          <a:fontRef idx="minor">
+            <a:schemeClr val="dk1"/>
+          </a:fontRef>
+        </p:style>
+        <p:txBody>
+          <a:bodyPr rtlCol="0" anchor="ctr"/>
+          <a:lstStyle/>
+          <a:p>
+            <a:pPr algn="ctr"/>
+            <a:endParaRPr lang="es-AR"/>
+          </a:p>
+        </p:txBody>
+      </p:sp>
+      <p:cxnSp>
+        <p:nvCxnSpPr>
+          <p:cNvPr id="29" name="39 Conector recto"/>
+          <p:cNvCxnSpPr>
+            <a:stCxn id="28" idx="0"/>
+            <a:endCxn id="28" idx="4"/>
+          </p:cNvCxnSpPr>
+          <p:nvPr/>
+        </p:nvCxnSpPr>
+        <p:spPr>
+          <a:xfrm>
+            <a:off x="7077675" y="3360881"/>
+            <a:ext cx="0" cy="695640"/>
+          </a:xfrm>
+          <a:prstGeom prst="line">
+            <a:avLst/>
+          </a:prstGeom>
+        </p:spPr>
+        <p:style>
+          <a:lnRef idx="1">
+            <a:schemeClr val="accent1"/>
+          </a:lnRef>
+          <a:fillRef idx="0">
+            <a:schemeClr val="accent1"/>
+          </a:fillRef>
+          <a:effectRef idx="0">
+            <a:schemeClr val="accent1"/>
+          </a:effectRef>
+          <a:fontRef idx="minor">
+            <a:schemeClr val="tx1"/>
+          </a:fontRef>
+        </p:style>
+      </p:cxnSp>
+      <p:cxnSp>
+        <p:nvCxnSpPr>
+          <p:cNvPr id="30" name="40 Conector recto"/>
+          <p:cNvCxnSpPr>
+            <a:stCxn id="28" idx="6"/>
+          </p:cNvCxnSpPr>
+          <p:nvPr/>
+        </p:nvCxnSpPr>
+        <p:spPr>
+          <a:xfrm flipH="1">
+            <a:off x="7086325" y="3708701"/>
+            <a:ext cx="346841" cy="978"/>
+          </a:xfrm>
+          <a:prstGeom prst="line">
+            <a:avLst/>
+          </a:prstGeom>
+        </p:spPr>
+        <p:style>
+          <a:lnRef idx="1">
+            <a:schemeClr val="accent1"/>
+          </a:lnRef>
+          <a:fillRef idx="0">
+            <a:schemeClr val="accent1"/>
+          </a:fillRef>
+          <a:effectRef idx="0">
+            <a:schemeClr val="accent1"/>
+          </a:effectRef>
+          <a:fontRef idx="minor">
+            <a:schemeClr val="tx1"/>
+          </a:fontRef>
+        </p:style>
+      </p:cxnSp>
+      <p:sp>
+        <p:nvSpPr>
+          <p:cNvPr id="31" name="41 CuadroTexto"/>
+          <p:cNvSpPr txBox="1"/>
+          <p:nvPr/>
+        </p:nvSpPr>
+        <p:spPr>
+          <a:xfrm>
+            <a:off x="6744739" y="3525749"/>
+            <a:ext cx="301686" cy="369332"/>
+          </a:xfrm>
+          <a:prstGeom prst="rect">
+            <a:avLst/>
+          </a:prstGeom>
+          <a:noFill/>
+        </p:spPr>
+        <p:txBody>
+          <a:bodyPr wrap="none" rtlCol="0">
+            <a:spAutoFit/>
+          </a:bodyPr>
+          <a:lstStyle/>
+          <a:p>
+            <a:r>
+              <a:rPr lang="es-AR" dirty="0" smtClean="0"/>
+              <a:t>5</a:t>
+            </a:r>
+            <a:endParaRPr lang="es-AR" dirty="0"/>
+          </a:p>
+        </p:txBody>
+      </p:sp>
+      <p:sp>
+        <p:nvSpPr>
+          <p:cNvPr id="32" name="42 CuadroTexto"/>
+          <p:cNvSpPr txBox="1"/>
+          <p:nvPr/>
+        </p:nvSpPr>
+        <p:spPr>
+          <a:xfrm>
+            <a:off x="7070560" y="3368095"/>
+            <a:ext cx="301686" cy="369332"/>
+          </a:xfrm>
+          <a:prstGeom prst="rect">
+            <a:avLst/>
+          </a:prstGeom>
+          <a:noFill/>
+        </p:spPr>
+        <p:txBody>
+          <a:bodyPr wrap="none" rtlCol="0">
+            <a:spAutoFit/>
+          </a:bodyPr>
+          <a:lstStyle/>
+          <a:p>
+            <a:r>
+              <a:rPr lang="es-AR" dirty="0"/>
+              <a:t>7</a:t>
+            </a:r>
+            <a:endParaRPr lang="es-AR" dirty="0"/>
+          </a:p>
+        </p:txBody>
+      </p:sp>
+      <p:sp>
+        <p:nvSpPr>
+          <p:cNvPr id="33" name="43 CuadroTexto"/>
+          <p:cNvSpPr txBox="1"/>
+          <p:nvPr/>
+        </p:nvSpPr>
+        <p:spPr>
+          <a:xfrm>
+            <a:off x="7070560" y="3651873"/>
+            <a:ext cx="418704" cy="369332"/>
+          </a:xfrm>
+          <a:prstGeom prst="rect">
+            <a:avLst/>
+          </a:prstGeom>
+          <a:noFill/>
+        </p:spPr>
+        <p:txBody>
+          <a:bodyPr wrap="none" rtlCol="0">
+            <a:spAutoFit/>
+          </a:bodyPr>
+          <a:lstStyle/>
+          <a:p>
+            <a:r>
+              <a:rPr lang="es-AR" dirty="0" smtClean="0"/>
+              <a:t>10</a:t>
+            </a:r>
+            <a:endParaRPr lang="es-AR" dirty="0"/>
+          </a:p>
+        </p:txBody>
+      </p:sp>
+      <p:sp>
+        <p:nvSpPr>
+          <p:cNvPr id="34" name="Oval 3"/>
+          <p:cNvSpPr/>
+          <p:nvPr/>
+        </p:nvSpPr>
+        <p:spPr>
+          <a:xfrm>
+            <a:off x="8673814" y="3365476"/>
+            <a:ext cx="710983" cy="695640"/>
+          </a:xfrm>
+          <a:prstGeom prst="ellipse">
+            <a:avLst/>
+          </a:prstGeom>
+          <a:ln>
+            <a:solidFill>
+              <a:schemeClr val="tx2"/>
+            </a:solidFill>
+          </a:ln>
+          <a:effectLst>
+            <a:outerShdw blurRad="50800" dist="38100" dir="2700000" algn="tl" rotWithShape="0">
+              <a:prstClr val="black">
+                <a:alpha val="40000"/>
+              </a:prstClr>
+            </a:outerShdw>
+          </a:effectLst>
+        </p:spPr>
+        <p:style>
+          <a:lnRef idx="2">
+            <a:schemeClr val="accent6"/>
+          </a:lnRef>
+          <a:fillRef idx="1">
+            <a:schemeClr val="lt1"/>
+          </a:fillRef>
+          <a:effectRef idx="0">
+            <a:schemeClr val="accent6"/>
+          </a:effectRef>
+          <a:fontRef idx="minor">
+            <a:schemeClr val="dk1"/>
+          </a:fontRef>
+        </p:style>
+        <p:txBody>
+          <a:bodyPr rtlCol="0" anchor="ctr"/>
+          <a:lstStyle/>
+          <a:p>
+            <a:pPr algn="ctr"/>
+            <a:endParaRPr lang="es-AR"/>
+          </a:p>
+        </p:txBody>
+      </p:sp>
+      <p:cxnSp>
+        <p:nvCxnSpPr>
+          <p:cNvPr id="35" name="39 Conector recto"/>
+          <p:cNvCxnSpPr>
+            <a:stCxn id="34" idx="0"/>
+            <a:endCxn id="34" idx="4"/>
+          </p:cNvCxnSpPr>
+          <p:nvPr/>
+        </p:nvCxnSpPr>
+        <p:spPr>
+          <a:xfrm>
+            <a:off x="9029306" y="3365476"/>
+            <a:ext cx="0" cy="695640"/>
+          </a:xfrm>
+          <a:prstGeom prst="line">
+            <a:avLst/>
+          </a:prstGeom>
+        </p:spPr>
+        <p:style>
+          <a:lnRef idx="1">
+            <a:schemeClr val="accent1"/>
+          </a:lnRef>
+          <a:fillRef idx="0">
+            <a:schemeClr val="accent1"/>
+          </a:fillRef>
+          <a:effectRef idx="0">
+            <a:schemeClr val="accent1"/>
+          </a:effectRef>
+          <a:fontRef idx="minor">
+            <a:schemeClr val="tx1"/>
+          </a:fontRef>
+        </p:style>
+      </p:cxnSp>
+      <p:cxnSp>
+        <p:nvCxnSpPr>
+          <p:cNvPr id="36" name="40 Conector recto"/>
+          <p:cNvCxnSpPr>
+            <a:stCxn id="34" idx="6"/>
+          </p:cNvCxnSpPr>
+          <p:nvPr/>
+        </p:nvCxnSpPr>
+        <p:spPr>
+          <a:xfrm flipH="1">
+            <a:off x="9037956" y="3713296"/>
+            <a:ext cx="346841" cy="978"/>
+          </a:xfrm>
+          <a:prstGeom prst="line">
+            <a:avLst/>
+          </a:prstGeom>
+        </p:spPr>
+        <p:style>
+          <a:lnRef idx="1">
+            <a:schemeClr val="accent1"/>
+          </a:lnRef>
+          <a:fillRef idx="0">
+            <a:schemeClr val="accent1"/>
+          </a:fillRef>
+          <a:effectRef idx="0">
+            <a:schemeClr val="accent1"/>
+          </a:effectRef>
+          <a:fontRef idx="minor">
+            <a:schemeClr val="tx1"/>
+          </a:fontRef>
+        </p:style>
+      </p:cxnSp>
+      <p:sp>
+        <p:nvSpPr>
+          <p:cNvPr id="37" name="41 CuadroTexto"/>
+          <p:cNvSpPr txBox="1"/>
+          <p:nvPr/>
+        </p:nvSpPr>
+        <p:spPr>
+          <a:xfrm>
+            <a:off x="8696370" y="3530344"/>
+            <a:ext cx="301686" cy="369332"/>
+          </a:xfrm>
+          <a:prstGeom prst="rect">
+            <a:avLst/>
+          </a:prstGeom>
+          <a:noFill/>
+        </p:spPr>
+        <p:txBody>
+          <a:bodyPr wrap="none" rtlCol="0">
+            <a:spAutoFit/>
+          </a:bodyPr>
+          <a:lstStyle/>
+          <a:p>
+            <a:r>
+              <a:rPr lang="es-AR" dirty="0" smtClean="0"/>
+              <a:t>6</a:t>
+            </a:r>
+            <a:endParaRPr lang="es-AR" dirty="0"/>
+          </a:p>
+        </p:txBody>
+      </p:sp>
+      <p:sp>
+        <p:nvSpPr>
+          <p:cNvPr id="38" name="42 CuadroTexto"/>
+          <p:cNvSpPr txBox="1"/>
+          <p:nvPr/>
+        </p:nvSpPr>
+        <p:spPr>
+          <a:xfrm>
+            <a:off x="8981247" y="3399986"/>
+            <a:ext cx="418704" cy="369332"/>
+          </a:xfrm>
+          <a:prstGeom prst="rect">
+            <a:avLst/>
+          </a:prstGeom>
+          <a:noFill/>
+        </p:spPr>
+        <p:txBody>
+          <a:bodyPr wrap="none" rtlCol="0">
+            <a:spAutoFit/>
+          </a:bodyPr>
+          <a:lstStyle/>
+          <a:p>
+            <a:r>
+              <a:rPr lang="es-AR" dirty="0" smtClean="0"/>
+              <a:t>13</a:t>
+            </a:r>
+            <a:endParaRPr lang="es-AR" dirty="0"/>
+          </a:p>
+        </p:txBody>
+      </p:sp>
+      <p:sp>
+        <p:nvSpPr>
+          <p:cNvPr id="39" name="43 CuadroTexto"/>
+          <p:cNvSpPr txBox="1"/>
+          <p:nvPr/>
+        </p:nvSpPr>
+        <p:spPr>
+          <a:xfrm>
+            <a:off x="8981247" y="3656468"/>
+            <a:ext cx="418704" cy="369332"/>
+          </a:xfrm>
+          <a:prstGeom prst="rect">
+            <a:avLst/>
+          </a:prstGeom>
+          <a:noFill/>
+        </p:spPr>
+        <p:txBody>
+          <a:bodyPr wrap="none" rtlCol="0">
+            <a:spAutoFit/>
+          </a:bodyPr>
+          <a:lstStyle/>
+          <a:p>
+            <a:r>
+              <a:rPr lang="es-AR" dirty="0" smtClean="0"/>
+              <a:t>13</a:t>
+            </a:r>
+            <a:endParaRPr lang="es-AR" dirty="0"/>
+          </a:p>
+        </p:txBody>
+      </p:sp>
+      <p:sp>
+        <p:nvSpPr>
+          <p:cNvPr id="40" name="Oval 3"/>
+          <p:cNvSpPr/>
+          <p:nvPr/>
+        </p:nvSpPr>
+        <p:spPr>
+          <a:xfrm>
+            <a:off x="10693682" y="3362397"/>
+            <a:ext cx="710983" cy="695640"/>
+          </a:xfrm>
+          <a:prstGeom prst="ellipse">
+            <a:avLst/>
+          </a:prstGeom>
+          <a:ln>
+            <a:solidFill>
+              <a:schemeClr val="tx2"/>
+            </a:solidFill>
+          </a:ln>
+          <a:effectLst>
+            <a:outerShdw blurRad="50800" dist="38100" dir="2700000" algn="tl" rotWithShape="0">
+              <a:prstClr val="black">
+                <a:alpha val="40000"/>
+              </a:prstClr>
+            </a:outerShdw>
+          </a:effectLst>
+        </p:spPr>
+        <p:style>
+          <a:lnRef idx="2">
+            <a:schemeClr val="accent6"/>
+          </a:lnRef>
+          <a:fillRef idx="1">
+            <a:schemeClr val="lt1"/>
+          </a:fillRef>
+          <a:effectRef idx="0">
+            <a:schemeClr val="accent6"/>
+          </a:effectRef>
+          <a:fontRef idx="minor">
+            <a:schemeClr val="dk1"/>
+          </a:fontRef>
+        </p:style>
+        <p:txBody>
+          <a:bodyPr rtlCol="0" anchor="ctr"/>
+          <a:lstStyle/>
+          <a:p>
+            <a:pPr algn="ctr"/>
+            <a:endParaRPr lang="es-AR"/>
+          </a:p>
+        </p:txBody>
+      </p:sp>
+      <p:cxnSp>
+        <p:nvCxnSpPr>
+          <p:cNvPr id="41" name="39 Conector recto"/>
+          <p:cNvCxnSpPr>
+            <a:stCxn id="40" idx="0"/>
+            <a:endCxn id="40" idx="4"/>
+          </p:cNvCxnSpPr>
+          <p:nvPr/>
+        </p:nvCxnSpPr>
+        <p:spPr>
+          <a:xfrm>
+            <a:off x="11049174" y="3362397"/>
+            <a:ext cx="0" cy="695640"/>
+          </a:xfrm>
+          <a:prstGeom prst="line">
+            <a:avLst/>
+          </a:prstGeom>
+        </p:spPr>
+        <p:style>
+          <a:lnRef idx="1">
+            <a:schemeClr val="accent1"/>
+          </a:lnRef>
+          <a:fillRef idx="0">
+            <a:schemeClr val="accent1"/>
+          </a:fillRef>
+          <a:effectRef idx="0">
+            <a:schemeClr val="accent1"/>
+          </a:effectRef>
+          <a:fontRef idx="minor">
+            <a:schemeClr val="tx1"/>
+          </a:fontRef>
+        </p:style>
+      </p:cxnSp>
+      <p:cxnSp>
+        <p:nvCxnSpPr>
+          <p:cNvPr id="42" name="40 Conector recto"/>
+          <p:cNvCxnSpPr>
+            <a:stCxn id="40" idx="6"/>
+          </p:cNvCxnSpPr>
+          <p:nvPr/>
+        </p:nvCxnSpPr>
+        <p:spPr>
+          <a:xfrm flipH="1">
+            <a:off x="11057824" y="3710217"/>
+            <a:ext cx="346841" cy="978"/>
+          </a:xfrm>
+          <a:prstGeom prst="line">
+            <a:avLst/>
+          </a:prstGeom>
+        </p:spPr>
+        <p:style>
+          <a:lnRef idx="1">
+            <a:schemeClr val="accent1"/>
+          </a:lnRef>
+          <a:fillRef idx="0">
+            <a:schemeClr val="accent1"/>
+          </a:fillRef>
+          <a:effectRef idx="0">
+            <a:schemeClr val="accent1"/>
+          </a:effectRef>
+          <a:fontRef idx="minor">
+            <a:schemeClr val="tx1"/>
+          </a:fontRef>
+        </p:style>
+      </p:cxnSp>
+      <p:sp>
+        <p:nvSpPr>
+          <p:cNvPr id="43" name="41 CuadroTexto"/>
+          <p:cNvSpPr txBox="1"/>
+          <p:nvPr/>
+        </p:nvSpPr>
+        <p:spPr>
+          <a:xfrm>
+            <a:off x="10716238" y="3527265"/>
+            <a:ext cx="301686" cy="369332"/>
+          </a:xfrm>
+          <a:prstGeom prst="rect">
+            <a:avLst/>
+          </a:prstGeom>
+          <a:noFill/>
+        </p:spPr>
+        <p:txBody>
+          <a:bodyPr wrap="none" rtlCol="0">
+            <a:spAutoFit/>
+          </a:bodyPr>
+          <a:lstStyle/>
+          <a:p>
+            <a:r>
+              <a:rPr lang="es-AR" dirty="0" smtClean="0"/>
+              <a:t>7</a:t>
+            </a:r>
+            <a:endParaRPr lang="es-AR" dirty="0"/>
+          </a:p>
+        </p:txBody>
+      </p:sp>
+      <p:sp>
+        <p:nvSpPr>
+          <p:cNvPr id="44" name="42 CuadroTexto"/>
+          <p:cNvSpPr txBox="1"/>
+          <p:nvPr/>
+        </p:nvSpPr>
+        <p:spPr>
+          <a:xfrm>
+            <a:off x="11001115" y="3396907"/>
+            <a:ext cx="418704" cy="369332"/>
+          </a:xfrm>
+          <a:prstGeom prst="rect">
+            <a:avLst/>
+          </a:prstGeom>
+          <a:noFill/>
+        </p:spPr>
+        <p:txBody>
+          <a:bodyPr wrap="none" rtlCol="0">
+            <a:spAutoFit/>
+          </a:bodyPr>
+          <a:lstStyle/>
+          <a:p>
+            <a:r>
+              <a:rPr lang="es-AR" dirty="0" smtClean="0"/>
+              <a:t>14</a:t>
+            </a:r>
+            <a:endParaRPr lang="es-AR" dirty="0"/>
+          </a:p>
+        </p:txBody>
+      </p:sp>
+      <p:sp>
+        <p:nvSpPr>
+          <p:cNvPr id="45" name="43 CuadroTexto"/>
+          <p:cNvSpPr txBox="1"/>
+          <p:nvPr/>
+        </p:nvSpPr>
+        <p:spPr>
+          <a:xfrm>
+            <a:off x="11001115" y="3653389"/>
+            <a:ext cx="418704" cy="369332"/>
+          </a:xfrm>
+          <a:prstGeom prst="rect">
+            <a:avLst/>
+          </a:prstGeom>
+          <a:noFill/>
+        </p:spPr>
+        <p:txBody>
+          <a:bodyPr wrap="none" rtlCol="0">
+            <a:spAutoFit/>
+          </a:bodyPr>
+          <a:lstStyle/>
+          <a:p>
+            <a:r>
+              <a:rPr lang="es-AR" dirty="0" smtClean="0"/>
+              <a:t>14</a:t>
+            </a:r>
+            <a:endParaRPr lang="es-AR" dirty="0"/>
+          </a:p>
+        </p:txBody>
+      </p:sp>
+      <p:cxnSp>
+        <p:nvCxnSpPr>
+          <p:cNvPr id="46" name="Straight Arrow Connector 45"/>
+          <p:cNvCxnSpPr>
+            <a:stCxn id="4" idx="6"/>
+            <a:endCxn id="10" idx="2"/>
+          </p:cNvCxnSpPr>
+          <p:nvPr/>
+        </p:nvCxnSpPr>
+        <p:spPr>
+          <a:xfrm>
+            <a:off x="1968473" y="3700490"/>
+            <a:ext cx="1314475" cy="2458"/>
+          </a:xfrm>
+          <a:prstGeom prst="straightConnector1">
+            <a:avLst/>
+          </a:prstGeom>
+          <a:ln w="38100">
+            <a:tailEnd type="arrow"/>
+          </a:ln>
+        </p:spPr>
+        <p:style>
+          <a:lnRef idx="3">
+            <a:schemeClr val="accent2"/>
+          </a:lnRef>
+          <a:fillRef idx="0">
+            <a:schemeClr val="accent2"/>
+          </a:fillRef>
+          <a:effectRef idx="2">
+            <a:schemeClr val="accent2"/>
+          </a:effectRef>
+          <a:fontRef idx="minor">
+            <a:schemeClr val="tx1"/>
+          </a:fontRef>
+        </p:style>
+      </p:cxnSp>
+      <p:cxnSp>
+        <p:nvCxnSpPr>
+          <p:cNvPr id="47" name="Straight Arrow Connector 46"/>
+          <p:cNvCxnSpPr>
+            <a:stCxn id="10" idx="7"/>
+            <a:endCxn id="16" idx="2"/>
+          </p:cNvCxnSpPr>
+          <p:nvPr/>
+        </p:nvCxnSpPr>
+        <p:spPr>
+          <a:xfrm flipV="1">
+            <a:off x="3889810" y="2613900"/>
+            <a:ext cx="1162756" cy="843102"/>
+          </a:xfrm>
+          <a:prstGeom prst="straightConnector1">
+            <a:avLst/>
+          </a:prstGeom>
+          <a:ln w="38100">
+            <a:tailEnd type="arrow"/>
+          </a:ln>
+        </p:spPr>
+        <p:style>
+          <a:lnRef idx="1">
+            <a:schemeClr val="accent1"/>
+          </a:lnRef>
+          <a:fillRef idx="0">
+            <a:schemeClr val="accent1"/>
+          </a:fillRef>
+          <a:effectRef idx="0">
+            <a:schemeClr val="accent1"/>
+          </a:effectRef>
+          <a:fontRef idx="minor">
+            <a:schemeClr val="tx1"/>
+          </a:fontRef>
+        </p:style>
+      </p:cxnSp>
+      <p:cxnSp>
+        <p:nvCxnSpPr>
+          <p:cNvPr id="48" name="Straight Arrow Connector 47"/>
+          <p:cNvCxnSpPr>
+            <a:stCxn id="10" idx="5"/>
+            <a:endCxn id="22" idx="2"/>
+          </p:cNvCxnSpPr>
+          <p:nvPr/>
+        </p:nvCxnSpPr>
+        <p:spPr>
+          <a:xfrm>
+            <a:off x="3889810" y="3948894"/>
+            <a:ext cx="1170950" cy="892073"/>
+          </a:xfrm>
+          <a:prstGeom prst="straightConnector1">
+            <a:avLst/>
+          </a:prstGeom>
+          <a:ln w="38100">
+            <a:tailEnd type="arrow"/>
+          </a:ln>
+        </p:spPr>
+        <p:style>
+          <a:lnRef idx="3">
+            <a:schemeClr val="accent2"/>
+          </a:lnRef>
+          <a:fillRef idx="0">
+            <a:schemeClr val="accent2"/>
+          </a:fillRef>
+          <a:effectRef idx="2">
+            <a:schemeClr val="accent2"/>
+          </a:effectRef>
+          <a:fontRef idx="minor">
+            <a:schemeClr val="tx1"/>
+          </a:fontRef>
+        </p:style>
+      </p:cxnSp>
+      <p:cxnSp>
+        <p:nvCxnSpPr>
+          <p:cNvPr id="49" name="Straight Arrow Connector 48"/>
+          <p:cNvCxnSpPr>
+            <a:stCxn id="22" idx="6"/>
+            <a:endCxn id="28" idx="3"/>
+          </p:cNvCxnSpPr>
+          <p:nvPr/>
+        </p:nvCxnSpPr>
+        <p:spPr>
+          <a:xfrm flipV="1">
+            <a:off x="5771743" y="3954647"/>
+            <a:ext cx="1054561" cy="886320"/>
+          </a:xfrm>
+          <a:prstGeom prst="straightConnector1">
+            <a:avLst/>
+          </a:prstGeom>
+          <a:ln w="38100">
+            <a:tailEnd type="arrow"/>
+          </a:ln>
+        </p:spPr>
+        <p:style>
+          <a:lnRef idx="3">
+            <a:schemeClr val="accent2"/>
+          </a:lnRef>
+          <a:fillRef idx="0">
+            <a:schemeClr val="accent2"/>
+          </a:fillRef>
+          <a:effectRef idx="2">
+            <a:schemeClr val="accent2"/>
+          </a:effectRef>
+          <a:fontRef idx="minor">
+            <a:schemeClr val="tx1"/>
+          </a:fontRef>
+        </p:style>
+      </p:cxnSp>
+      <p:cxnSp>
+        <p:nvCxnSpPr>
+          <p:cNvPr id="50" name="Straight Arrow Connector 49"/>
+          <p:cNvCxnSpPr>
+            <a:stCxn id="16" idx="6"/>
+            <a:endCxn id="28" idx="1"/>
+          </p:cNvCxnSpPr>
+          <p:nvPr/>
+        </p:nvCxnSpPr>
+        <p:spPr>
+          <a:xfrm>
+            <a:off x="5763549" y="2613900"/>
+            <a:ext cx="1062755" cy="848855"/>
+          </a:xfrm>
+          <a:prstGeom prst="straightConnector1">
+            <a:avLst/>
+          </a:prstGeom>
+          <a:ln w="38100">
+            <a:tailEnd type="arrow"/>
+          </a:ln>
+        </p:spPr>
+        <p:style>
+          <a:lnRef idx="1">
+            <a:schemeClr val="accent1"/>
+          </a:lnRef>
+          <a:fillRef idx="0">
+            <a:schemeClr val="accent1"/>
+          </a:fillRef>
+          <a:effectRef idx="0">
+            <a:schemeClr val="accent1"/>
+          </a:effectRef>
+          <a:fontRef idx="minor">
+            <a:schemeClr val="tx1"/>
+          </a:fontRef>
+        </p:style>
+      </p:cxnSp>
+      <p:cxnSp>
+        <p:nvCxnSpPr>
+          <p:cNvPr id="51" name="Straight Arrow Connector 50"/>
+          <p:cNvCxnSpPr>
+            <a:stCxn id="28" idx="6"/>
+            <a:endCxn id="37" idx="1"/>
+          </p:cNvCxnSpPr>
+          <p:nvPr/>
+        </p:nvCxnSpPr>
+        <p:spPr>
+          <a:xfrm>
+            <a:off x="7433166" y="3708701"/>
+            <a:ext cx="1263204" cy="6309"/>
+          </a:xfrm>
+          <a:prstGeom prst="straightConnector1">
+            <a:avLst/>
+          </a:prstGeom>
+          <a:ln w="38100">
+            <a:tailEnd type="arrow"/>
+          </a:ln>
+        </p:spPr>
+        <p:style>
+          <a:lnRef idx="3">
+            <a:schemeClr val="accent2"/>
+          </a:lnRef>
+          <a:fillRef idx="0">
+            <a:schemeClr val="accent2"/>
+          </a:fillRef>
+          <a:effectRef idx="2">
+            <a:schemeClr val="accent2"/>
+          </a:effectRef>
+          <a:fontRef idx="minor">
+            <a:schemeClr val="tx1"/>
+          </a:fontRef>
+        </p:style>
+      </p:cxnSp>
+      <p:cxnSp>
+        <p:nvCxnSpPr>
+          <p:cNvPr id="52" name="Straight Arrow Connector 51"/>
+          <p:cNvCxnSpPr>
+            <a:stCxn id="34" idx="6"/>
+            <a:endCxn id="43" idx="1"/>
+          </p:cNvCxnSpPr>
+          <p:nvPr/>
+        </p:nvCxnSpPr>
+        <p:spPr>
+          <a:xfrm flipV="1">
+            <a:off x="9384797" y="3711931"/>
+            <a:ext cx="1331441" cy="1365"/>
+          </a:xfrm>
+          <a:prstGeom prst="straightConnector1">
+            <a:avLst/>
+          </a:prstGeom>
+          <a:ln w="38100">
+            <a:tailEnd type="arrow"/>
+          </a:ln>
+        </p:spPr>
+        <p:style>
+          <a:lnRef idx="3">
+            <a:schemeClr val="accent2"/>
+          </a:lnRef>
+          <a:fillRef idx="0">
+            <a:schemeClr val="accent2"/>
+          </a:fillRef>
+          <a:effectRef idx="2">
+            <a:schemeClr val="accent2"/>
+          </a:effectRef>
+          <a:fontRef idx="minor">
+            <a:schemeClr val="tx1"/>
+          </a:fontRef>
+        </p:style>
+      </p:cxnSp>
+      <p:sp>
+        <p:nvSpPr>
+          <p:cNvPr id="53" name="45 CuadroTexto"/>
+          <p:cNvSpPr txBox="1"/>
+          <p:nvPr/>
+        </p:nvSpPr>
+        <p:spPr>
+          <a:xfrm>
+            <a:off x="2346084" y="3282541"/>
+            <a:ext cx="317716" cy="369332"/>
+          </a:xfrm>
+          <a:prstGeom prst="rect">
+            <a:avLst/>
+          </a:prstGeom>
+          <a:noFill/>
+        </p:spPr>
+        <p:txBody>
+          <a:bodyPr wrap="none" rtlCol="0">
+            <a:spAutoFit/>
+          </a:bodyPr>
+          <a:lstStyle/>
+          <a:p>
+            <a:r>
+              <a:rPr lang="es-AR" dirty="0" smtClean="0"/>
+              <a:t>A</a:t>
+            </a:r>
+            <a:endParaRPr lang="es-AR" dirty="0"/>
+          </a:p>
+        </p:txBody>
+      </p:sp>
+      <p:sp>
+        <p:nvSpPr>
+          <p:cNvPr id="54" name="45 CuadroTexto"/>
+          <p:cNvSpPr txBox="1"/>
+          <p:nvPr/>
+        </p:nvSpPr>
+        <p:spPr>
+          <a:xfrm>
+            <a:off x="4117549" y="2630625"/>
+            <a:ext cx="309700" cy="369332"/>
+          </a:xfrm>
+          <a:prstGeom prst="rect">
+            <a:avLst/>
+          </a:prstGeom>
+          <a:noFill/>
+        </p:spPr>
+        <p:txBody>
+          <a:bodyPr wrap="none" rtlCol="0">
+            <a:spAutoFit/>
+          </a:bodyPr>
+          <a:lstStyle/>
+          <a:p>
+            <a:r>
+              <a:rPr lang="es-AR" dirty="0"/>
+              <a:t>B</a:t>
+            </a:r>
+          </a:p>
+        </p:txBody>
+      </p:sp>
+      <p:sp>
+        <p:nvSpPr>
+          <p:cNvPr id="55" name="45 CuadroTexto"/>
+          <p:cNvSpPr txBox="1"/>
+          <p:nvPr/>
+        </p:nvSpPr>
+        <p:spPr>
+          <a:xfrm>
+            <a:off x="6294926" y="2619684"/>
+            <a:ext cx="308098" cy="369332"/>
+          </a:xfrm>
+          <a:prstGeom prst="rect">
+            <a:avLst/>
+          </a:prstGeom>
+          <a:noFill/>
+        </p:spPr>
+        <p:txBody>
+          <a:bodyPr wrap="none" rtlCol="0">
+            <a:spAutoFit/>
+          </a:bodyPr>
+          <a:lstStyle/>
+          <a:p>
+            <a:r>
+              <a:rPr lang="es-AR" dirty="0"/>
+              <a:t>C</a:t>
+            </a:r>
+          </a:p>
+        </p:txBody>
+      </p:sp>
+      <p:sp>
+        <p:nvSpPr>
+          <p:cNvPr id="56" name="45 CuadroTexto"/>
+          <p:cNvSpPr txBox="1"/>
+          <p:nvPr/>
+        </p:nvSpPr>
+        <p:spPr>
+          <a:xfrm>
+            <a:off x="4117549" y="4394930"/>
+            <a:ext cx="327334" cy="369332"/>
+          </a:xfrm>
+          <a:prstGeom prst="rect">
+            <a:avLst/>
+          </a:prstGeom>
+          <a:noFill/>
+        </p:spPr>
+        <p:txBody>
+          <a:bodyPr wrap="none" rtlCol="0">
+            <a:spAutoFit/>
+          </a:bodyPr>
+          <a:lstStyle/>
+          <a:p>
+            <a:r>
+              <a:rPr lang="es-AR" dirty="0" smtClean="0"/>
+              <a:t>D</a:t>
+            </a:r>
+            <a:endParaRPr lang="es-AR" dirty="0"/>
+          </a:p>
+        </p:txBody>
+      </p:sp>
+      <p:sp>
+        <p:nvSpPr>
+          <p:cNvPr id="57" name="45 CuadroTexto"/>
+          <p:cNvSpPr txBox="1"/>
+          <p:nvPr/>
+        </p:nvSpPr>
+        <p:spPr>
+          <a:xfrm>
+            <a:off x="6294926" y="4417043"/>
+            <a:ext cx="296876" cy="369332"/>
+          </a:xfrm>
+          <a:prstGeom prst="rect">
+            <a:avLst/>
+          </a:prstGeom>
+          <a:noFill/>
+        </p:spPr>
+        <p:txBody>
+          <a:bodyPr wrap="none" rtlCol="0">
+            <a:spAutoFit/>
+          </a:bodyPr>
+          <a:lstStyle/>
+          <a:p>
+            <a:r>
+              <a:rPr lang="es-AR" dirty="0"/>
+              <a:t>E</a:t>
+            </a:r>
+          </a:p>
+        </p:txBody>
+      </p:sp>
+      <p:sp>
+        <p:nvSpPr>
+          <p:cNvPr id="58" name="45 CuadroTexto"/>
+          <p:cNvSpPr txBox="1"/>
+          <p:nvPr/>
+        </p:nvSpPr>
+        <p:spPr>
+          <a:xfrm>
+            <a:off x="7905910" y="3294525"/>
+            <a:ext cx="290464" cy="369332"/>
+          </a:xfrm>
+          <a:prstGeom prst="rect">
+            <a:avLst/>
+          </a:prstGeom>
+          <a:noFill/>
+        </p:spPr>
+        <p:txBody>
+          <a:bodyPr wrap="none" rtlCol="0">
+            <a:spAutoFit/>
+          </a:bodyPr>
+          <a:lstStyle/>
+          <a:p>
+            <a:r>
+              <a:rPr lang="es-AR" dirty="0"/>
+              <a:t>F</a:t>
+            </a:r>
+            <a:endParaRPr lang="es-AR" dirty="0"/>
+          </a:p>
+        </p:txBody>
+      </p:sp>
+      <p:sp>
+        <p:nvSpPr>
+          <p:cNvPr id="59" name="45 CuadroTexto"/>
+          <p:cNvSpPr txBox="1"/>
+          <p:nvPr/>
+        </p:nvSpPr>
+        <p:spPr>
+          <a:xfrm>
+            <a:off x="9852780" y="3272336"/>
+            <a:ext cx="330540" cy="369332"/>
+          </a:xfrm>
+          <a:prstGeom prst="rect">
+            <a:avLst/>
+          </a:prstGeom>
+          <a:noFill/>
+        </p:spPr>
+        <p:txBody>
+          <a:bodyPr wrap="none" rtlCol="0">
+            <a:spAutoFit/>
+          </a:bodyPr>
+          <a:lstStyle/>
+          <a:p>
+            <a:r>
+              <a:rPr lang="es-AR" dirty="0" smtClean="0"/>
+              <a:t>G</a:t>
+            </a:r>
+            <a:endParaRPr lang="es-AR" dirty="0"/>
+          </a:p>
+        </p:txBody>
+      </p:sp>
+      <p:cxnSp>
+        <p:nvCxnSpPr>
+          <p:cNvPr id="60" name="Elbow Connector 59"/>
+          <p:cNvCxnSpPr>
+            <a:stCxn id="22" idx="6"/>
+            <a:endCxn id="40" idx="4"/>
+          </p:cNvCxnSpPr>
+          <p:nvPr/>
+        </p:nvCxnSpPr>
+        <p:spPr>
+          <a:xfrm flipV="1">
+            <a:off x="5771743" y="4058037"/>
+            <a:ext cx="5277431" cy="782930"/>
+          </a:xfrm>
+          <a:prstGeom prst="bentConnector2">
+            <a:avLst/>
+          </a:prstGeom>
+          <a:ln w="38100">
+            <a:tailEnd type="arrow"/>
+          </a:ln>
+        </p:spPr>
+        <p:style>
+          <a:lnRef idx="1">
+            <a:schemeClr val="accent1"/>
+          </a:lnRef>
+          <a:fillRef idx="0">
+            <a:schemeClr val="accent1"/>
+          </a:fillRef>
+          <a:effectRef idx="0">
+            <a:schemeClr val="accent1"/>
+          </a:effectRef>
+          <a:fontRef idx="minor">
+            <a:schemeClr val="tx1"/>
+          </a:fontRef>
+        </p:style>
+      </p:cxnSp>
+      <p:sp>
+        <p:nvSpPr>
+          <p:cNvPr id="61" name="45 CuadroTexto"/>
+          <p:cNvSpPr txBox="1"/>
+          <p:nvPr/>
+        </p:nvSpPr>
+        <p:spPr>
+          <a:xfrm>
+            <a:off x="8547932" y="4469696"/>
+            <a:ext cx="328936" cy="369332"/>
+          </a:xfrm>
+          <a:prstGeom prst="rect">
+            <a:avLst/>
+          </a:prstGeom>
+          <a:noFill/>
+        </p:spPr>
+        <p:txBody>
+          <a:bodyPr wrap="none" rtlCol="0">
+            <a:spAutoFit/>
+          </a:bodyPr>
+          <a:lstStyle/>
+          <a:p>
+            <a:r>
+              <a:rPr lang="es-AR" dirty="0" smtClean="0"/>
+              <a:t>H</a:t>
+            </a:r>
+            <a:endParaRPr lang="es-AR" dirty="0"/>
+          </a:p>
+        </p:txBody>
+      </p:sp>
+      <p:sp>
+        <p:nvSpPr>
+          <p:cNvPr id="62" name="47 CuadroTexto"/>
+          <p:cNvSpPr txBox="1"/>
+          <p:nvPr/>
+        </p:nvSpPr>
+        <p:spPr>
+          <a:xfrm>
+            <a:off x="2366923" y="3825397"/>
+            <a:ext cx="276038" cy="307777"/>
+          </a:xfrm>
+          <a:prstGeom prst="rect">
+            <a:avLst/>
+          </a:prstGeom>
+          <a:noFill/>
+        </p:spPr>
+        <p:txBody>
+          <a:bodyPr wrap="none" rtlCol="0">
+            <a:spAutoFit/>
+          </a:bodyPr>
+          <a:lstStyle/>
+          <a:p>
+            <a:r>
+              <a:rPr lang="es-AR" sz="1400" dirty="0" smtClean="0">
+                <a:solidFill>
+                  <a:srgbClr val="00B050"/>
+                </a:solidFill>
+              </a:rPr>
+              <a:t>3</a:t>
+            </a:r>
+            <a:endParaRPr lang="es-AR" sz="1400" dirty="0">
+              <a:solidFill>
+                <a:srgbClr val="00B050"/>
+              </a:solidFill>
+            </a:endParaRPr>
+          </a:p>
+        </p:txBody>
+      </p:sp>
+      <p:sp>
+        <p:nvSpPr>
+          <p:cNvPr id="63" name="47 CuadroTexto"/>
+          <p:cNvSpPr txBox="1"/>
+          <p:nvPr/>
+        </p:nvSpPr>
+        <p:spPr>
+          <a:xfrm>
+            <a:off x="4340836" y="4084506"/>
+            <a:ext cx="276038" cy="307777"/>
+          </a:xfrm>
+          <a:prstGeom prst="rect">
+            <a:avLst/>
+          </a:prstGeom>
+          <a:noFill/>
+        </p:spPr>
+        <p:txBody>
+          <a:bodyPr wrap="none" rtlCol="0">
+            <a:spAutoFit/>
+          </a:bodyPr>
+          <a:lstStyle/>
+          <a:p>
+            <a:r>
+              <a:rPr lang="es-AR" sz="1400" dirty="0">
+                <a:solidFill>
+                  <a:srgbClr val="00B050"/>
+                </a:solidFill>
+              </a:rPr>
+              <a:t>2</a:t>
+            </a:r>
+            <a:endParaRPr lang="es-AR" sz="1400" dirty="0">
+              <a:solidFill>
+                <a:srgbClr val="00B050"/>
+              </a:solidFill>
+            </a:endParaRPr>
+          </a:p>
+        </p:txBody>
+      </p:sp>
+      <p:sp>
+        <p:nvSpPr>
+          <p:cNvPr id="64" name="47 CuadroTexto"/>
+          <p:cNvSpPr txBox="1"/>
+          <p:nvPr/>
+        </p:nvSpPr>
+        <p:spPr>
+          <a:xfrm>
+            <a:off x="4354074" y="3170480"/>
+            <a:ext cx="276038" cy="307777"/>
+          </a:xfrm>
+          <a:prstGeom prst="rect">
+            <a:avLst/>
+          </a:prstGeom>
+          <a:noFill/>
+        </p:spPr>
+        <p:txBody>
+          <a:bodyPr wrap="none" rtlCol="0">
+            <a:spAutoFit/>
+          </a:bodyPr>
+          <a:lstStyle/>
+          <a:p>
+            <a:r>
+              <a:rPr lang="es-AR" sz="1400" dirty="0" smtClean="0">
+                <a:solidFill>
+                  <a:srgbClr val="00B050"/>
+                </a:solidFill>
+              </a:rPr>
+              <a:t>1</a:t>
+            </a:r>
+            <a:endParaRPr lang="es-AR" sz="1400" dirty="0">
+              <a:solidFill>
+                <a:srgbClr val="00B050"/>
+              </a:solidFill>
+            </a:endParaRPr>
+          </a:p>
+        </p:txBody>
+      </p:sp>
+      <p:sp>
+        <p:nvSpPr>
+          <p:cNvPr id="65" name="47 CuadroTexto"/>
+          <p:cNvSpPr txBox="1"/>
+          <p:nvPr/>
+        </p:nvSpPr>
+        <p:spPr>
+          <a:xfrm>
+            <a:off x="6156907" y="3170479"/>
+            <a:ext cx="276038" cy="307777"/>
+          </a:xfrm>
+          <a:prstGeom prst="rect">
+            <a:avLst/>
+          </a:prstGeom>
+          <a:noFill/>
+        </p:spPr>
+        <p:txBody>
+          <a:bodyPr wrap="none" rtlCol="0">
+            <a:spAutoFit/>
+          </a:bodyPr>
+          <a:lstStyle/>
+          <a:p>
+            <a:r>
+              <a:rPr lang="es-AR" sz="1400" dirty="0" smtClean="0">
+                <a:solidFill>
+                  <a:srgbClr val="00B050"/>
+                </a:solidFill>
+              </a:rPr>
+              <a:t>1</a:t>
+            </a:r>
+            <a:endParaRPr lang="es-AR" sz="1400" dirty="0">
+              <a:solidFill>
+                <a:srgbClr val="00B050"/>
+              </a:solidFill>
+            </a:endParaRPr>
+          </a:p>
+        </p:txBody>
+      </p:sp>
+      <p:sp>
+        <p:nvSpPr>
+          <p:cNvPr id="66" name="47 CuadroTexto"/>
+          <p:cNvSpPr txBox="1"/>
+          <p:nvPr/>
+        </p:nvSpPr>
+        <p:spPr>
+          <a:xfrm>
+            <a:off x="6156907" y="4075930"/>
+            <a:ext cx="276038" cy="307777"/>
+          </a:xfrm>
+          <a:prstGeom prst="rect">
+            <a:avLst/>
+          </a:prstGeom>
+          <a:noFill/>
+        </p:spPr>
+        <p:txBody>
+          <a:bodyPr wrap="none" rtlCol="0">
+            <a:spAutoFit/>
+          </a:bodyPr>
+          <a:lstStyle/>
+          <a:p>
+            <a:r>
+              <a:rPr lang="es-AR" sz="1400" dirty="0" smtClean="0">
+                <a:solidFill>
+                  <a:srgbClr val="00B050"/>
+                </a:solidFill>
+              </a:rPr>
+              <a:t>2</a:t>
+            </a:r>
+            <a:endParaRPr lang="es-AR" sz="1400" dirty="0">
+              <a:solidFill>
+                <a:srgbClr val="00B050"/>
+              </a:solidFill>
+            </a:endParaRPr>
+          </a:p>
+        </p:txBody>
+      </p:sp>
+      <p:sp>
+        <p:nvSpPr>
+          <p:cNvPr id="67" name="47 CuadroTexto"/>
+          <p:cNvSpPr txBox="1"/>
+          <p:nvPr/>
+        </p:nvSpPr>
+        <p:spPr>
+          <a:xfrm>
+            <a:off x="8574381" y="4892381"/>
+            <a:ext cx="276038" cy="307777"/>
+          </a:xfrm>
+          <a:prstGeom prst="rect">
+            <a:avLst/>
+          </a:prstGeom>
+          <a:noFill/>
+        </p:spPr>
+        <p:txBody>
+          <a:bodyPr wrap="none" rtlCol="0">
+            <a:spAutoFit/>
+          </a:bodyPr>
+          <a:lstStyle/>
+          <a:p>
+            <a:r>
+              <a:rPr lang="es-AR" sz="1400" dirty="0" smtClean="0">
+                <a:solidFill>
+                  <a:srgbClr val="00B050"/>
+                </a:solidFill>
+              </a:rPr>
+              <a:t>4</a:t>
+            </a:r>
+            <a:endParaRPr lang="es-AR" sz="1400" dirty="0">
+              <a:solidFill>
+                <a:srgbClr val="00B050"/>
+              </a:solidFill>
+            </a:endParaRPr>
+          </a:p>
+        </p:txBody>
+      </p:sp>
+      <p:sp>
+        <p:nvSpPr>
+          <p:cNvPr id="68" name="47 CuadroTexto"/>
+          <p:cNvSpPr txBox="1"/>
+          <p:nvPr/>
+        </p:nvSpPr>
+        <p:spPr>
+          <a:xfrm>
+            <a:off x="7933161" y="3800758"/>
+            <a:ext cx="276038" cy="307777"/>
+          </a:xfrm>
+          <a:prstGeom prst="rect">
+            <a:avLst/>
+          </a:prstGeom>
+          <a:noFill/>
+        </p:spPr>
+        <p:txBody>
+          <a:bodyPr wrap="none" rtlCol="0">
+            <a:spAutoFit/>
+          </a:bodyPr>
+          <a:lstStyle/>
+          <a:p>
+            <a:r>
+              <a:rPr lang="es-AR" sz="1400" dirty="0" smtClean="0">
+                <a:solidFill>
+                  <a:srgbClr val="00B050"/>
+                </a:solidFill>
+              </a:rPr>
+              <a:t>3</a:t>
+            </a:r>
+            <a:endParaRPr lang="es-AR" sz="1400" dirty="0">
+              <a:solidFill>
+                <a:srgbClr val="00B050"/>
+              </a:solidFill>
+            </a:endParaRPr>
+          </a:p>
+        </p:txBody>
+      </p:sp>
+      <p:sp>
+        <p:nvSpPr>
+          <p:cNvPr id="69" name="47 CuadroTexto"/>
+          <p:cNvSpPr txBox="1"/>
+          <p:nvPr/>
+        </p:nvSpPr>
+        <p:spPr>
+          <a:xfrm>
+            <a:off x="9907282" y="3800757"/>
+            <a:ext cx="276038" cy="307777"/>
+          </a:xfrm>
+          <a:prstGeom prst="rect">
+            <a:avLst/>
+          </a:prstGeom>
+          <a:noFill/>
+        </p:spPr>
+        <p:txBody>
+          <a:bodyPr wrap="none" rtlCol="0">
+            <a:spAutoFit/>
+          </a:bodyPr>
+          <a:lstStyle/>
+          <a:p>
+            <a:r>
+              <a:rPr lang="es-AR" sz="1400" dirty="0" smtClean="0">
+                <a:solidFill>
+                  <a:srgbClr val="00B050"/>
+                </a:solidFill>
+              </a:rPr>
+              <a:t>1</a:t>
+            </a:r>
+            <a:endParaRPr lang="es-AR" sz="1400" dirty="0">
+              <a:solidFill>
+                <a:srgbClr val="00B050"/>
+              </a:solidFill>
+            </a:endParaRPr>
+          </a:p>
+        </p:txBody>
+      </p:sp>
+    </p:spTree>
+    <p:extLst>
+      <p:ext uri="{BB962C8B-B14F-4D97-AF65-F5344CB8AC3E}">
+        <p14:creationId xmlns:p14="http://schemas.microsoft.com/office/powerpoint/2010/main" val="1735187886"/>
+      </p:ext>
+    </p:extLst>
+  </p:cSld>
+  <p:clrMapOvr>
+    <a:masterClrMapping/>
+  </p:clrMapOvr>
+</p:sld>
+</file>
+
+<file path=ppt/slides/slide11.xml><?xml version="1.0" encoding="utf-8"?>
 <p:sld xmlns:a="http://schemas.openxmlformats.org/drawingml/2006/main" xmlns:r="http://schemas.openxmlformats.org/officeDocument/2006/relationships" xmlns:p="http://schemas.openxmlformats.org/presentationml/2006/main">
   <p:cSld>
     <p:spTree>
@@ -5683,6 +7977,1970 @@
 </p:sld>
 </file>
 
+<file path=ppt/slides/slide12.xml><?xml version="1.0" encoding="utf-8"?>
+<p:sld xmlns:a="http://schemas.openxmlformats.org/drawingml/2006/main" xmlns:r="http://schemas.openxmlformats.org/officeDocument/2006/relationships" xmlns:p="http://schemas.openxmlformats.org/presentationml/2006/main">
+  <p:cSld>
+    <p:spTree>
+      <p:nvGrpSpPr>
+        <p:cNvPr id="1" name=""/>
+        <p:cNvGrpSpPr/>
+        <p:nvPr/>
+      </p:nvGrpSpPr>
+      <p:grpSpPr>
+        <a:xfrm>
+          <a:off x="0" y="0"/>
+          <a:ext cx="0" cy="0"/>
+          <a:chOff x="0" y="0"/>
+          <a:chExt cx="0" cy="0"/>
+        </a:xfrm>
+      </p:grpSpPr>
+      <p:graphicFrame>
+        <p:nvGraphicFramePr>
+          <p:cNvPr id="4" name="Table 3"/>
+          <p:cNvGraphicFramePr>
+            <a:graphicFrameLocks noGrp="1"/>
+          </p:cNvGraphicFramePr>
+          <p:nvPr>
+            <p:extLst>
+              <p:ext uri="{D42A27DB-BD31-4B8C-83A1-F6EECF244321}">
+                <p14:modId xmlns:p14="http://schemas.microsoft.com/office/powerpoint/2010/main" val="3648522494"/>
+              </p:ext>
+            </p:extLst>
+          </p:nvPr>
+        </p:nvGraphicFramePr>
+        <p:xfrm>
+          <a:off x="491317" y="678722"/>
+          <a:ext cx="11245762" cy="5367236"/>
+        </p:xfrm>
+        <a:graphic>
+          <a:graphicData uri="http://schemas.openxmlformats.org/drawingml/2006/table">
+            <a:tbl>
+              <a:tblPr firstRow="1" bandRow="1">
+                <a:tableStyleId>{5940675A-B579-460E-94D1-54222C63F5DA}</a:tableStyleId>
+              </a:tblPr>
+              <a:tblGrid>
+                <a:gridCol w="904830"/>
+                <a:gridCol w="904830"/>
+                <a:gridCol w="975337"/>
+                <a:gridCol w="940085"/>
+                <a:gridCol w="940085"/>
+                <a:gridCol w="940085"/>
+                <a:gridCol w="940085"/>
+                <a:gridCol w="940085"/>
+                <a:gridCol w="940085"/>
+                <a:gridCol w="940085"/>
+                <a:gridCol w="940085"/>
+                <a:gridCol w="940085"/>
+              </a:tblGrid>
+              <a:tr h="237446">
+                <a:tc>
+                  <a:txBody>
+                    <a:bodyPr/>
+                    <a:lstStyle/>
+                    <a:p>
+                      <a:pPr algn="ctr"/>
+                      <a:r>
+                        <a:rPr lang="es-AR" dirty="0" smtClean="0"/>
+                        <a:t>0</a:t>
+                      </a:r>
+                      <a:endParaRPr lang="es-AR" dirty="0"/>
+                    </a:p>
+                  </a:txBody>
+                  <a:tcPr/>
+                </a:tc>
+                <a:tc>
+                  <a:txBody>
+                    <a:bodyPr/>
+                    <a:lstStyle/>
+                    <a:p>
+                      <a:pPr algn="ctr"/>
+                      <a:r>
+                        <a:rPr lang="es-AR" dirty="0" smtClean="0"/>
+                        <a:t>1</a:t>
+                      </a:r>
+                      <a:endParaRPr lang="es-AR" dirty="0"/>
+                    </a:p>
+                  </a:txBody>
+                  <a:tcPr/>
+                </a:tc>
+                <a:tc>
+                  <a:txBody>
+                    <a:bodyPr/>
+                    <a:lstStyle/>
+                    <a:p>
+                      <a:pPr algn="ctr"/>
+                      <a:r>
+                        <a:rPr lang="es-AR" dirty="0" smtClean="0"/>
+                        <a:t>2</a:t>
+                      </a:r>
+                      <a:endParaRPr lang="es-AR" dirty="0"/>
+                    </a:p>
+                  </a:txBody>
+                  <a:tcPr/>
+                </a:tc>
+                <a:tc>
+                  <a:txBody>
+                    <a:bodyPr/>
+                    <a:lstStyle/>
+                    <a:p>
+                      <a:pPr algn="ctr"/>
+                      <a:r>
+                        <a:rPr lang="es-AR" dirty="0" smtClean="0"/>
+                        <a:t>3</a:t>
+                      </a:r>
+                      <a:endParaRPr lang="es-AR" dirty="0"/>
+                    </a:p>
+                  </a:txBody>
+                  <a:tcPr/>
+                </a:tc>
+                <a:tc>
+                  <a:txBody>
+                    <a:bodyPr/>
+                    <a:lstStyle/>
+                    <a:p>
+                      <a:pPr algn="ctr"/>
+                      <a:r>
+                        <a:rPr lang="es-AR" dirty="0" smtClean="0"/>
+                        <a:t>4</a:t>
+                      </a:r>
+                      <a:endParaRPr lang="es-AR" dirty="0"/>
+                    </a:p>
+                  </a:txBody>
+                  <a:tcPr/>
+                </a:tc>
+                <a:tc>
+                  <a:txBody>
+                    <a:bodyPr/>
+                    <a:lstStyle/>
+                    <a:p>
+                      <a:pPr algn="ctr"/>
+                      <a:r>
+                        <a:rPr lang="es-AR" dirty="0" smtClean="0"/>
+                        <a:t>5</a:t>
+                      </a:r>
+                      <a:endParaRPr lang="es-AR" dirty="0"/>
+                    </a:p>
+                  </a:txBody>
+                  <a:tcPr/>
+                </a:tc>
+                <a:tc>
+                  <a:txBody>
+                    <a:bodyPr/>
+                    <a:lstStyle/>
+                    <a:p>
+                      <a:pPr algn="ctr"/>
+                      <a:r>
+                        <a:rPr lang="es-AR" dirty="0" smtClean="0"/>
+                        <a:t>6</a:t>
+                      </a:r>
+                      <a:endParaRPr lang="es-AR" dirty="0"/>
+                    </a:p>
+                  </a:txBody>
+                  <a:tcPr/>
+                </a:tc>
+                <a:tc>
+                  <a:txBody>
+                    <a:bodyPr/>
+                    <a:lstStyle/>
+                    <a:p>
+                      <a:pPr algn="ctr"/>
+                      <a:r>
+                        <a:rPr lang="es-AR" dirty="0" smtClean="0"/>
+                        <a:t>7</a:t>
+                      </a:r>
+                      <a:endParaRPr lang="es-AR" dirty="0"/>
+                    </a:p>
+                  </a:txBody>
+                  <a:tcPr/>
+                </a:tc>
+                <a:tc>
+                  <a:txBody>
+                    <a:bodyPr/>
+                    <a:lstStyle/>
+                    <a:p>
+                      <a:pPr algn="ctr"/>
+                      <a:r>
+                        <a:rPr lang="es-AR" dirty="0" smtClean="0"/>
+                        <a:t>8</a:t>
+                      </a:r>
+                      <a:endParaRPr lang="es-AR" dirty="0"/>
+                    </a:p>
+                  </a:txBody>
+                  <a:tcPr/>
+                </a:tc>
+                <a:tc>
+                  <a:txBody>
+                    <a:bodyPr/>
+                    <a:lstStyle/>
+                    <a:p>
+                      <a:pPr algn="ctr"/>
+                      <a:r>
+                        <a:rPr lang="es-AR" dirty="0" smtClean="0"/>
+                        <a:t>9</a:t>
+                      </a:r>
+                      <a:endParaRPr lang="es-AR" dirty="0"/>
+                    </a:p>
+                  </a:txBody>
+                  <a:tcPr/>
+                </a:tc>
+                <a:tc>
+                  <a:txBody>
+                    <a:bodyPr/>
+                    <a:lstStyle/>
+                    <a:p>
+                      <a:pPr algn="ctr"/>
+                      <a:r>
+                        <a:rPr lang="es-AR" dirty="0" smtClean="0"/>
+                        <a:t>10</a:t>
+                      </a:r>
+                      <a:endParaRPr lang="es-AR" dirty="0"/>
+                    </a:p>
+                  </a:txBody>
+                  <a:tcPr/>
+                </a:tc>
+                <a:tc>
+                  <a:txBody>
+                    <a:bodyPr/>
+                    <a:lstStyle/>
+                    <a:p>
+                      <a:pPr algn="ctr"/>
+                      <a:r>
+                        <a:rPr lang="es-AR" dirty="0" smtClean="0"/>
+                        <a:t>11</a:t>
+                      </a:r>
+                      <a:endParaRPr lang="es-AR" dirty="0"/>
+                    </a:p>
+                  </a:txBody>
+                  <a:tcPr/>
+                </a:tc>
+              </a:tr>
+              <a:tr h="4551100">
+                <a:tc>
+                  <a:txBody>
+                    <a:bodyPr/>
+                    <a:lstStyle/>
+                    <a:p>
+                      <a:endParaRPr lang="es-AR" dirty="0"/>
+                    </a:p>
+                  </a:txBody>
+                  <a:tcPr/>
+                </a:tc>
+                <a:tc>
+                  <a:txBody>
+                    <a:bodyPr/>
+                    <a:lstStyle/>
+                    <a:p>
+                      <a:endParaRPr lang="es-AR" dirty="0"/>
+                    </a:p>
+                  </a:txBody>
+                  <a:tcPr/>
+                </a:tc>
+                <a:tc>
+                  <a:txBody>
+                    <a:bodyPr/>
+                    <a:lstStyle/>
+                    <a:p>
+                      <a:endParaRPr lang="es-AR" dirty="0"/>
+                    </a:p>
+                  </a:txBody>
+                  <a:tcPr/>
+                </a:tc>
+                <a:tc>
+                  <a:txBody>
+                    <a:bodyPr/>
+                    <a:lstStyle/>
+                    <a:p>
+                      <a:endParaRPr lang="es-AR"/>
+                    </a:p>
+                  </a:txBody>
+                  <a:tcPr/>
+                </a:tc>
+                <a:tc>
+                  <a:txBody>
+                    <a:bodyPr/>
+                    <a:lstStyle/>
+                    <a:p>
+                      <a:endParaRPr lang="es-AR" dirty="0"/>
+                    </a:p>
+                  </a:txBody>
+                  <a:tcPr/>
+                </a:tc>
+                <a:tc>
+                  <a:txBody>
+                    <a:bodyPr/>
+                    <a:lstStyle/>
+                    <a:p>
+                      <a:endParaRPr lang="es-AR" dirty="0"/>
+                    </a:p>
+                  </a:txBody>
+                  <a:tcPr/>
+                </a:tc>
+                <a:tc>
+                  <a:txBody>
+                    <a:bodyPr/>
+                    <a:lstStyle/>
+                    <a:p>
+                      <a:endParaRPr lang="es-AR"/>
+                    </a:p>
+                  </a:txBody>
+                  <a:tcPr/>
+                </a:tc>
+                <a:tc>
+                  <a:txBody>
+                    <a:bodyPr/>
+                    <a:lstStyle/>
+                    <a:p>
+                      <a:endParaRPr lang="es-AR" dirty="0"/>
+                    </a:p>
+                  </a:txBody>
+                  <a:tcPr/>
+                </a:tc>
+                <a:tc>
+                  <a:txBody>
+                    <a:bodyPr/>
+                    <a:lstStyle/>
+                    <a:p>
+                      <a:endParaRPr lang="es-AR"/>
+                    </a:p>
+                  </a:txBody>
+                  <a:tcPr/>
+                </a:tc>
+                <a:tc>
+                  <a:txBody>
+                    <a:bodyPr/>
+                    <a:lstStyle/>
+                    <a:p>
+                      <a:endParaRPr lang="es-AR" dirty="0"/>
+                    </a:p>
+                  </a:txBody>
+                  <a:tcPr/>
+                </a:tc>
+                <a:tc>
+                  <a:txBody>
+                    <a:bodyPr/>
+                    <a:lstStyle/>
+                    <a:p>
+                      <a:endParaRPr lang="es-AR" dirty="0"/>
+                    </a:p>
+                  </a:txBody>
+                  <a:tcPr/>
+                </a:tc>
+                <a:tc>
+                  <a:txBody>
+                    <a:bodyPr/>
+                    <a:lstStyle/>
+                    <a:p>
+                      <a:endParaRPr lang="es-AR" dirty="0"/>
+                    </a:p>
+                  </a:txBody>
+                  <a:tcPr/>
+                </a:tc>
+              </a:tr>
+              <a:tr h="450376">
+                <a:tc>
+                  <a:txBody>
+                    <a:bodyPr/>
+                    <a:lstStyle/>
+                    <a:p>
+                      <a:pPr algn="ctr"/>
+                      <a:r>
+                        <a:rPr lang="es-AR" dirty="0" smtClean="0"/>
+                        <a:t>20</a:t>
+                      </a:r>
+                      <a:endParaRPr lang="es-AR" dirty="0"/>
+                    </a:p>
+                  </a:txBody>
+                  <a:tcPr/>
+                </a:tc>
+                <a:tc>
+                  <a:txBody>
+                    <a:bodyPr/>
+                    <a:lstStyle/>
+                    <a:p>
+                      <a:pPr algn="ctr"/>
+                      <a:r>
+                        <a:rPr lang="es-AR" dirty="0" smtClean="0"/>
+                        <a:t>20</a:t>
+                      </a:r>
+                      <a:endParaRPr lang="es-AR" dirty="0"/>
+                    </a:p>
+                  </a:txBody>
+                  <a:tcPr/>
+                </a:tc>
+                <a:tc>
+                  <a:txBody>
+                    <a:bodyPr/>
+                    <a:lstStyle/>
+                    <a:p>
+                      <a:pPr algn="ctr"/>
+                      <a:r>
+                        <a:rPr lang="es-AR" dirty="0" smtClean="0"/>
+                        <a:t>20</a:t>
+                      </a:r>
+                      <a:endParaRPr lang="es-AR" dirty="0"/>
+                    </a:p>
+                  </a:txBody>
+                  <a:tcPr/>
+                </a:tc>
+                <a:tc>
+                  <a:txBody>
+                    <a:bodyPr/>
+                    <a:lstStyle/>
+                    <a:p>
+                      <a:pPr algn="ctr"/>
+                      <a:r>
+                        <a:rPr lang="es-AR" dirty="0" smtClean="0"/>
+                        <a:t>20</a:t>
+                      </a:r>
+                      <a:endParaRPr lang="es-AR" dirty="0"/>
+                    </a:p>
+                  </a:txBody>
+                  <a:tcPr/>
+                </a:tc>
+                <a:tc>
+                  <a:txBody>
+                    <a:bodyPr/>
+                    <a:lstStyle/>
+                    <a:p>
+                      <a:pPr algn="ctr"/>
+                      <a:r>
+                        <a:rPr lang="es-AR" dirty="0" smtClean="0"/>
+                        <a:t>20</a:t>
+                      </a:r>
+                      <a:endParaRPr lang="es-AR" dirty="0"/>
+                    </a:p>
+                  </a:txBody>
+                  <a:tcPr/>
+                </a:tc>
+                <a:tc>
+                  <a:txBody>
+                    <a:bodyPr/>
+                    <a:lstStyle/>
+                    <a:p>
+                      <a:pPr algn="ctr"/>
+                      <a:r>
+                        <a:rPr lang="es-AR" dirty="0" smtClean="0"/>
+                        <a:t>30</a:t>
+                      </a:r>
+                      <a:endParaRPr lang="es-AR" dirty="0"/>
+                    </a:p>
+                  </a:txBody>
+                  <a:tcPr/>
+                </a:tc>
+                <a:tc>
+                  <a:txBody>
+                    <a:bodyPr/>
+                    <a:lstStyle/>
+                    <a:p>
+                      <a:pPr algn="ctr"/>
+                      <a:r>
+                        <a:rPr lang="es-AR" dirty="0" smtClean="0"/>
+                        <a:t>30</a:t>
+                      </a:r>
+                      <a:endParaRPr lang="es-AR" dirty="0"/>
+                    </a:p>
+                  </a:txBody>
+                  <a:tcPr/>
+                </a:tc>
+                <a:tc>
+                  <a:txBody>
+                    <a:bodyPr/>
+                    <a:lstStyle/>
+                    <a:p>
+                      <a:pPr algn="ctr"/>
+                      <a:r>
+                        <a:rPr lang="es-AR" dirty="0" smtClean="0"/>
+                        <a:t>10</a:t>
+                      </a:r>
+                      <a:endParaRPr lang="es-AR" dirty="0"/>
+                    </a:p>
+                  </a:txBody>
+                  <a:tcPr/>
+                </a:tc>
+                <a:tc>
+                  <a:txBody>
+                    <a:bodyPr/>
+                    <a:lstStyle/>
+                    <a:p>
+                      <a:pPr algn="ctr"/>
+                      <a:r>
+                        <a:rPr lang="es-AR" dirty="0" smtClean="0"/>
+                        <a:t>10</a:t>
+                      </a:r>
+                      <a:endParaRPr lang="es-AR" dirty="0"/>
+                    </a:p>
+                  </a:txBody>
+                  <a:tcPr/>
+                </a:tc>
+                <a:tc>
+                  <a:txBody>
+                    <a:bodyPr/>
+                    <a:lstStyle/>
+                    <a:p>
+                      <a:pPr algn="ctr"/>
+                      <a:r>
+                        <a:rPr lang="es-AR" dirty="0" smtClean="0"/>
+                        <a:t>10</a:t>
+                      </a:r>
+                      <a:endParaRPr lang="es-AR" dirty="0"/>
+                    </a:p>
+                  </a:txBody>
+                  <a:tcPr/>
+                </a:tc>
+                <a:tc>
+                  <a:txBody>
+                    <a:bodyPr/>
+                    <a:lstStyle/>
+                    <a:p>
+                      <a:pPr algn="ctr"/>
+                      <a:r>
+                        <a:rPr lang="es-AR" dirty="0" smtClean="0"/>
+                        <a:t>10</a:t>
+                      </a:r>
+                      <a:endParaRPr lang="es-AR" dirty="0"/>
+                    </a:p>
+                  </a:txBody>
+                  <a:tcPr/>
+                </a:tc>
+                <a:tc>
+                  <a:txBody>
+                    <a:bodyPr/>
+                    <a:lstStyle/>
+                    <a:p>
+                      <a:pPr algn="ctr"/>
+                      <a:endParaRPr lang="es-AR" dirty="0"/>
+                    </a:p>
+                  </a:txBody>
+                  <a:tcPr/>
+                </a:tc>
+              </a:tr>
+            </a:tbl>
+          </a:graphicData>
+        </a:graphic>
+      </p:graphicFrame>
+      <p:sp>
+        <p:nvSpPr>
+          <p:cNvPr id="5" name="Oval 4"/>
+          <p:cNvSpPr/>
+          <p:nvPr/>
+        </p:nvSpPr>
+        <p:spPr>
+          <a:xfrm>
+            <a:off x="677403" y="3015477"/>
+            <a:ext cx="558000" cy="540000"/>
+          </a:xfrm>
+          <a:prstGeom prst="ellipse">
+            <a:avLst/>
+          </a:prstGeom>
+          <a:ln>
+            <a:solidFill>
+              <a:schemeClr val="tx2"/>
+            </a:solidFill>
+          </a:ln>
+          <a:effectLst>
+            <a:outerShdw blurRad="50800" dist="38100" dir="2700000" algn="tl" rotWithShape="0">
+              <a:prstClr val="black">
+                <a:alpha val="40000"/>
+              </a:prstClr>
+            </a:outerShdw>
+          </a:effectLst>
+        </p:spPr>
+        <p:style>
+          <a:lnRef idx="2">
+            <a:schemeClr val="accent6"/>
+          </a:lnRef>
+          <a:fillRef idx="1">
+            <a:schemeClr val="lt1"/>
+          </a:fillRef>
+          <a:effectRef idx="0">
+            <a:schemeClr val="accent6"/>
+          </a:effectRef>
+          <a:fontRef idx="minor">
+            <a:schemeClr val="dk1"/>
+          </a:fontRef>
+        </p:style>
+        <p:txBody>
+          <a:bodyPr rtlCol="0" anchor="ctr"/>
+          <a:lstStyle/>
+          <a:p>
+            <a:pPr algn="ctr"/>
+            <a:endParaRPr lang="es-AR"/>
+          </a:p>
+        </p:txBody>
+      </p:sp>
+      <p:sp>
+        <p:nvSpPr>
+          <p:cNvPr id="6" name="45 CuadroTexto"/>
+          <p:cNvSpPr txBox="1"/>
+          <p:nvPr/>
+        </p:nvSpPr>
+        <p:spPr>
+          <a:xfrm>
+            <a:off x="811193" y="3105463"/>
+            <a:ext cx="301686" cy="369332"/>
+          </a:xfrm>
+          <a:prstGeom prst="rect">
+            <a:avLst/>
+          </a:prstGeom>
+          <a:noFill/>
+        </p:spPr>
+        <p:txBody>
+          <a:bodyPr wrap="none" rtlCol="0">
+            <a:spAutoFit/>
+          </a:bodyPr>
+          <a:lstStyle/>
+          <a:p>
+            <a:r>
+              <a:rPr lang="es-AR" dirty="0"/>
+              <a:t>1</a:t>
+            </a:r>
+            <a:endParaRPr lang="es-AR" dirty="0"/>
+          </a:p>
+        </p:txBody>
+      </p:sp>
+      <p:sp>
+        <p:nvSpPr>
+          <p:cNvPr id="7" name="Oval 6"/>
+          <p:cNvSpPr/>
+          <p:nvPr/>
+        </p:nvSpPr>
+        <p:spPr>
+          <a:xfrm>
+            <a:off x="3475194" y="3015477"/>
+            <a:ext cx="558000" cy="540000"/>
+          </a:xfrm>
+          <a:prstGeom prst="ellipse">
+            <a:avLst/>
+          </a:prstGeom>
+          <a:ln>
+            <a:solidFill>
+              <a:schemeClr val="tx2"/>
+            </a:solidFill>
+          </a:ln>
+          <a:effectLst>
+            <a:outerShdw blurRad="50800" dist="38100" dir="2700000" algn="tl" rotWithShape="0">
+              <a:prstClr val="black">
+                <a:alpha val="40000"/>
+              </a:prstClr>
+            </a:outerShdw>
+          </a:effectLst>
+        </p:spPr>
+        <p:style>
+          <a:lnRef idx="2">
+            <a:schemeClr val="accent6"/>
+          </a:lnRef>
+          <a:fillRef idx="1">
+            <a:schemeClr val="lt1"/>
+          </a:fillRef>
+          <a:effectRef idx="0">
+            <a:schemeClr val="accent6"/>
+          </a:effectRef>
+          <a:fontRef idx="minor">
+            <a:schemeClr val="dk1"/>
+          </a:fontRef>
+        </p:style>
+        <p:txBody>
+          <a:bodyPr rtlCol="0" anchor="ctr"/>
+          <a:lstStyle/>
+          <a:p>
+            <a:pPr algn="ctr"/>
+            <a:endParaRPr lang="es-AR"/>
+          </a:p>
+        </p:txBody>
+      </p:sp>
+      <p:sp>
+        <p:nvSpPr>
+          <p:cNvPr id="8" name="45 CuadroTexto"/>
+          <p:cNvSpPr txBox="1"/>
+          <p:nvPr/>
+        </p:nvSpPr>
+        <p:spPr>
+          <a:xfrm>
+            <a:off x="3608984" y="3105463"/>
+            <a:ext cx="301686" cy="369332"/>
+          </a:xfrm>
+          <a:prstGeom prst="rect">
+            <a:avLst/>
+          </a:prstGeom>
+          <a:noFill/>
+        </p:spPr>
+        <p:txBody>
+          <a:bodyPr wrap="none" rtlCol="0">
+            <a:spAutoFit/>
+          </a:bodyPr>
+          <a:lstStyle/>
+          <a:p>
+            <a:r>
+              <a:rPr lang="es-AR" dirty="0"/>
+              <a:t>2</a:t>
+            </a:r>
+            <a:endParaRPr lang="es-AR" dirty="0"/>
+          </a:p>
+        </p:txBody>
+      </p:sp>
+      <p:sp>
+        <p:nvSpPr>
+          <p:cNvPr id="9" name="Oval 8"/>
+          <p:cNvSpPr/>
+          <p:nvPr/>
+        </p:nvSpPr>
+        <p:spPr>
+          <a:xfrm>
+            <a:off x="4403242" y="2130462"/>
+            <a:ext cx="558000" cy="540000"/>
+          </a:xfrm>
+          <a:prstGeom prst="ellipse">
+            <a:avLst/>
+          </a:prstGeom>
+          <a:ln>
+            <a:solidFill>
+              <a:schemeClr val="tx2"/>
+            </a:solidFill>
+          </a:ln>
+          <a:effectLst>
+            <a:outerShdw blurRad="50800" dist="38100" dir="2700000" algn="tl" rotWithShape="0">
+              <a:prstClr val="black">
+                <a:alpha val="40000"/>
+              </a:prstClr>
+            </a:outerShdw>
+          </a:effectLst>
+        </p:spPr>
+        <p:style>
+          <a:lnRef idx="2">
+            <a:schemeClr val="accent6"/>
+          </a:lnRef>
+          <a:fillRef idx="1">
+            <a:schemeClr val="lt1"/>
+          </a:fillRef>
+          <a:effectRef idx="0">
+            <a:schemeClr val="accent6"/>
+          </a:effectRef>
+          <a:fontRef idx="minor">
+            <a:schemeClr val="dk1"/>
+          </a:fontRef>
+        </p:style>
+        <p:txBody>
+          <a:bodyPr rtlCol="0" anchor="ctr"/>
+          <a:lstStyle/>
+          <a:p>
+            <a:pPr algn="ctr"/>
+            <a:endParaRPr lang="es-AR"/>
+          </a:p>
+        </p:txBody>
+      </p:sp>
+      <p:sp>
+        <p:nvSpPr>
+          <p:cNvPr id="10" name="45 CuadroTexto"/>
+          <p:cNvSpPr txBox="1"/>
+          <p:nvPr/>
+        </p:nvSpPr>
+        <p:spPr>
+          <a:xfrm>
+            <a:off x="4537032" y="2220448"/>
+            <a:ext cx="301686" cy="369332"/>
+          </a:xfrm>
+          <a:prstGeom prst="rect">
+            <a:avLst/>
+          </a:prstGeom>
+          <a:noFill/>
+        </p:spPr>
+        <p:txBody>
+          <a:bodyPr wrap="none" rtlCol="0">
+            <a:spAutoFit/>
+          </a:bodyPr>
+          <a:lstStyle/>
+          <a:p>
+            <a:r>
+              <a:rPr lang="es-AR" dirty="0" smtClean="0"/>
+              <a:t>3</a:t>
+            </a:r>
+            <a:endParaRPr lang="es-AR" dirty="0"/>
+          </a:p>
+        </p:txBody>
+      </p:sp>
+      <p:sp>
+        <p:nvSpPr>
+          <p:cNvPr id="11" name="Oval 10"/>
+          <p:cNvSpPr/>
+          <p:nvPr/>
+        </p:nvSpPr>
+        <p:spPr>
+          <a:xfrm>
+            <a:off x="5385880" y="3015477"/>
+            <a:ext cx="558000" cy="540000"/>
+          </a:xfrm>
+          <a:prstGeom prst="ellipse">
+            <a:avLst/>
+          </a:prstGeom>
+          <a:ln>
+            <a:solidFill>
+              <a:schemeClr val="tx2"/>
+            </a:solidFill>
+          </a:ln>
+          <a:effectLst>
+            <a:outerShdw blurRad="50800" dist="38100" dir="2700000" algn="tl" rotWithShape="0">
+              <a:prstClr val="black">
+                <a:alpha val="40000"/>
+              </a:prstClr>
+            </a:outerShdw>
+          </a:effectLst>
+        </p:spPr>
+        <p:style>
+          <a:lnRef idx="2">
+            <a:schemeClr val="accent6"/>
+          </a:lnRef>
+          <a:fillRef idx="1">
+            <a:schemeClr val="lt1"/>
+          </a:fillRef>
+          <a:effectRef idx="0">
+            <a:schemeClr val="accent6"/>
+          </a:effectRef>
+          <a:fontRef idx="minor">
+            <a:schemeClr val="dk1"/>
+          </a:fontRef>
+        </p:style>
+        <p:txBody>
+          <a:bodyPr rtlCol="0" anchor="ctr"/>
+          <a:lstStyle/>
+          <a:p>
+            <a:pPr algn="ctr"/>
+            <a:endParaRPr lang="es-AR"/>
+          </a:p>
+        </p:txBody>
+      </p:sp>
+      <p:sp>
+        <p:nvSpPr>
+          <p:cNvPr id="12" name="45 CuadroTexto"/>
+          <p:cNvSpPr txBox="1"/>
+          <p:nvPr/>
+        </p:nvSpPr>
+        <p:spPr>
+          <a:xfrm>
+            <a:off x="5519670" y="3105463"/>
+            <a:ext cx="301686" cy="369332"/>
+          </a:xfrm>
+          <a:prstGeom prst="rect">
+            <a:avLst/>
+          </a:prstGeom>
+          <a:noFill/>
+        </p:spPr>
+        <p:txBody>
+          <a:bodyPr wrap="none" rtlCol="0">
+            <a:spAutoFit/>
+          </a:bodyPr>
+          <a:lstStyle/>
+          <a:p>
+            <a:r>
+              <a:rPr lang="es-AR" dirty="0" smtClean="0"/>
+              <a:t>4</a:t>
+            </a:r>
+            <a:endParaRPr lang="es-AR" dirty="0"/>
+          </a:p>
+        </p:txBody>
+      </p:sp>
+      <p:sp>
+        <p:nvSpPr>
+          <p:cNvPr id="13" name="Oval 12"/>
+          <p:cNvSpPr/>
+          <p:nvPr/>
+        </p:nvSpPr>
+        <p:spPr>
+          <a:xfrm>
+            <a:off x="7228328" y="3015477"/>
+            <a:ext cx="558000" cy="540000"/>
+          </a:xfrm>
+          <a:prstGeom prst="ellipse">
+            <a:avLst/>
+          </a:prstGeom>
+          <a:ln>
+            <a:solidFill>
+              <a:schemeClr val="tx2"/>
+            </a:solidFill>
+          </a:ln>
+          <a:effectLst>
+            <a:outerShdw blurRad="50800" dist="38100" dir="2700000" algn="tl" rotWithShape="0">
+              <a:prstClr val="black">
+                <a:alpha val="40000"/>
+              </a:prstClr>
+            </a:outerShdw>
+          </a:effectLst>
+        </p:spPr>
+        <p:style>
+          <a:lnRef idx="2">
+            <a:schemeClr val="accent6"/>
+          </a:lnRef>
+          <a:fillRef idx="1">
+            <a:schemeClr val="lt1"/>
+          </a:fillRef>
+          <a:effectRef idx="0">
+            <a:schemeClr val="accent6"/>
+          </a:effectRef>
+          <a:fontRef idx="minor">
+            <a:schemeClr val="dk1"/>
+          </a:fontRef>
+        </p:style>
+        <p:txBody>
+          <a:bodyPr rtlCol="0" anchor="ctr"/>
+          <a:lstStyle/>
+          <a:p>
+            <a:pPr algn="ctr"/>
+            <a:endParaRPr lang="es-AR"/>
+          </a:p>
+        </p:txBody>
+      </p:sp>
+      <p:sp>
+        <p:nvSpPr>
+          <p:cNvPr id="14" name="45 CuadroTexto"/>
+          <p:cNvSpPr txBox="1"/>
+          <p:nvPr/>
+        </p:nvSpPr>
+        <p:spPr>
+          <a:xfrm>
+            <a:off x="7362118" y="3105463"/>
+            <a:ext cx="301686" cy="369332"/>
+          </a:xfrm>
+          <a:prstGeom prst="rect">
+            <a:avLst/>
+          </a:prstGeom>
+          <a:noFill/>
+        </p:spPr>
+        <p:txBody>
+          <a:bodyPr wrap="none" rtlCol="0">
+            <a:spAutoFit/>
+          </a:bodyPr>
+          <a:lstStyle/>
+          <a:p>
+            <a:r>
+              <a:rPr lang="es-AR" dirty="0" smtClean="0"/>
+              <a:t>5</a:t>
+            </a:r>
+            <a:endParaRPr lang="es-AR" dirty="0"/>
+          </a:p>
+        </p:txBody>
+      </p:sp>
+      <p:sp>
+        <p:nvSpPr>
+          <p:cNvPr id="15" name="Oval 14"/>
+          <p:cNvSpPr/>
+          <p:nvPr/>
+        </p:nvSpPr>
+        <p:spPr>
+          <a:xfrm>
+            <a:off x="10026119" y="3015477"/>
+            <a:ext cx="558000" cy="540000"/>
+          </a:xfrm>
+          <a:prstGeom prst="ellipse">
+            <a:avLst/>
+          </a:prstGeom>
+          <a:ln>
+            <a:solidFill>
+              <a:schemeClr val="tx2"/>
+            </a:solidFill>
+          </a:ln>
+          <a:effectLst>
+            <a:outerShdw blurRad="50800" dist="38100" dir="2700000" algn="tl" rotWithShape="0">
+              <a:prstClr val="black">
+                <a:alpha val="40000"/>
+              </a:prstClr>
+            </a:outerShdw>
+          </a:effectLst>
+        </p:spPr>
+        <p:style>
+          <a:lnRef idx="2">
+            <a:schemeClr val="accent6"/>
+          </a:lnRef>
+          <a:fillRef idx="1">
+            <a:schemeClr val="lt1"/>
+          </a:fillRef>
+          <a:effectRef idx="0">
+            <a:schemeClr val="accent6"/>
+          </a:effectRef>
+          <a:fontRef idx="minor">
+            <a:schemeClr val="dk1"/>
+          </a:fontRef>
+        </p:style>
+        <p:txBody>
+          <a:bodyPr rtlCol="0" anchor="ctr"/>
+          <a:lstStyle/>
+          <a:p>
+            <a:pPr algn="ctr"/>
+            <a:endParaRPr lang="es-AR"/>
+          </a:p>
+        </p:txBody>
+      </p:sp>
+      <p:sp>
+        <p:nvSpPr>
+          <p:cNvPr id="16" name="45 CuadroTexto"/>
+          <p:cNvSpPr txBox="1"/>
+          <p:nvPr/>
+        </p:nvSpPr>
+        <p:spPr>
+          <a:xfrm>
+            <a:off x="10159909" y="3105463"/>
+            <a:ext cx="301686" cy="369332"/>
+          </a:xfrm>
+          <a:prstGeom prst="rect">
+            <a:avLst/>
+          </a:prstGeom>
+          <a:noFill/>
+        </p:spPr>
+        <p:txBody>
+          <a:bodyPr wrap="none" rtlCol="0">
+            <a:spAutoFit/>
+          </a:bodyPr>
+          <a:lstStyle/>
+          <a:p>
+            <a:r>
+              <a:rPr lang="es-AR" dirty="0" smtClean="0"/>
+              <a:t>6</a:t>
+            </a:r>
+            <a:endParaRPr lang="es-AR" dirty="0"/>
+          </a:p>
+        </p:txBody>
+      </p:sp>
+      <p:sp>
+        <p:nvSpPr>
+          <p:cNvPr id="17" name="Oval 16"/>
+          <p:cNvSpPr/>
+          <p:nvPr/>
+        </p:nvSpPr>
+        <p:spPr>
+          <a:xfrm>
+            <a:off x="11049702" y="3015477"/>
+            <a:ext cx="558000" cy="540000"/>
+          </a:xfrm>
+          <a:prstGeom prst="ellipse">
+            <a:avLst/>
+          </a:prstGeom>
+          <a:ln>
+            <a:solidFill>
+              <a:schemeClr val="tx2"/>
+            </a:solidFill>
+          </a:ln>
+          <a:effectLst>
+            <a:outerShdw blurRad="50800" dist="38100" dir="2700000" algn="tl" rotWithShape="0">
+              <a:prstClr val="black">
+                <a:alpha val="40000"/>
+              </a:prstClr>
+            </a:outerShdw>
+          </a:effectLst>
+        </p:spPr>
+        <p:style>
+          <a:lnRef idx="2">
+            <a:schemeClr val="accent6"/>
+          </a:lnRef>
+          <a:fillRef idx="1">
+            <a:schemeClr val="lt1"/>
+          </a:fillRef>
+          <a:effectRef idx="0">
+            <a:schemeClr val="accent6"/>
+          </a:effectRef>
+          <a:fontRef idx="minor">
+            <a:schemeClr val="dk1"/>
+          </a:fontRef>
+        </p:style>
+        <p:txBody>
+          <a:bodyPr rtlCol="0" anchor="ctr"/>
+          <a:lstStyle/>
+          <a:p>
+            <a:pPr algn="ctr"/>
+            <a:endParaRPr lang="es-AR"/>
+          </a:p>
+        </p:txBody>
+      </p:sp>
+      <p:sp>
+        <p:nvSpPr>
+          <p:cNvPr id="18" name="45 CuadroTexto"/>
+          <p:cNvSpPr txBox="1"/>
+          <p:nvPr/>
+        </p:nvSpPr>
+        <p:spPr>
+          <a:xfrm>
+            <a:off x="11183492" y="3105463"/>
+            <a:ext cx="301686" cy="369332"/>
+          </a:xfrm>
+          <a:prstGeom prst="rect">
+            <a:avLst/>
+          </a:prstGeom>
+          <a:noFill/>
+        </p:spPr>
+        <p:txBody>
+          <a:bodyPr wrap="none" rtlCol="0">
+            <a:spAutoFit/>
+          </a:bodyPr>
+          <a:lstStyle/>
+          <a:p>
+            <a:r>
+              <a:rPr lang="es-AR" dirty="0" smtClean="0"/>
+              <a:t>7</a:t>
+            </a:r>
+            <a:endParaRPr lang="es-AR" dirty="0"/>
+          </a:p>
+        </p:txBody>
+      </p:sp>
+      <p:cxnSp>
+        <p:nvCxnSpPr>
+          <p:cNvPr id="19" name="Straight Arrow Connector 18"/>
+          <p:cNvCxnSpPr>
+            <a:stCxn id="5" idx="6"/>
+            <a:endCxn id="7" idx="2"/>
+          </p:cNvCxnSpPr>
+          <p:nvPr/>
+        </p:nvCxnSpPr>
+        <p:spPr>
+          <a:xfrm>
+            <a:off x="1235403" y="3285477"/>
+            <a:ext cx="2239791" cy="0"/>
+          </a:xfrm>
+          <a:prstGeom prst="straightConnector1">
+            <a:avLst/>
+          </a:prstGeom>
+          <a:ln w="28575">
+            <a:solidFill>
+              <a:schemeClr val="accent1"/>
+            </a:solidFill>
+            <a:tailEnd type="arrow"/>
+          </a:ln>
+        </p:spPr>
+        <p:style>
+          <a:lnRef idx="1">
+            <a:schemeClr val="accent1"/>
+          </a:lnRef>
+          <a:fillRef idx="0">
+            <a:schemeClr val="accent1"/>
+          </a:fillRef>
+          <a:effectRef idx="0">
+            <a:schemeClr val="accent1"/>
+          </a:effectRef>
+          <a:fontRef idx="minor">
+            <a:schemeClr val="tx1"/>
+          </a:fontRef>
+        </p:style>
+      </p:cxnSp>
+      <p:cxnSp>
+        <p:nvCxnSpPr>
+          <p:cNvPr id="20" name="Straight Arrow Connector 19"/>
+          <p:cNvCxnSpPr>
+            <a:stCxn id="7" idx="6"/>
+            <a:endCxn id="11" idx="2"/>
+          </p:cNvCxnSpPr>
+          <p:nvPr/>
+        </p:nvCxnSpPr>
+        <p:spPr>
+          <a:xfrm>
+            <a:off x="4033194" y="3285477"/>
+            <a:ext cx="1352686" cy="0"/>
+          </a:xfrm>
+          <a:prstGeom prst="straightConnector1">
+            <a:avLst/>
+          </a:prstGeom>
+          <a:ln w="28575">
+            <a:solidFill>
+              <a:schemeClr val="accent1"/>
+            </a:solidFill>
+            <a:tailEnd type="arrow"/>
+          </a:ln>
+        </p:spPr>
+        <p:style>
+          <a:lnRef idx="1">
+            <a:schemeClr val="accent1"/>
+          </a:lnRef>
+          <a:fillRef idx="0">
+            <a:schemeClr val="accent1"/>
+          </a:fillRef>
+          <a:effectRef idx="0">
+            <a:schemeClr val="accent1"/>
+          </a:effectRef>
+          <a:fontRef idx="minor">
+            <a:schemeClr val="tx1"/>
+          </a:fontRef>
+        </p:style>
+      </p:cxnSp>
+      <p:cxnSp>
+        <p:nvCxnSpPr>
+          <p:cNvPr id="21" name="Straight Arrow Connector 20"/>
+          <p:cNvCxnSpPr>
+            <a:stCxn id="11" idx="6"/>
+            <a:endCxn id="13" idx="2"/>
+          </p:cNvCxnSpPr>
+          <p:nvPr/>
+        </p:nvCxnSpPr>
+        <p:spPr>
+          <a:xfrm>
+            <a:off x="5943880" y="3285477"/>
+            <a:ext cx="1284448" cy="0"/>
+          </a:xfrm>
+          <a:prstGeom prst="straightConnector1">
+            <a:avLst/>
+          </a:prstGeom>
+          <a:ln w="28575">
+            <a:solidFill>
+              <a:schemeClr val="accent1"/>
+            </a:solidFill>
+            <a:tailEnd type="arrow"/>
+          </a:ln>
+        </p:spPr>
+        <p:style>
+          <a:lnRef idx="1">
+            <a:schemeClr val="accent1"/>
+          </a:lnRef>
+          <a:fillRef idx="0">
+            <a:schemeClr val="accent1"/>
+          </a:fillRef>
+          <a:effectRef idx="0">
+            <a:schemeClr val="accent1"/>
+          </a:effectRef>
+          <a:fontRef idx="minor">
+            <a:schemeClr val="tx1"/>
+          </a:fontRef>
+        </p:style>
+      </p:cxnSp>
+      <p:cxnSp>
+        <p:nvCxnSpPr>
+          <p:cNvPr id="22" name="Straight Arrow Connector 21"/>
+          <p:cNvCxnSpPr>
+            <a:stCxn id="13" idx="6"/>
+            <a:endCxn id="15" idx="2"/>
+          </p:cNvCxnSpPr>
+          <p:nvPr/>
+        </p:nvCxnSpPr>
+        <p:spPr>
+          <a:xfrm>
+            <a:off x="7786328" y="3285477"/>
+            <a:ext cx="2239791" cy="0"/>
+          </a:xfrm>
+          <a:prstGeom prst="straightConnector1">
+            <a:avLst/>
+          </a:prstGeom>
+          <a:ln w="28575">
+            <a:solidFill>
+              <a:schemeClr val="accent1"/>
+            </a:solidFill>
+            <a:tailEnd type="arrow"/>
+          </a:ln>
+        </p:spPr>
+        <p:style>
+          <a:lnRef idx="1">
+            <a:schemeClr val="accent1"/>
+          </a:lnRef>
+          <a:fillRef idx="0">
+            <a:schemeClr val="accent1"/>
+          </a:fillRef>
+          <a:effectRef idx="0">
+            <a:schemeClr val="accent1"/>
+          </a:effectRef>
+          <a:fontRef idx="minor">
+            <a:schemeClr val="tx1"/>
+          </a:fontRef>
+        </p:style>
+      </p:cxnSp>
+      <p:cxnSp>
+        <p:nvCxnSpPr>
+          <p:cNvPr id="23" name="Straight Arrow Connector 22"/>
+          <p:cNvCxnSpPr>
+            <a:stCxn id="15" idx="6"/>
+            <a:endCxn id="17" idx="2"/>
+          </p:cNvCxnSpPr>
+          <p:nvPr/>
+        </p:nvCxnSpPr>
+        <p:spPr>
+          <a:xfrm>
+            <a:off x="10584119" y="3285477"/>
+            <a:ext cx="465583" cy="0"/>
+          </a:xfrm>
+          <a:prstGeom prst="straightConnector1">
+            <a:avLst/>
+          </a:prstGeom>
+          <a:ln w="28575">
+            <a:solidFill>
+              <a:schemeClr val="accent1"/>
+            </a:solidFill>
+            <a:tailEnd type="arrow"/>
+          </a:ln>
+        </p:spPr>
+        <p:style>
+          <a:lnRef idx="1">
+            <a:schemeClr val="accent1"/>
+          </a:lnRef>
+          <a:fillRef idx="0">
+            <a:schemeClr val="accent1"/>
+          </a:fillRef>
+          <a:effectRef idx="0">
+            <a:schemeClr val="accent1"/>
+          </a:effectRef>
+          <a:fontRef idx="minor">
+            <a:schemeClr val="tx1"/>
+          </a:fontRef>
+        </p:style>
+      </p:cxnSp>
+      <p:cxnSp>
+        <p:nvCxnSpPr>
+          <p:cNvPr id="24" name="Elbow Connector 23"/>
+          <p:cNvCxnSpPr>
+            <a:stCxn id="7" idx="0"/>
+            <a:endCxn id="9" idx="2"/>
+          </p:cNvCxnSpPr>
+          <p:nvPr/>
+        </p:nvCxnSpPr>
+        <p:spPr>
+          <a:xfrm rot="5400000" flipH="1" flipV="1">
+            <a:off x="3771211" y="2383446"/>
+            <a:ext cx="615015" cy="649048"/>
+          </a:xfrm>
+          <a:prstGeom prst="bentConnector2">
+            <a:avLst/>
+          </a:prstGeom>
+          <a:ln w="28575">
+            <a:solidFill>
+              <a:schemeClr val="accent1"/>
+            </a:solidFill>
+            <a:tailEnd type="arrow"/>
+          </a:ln>
+        </p:spPr>
+        <p:style>
+          <a:lnRef idx="1">
+            <a:schemeClr val="accent1"/>
+          </a:lnRef>
+          <a:fillRef idx="0">
+            <a:schemeClr val="accent1"/>
+          </a:fillRef>
+          <a:effectRef idx="0">
+            <a:schemeClr val="accent1"/>
+          </a:effectRef>
+          <a:fontRef idx="minor">
+            <a:schemeClr val="tx1"/>
+          </a:fontRef>
+        </p:style>
+      </p:cxnSp>
+      <p:cxnSp>
+        <p:nvCxnSpPr>
+          <p:cNvPr id="25" name="Straight Arrow Connector 24"/>
+          <p:cNvCxnSpPr>
+            <a:stCxn id="9" idx="6"/>
+          </p:cNvCxnSpPr>
+          <p:nvPr/>
+        </p:nvCxnSpPr>
+        <p:spPr>
+          <a:xfrm>
+            <a:off x="4961242" y="2400462"/>
+            <a:ext cx="709271" cy="0"/>
+          </a:xfrm>
+          <a:prstGeom prst="straightConnector1">
+            <a:avLst/>
+          </a:prstGeom>
+          <a:ln w="28575">
+            <a:solidFill>
+              <a:schemeClr val="accent1"/>
+            </a:solidFill>
+            <a:tailEnd type="arrow"/>
+          </a:ln>
+        </p:spPr>
+        <p:style>
+          <a:lnRef idx="1">
+            <a:schemeClr val="accent1"/>
+          </a:lnRef>
+          <a:fillRef idx="0">
+            <a:schemeClr val="accent1"/>
+          </a:fillRef>
+          <a:effectRef idx="0">
+            <a:schemeClr val="accent1"/>
+          </a:effectRef>
+          <a:fontRef idx="minor">
+            <a:schemeClr val="tx1"/>
+          </a:fontRef>
+        </p:style>
+      </p:cxnSp>
+      <p:cxnSp>
+        <p:nvCxnSpPr>
+          <p:cNvPr id="26" name="Elbow Connector 25"/>
+          <p:cNvCxnSpPr>
+            <a:endCxn id="13" idx="0"/>
+          </p:cNvCxnSpPr>
+          <p:nvPr/>
+        </p:nvCxnSpPr>
+        <p:spPr>
+          <a:xfrm>
+            <a:off x="5670513" y="2400462"/>
+            <a:ext cx="1836815" cy="615015"/>
+          </a:xfrm>
+          <a:prstGeom prst="bentConnector2">
+            <a:avLst/>
+          </a:prstGeom>
+          <a:ln w="28575">
+            <a:prstDash val="dash"/>
+            <a:tailEnd type="arrow"/>
+          </a:ln>
+        </p:spPr>
+        <p:style>
+          <a:lnRef idx="1">
+            <a:schemeClr val="accent1"/>
+          </a:lnRef>
+          <a:fillRef idx="0">
+            <a:schemeClr val="accent1"/>
+          </a:fillRef>
+          <a:effectRef idx="0">
+            <a:schemeClr val="accent1"/>
+          </a:effectRef>
+          <a:fontRef idx="minor">
+            <a:schemeClr val="tx1"/>
+          </a:fontRef>
+        </p:style>
+      </p:cxnSp>
+      <p:sp>
+        <p:nvSpPr>
+          <p:cNvPr id="29" name="45 CuadroTexto"/>
+          <p:cNvSpPr txBox="1"/>
+          <p:nvPr/>
+        </p:nvSpPr>
+        <p:spPr>
+          <a:xfrm>
+            <a:off x="1833821" y="2967292"/>
+            <a:ext cx="317716" cy="369332"/>
+          </a:xfrm>
+          <a:prstGeom prst="rect">
+            <a:avLst/>
+          </a:prstGeom>
+          <a:noFill/>
+        </p:spPr>
+        <p:txBody>
+          <a:bodyPr wrap="none" rtlCol="0">
+            <a:spAutoFit/>
+          </a:bodyPr>
+          <a:lstStyle/>
+          <a:p>
+            <a:r>
+              <a:rPr lang="es-AR" dirty="0" smtClean="0"/>
+              <a:t>A</a:t>
+            </a:r>
+            <a:endParaRPr lang="es-AR" dirty="0"/>
+          </a:p>
+        </p:txBody>
+      </p:sp>
+      <p:sp>
+        <p:nvSpPr>
+          <p:cNvPr id="30" name="45 CuadroTexto"/>
+          <p:cNvSpPr txBox="1"/>
+          <p:nvPr/>
+        </p:nvSpPr>
+        <p:spPr>
+          <a:xfrm>
+            <a:off x="3788298" y="2100160"/>
+            <a:ext cx="309700" cy="369332"/>
+          </a:xfrm>
+          <a:prstGeom prst="rect">
+            <a:avLst/>
+          </a:prstGeom>
+          <a:noFill/>
+        </p:spPr>
+        <p:txBody>
+          <a:bodyPr wrap="none" rtlCol="0">
+            <a:spAutoFit/>
+          </a:bodyPr>
+          <a:lstStyle/>
+          <a:p>
+            <a:r>
+              <a:rPr lang="es-AR" dirty="0"/>
+              <a:t>B</a:t>
+            </a:r>
+            <a:endParaRPr lang="es-AR" dirty="0"/>
+          </a:p>
+        </p:txBody>
+      </p:sp>
+      <p:sp>
+        <p:nvSpPr>
+          <p:cNvPr id="31" name="45 CuadroTexto"/>
+          <p:cNvSpPr txBox="1"/>
+          <p:nvPr/>
+        </p:nvSpPr>
+        <p:spPr>
+          <a:xfrm>
+            <a:off x="5224438" y="2082276"/>
+            <a:ext cx="317716" cy="369332"/>
+          </a:xfrm>
+          <a:prstGeom prst="rect">
+            <a:avLst/>
+          </a:prstGeom>
+          <a:noFill/>
+        </p:spPr>
+        <p:txBody>
+          <a:bodyPr wrap="none" rtlCol="0">
+            <a:spAutoFit/>
+          </a:bodyPr>
+          <a:lstStyle/>
+          <a:p>
+            <a:r>
+              <a:rPr lang="es-AR" dirty="0" smtClean="0"/>
+              <a:t>C</a:t>
+            </a:r>
+            <a:endParaRPr lang="es-AR" dirty="0"/>
+          </a:p>
+        </p:txBody>
+      </p:sp>
+      <p:sp>
+        <p:nvSpPr>
+          <p:cNvPr id="32" name="45 CuadroTexto"/>
+          <p:cNvSpPr txBox="1"/>
+          <p:nvPr/>
+        </p:nvSpPr>
+        <p:spPr>
+          <a:xfrm>
+            <a:off x="4550679" y="2954583"/>
+            <a:ext cx="327334" cy="369332"/>
+          </a:xfrm>
+          <a:prstGeom prst="rect">
+            <a:avLst/>
+          </a:prstGeom>
+          <a:noFill/>
+        </p:spPr>
+        <p:txBody>
+          <a:bodyPr wrap="none" rtlCol="0">
+            <a:spAutoFit/>
+          </a:bodyPr>
+          <a:lstStyle/>
+          <a:p>
+            <a:r>
+              <a:rPr lang="es-AR" dirty="0" smtClean="0"/>
+              <a:t>D</a:t>
+            </a:r>
+            <a:endParaRPr lang="es-AR" dirty="0"/>
+          </a:p>
+        </p:txBody>
+      </p:sp>
+      <p:sp>
+        <p:nvSpPr>
+          <p:cNvPr id="33" name="45 CuadroTexto"/>
+          <p:cNvSpPr txBox="1"/>
+          <p:nvPr/>
+        </p:nvSpPr>
+        <p:spPr>
+          <a:xfrm>
+            <a:off x="6430062" y="2967292"/>
+            <a:ext cx="296876" cy="369332"/>
+          </a:xfrm>
+          <a:prstGeom prst="rect">
+            <a:avLst/>
+          </a:prstGeom>
+          <a:noFill/>
+        </p:spPr>
+        <p:txBody>
+          <a:bodyPr wrap="none" rtlCol="0">
+            <a:spAutoFit/>
+          </a:bodyPr>
+          <a:lstStyle/>
+          <a:p>
+            <a:r>
+              <a:rPr lang="es-AR" dirty="0" smtClean="0"/>
+              <a:t>E</a:t>
+            </a:r>
+            <a:endParaRPr lang="es-AR" dirty="0"/>
+          </a:p>
+        </p:txBody>
+      </p:sp>
+      <p:sp>
+        <p:nvSpPr>
+          <p:cNvPr id="34" name="45 CuadroTexto"/>
+          <p:cNvSpPr txBox="1"/>
+          <p:nvPr/>
+        </p:nvSpPr>
+        <p:spPr>
+          <a:xfrm>
+            <a:off x="8439337" y="2926348"/>
+            <a:ext cx="290464" cy="369332"/>
+          </a:xfrm>
+          <a:prstGeom prst="rect">
+            <a:avLst/>
+          </a:prstGeom>
+          <a:noFill/>
+        </p:spPr>
+        <p:txBody>
+          <a:bodyPr wrap="none" rtlCol="0">
+            <a:spAutoFit/>
+          </a:bodyPr>
+          <a:lstStyle/>
+          <a:p>
+            <a:r>
+              <a:rPr lang="es-AR" dirty="0" smtClean="0"/>
+              <a:t>F</a:t>
+            </a:r>
+            <a:endParaRPr lang="es-AR" dirty="0"/>
+          </a:p>
+        </p:txBody>
+      </p:sp>
+      <p:sp>
+        <p:nvSpPr>
+          <p:cNvPr id="35" name="45 CuadroTexto"/>
+          <p:cNvSpPr txBox="1"/>
+          <p:nvPr/>
+        </p:nvSpPr>
+        <p:spPr>
+          <a:xfrm>
+            <a:off x="10790777" y="2913639"/>
+            <a:ext cx="330540" cy="369332"/>
+          </a:xfrm>
+          <a:prstGeom prst="rect">
+            <a:avLst/>
+          </a:prstGeom>
+          <a:noFill/>
+        </p:spPr>
+        <p:txBody>
+          <a:bodyPr wrap="none" rtlCol="0">
+            <a:spAutoFit/>
+          </a:bodyPr>
+          <a:lstStyle/>
+          <a:p>
+            <a:r>
+              <a:rPr lang="es-AR" dirty="0" smtClean="0"/>
+              <a:t>G</a:t>
+            </a:r>
+            <a:endParaRPr lang="es-AR" dirty="0"/>
+          </a:p>
+        </p:txBody>
+      </p:sp>
+      <p:sp>
+        <p:nvSpPr>
+          <p:cNvPr id="36" name="45 CuadroTexto"/>
+          <p:cNvSpPr txBox="1"/>
+          <p:nvPr/>
+        </p:nvSpPr>
+        <p:spPr>
+          <a:xfrm>
+            <a:off x="9070920" y="4040065"/>
+            <a:ext cx="328936" cy="369332"/>
+          </a:xfrm>
+          <a:prstGeom prst="rect">
+            <a:avLst/>
+          </a:prstGeom>
+          <a:noFill/>
+        </p:spPr>
+        <p:txBody>
+          <a:bodyPr wrap="none" rtlCol="0">
+            <a:spAutoFit/>
+          </a:bodyPr>
+          <a:lstStyle/>
+          <a:p>
+            <a:r>
+              <a:rPr lang="es-AR" dirty="0" smtClean="0"/>
+              <a:t>H</a:t>
+            </a:r>
+            <a:endParaRPr lang="es-AR" dirty="0"/>
+          </a:p>
+        </p:txBody>
+      </p:sp>
+      <p:sp>
+        <p:nvSpPr>
+          <p:cNvPr id="37" name="47 CuadroTexto"/>
+          <p:cNvSpPr txBox="1"/>
+          <p:nvPr/>
+        </p:nvSpPr>
+        <p:spPr>
+          <a:xfrm>
+            <a:off x="1794476" y="3309328"/>
+            <a:ext cx="367408" cy="307777"/>
+          </a:xfrm>
+          <a:prstGeom prst="rect">
+            <a:avLst/>
+          </a:prstGeom>
+          <a:noFill/>
+        </p:spPr>
+        <p:txBody>
+          <a:bodyPr wrap="none" rtlCol="0">
+            <a:spAutoFit/>
+          </a:bodyPr>
+          <a:lstStyle/>
+          <a:p>
+            <a:r>
+              <a:rPr lang="es-AR" sz="1400" dirty="0" smtClean="0">
+                <a:solidFill>
+                  <a:srgbClr val="00B050"/>
+                </a:solidFill>
+              </a:rPr>
+              <a:t>20</a:t>
+            </a:r>
+            <a:endParaRPr lang="es-AR" sz="1400" dirty="0">
+              <a:solidFill>
+                <a:srgbClr val="00B050"/>
+              </a:solidFill>
+            </a:endParaRPr>
+          </a:p>
+        </p:txBody>
+      </p:sp>
+      <p:sp>
+        <p:nvSpPr>
+          <p:cNvPr id="38" name="47 CuadroTexto"/>
+          <p:cNvSpPr txBox="1"/>
+          <p:nvPr/>
+        </p:nvSpPr>
+        <p:spPr>
+          <a:xfrm>
+            <a:off x="3821960" y="2405114"/>
+            <a:ext cx="367408" cy="307777"/>
+          </a:xfrm>
+          <a:prstGeom prst="rect">
+            <a:avLst/>
+          </a:prstGeom>
+          <a:noFill/>
+        </p:spPr>
+        <p:txBody>
+          <a:bodyPr wrap="none" rtlCol="0">
+            <a:spAutoFit/>
+          </a:bodyPr>
+          <a:lstStyle/>
+          <a:p>
+            <a:r>
+              <a:rPr lang="es-AR" sz="1400" dirty="0" smtClean="0">
+                <a:solidFill>
+                  <a:srgbClr val="00B050"/>
+                </a:solidFill>
+              </a:rPr>
+              <a:t>20</a:t>
+            </a:r>
+            <a:endParaRPr lang="es-AR" sz="1400" dirty="0">
+              <a:solidFill>
+                <a:srgbClr val="00B050"/>
+              </a:solidFill>
+            </a:endParaRPr>
+          </a:p>
+        </p:txBody>
+      </p:sp>
+      <p:sp>
+        <p:nvSpPr>
+          <p:cNvPr id="39" name="47 CuadroTexto"/>
+          <p:cNvSpPr txBox="1"/>
+          <p:nvPr/>
+        </p:nvSpPr>
+        <p:spPr>
+          <a:xfrm>
+            <a:off x="5285738" y="2435891"/>
+            <a:ext cx="367408" cy="307777"/>
+          </a:xfrm>
+          <a:prstGeom prst="rect">
+            <a:avLst/>
+          </a:prstGeom>
+          <a:noFill/>
+        </p:spPr>
+        <p:txBody>
+          <a:bodyPr wrap="none" rtlCol="0">
+            <a:spAutoFit/>
+          </a:bodyPr>
+          <a:lstStyle/>
+          <a:p>
+            <a:r>
+              <a:rPr lang="es-AR" sz="1400" dirty="0" smtClean="0">
+                <a:solidFill>
+                  <a:srgbClr val="00B050"/>
+                </a:solidFill>
+              </a:rPr>
+              <a:t>20</a:t>
+            </a:r>
+            <a:endParaRPr lang="es-AR" sz="1400" dirty="0">
+              <a:solidFill>
+                <a:srgbClr val="00B050"/>
+              </a:solidFill>
+            </a:endParaRPr>
+          </a:p>
+        </p:txBody>
+      </p:sp>
+      <p:sp>
+        <p:nvSpPr>
+          <p:cNvPr id="40" name="47 CuadroTexto"/>
+          <p:cNvSpPr txBox="1"/>
+          <p:nvPr/>
+        </p:nvSpPr>
+        <p:spPr>
+          <a:xfrm>
+            <a:off x="9051684" y="4616753"/>
+            <a:ext cx="367408" cy="307777"/>
+          </a:xfrm>
+          <a:prstGeom prst="rect">
+            <a:avLst/>
+          </a:prstGeom>
+          <a:noFill/>
+        </p:spPr>
+        <p:txBody>
+          <a:bodyPr wrap="none" rtlCol="0">
+            <a:spAutoFit/>
+          </a:bodyPr>
+          <a:lstStyle/>
+          <a:p>
+            <a:r>
+              <a:rPr lang="es-AR" sz="1400" dirty="0" smtClean="0">
+                <a:solidFill>
+                  <a:srgbClr val="00B050"/>
+                </a:solidFill>
+              </a:rPr>
+              <a:t>10</a:t>
+            </a:r>
+            <a:endParaRPr lang="es-AR" sz="1400" dirty="0">
+              <a:solidFill>
+                <a:srgbClr val="00B050"/>
+              </a:solidFill>
+            </a:endParaRPr>
+          </a:p>
+        </p:txBody>
+      </p:sp>
+      <p:sp>
+        <p:nvSpPr>
+          <p:cNvPr id="41" name="47 CuadroTexto"/>
+          <p:cNvSpPr txBox="1"/>
+          <p:nvPr/>
+        </p:nvSpPr>
+        <p:spPr>
+          <a:xfrm>
+            <a:off x="6440481" y="3336623"/>
+            <a:ext cx="367408" cy="307777"/>
+          </a:xfrm>
+          <a:prstGeom prst="rect">
+            <a:avLst/>
+          </a:prstGeom>
+          <a:noFill/>
+        </p:spPr>
+        <p:txBody>
+          <a:bodyPr wrap="none" rtlCol="0">
+            <a:spAutoFit/>
+          </a:bodyPr>
+          <a:lstStyle/>
+          <a:p>
+            <a:r>
+              <a:rPr lang="es-AR" sz="1400" dirty="0" smtClean="0">
+                <a:solidFill>
+                  <a:srgbClr val="00B050"/>
+                </a:solidFill>
+              </a:rPr>
+              <a:t>30</a:t>
+            </a:r>
+            <a:endParaRPr lang="es-AR" sz="1400" dirty="0">
+              <a:solidFill>
+                <a:srgbClr val="00B050"/>
+              </a:solidFill>
+            </a:endParaRPr>
+          </a:p>
+        </p:txBody>
+      </p:sp>
+      <p:sp>
+        <p:nvSpPr>
+          <p:cNvPr id="42" name="47 CuadroTexto"/>
+          <p:cNvSpPr txBox="1"/>
+          <p:nvPr/>
+        </p:nvSpPr>
+        <p:spPr>
+          <a:xfrm>
+            <a:off x="10773664" y="3333348"/>
+            <a:ext cx="367408" cy="307777"/>
+          </a:xfrm>
+          <a:prstGeom prst="rect">
+            <a:avLst/>
+          </a:prstGeom>
+          <a:noFill/>
+        </p:spPr>
+        <p:txBody>
+          <a:bodyPr wrap="none" rtlCol="0">
+            <a:spAutoFit/>
+          </a:bodyPr>
+          <a:lstStyle/>
+          <a:p>
+            <a:r>
+              <a:rPr lang="es-AR" sz="1400" dirty="0" smtClean="0">
+                <a:solidFill>
+                  <a:srgbClr val="00B050"/>
+                </a:solidFill>
+              </a:rPr>
+              <a:t>10</a:t>
+            </a:r>
+            <a:endParaRPr lang="es-AR" sz="1400" dirty="0">
+              <a:solidFill>
+                <a:srgbClr val="00B050"/>
+              </a:solidFill>
+            </a:endParaRPr>
+          </a:p>
+        </p:txBody>
+      </p:sp>
+      <p:cxnSp>
+        <p:nvCxnSpPr>
+          <p:cNvPr id="44" name="Elbow Connector 43"/>
+          <p:cNvCxnSpPr>
+            <a:stCxn id="11" idx="4"/>
+          </p:cNvCxnSpPr>
+          <p:nvPr/>
+        </p:nvCxnSpPr>
+        <p:spPr>
+          <a:xfrm rot="16200000" flipH="1">
+            <a:off x="6106122" y="3114234"/>
+            <a:ext cx="901219" cy="1783703"/>
+          </a:xfrm>
+          <a:prstGeom prst="bentConnector2">
+            <a:avLst/>
+          </a:prstGeom>
+          <a:ln w="28575">
+            <a:prstDash val="dash"/>
+            <a:tailEnd type="arrow"/>
+          </a:ln>
+        </p:spPr>
+        <p:style>
+          <a:lnRef idx="1">
+            <a:schemeClr val="accent1"/>
+          </a:lnRef>
+          <a:fillRef idx="0">
+            <a:schemeClr val="accent1"/>
+          </a:fillRef>
+          <a:effectRef idx="0">
+            <a:schemeClr val="accent1"/>
+          </a:effectRef>
+          <a:fontRef idx="minor">
+            <a:schemeClr val="tx1"/>
+          </a:fontRef>
+        </p:style>
+      </p:cxnSp>
+      <p:cxnSp>
+        <p:nvCxnSpPr>
+          <p:cNvPr id="50" name="Elbow Connector 49"/>
+          <p:cNvCxnSpPr>
+            <a:endCxn id="17" idx="4"/>
+          </p:cNvCxnSpPr>
+          <p:nvPr/>
+        </p:nvCxnSpPr>
+        <p:spPr>
+          <a:xfrm flipV="1">
+            <a:off x="7448583" y="3555477"/>
+            <a:ext cx="3880119" cy="901218"/>
+          </a:xfrm>
+          <a:prstGeom prst="bentConnector2">
+            <a:avLst/>
+          </a:prstGeom>
+          <a:ln w="28575">
+            <a:solidFill>
+              <a:schemeClr val="accent1"/>
+            </a:solidFill>
+            <a:tailEnd type="arrow"/>
+          </a:ln>
+        </p:spPr>
+        <p:style>
+          <a:lnRef idx="1">
+            <a:schemeClr val="accent1"/>
+          </a:lnRef>
+          <a:fillRef idx="0">
+            <a:schemeClr val="accent1"/>
+          </a:fillRef>
+          <a:effectRef idx="0">
+            <a:schemeClr val="accent1"/>
+          </a:effectRef>
+          <a:fontRef idx="minor">
+            <a:schemeClr val="tx1"/>
+          </a:fontRef>
+        </p:style>
+      </p:cxnSp>
+    </p:spTree>
+    <p:extLst>
+      <p:ext uri="{BB962C8B-B14F-4D97-AF65-F5344CB8AC3E}">
+        <p14:creationId xmlns:p14="http://schemas.microsoft.com/office/powerpoint/2010/main" val="1503544507"/>
+      </p:ext>
+    </p:extLst>
+  </p:cSld>
+  <p:clrMapOvr>
+    <a:masterClrMapping/>
+  </p:clrMapOvr>
+</p:sld>
+</file>
+
 <file path=ppt/slides/slide2.xml><?xml version="1.0" encoding="utf-8"?>
 <p:sld xmlns:a="http://schemas.openxmlformats.org/drawingml/2006/main" xmlns:r="http://schemas.openxmlformats.org/officeDocument/2006/relationships" xmlns:p="http://schemas.openxmlformats.org/presentationml/2006/main">
   <p:cSld>
@@ -28527,7 +32785,7 @@
                     <a:p>
                       <a:pPr algn="ctr"/>
                       <a:r>
-                        <a:rPr lang="es-AR" smtClean="0"/>
+                        <a:rPr lang="es-AR" dirty="0" smtClean="0"/>
                         <a:t>$150</a:t>
                       </a:r>
                       <a:endParaRPr lang="es-AR" dirty="0"/>

--- a/tp3-proyectos/Imagenes.pptx
+++ b/tp3-proyectos/Imagenes.pptx
@@ -17,6 +17,9 @@
     <p:sldId id="266" r:id="rId11"/>
     <p:sldId id="263" r:id="rId12"/>
     <p:sldId id="267" r:id="rId13"/>
+    <p:sldId id="268" r:id="rId14"/>
+    <p:sldId id="269" r:id="rId15"/>
+    <p:sldId id="270" r:id="rId16"/>
   </p:sldIdLst>
   <p:sldSz cx="12192000" cy="6858000"/>
   <p:notesSz cx="6858000" cy="9144000"/>
@@ -117,7 +120,7 @@
   </p:defaultTextStyle>
   <p:extLst>
     <p:ext uri="{EFAFB233-063F-42B5-8137-9DF3F51BA10A}">
-      <p15:sldGuideLst xmlns="" xmlns:p15="http://schemas.microsoft.com/office/powerpoint/2012/main">
+      <p15:sldGuideLst xmlns:p15="http://schemas.microsoft.com/office/powerpoint/2012/main" xmlns="">
         <p15:guide id="1" orient="horz" pos="2160">
           <p15:clr>
             <a:srgbClr val="A4A3A4"/>
@@ -266,7 +269,7 @@
             <a:fld id="{EAE7EBD3-30FD-4FAB-979E-FE0AAD4807BC}" type="datetimeFigureOut">
               <a:rPr lang="es-AR" smtClean="0"/>
               <a:pPr/>
-              <a:t>20/11/2014</a:t>
+              <a:t>28/11/2014</a:t>
             </a:fld>
             <a:endParaRPr lang="es-AR"/>
           </a:p>
@@ -318,7 +321,7 @@
     </p:spTree>
     <p:extLst>
       <p:ext uri="{BB962C8B-B14F-4D97-AF65-F5344CB8AC3E}">
-        <p14:creationId xmlns:p14="http://schemas.microsoft.com/office/powerpoint/2010/main" val="1478221447"/>
+        <p14:creationId xmlns:p14="http://schemas.microsoft.com/office/powerpoint/2010/main" xmlns="" val="1478221447"/>
       </p:ext>
     </p:extLst>
   </p:cSld>
@@ -438,7 +441,7 @@
             <a:fld id="{EAE7EBD3-30FD-4FAB-979E-FE0AAD4807BC}" type="datetimeFigureOut">
               <a:rPr lang="es-AR" smtClean="0"/>
               <a:pPr/>
-              <a:t>20/11/2014</a:t>
+              <a:t>28/11/2014</a:t>
             </a:fld>
             <a:endParaRPr lang="es-AR"/>
           </a:p>
@@ -490,7 +493,7 @@
     </p:spTree>
     <p:extLst>
       <p:ext uri="{BB962C8B-B14F-4D97-AF65-F5344CB8AC3E}">
-        <p14:creationId xmlns:p14="http://schemas.microsoft.com/office/powerpoint/2010/main" val="787665529"/>
+        <p14:creationId xmlns:p14="http://schemas.microsoft.com/office/powerpoint/2010/main" xmlns="" val="787665529"/>
       </p:ext>
     </p:extLst>
   </p:cSld>
@@ -620,7 +623,7 @@
             <a:fld id="{EAE7EBD3-30FD-4FAB-979E-FE0AAD4807BC}" type="datetimeFigureOut">
               <a:rPr lang="es-AR" smtClean="0"/>
               <a:pPr/>
-              <a:t>20/11/2014</a:t>
+              <a:t>28/11/2014</a:t>
             </a:fld>
             <a:endParaRPr lang="es-AR"/>
           </a:p>
@@ -672,7 +675,7 @@
     </p:spTree>
     <p:extLst>
       <p:ext uri="{BB962C8B-B14F-4D97-AF65-F5344CB8AC3E}">
-        <p14:creationId xmlns:p14="http://schemas.microsoft.com/office/powerpoint/2010/main" val="3550571343"/>
+        <p14:creationId xmlns:p14="http://schemas.microsoft.com/office/powerpoint/2010/main" xmlns="" val="3550571343"/>
       </p:ext>
     </p:extLst>
   </p:cSld>
@@ -792,7 +795,7 @@
             <a:fld id="{EAE7EBD3-30FD-4FAB-979E-FE0AAD4807BC}" type="datetimeFigureOut">
               <a:rPr lang="es-AR" smtClean="0"/>
               <a:pPr/>
-              <a:t>20/11/2014</a:t>
+              <a:t>28/11/2014</a:t>
             </a:fld>
             <a:endParaRPr lang="es-AR"/>
           </a:p>
@@ -844,7 +847,7 @@
     </p:spTree>
     <p:extLst>
       <p:ext uri="{BB962C8B-B14F-4D97-AF65-F5344CB8AC3E}">
-        <p14:creationId xmlns:p14="http://schemas.microsoft.com/office/powerpoint/2010/main" val="1090226818"/>
+        <p14:creationId xmlns:p14="http://schemas.microsoft.com/office/powerpoint/2010/main" xmlns="" val="1090226818"/>
       </p:ext>
     </p:extLst>
   </p:cSld>
@@ -1040,7 +1043,7 @@
             <a:fld id="{EAE7EBD3-30FD-4FAB-979E-FE0AAD4807BC}" type="datetimeFigureOut">
               <a:rPr lang="es-AR" smtClean="0"/>
               <a:pPr/>
-              <a:t>20/11/2014</a:t>
+              <a:t>28/11/2014</a:t>
             </a:fld>
             <a:endParaRPr lang="es-AR"/>
           </a:p>
@@ -1092,7 +1095,7 @@
     </p:spTree>
     <p:extLst>
       <p:ext uri="{BB962C8B-B14F-4D97-AF65-F5344CB8AC3E}">
-        <p14:creationId xmlns:p14="http://schemas.microsoft.com/office/powerpoint/2010/main" val="1797381584"/>
+        <p14:creationId xmlns:p14="http://schemas.microsoft.com/office/powerpoint/2010/main" xmlns="" val="1797381584"/>
       </p:ext>
     </p:extLst>
   </p:cSld>
@@ -1274,7 +1277,7 @@
             <a:fld id="{EAE7EBD3-30FD-4FAB-979E-FE0AAD4807BC}" type="datetimeFigureOut">
               <a:rPr lang="es-AR" smtClean="0"/>
               <a:pPr/>
-              <a:t>20/11/2014</a:t>
+              <a:t>28/11/2014</a:t>
             </a:fld>
             <a:endParaRPr lang="es-AR"/>
           </a:p>
@@ -1326,7 +1329,7 @@
     </p:spTree>
     <p:extLst>
       <p:ext uri="{BB962C8B-B14F-4D97-AF65-F5344CB8AC3E}">
-        <p14:creationId xmlns:p14="http://schemas.microsoft.com/office/powerpoint/2010/main" val="141320725"/>
+        <p14:creationId xmlns:p14="http://schemas.microsoft.com/office/powerpoint/2010/main" xmlns="" val="141320725"/>
       </p:ext>
     </p:extLst>
   </p:cSld>
@@ -1643,7 +1646,7 @@
             <a:fld id="{EAE7EBD3-30FD-4FAB-979E-FE0AAD4807BC}" type="datetimeFigureOut">
               <a:rPr lang="es-AR" smtClean="0"/>
               <a:pPr/>
-              <a:t>20/11/2014</a:t>
+              <a:t>28/11/2014</a:t>
             </a:fld>
             <a:endParaRPr lang="es-AR"/>
           </a:p>
@@ -1695,7 +1698,7 @@
     </p:spTree>
     <p:extLst>
       <p:ext uri="{BB962C8B-B14F-4D97-AF65-F5344CB8AC3E}">
-        <p14:creationId xmlns:p14="http://schemas.microsoft.com/office/powerpoint/2010/main" val="898217691"/>
+        <p14:creationId xmlns:p14="http://schemas.microsoft.com/office/powerpoint/2010/main" xmlns="" val="898217691"/>
       </p:ext>
     </p:extLst>
   </p:cSld>
@@ -1763,7 +1766,7 @@
             <a:fld id="{EAE7EBD3-30FD-4FAB-979E-FE0AAD4807BC}" type="datetimeFigureOut">
               <a:rPr lang="es-AR" smtClean="0"/>
               <a:pPr/>
-              <a:t>20/11/2014</a:t>
+              <a:t>28/11/2014</a:t>
             </a:fld>
             <a:endParaRPr lang="es-AR"/>
           </a:p>
@@ -1815,7 +1818,7 @@
     </p:spTree>
     <p:extLst>
       <p:ext uri="{BB962C8B-B14F-4D97-AF65-F5344CB8AC3E}">
-        <p14:creationId xmlns:p14="http://schemas.microsoft.com/office/powerpoint/2010/main" val="1734197303"/>
+        <p14:creationId xmlns:p14="http://schemas.microsoft.com/office/powerpoint/2010/main" xmlns="" val="1734197303"/>
       </p:ext>
     </p:extLst>
   </p:cSld>
@@ -1860,7 +1863,7 @@
             <a:fld id="{EAE7EBD3-30FD-4FAB-979E-FE0AAD4807BC}" type="datetimeFigureOut">
               <a:rPr lang="es-AR" smtClean="0"/>
               <a:pPr/>
-              <a:t>20/11/2014</a:t>
+              <a:t>28/11/2014</a:t>
             </a:fld>
             <a:endParaRPr lang="es-AR"/>
           </a:p>
@@ -1912,7 +1915,7 @@
     </p:spTree>
     <p:extLst>
       <p:ext uri="{BB962C8B-B14F-4D97-AF65-F5344CB8AC3E}">
-        <p14:creationId xmlns:p14="http://schemas.microsoft.com/office/powerpoint/2010/main" val="2733380732"/>
+        <p14:creationId xmlns:p14="http://schemas.microsoft.com/office/powerpoint/2010/main" xmlns="" val="2733380732"/>
       </p:ext>
     </p:extLst>
   </p:cSld>
@@ -2139,7 +2142,7 @@
             <a:fld id="{EAE7EBD3-30FD-4FAB-979E-FE0AAD4807BC}" type="datetimeFigureOut">
               <a:rPr lang="es-AR" smtClean="0"/>
               <a:pPr/>
-              <a:t>20/11/2014</a:t>
+              <a:t>28/11/2014</a:t>
             </a:fld>
             <a:endParaRPr lang="es-AR"/>
           </a:p>
@@ -2191,7 +2194,7 @@
     </p:spTree>
     <p:extLst>
       <p:ext uri="{BB962C8B-B14F-4D97-AF65-F5344CB8AC3E}">
-        <p14:creationId xmlns:p14="http://schemas.microsoft.com/office/powerpoint/2010/main" val="201515298"/>
+        <p14:creationId xmlns:p14="http://schemas.microsoft.com/office/powerpoint/2010/main" xmlns="" val="201515298"/>
       </p:ext>
     </p:extLst>
   </p:cSld>
@@ -2394,7 +2397,7 @@
             <a:fld id="{EAE7EBD3-30FD-4FAB-979E-FE0AAD4807BC}" type="datetimeFigureOut">
               <a:rPr lang="es-AR" smtClean="0"/>
               <a:pPr/>
-              <a:t>20/11/2014</a:t>
+              <a:t>28/11/2014</a:t>
             </a:fld>
             <a:endParaRPr lang="es-AR"/>
           </a:p>
@@ -2446,7 +2449,7 @@
     </p:spTree>
     <p:extLst>
       <p:ext uri="{BB962C8B-B14F-4D97-AF65-F5344CB8AC3E}">
-        <p14:creationId xmlns:p14="http://schemas.microsoft.com/office/powerpoint/2010/main" val="976262354"/>
+        <p14:creationId xmlns:p14="http://schemas.microsoft.com/office/powerpoint/2010/main" xmlns="" val="976262354"/>
       </p:ext>
     </p:extLst>
   </p:cSld>
@@ -2609,7 +2612,7 @@
             <a:fld id="{EAE7EBD3-30FD-4FAB-979E-FE0AAD4807BC}" type="datetimeFigureOut">
               <a:rPr lang="es-AR" smtClean="0"/>
               <a:pPr/>
-              <a:t>20/11/2014</a:t>
+              <a:t>28/11/2014</a:t>
             </a:fld>
             <a:endParaRPr lang="es-AR"/>
           </a:p>
@@ -2697,7 +2700,7 @@
     </p:spTree>
     <p:extLst>
       <p:ext uri="{BB962C8B-B14F-4D97-AF65-F5344CB8AC3E}">
-        <p14:creationId xmlns:p14="http://schemas.microsoft.com/office/powerpoint/2010/main" val="2905328256"/>
+        <p14:creationId xmlns:p14="http://schemas.microsoft.com/office/powerpoint/2010/main" xmlns="" val="2905328256"/>
       </p:ext>
     </p:extLst>
   </p:cSld>
@@ -3697,14 +3700,13 @@
               <a:rPr lang="es-AR" dirty="0"/>
               <a:t>1</a:t>
             </a:r>
-            <a:endParaRPr lang="es-AR" dirty="0"/>
           </a:p>
         </p:txBody>
       </p:sp>
     </p:spTree>
     <p:extLst>
       <p:ext uri="{BB962C8B-B14F-4D97-AF65-F5344CB8AC3E}">
-        <p14:creationId xmlns:p14="http://schemas.microsoft.com/office/powerpoint/2010/main" val="546631854"/>
+        <p14:creationId xmlns:p14="http://schemas.microsoft.com/office/powerpoint/2010/main" xmlns="" val="546631854"/>
       </p:ext>
     </p:extLst>
   </p:cSld>
@@ -4113,7 +4115,6 @@
               <a:rPr lang="es-AR" dirty="0"/>
               <a:t>3</a:t>
             </a:r>
-            <a:endParaRPr lang="es-AR" dirty="0"/>
           </a:p>
         </p:txBody>
       </p:sp>
@@ -4317,7 +4318,6 @@
               <a:rPr lang="es-AR" dirty="0"/>
               <a:t>4</a:t>
             </a:r>
-            <a:endParaRPr lang="es-AR" dirty="0"/>
           </a:p>
         </p:txBody>
       </p:sp>
@@ -4522,7 +4522,6 @@
               <a:rPr lang="es-AR" dirty="0"/>
               <a:t>5</a:t>
             </a:r>
-            <a:endParaRPr lang="es-AR" dirty="0"/>
           </a:p>
         </p:txBody>
       </p:sp>
@@ -4727,7 +4726,6 @@
               <a:rPr lang="es-AR" dirty="0"/>
               <a:t>7</a:t>
             </a:r>
-            <a:endParaRPr lang="es-AR" dirty="0"/>
           </a:p>
         </p:txBody>
       </p:sp>
@@ -5596,7 +5594,6 @@
               <a:rPr lang="es-AR" dirty="0"/>
               <a:t>F</a:t>
             </a:r>
-            <a:endParaRPr lang="es-AR" dirty="0"/>
           </a:p>
         </p:txBody>
       </p:sp>
@@ -5764,11 +5761,6 @@
               </a:rPr>
               <a:t>2</a:t>
             </a:r>
-            <a:endParaRPr lang="es-AR" sz="1400" dirty="0">
-              <a:solidFill>
-                <a:srgbClr val="00B050"/>
-              </a:solidFill>
-            </a:endParaRPr>
           </a:p>
         </p:txBody>
       </p:sp>
@@ -6003,7 +5995,7 @@
     </p:spTree>
     <p:extLst>
       <p:ext uri="{BB962C8B-B14F-4D97-AF65-F5344CB8AC3E}">
-        <p14:creationId xmlns:p14="http://schemas.microsoft.com/office/powerpoint/2010/main" val="1735187886"/>
+        <p14:creationId xmlns:p14="http://schemas.microsoft.com/office/powerpoint/2010/main" xmlns="" val="1735187886"/>
       </p:ext>
     </p:extLst>
   </p:cSld>
@@ -6039,7 +6031,7 @@
           <p:nvPr>
             <p:extLst>
               <p:ext uri="{D42A27DB-BD31-4B8C-83A1-F6EECF244321}">
-                <p14:modId xmlns:p14="http://schemas.microsoft.com/office/powerpoint/2010/main" val="1275501403"/>
+                <p14:modId xmlns:p14="http://schemas.microsoft.com/office/powerpoint/2010/main" xmlns="" val="1275501403"/>
               </p:ext>
             </p:extLst>
           </p:nvPr>
@@ -6630,7 +6622,6 @@
               <a:rPr lang="es-AR" dirty="0"/>
               <a:t>1</a:t>
             </a:r>
-            <a:endParaRPr lang="es-AR" dirty="0"/>
           </a:p>
         </p:txBody>
       </p:sp>
@@ -6710,7 +6701,6 @@
               <a:rPr lang="es-AR" dirty="0"/>
               <a:t>2</a:t>
             </a:r>
-            <a:endParaRPr lang="es-AR" dirty="0"/>
           </a:p>
         </p:txBody>
       </p:sp>
@@ -7552,7 +7542,6 @@
               <a:rPr lang="es-AR" dirty="0"/>
               <a:t>B</a:t>
             </a:r>
-            <a:endParaRPr lang="es-AR" dirty="0"/>
           </a:p>
         </p:txBody>
       </p:sp>
@@ -7967,7 +7956,7 @@
     </p:spTree>
     <p:extLst>
       <p:ext uri="{BB962C8B-B14F-4D97-AF65-F5344CB8AC3E}">
-        <p14:creationId xmlns:p14="http://schemas.microsoft.com/office/powerpoint/2010/main" val="3951108285"/>
+        <p14:creationId xmlns:p14="http://schemas.microsoft.com/office/powerpoint/2010/main" xmlns="" val="3951108285"/>
       </p:ext>
     </p:extLst>
   </p:cSld>
@@ -8003,7 +7992,7 @@
           <p:nvPr>
             <p:extLst>
               <p:ext uri="{D42A27DB-BD31-4B8C-83A1-F6EECF244321}">
-                <p14:modId xmlns:p14="http://schemas.microsoft.com/office/powerpoint/2010/main" val="3648522494"/>
+                <p14:modId xmlns:p14="http://schemas.microsoft.com/office/powerpoint/2010/main" xmlns="" val="3648522494"/>
               </p:ext>
             </p:extLst>
           </p:nvPr>
@@ -8594,7 +8583,6 @@
               <a:rPr lang="es-AR" dirty="0"/>
               <a:t>1</a:t>
             </a:r>
-            <a:endParaRPr lang="es-AR" dirty="0"/>
           </a:p>
         </p:txBody>
       </p:sp>
@@ -8674,7 +8662,6 @@
               <a:rPr lang="es-AR" dirty="0"/>
               <a:t>2</a:t>
             </a:r>
-            <a:endParaRPr lang="es-AR" dirty="0"/>
           </a:p>
         </p:txBody>
       </p:sp>
@@ -9442,7 +9429,6 @@
               <a:rPr lang="es-AR" dirty="0"/>
               <a:t>B</a:t>
             </a:r>
-            <a:endParaRPr lang="es-AR" dirty="0"/>
           </a:p>
         </p:txBody>
       </p:sp>
@@ -9931,7 +9917,7315 @@
     </p:spTree>
     <p:extLst>
       <p:ext uri="{BB962C8B-B14F-4D97-AF65-F5344CB8AC3E}">
-        <p14:creationId xmlns:p14="http://schemas.microsoft.com/office/powerpoint/2010/main" val="1503544507"/>
+        <p14:creationId xmlns:p14="http://schemas.microsoft.com/office/powerpoint/2010/main" xmlns="" val="1503544507"/>
+      </p:ext>
+    </p:extLst>
+  </p:cSld>
+  <p:clrMapOvr>
+    <a:masterClrMapping/>
+  </p:clrMapOvr>
+</p:sld>
+</file>
+
+<file path=ppt/slides/slide13.xml><?xml version="1.0" encoding="utf-8"?>
+<p:sld xmlns:a="http://schemas.openxmlformats.org/drawingml/2006/main" xmlns:r="http://schemas.openxmlformats.org/officeDocument/2006/relationships" xmlns:p="http://schemas.openxmlformats.org/presentationml/2006/main">
+  <p:cSld>
+    <p:spTree>
+      <p:nvGrpSpPr>
+        <p:cNvPr id="1" name=""/>
+        <p:cNvGrpSpPr/>
+        <p:nvPr/>
+      </p:nvGrpSpPr>
+      <p:grpSpPr>
+        <a:xfrm>
+          <a:off x="0" y="0"/>
+          <a:ext cx="0" cy="0"/>
+          <a:chOff x="0" y="0"/>
+          <a:chExt cx="0" cy="0"/>
+        </a:xfrm>
+      </p:grpSpPr>
+      <p:sp>
+        <p:nvSpPr>
+          <p:cNvPr id="6" name="Rectangle 5"/>
+          <p:cNvSpPr/>
+          <p:nvPr/>
+        </p:nvSpPr>
+        <p:spPr>
+          <a:xfrm>
+            <a:off x="715082" y="815033"/>
+            <a:ext cx="1290290" cy="369332"/>
+          </a:xfrm>
+          <a:prstGeom prst="rect">
+            <a:avLst/>
+          </a:prstGeom>
+        </p:spPr>
+        <p:txBody>
+          <a:bodyPr wrap="none">
+            <a:spAutoFit/>
+          </a:bodyPr>
+          <a:lstStyle/>
+          <a:p>
+            <a:r>
+              <a:rPr lang="es-AR" dirty="0"/>
+              <a:t>EJERCICIO </a:t>
+            </a:r>
+            <a:r>
+              <a:rPr lang="es-AR" dirty="0" smtClean="0"/>
+              <a:t>5</a:t>
+            </a:r>
+            <a:endParaRPr lang="es-AR" dirty="0"/>
+          </a:p>
+        </p:txBody>
+      </p:sp>
+      <p:sp>
+        <p:nvSpPr>
+          <p:cNvPr id="35" name="Oval 3"/>
+          <p:cNvSpPr/>
+          <p:nvPr/>
+        </p:nvSpPr>
+        <p:spPr>
+          <a:xfrm>
+            <a:off x="1257490" y="3352670"/>
+            <a:ext cx="710983" cy="695640"/>
+          </a:xfrm>
+          <a:prstGeom prst="ellipse">
+            <a:avLst/>
+          </a:prstGeom>
+          <a:ln>
+            <a:solidFill>
+              <a:schemeClr val="tx2"/>
+            </a:solidFill>
+          </a:ln>
+          <a:effectLst>
+            <a:outerShdw blurRad="50800" dist="38100" dir="2700000" algn="tl" rotWithShape="0">
+              <a:prstClr val="black">
+                <a:alpha val="40000"/>
+              </a:prstClr>
+            </a:outerShdw>
+          </a:effectLst>
+        </p:spPr>
+        <p:style>
+          <a:lnRef idx="2">
+            <a:schemeClr val="accent6"/>
+          </a:lnRef>
+          <a:fillRef idx="1">
+            <a:schemeClr val="lt1"/>
+          </a:fillRef>
+          <a:effectRef idx="0">
+            <a:schemeClr val="accent6"/>
+          </a:effectRef>
+          <a:fontRef idx="minor">
+            <a:schemeClr val="dk1"/>
+          </a:fontRef>
+        </p:style>
+        <p:txBody>
+          <a:bodyPr rtlCol="0" anchor="ctr"/>
+          <a:lstStyle/>
+          <a:p>
+            <a:pPr algn="ctr"/>
+            <a:endParaRPr lang="es-AR"/>
+          </a:p>
+        </p:txBody>
+      </p:sp>
+      <p:cxnSp>
+        <p:nvCxnSpPr>
+          <p:cNvPr id="36" name="39 Conector recto"/>
+          <p:cNvCxnSpPr>
+            <a:stCxn id="35" idx="0"/>
+            <a:endCxn id="35" idx="4"/>
+          </p:cNvCxnSpPr>
+          <p:nvPr/>
+        </p:nvCxnSpPr>
+        <p:spPr>
+          <a:xfrm>
+            <a:off x="1612982" y="3352670"/>
+            <a:ext cx="0" cy="695640"/>
+          </a:xfrm>
+          <a:prstGeom prst="line">
+            <a:avLst/>
+          </a:prstGeom>
+        </p:spPr>
+        <p:style>
+          <a:lnRef idx="1">
+            <a:schemeClr val="accent1"/>
+          </a:lnRef>
+          <a:fillRef idx="0">
+            <a:schemeClr val="accent1"/>
+          </a:fillRef>
+          <a:effectRef idx="0">
+            <a:schemeClr val="accent1"/>
+          </a:effectRef>
+          <a:fontRef idx="minor">
+            <a:schemeClr val="tx1"/>
+          </a:fontRef>
+        </p:style>
+      </p:cxnSp>
+      <p:cxnSp>
+        <p:nvCxnSpPr>
+          <p:cNvPr id="37" name="40 Conector recto"/>
+          <p:cNvCxnSpPr>
+            <a:stCxn id="35" idx="6"/>
+          </p:cNvCxnSpPr>
+          <p:nvPr/>
+        </p:nvCxnSpPr>
+        <p:spPr>
+          <a:xfrm flipH="1">
+            <a:off x="1621632" y="3700490"/>
+            <a:ext cx="346841" cy="978"/>
+          </a:xfrm>
+          <a:prstGeom prst="line">
+            <a:avLst/>
+          </a:prstGeom>
+        </p:spPr>
+        <p:style>
+          <a:lnRef idx="1">
+            <a:schemeClr val="accent1"/>
+          </a:lnRef>
+          <a:fillRef idx="0">
+            <a:schemeClr val="accent1"/>
+          </a:fillRef>
+          <a:effectRef idx="0">
+            <a:schemeClr val="accent1"/>
+          </a:effectRef>
+          <a:fontRef idx="minor">
+            <a:schemeClr val="tx1"/>
+          </a:fontRef>
+        </p:style>
+      </p:cxnSp>
+      <p:sp>
+        <p:nvSpPr>
+          <p:cNvPr id="38" name="41 CuadroTexto"/>
+          <p:cNvSpPr txBox="1"/>
+          <p:nvPr/>
+        </p:nvSpPr>
+        <p:spPr>
+          <a:xfrm>
+            <a:off x="1280046" y="3517538"/>
+            <a:ext cx="301686" cy="369332"/>
+          </a:xfrm>
+          <a:prstGeom prst="rect">
+            <a:avLst/>
+          </a:prstGeom>
+          <a:noFill/>
+        </p:spPr>
+        <p:txBody>
+          <a:bodyPr wrap="none" rtlCol="0">
+            <a:spAutoFit/>
+          </a:bodyPr>
+          <a:lstStyle/>
+          <a:p>
+            <a:r>
+              <a:rPr lang="es-AR" dirty="0" smtClean="0"/>
+              <a:t>1</a:t>
+            </a:r>
+            <a:endParaRPr lang="es-AR" dirty="0"/>
+          </a:p>
+        </p:txBody>
+      </p:sp>
+      <p:sp>
+        <p:nvSpPr>
+          <p:cNvPr id="39" name="42 CuadroTexto"/>
+          <p:cNvSpPr txBox="1"/>
+          <p:nvPr/>
+        </p:nvSpPr>
+        <p:spPr>
+          <a:xfrm>
+            <a:off x="1605867" y="3359884"/>
+            <a:ext cx="301686" cy="369332"/>
+          </a:xfrm>
+          <a:prstGeom prst="rect">
+            <a:avLst/>
+          </a:prstGeom>
+          <a:noFill/>
+        </p:spPr>
+        <p:txBody>
+          <a:bodyPr wrap="none" rtlCol="0">
+            <a:spAutoFit/>
+          </a:bodyPr>
+          <a:lstStyle/>
+          <a:p>
+            <a:r>
+              <a:rPr lang="es-AR" dirty="0" smtClean="0"/>
+              <a:t>0</a:t>
+            </a:r>
+            <a:endParaRPr lang="es-AR" dirty="0"/>
+          </a:p>
+        </p:txBody>
+      </p:sp>
+      <p:sp>
+        <p:nvSpPr>
+          <p:cNvPr id="40" name="43 CuadroTexto"/>
+          <p:cNvSpPr txBox="1"/>
+          <p:nvPr/>
+        </p:nvSpPr>
+        <p:spPr>
+          <a:xfrm>
+            <a:off x="1605867" y="3643662"/>
+            <a:ext cx="301686" cy="369332"/>
+          </a:xfrm>
+          <a:prstGeom prst="rect">
+            <a:avLst/>
+          </a:prstGeom>
+          <a:noFill/>
+        </p:spPr>
+        <p:txBody>
+          <a:bodyPr wrap="none" rtlCol="0">
+            <a:spAutoFit/>
+          </a:bodyPr>
+          <a:lstStyle/>
+          <a:p>
+            <a:r>
+              <a:rPr lang="es-AR" dirty="0" smtClean="0"/>
+              <a:t>0</a:t>
+            </a:r>
+            <a:endParaRPr lang="es-AR" dirty="0"/>
+          </a:p>
+        </p:txBody>
+      </p:sp>
+      <p:sp>
+        <p:nvSpPr>
+          <p:cNvPr id="41" name="Oval 3"/>
+          <p:cNvSpPr/>
+          <p:nvPr/>
+        </p:nvSpPr>
+        <p:spPr>
+          <a:xfrm>
+            <a:off x="3228357" y="4965564"/>
+            <a:ext cx="710983" cy="695640"/>
+          </a:xfrm>
+          <a:prstGeom prst="ellipse">
+            <a:avLst/>
+          </a:prstGeom>
+          <a:ln>
+            <a:solidFill>
+              <a:schemeClr val="tx2"/>
+            </a:solidFill>
+          </a:ln>
+          <a:effectLst>
+            <a:outerShdw blurRad="50800" dist="38100" dir="2700000" algn="tl" rotWithShape="0">
+              <a:prstClr val="black">
+                <a:alpha val="40000"/>
+              </a:prstClr>
+            </a:outerShdw>
+          </a:effectLst>
+        </p:spPr>
+        <p:style>
+          <a:lnRef idx="2">
+            <a:schemeClr val="accent6"/>
+          </a:lnRef>
+          <a:fillRef idx="1">
+            <a:schemeClr val="lt1"/>
+          </a:fillRef>
+          <a:effectRef idx="0">
+            <a:schemeClr val="accent6"/>
+          </a:effectRef>
+          <a:fontRef idx="minor">
+            <a:schemeClr val="dk1"/>
+          </a:fontRef>
+        </p:style>
+        <p:txBody>
+          <a:bodyPr rtlCol="0" anchor="ctr"/>
+          <a:lstStyle/>
+          <a:p>
+            <a:pPr algn="ctr"/>
+            <a:endParaRPr lang="es-AR"/>
+          </a:p>
+        </p:txBody>
+      </p:sp>
+      <p:cxnSp>
+        <p:nvCxnSpPr>
+          <p:cNvPr id="42" name="39 Conector recto"/>
+          <p:cNvCxnSpPr>
+            <a:stCxn id="41" idx="0"/>
+            <a:endCxn id="41" idx="4"/>
+          </p:cNvCxnSpPr>
+          <p:nvPr/>
+        </p:nvCxnSpPr>
+        <p:spPr>
+          <a:xfrm>
+            <a:off x="3583849" y="4965564"/>
+            <a:ext cx="0" cy="695640"/>
+          </a:xfrm>
+          <a:prstGeom prst="line">
+            <a:avLst/>
+          </a:prstGeom>
+        </p:spPr>
+        <p:style>
+          <a:lnRef idx="1">
+            <a:schemeClr val="accent1"/>
+          </a:lnRef>
+          <a:fillRef idx="0">
+            <a:schemeClr val="accent1"/>
+          </a:fillRef>
+          <a:effectRef idx="0">
+            <a:schemeClr val="accent1"/>
+          </a:effectRef>
+          <a:fontRef idx="minor">
+            <a:schemeClr val="tx1"/>
+          </a:fontRef>
+        </p:style>
+      </p:cxnSp>
+      <p:cxnSp>
+        <p:nvCxnSpPr>
+          <p:cNvPr id="43" name="40 Conector recto"/>
+          <p:cNvCxnSpPr>
+            <a:stCxn id="41" idx="6"/>
+          </p:cNvCxnSpPr>
+          <p:nvPr/>
+        </p:nvCxnSpPr>
+        <p:spPr>
+          <a:xfrm flipH="1">
+            <a:off x="3592499" y="5313384"/>
+            <a:ext cx="346841" cy="978"/>
+          </a:xfrm>
+          <a:prstGeom prst="line">
+            <a:avLst/>
+          </a:prstGeom>
+        </p:spPr>
+        <p:style>
+          <a:lnRef idx="1">
+            <a:schemeClr val="accent1"/>
+          </a:lnRef>
+          <a:fillRef idx="0">
+            <a:schemeClr val="accent1"/>
+          </a:fillRef>
+          <a:effectRef idx="0">
+            <a:schemeClr val="accent1"/>
+          </a:effectRef>
+          <a:fontRef idx="minor">
+            <a:schemeClr val="tx1"/>
+          </a:fontRef>
+        </p:style>
+      </p:cxnSp>
+      <p:sp>
+        <p:nvSpPr>
+          <p:cNvPr id="44" name="41 CuadroTexto"/>
+          <p:cNvSpPr txBox="1"/>
+          <p:nvPr/>
+        </p:nvSpPr>
+        <p:spPr>
+          <a:xfrm>
+            <a:off x="3250913" y="5130432"/>
+            <a:ext cx="301686" cy="369332"/>
+          </a:xfrm>
+          <a:prstGeom prst="rect">
+            <a:avLst/>
+          </a:prstGeom>
+          <a:noFill/>
+        </p:spPr>
+        <p:txBody>
+          <a:bodyPr wrap="none" rtlCol="0">
+            <a:spAutoFit/>
+          </a:bodyPr>
+          <a:lstStyle/>
+          <a:p>
+            <a:r>
+              <a:rPr lang="es-AR" dirty="0"/>
+              <a:t>2</a:t>
+            </a:r>
+          </a:p>
+        </p:txBody>
+      </p:sp>
+      <p:sp>
+        <p:nvSpPr>
+          <p:cNvPr id="45" name="42 CuadroTexto"/>
+          <p:cNvSpPr txBox="1"/>
+          <p:nvPr/>
+        </p:nvSpPr>
+        <p:spPr>
+          <a:xfrm>
+            <a:off x="3576734" y="4972778"/>
+            <a:ext cx="301686" cy="369332"/>
+          </a:xfrm>
+          <a:prstGeom prst="rect">
+            <a:avLst/>
+          </a:prstGeom>
+          <a:noFill/>
+        </p:spPr>
+        <p:txBody>
+          <a:bodyPr wrap="none" rtlCol="0">
+            <a:spAutoFit/>
+          </a:bodyPr>
+          <a:lstStyle/>
+          <a:p>
+            <a:r>
+              <a:rPr lang="es-AR" dirty="0" smtClean="0"/>
+              <a:t>4</a:t>
+            </a:r>
+            <a:endParaRPr lang="es-AR" dirty="0"/>
+          </a:p>
+        </p:txBody>
+      </p:sp>
+      <p:sp>
+        <p:nvSpPr>
+          <p:cNvPr id="46" name="43 CuadroTexto"/>
+          <p:cNvSpPr txBox="1"/>
+          <p:nvPr/>
+        </p:nvSpPr>
+        <p:spPr>
+          <a:xfrm>
+            <a:off x="3576734" y="5256556"/>
+            <a:ext cx="301686" cy="369332"/>
+          </a:xfrm>
+          <a:prstGeom prst="rect">
+            <a:avLst/>
+          </a:prstGeom>
+          <a:noFill/>
+        </p:spPr>
+        <p:txBody>
+          <a:bodyPr wrap="none" rtlCol="0">
+            <a:spAutoFit/>
+          </a:bodyPr>
+          <a:lstStyle/>
+          <a:p>
+            <a:r>
+              <a:rPr lang="es-AR" dirty="0" smtClean="0"/>
+              <a:t>4</a:t>
+            </a:r>
+            <a:endParaRPr lang="es-AR" dirty="0"/>
+          </a:p>
+        </p:txBody>
+      </p:sp>
+      <p:sp>
+        <p:nvSpPr>
+          <p:cNvPr id="47" name="Oval 3"/>
+          <p:cNvSpPr/>
+          <p:nvPr/>
+        </p:nvSpPr>
+        <p:spPr>
+          <a:xfrm>
+            <a:off x="4588542" y="1638283"/>
+            <a:ext cx="710983" cy="695640"/>
+          </a:xfrm>
+          <a:prstGeom prst="ellipse">
+            <a:avLst/>
+          </a:prstGeom>
+          <a:ln>
+            <a:solidFill>
+              <a:schemeClr val="tx2"/>
+            </a:solidFill>
+          </a:ln>
+          <a:effectLst>
+            <a:outerShdw blurRad="50800" dist="38100" dir="2700000" algn="tl" rotWithShape="0">
+              <a:prstClr val="black">
+                <a:alpha val="40000"/>
+              </a:prstClr>
+            </a:outerShdw>
+          </a:effectLst>
+        </p:spPr>
+        <p:style>
+          <a:lnRef idx="2">
+            <a:schemeClr val="accent6"/>
+          </a:lnRef>
+          <a:fillRef idx="1">
+            <a:schemeClr val="lt1"/>
+          </a:fillRef>
+          <a:effectRef idx="0">
+            <a:schemeClr val="accent6"/>
+          </a:effectRef>
+          <a:fontRef idx="minor">
+            <a:schemeClr val="dk1"/>
+          </a:fontRef>
+        </p:style>
+        <p:txBody>
+          <a:bodyPr rtlCol="0" anchor="ctr"/>
+          <a:lstStyle/>
+          <a:p>
+            <a:pPr algn="ctr"/>
+            <a:endParaRPr lang="es-AR"/>
+          </a:p>
+        </p:txBody>
+      </p:sp>
+      <p:cxnSp>
+        <p:nvCxnSpPr>
+          <p:cNvPr id="48" name="39 Conector recto"/>
+          <p:cNvCxnSpPr>
+            <a:stCxn id="47" idx="0"/>
+            <a:endCxn id="47" idx="4"/>
+          </p:cNvCxnSpPr>
+          <p:nvPr/>
+        </p:nvCxnSpPr>
+        <p:spPr>
+          <a:xfrm>
+            <a:off x="4944034" y="1638283"/>
+            <a:ext cx="0" cy="695640"/>
+          </a:xfrm>
+          <a:prstGeom prst="line">
+            <a:avLst/>
+          </a:prstGeom>
+        </p:spPr>
+        <p:style>
+          <a:lnRef idx="1">
+            <a:schemeClr val="accent1"/>
+          </a:lnRef>
+          <a:fillRef idx="0">
+            <a:schemeClr val="accent1"/>
+          </a:fillRef>
+          <a:effectRef idx="0">
+            <a:schemeClr val="accent1"/>
+          </a:effectRef>
+          <a:fontRef idx="minor">
+            <a:schemeClr val="tx1"/>
+          </a:fontRef>
+        </p:style>
+      </p:cxnSp>
+      <p:cxnSp>
+        <p:nvCxnSpPr>
+          <p:cNvPr id="49" name="40 Conector recto"/>
+          <p:cNvCxnSpPr>
+            <a:stCxn id="47" idx="6"/>
+          </p:cNvCxnSpPr>
+          <p:nvPr/>
+        </p:nvCxnSpPr>
+        <p:spPr>
+          <a:xfrm flipH="1">
+            <a:off x="4952684" y="1986103"/>
+            <a:ext cx="346841" cy="978"/>
+          </a:xfrm>
+          <a:prstGeom prst="line">
+            <a:avLst/>
+          </a:prstGeom>
+        </p:spPr>
+        <p:style>
+          <a:lnRef idx="1">
+            <a:schemeClr val="accent1"/>
+          </a:lnRef>
+          <a:fillRef idx="0">
+            <a:schemeClr val="accent1"/>
+          </a:fillRef>
+          <a:effectRef idx="0">
+            <a:schemeClr val="accent1"/>
+          </a:effectRef>
+          <a:fontRef idx="minor">
+            <a:schemeClr val="tx1"/>
+          </a:fontRef>
+        </p:style>
+      </p:cxnSp>
+      <p:sp>
+        <p:nvSpPr>
+          <p:cNvPr id="50" name="41 CuadroTexto"/>
+          <p:cNvSpPr txBox="1"/>
+          <p:nvPr/>
+        </p:nvSpPr>
+        <p:spPr>
+          <a:xfrm>
+            <a:off x="4611098" y="1803151"/>
+            <a:ext cx="301686" cy="369332"/>
+          </a:xfrm>
+          <a:prstGeom prst="rect">
+            <a:avLst/>
+          </a:prstGeom>
+          <a:noFill/>
+        </p:spPr>
+        <p:txBody>
+          <a:bodyPr wrap="none" rtlCol="0">
+            <a:spAutoFit/>
+          </a:bodyPr>
+          <a:lstStyle/>
+          <a:p>
+            <a:r>
+              <a:rPr lang="es-AR" dirty="0"/>
+              <a:t>3</a:t>
+            </a:r>
+          </a:p>
+        </p:txBody>
+      </p:sp>
+      <p:sp>
+        <p:nvSpPr>
+          <p:cNvPr id="51" name="42 CuadroTexto"/>
+          <p:cNvSpPr txBox="1"/>
+          <p:nvPr/>
+        </p:nvSpPr>
+        <p:spPr>
+          <a:xfrm>
+            <a:off x="4936919" y="1645497"/>
+            <a:ext cx="301686" cy="369332"/>
+          </a:xfrm>
+          <a:prstGeom prst="rect">
+            <a:avLst/>
+          </a:prstGeom>
+          <a:noFill/>
+        </p:spPr>
+        <p:txBody>
+          <a:bodyPr wrap="none" rtlCol="0">
+            <a:spAutoFit/>
+          </a:bodyPr>
+          <a:lstStyle/>
+          <a:p>
+            <a:r>
+              <a:rPr lang="es-AR" dirty="0" smtClean="0"/>
+              <a:t>6</a:t>
+            </a:r>
+            <a:endParaRPr lang="es-AR" dirty="0"/>
+          </a:p>
+        </p:txBody>
+      </p:sp>
+      <p:sp>
+        <p:nvSpPr>
+          <p:cNvPr id="52" name="43 CuadroTexto"/>
+          <p:cNvSpPr txBox="1"/>
+          <p:nvPr/>
+        </p:nvSpPr>
+        <p:spPr>
+          <a:xfrm>
+            <a:off x="4936919" y="1929275"/>
+            <a:ext cx="301686" cy="369332"/>
+          </a:xfrm>
+          <a:prstGeom prst="rect">
+            <a:avLst/>
+          </a:prstGeom>
+          <a:noFill/>
+        </p:spPr>
+        <p:txBody>
+          <a:bodyPr wrap="none" rtlCol="0">
+            <a:spAutoFit/>
+          </a:bodyPr>
+          <a:lstStyle/>
+          <a:p>
+            <a:r>
+              <a:rPr lang="es-AR" dirty="0" smtClean="0"/>
+              <a:t>7</a:t>
+            </a:r>
+            <a:endParaRPr lang="es-AR" dirty="0"/>
+          </a:p>
+        </p:txBody>
+      </p:sp>
+      <p:sp>
+        <p:nvSpPr>
+          <p:cNvPr id="53" name="Oval 3"/>
+          <p:cNvSpPr/>
+          <p:nvPr/>
+        </p:nvSpPr>
+        <p:spPr>
+          <a:xfrm>
+            <a:off x="5019817" y="3892646"/>
+            <a:ext cx="710983" cy="695640"/>
+          </a:xfrm>
+          <a:prstGeom prst="ellipse">
+            <a:avLst/>
+          </a:prstGeom>
+          <a:ln>
+            <a:solidFill>
+              <a:schemeClr val="tx2"/>
+            </a:solidFill>
+          </a:ln>
+          <a:effectLst>
+            <a:outerShdw blurRad="50800" dist="38100" dir="2700000" algn="tl" rotWithShape="0">
+              <a:prstClr val="black">
+                <a:alpha val="40000"/>
+              </a:prstClr>
+            </a:outerShdw>
+          </a:effectLst>
+        </p:spPr>
+        <p:style>
+          <a:lnRef idx="2">
+            <a:schemeClr val="accent6"/>
+          </a:lnRef>
+          <a:fillRef idx="1">
+            <a:schemeClr val="lt1"/>
+          </a:fillRef>
+          <a:effectRef idx="0">
+            <a:schemeClr val="accent6"/>
+          </a:effectRef>
+          <a:fontRef idx="minor">
+            <a:schemeClr val="dk1"/>
+          </a:fontRef>
+        </p:style>
+        <p:txBody>
+          <a:bodyPr rtlCol="0" anchor="ctr"/>
+          <a:lstStyle/>
+          <a:p>
+            <a:pPr algn="ctr"/>
+            <a:endParaRPr lang="es-AR"/>
+          </a:p>
+        </p:txBody>
+      </p:sp>
+      <p:cxnSp>
+        <p:nvCxnSpPr>
+          <p:cNvPr id="54" name="39 Conector recto"/>
+          <p:cNvCxnSpPr>
+            <a:stCxn id="53" idx="0"/>
+            <a:endCxn id="53" idx="4"/>
+          </p:cNvCxnSpPr>
+          <p:nvPr/>
+        </p:nvCxnSpPr>
+        <p:spPr>
+          <a:xfrm>
+            <a:off x="5375309" y="3892646"/>
+            <a:ext cx="0" cy="695640"/>
+          </a:xfrm>
+          <a:prstGeom prst="line">
+            <a:avLst/>
+          </a:prstGeom>
+        </p:spPr>
+        <p:style>
+          <a:lnRef idx="1">
+            <a:schemeClr val="accent1"/>
+          </a:lnRef>
+          <a:fillRef idx="0">
+            <a:schemeClr val="accent1"/>
+          </a:fillRef>
+          <a:effectRef idx="0">
+            <a:schemeClr val="accent1"/>
+          </a:effectRef>
+          <a:fontRef idx="minor">
+            <a:schemeClr val="tx1"/>
+          </a:fontRef>
+        </p:style>
+      </p:cxnSp>
+      <p:cxnSp>
+        <p:nvCxnSpPr>
+          <p:cNvPr id="55" name="40 Conector recto"/>
+          <p:cNvCxnSpPr>
+            <a:stCxn id="53" idx="6"/>
+          </p:cNvCxnSpPr>
+          <p:nvPr/>
+        </p:nvCxnSpPr>
+        <p:spPr>
+          <a:xfrm flipH="1">
+            <a:off x="5383959" y="4240466"/>
+            <a:ext cx="346841" cy="978"/>
+          </a:xfrm>
+          <a:prstGeom prst="line">
+            <a:avLst/>
+          </a:prstGeom>
+        </p:spPr>
+        <p:style>
+          <a:lnRef idx="1">
+            <a:schemeClr val="accent1"/>
+          </a:lnRef>
+          <a:fillRef idx="0">
+            <a:schemeClr val="accent1"/>
+          </a:fillRef>
+          <a:effectRef idx="0">
+            <a:schemeClr val="accent1"/>
+          </a:effectRef>
+          <a:fontRef idx="minor">
+            <a:schemeClr val="tx1"/>
+          </a:fontRef>
+        </p:style>
+      </p:cxnSp>
+      <p:sp>
+        <p:nvSpPr>
+          <p:cNvPr id="56" name="41 CuadroTexto"/>
+          <p:cNvSpPr txBox="1"/>
+          <p:nvPr/>
+        </p:nvSpPr>
+        <p:spPr>
+          <a:xfrm>
+            <a:off x="5042373" y="4057514"/>
+            <a:ext cx="301686" cy="369332"/>
+          </a:xfrm>
+          <a:prstGeom prst="rect">
+            <a:avLst/>
+          </a:prstGeom>
+          <a:noFill/>
+        </p:spPr>
+        <p:txBody>
+          <a:bodyPr wrap="none" rtlCol="0">
+            <a:spAutoFit/>
+          </a:bodyPr>
+          <a:lstStyle/>
+          <a:p>
+            <a:r>
+              <a:rPr lang="es-AR" dirty="0" smtClean="0"/>
+              <a:t>4</a:t>
+            </a:r>
+            <a:endParaRPr lang="es-AR" dirty="0"/>
+          </a:p>
+        </p:txBody>
+      </p:sp>
+      <p:sp>
+        <p:nvSpPr>
+          <p:cNvPr id="57" name="42 CuadroTexto"/>
+          <p:cNvSpPr txBox="1"/>
+          <p:nvPr/>
+        </p:nvSpPr>
+        <p:spPr>
+          <a:xfrm>
+            <a:off x="5368194" y="3899860"/>
+            <a:ext cx="301686" cy="369332"/>
+          </a:xfrm>
+          <a:prstGeom prst="rect">
+            <a:avLst/>
+          </a:prstGeom>
+          <a:noFill/>
+        </p:spPr>
+        <p:txBody>
+          <a:bodyPr wrap="none" rtlCol="0">
+            <a:spAutoFit/>
+          </a:bodyPr>
+          <a:lstStyle/>
+          <a:p>
+            <a:r>
+              <a:rPr lang="es-AR" dirty="0" smtClean="0"/>
+              <a:t>7</a:t>
+            </a:r>
+            <a:endParaRPr lang="es-AR" dirty="0"/>
+          </a:p>
+        </p:txBody>
+      </p:sp>
+      <p:sp>
+        <p:nvSpPr>
+          <p:cNvPr id="58" name="43 CuadroTexto"/>
+          <p:cNvSpPr txBox="1"/>
+          <p:nvPr/>
+        </p:nvSpPr>
+        <p:spPr>
+          <a:xfrm>
+            <a:off x="5368194" y="4183638"/>
+            <a:ext cx="301686" cy="369332"/>
+          </a:xfrm>
+          <a:prstGeom prst="rect">
+            <a:avLst/>
+          </a:prstGeom>
+          <a:noFill/>
+        </p:spPr>
+        <p:txBody>
+          <a:bodyPr wrap="none" rtlCol="0">
+            <a:spAutoFit/>
+          </a:bodyPr>
+          <a:lstStyle/>
+          <a:p>
+            <a:r>
+              <a:rPr lang="es-AR" dirty="0" smtClean="0"/>
+              <a:t>7</a:t>
+            </a:r>
+            <a:endParaRPr lang="es-AR" dirty="0"/>
+          </a:p>
+        </p:txBody>
+      </p:sp>
+      <p:sp>
+        <p:nvSpPr>
+          <p:cNvPr id="59" name="Oval 3"/>
+          <p:cNvSpPr/>
+          <p:nvPr/>
+        </p:nvSpPr>
+        <p:spPr>
+          <a:xfrm>
+            <a:off x="7158911" y="1750445"/>
+            <a:ext cx="710983" cy="695640"/>
+          </a:xfrm>
+          <a:prstGeom prst="ellipse">
+            <a:avLst/>
+          </a:prstGeom>
+          <a:ln>
+            <a:solidFill>
+              <a:schemeClr val="tx2"/>
+            </a:solidFill>
+          </a:ln>
+          <a:effectLst>
+            <a:outerShdw blurRad="50800" dist="38100" dir="2700000" algn="tl" rotWithShape="0">
+              <a:prstClr val="black">
+                <a:alpha val="40000"/>
+              </a:prstClr>
+            </a:outerShdw>
+          </a:effectLst>
+        </p:spPr>
+        <p:style>
+          <a:lnRef idx="2">
+            <a:schemeClr val="accent6"/>
+          </a:lnRef>
+          <a:fillRef idx="1">
+            <a:schemeClr val="lt1"/>
+          </a:fillRef>
+          <a:effectRef idx="0">
+            <a:schemeClr val="accent6"/>
+          </a:effectRef>
+          <a:fontRef idx="minor">
+            <a:schemeClr val="dk1"/>
+          </a:fontRef>
+        </p:style>
+        <p:txBody>
+          <a:bodyPr rtlCol="0" anchor="ctr"/>
+          <a:lstStyle/>
+          <a:p>
+            <a:pPr algn="ctr"/>
+            <a:endParaRPr lang="es-AR"/>
+          </a:p>
+        </p:txBody>
+      </p:sp>
+      <p:cxnSp>
+        <p:nvCxnSpPr>
+          <p:cNvPr id="60" name="39 Conector recto"/>
+          <p:cNvCxnSpPr>
+            <a:stCxn id="59" idx="0"/>
+            <a:endCxn id="59" idx="4"/>
+          </p:cNvCxnSpPr>
+          <p:nvPr/>
+        </p:nvCxnSpPr>
+        <p:spPr>
+          <a:xfrm>
+            <a:off x="7514403" y="1750445"/>
+            <a:ext cx="0" cy="695640"/>
+          </a:xfrm>
+          <a:prstGeom prst="line">
+            <a:avLst/>
+          </a:prstGeom>
+        </p:spPr>
+        <p:style>
+          <a:lnRef idx="1">
+            <a:schemeClr val="accent1"/>
+          </a:lnRef>
+          <a:fillRef idx="0">
+            <a:schemeClr val="accent1"/>
+          </a:fillRef>
+          <a:effectRef idx="0">
+            <a:schemeClr val="accent1"/>
+          </a:effectRef>
+          <a:fontRef idx="minor">
+            <a:schemeClr val="tx1"/>
+          </a:fontRef>
+        </p:style>
+      </p:cxnSp>
+      <p:cxnSp>
+        <p:nvCxnSpPr>
+          <p:cNvPr id="61" name="40 Conector recto"/>
+          <p:cNvCxnSpPr>
+            <a:stCxn id="59" idx="6"/>
+          </p:cNvCxnSpPr>
+          <p:nvPr/>
+        </p:nvCxnSpPr>
+        <p:spPr>
+          <a:xfrm flipH="1">
+            <a:off x="7523053" y="2098265"/>
+            <a:ext cx="346841" cy="978"/>
+          </a:xfrm>
+          <a:prstGeom prst="line">
+            <a:avLst/>
+          </a:prstGeom>
+        </p:spPr>
+        <p:style>
+          <a:lnRef idx="1">
+            <a:schemeClr val="accent1"/>
+          </a:lnRef>
+          <a:fillRef idx="0">
+            <a:schemeClr val="accent1"/>
+          </a:fillRef>
+          <a:effectRef idx="0">
+            <a:schemeClr val="accent1"/>
+          </a:effectRef>
+          <a:fontRef idx="minor">
+            <a:schemeClr val="tx1"/>
+          </a:fontRef>
+        </p:style>
+      </p:cxnSp>
+      <p:sp>
+        <p:nvSpPr>
+          <p:cNvPr id="62" name="41 CuadroTexto"/>
+          <p:cNvSpPr txBox="1"/>
+          <p:nvPr/>
+        </p:nvSpPr>
+        <p:spPr>
+          <a:xfrm>
+            <a:off x="7181467" y="1915313"/>
+            <a:ext cx="301686" cy="369332"/>
+          </a:xfrm>
+          <a:prstGeom prst="rect">
+            <a:avLst/>
+          </a:prstGeom>
+          <a:noFill/>
+        </p:spPr>
+        <p:txBody>
+          <a:bodyPr wrap="none" rtlCol="0">
+            <a:spAutoFit/>
+          </a:bodyPr>
+          <a:lstStyle/>
+          <a:p>
+            <a:r>
+              <a:rPr lang="es-AR" dirty="0" smtClean="0"/>
+              <a:t>5</a:t>
+            </a:r>
+            <a:endParaRPr lang="es-AR" dirty="0"/>
+          </a:p>
+        </p:txBody>
+      </p:sp>
+      <p:sp>
+        <p:nvSpPr>
+          <p:cNvPr id="63" name="42 CuadroTexto"/>
+          <p:cNvSpPr txBox="1"/>
+          <p:nvPr/>
+        </p:nvSpPr>
+        <p:spPr>
+          <a:xfrm>
+            <a:off x="7452696" y="1757659"/>
+            <a:ext cx="418704" cy="369332"/>
+          </a:xfrm>
+          <a:prstGeom prst="rect">
+            <a:avLst/>
+          </a:prstGeom>
+          <a:noFill/>
+        </p:spPr>
+        <p:txBody>
+          <a:bodyPr wrap="none" rtlCol="0">
+            <a:spAutoFit/>
+          </a:bodyPr>
+          <a:lstStyle/>
+          <a:p>
+            <a:r>
+              <a:rPr lang="es-AR" dirty="0" smtClean="0"/>
+              <a:t>10</a:t>
+            </a:r>
+            <a:endParaRPr lang="es-AR" dirty="0"/>
+          </a:p>
+        </p:txBody>
+      </p:sp>
+      <p:sp>
+        <p:nvSpPr>
+          <p:cNvPr id="64" name="43 CuadroTexto"/>
+          <p:cNvSpPr txBox="1"/>
+          <p:nvPr/>
+        </p:nvSpPr>
+        <p:spPr>
+          <a:xfrm>
+            <a:off x="7452696" y="2041437"/>
+            <a:ext cx="418704" cy="369332"/>
+          </a:xfrm>
+          <a:prstGeom prst="rect">
+            <a:avLst/>
+          </a:prstGeom>
+          <a:noFill/>
+        </p:spPr>
+        <p:txBody>
+          <a:bodyPr wrap="none" rtlCol="0">
+            <a:spAutoFit/>
+          </a:bodyPr>
+          <a:lstStyle/>
+          <a:p>
+            <a:r>
+              <a:rPr lang="es-AR" dirty="0" smtClean="0"/>
+              <a:t>10</a:t>
+            </a:r>
+            <a:endParaRPr lang="es-AR" dirty="0"/>
+          </a:p>
+        </p:txBody>
+      </p:sp>
+      <p:sp>
+        <p:nvSpPr>
+          <p:cNvPr id="65" name="Oval 3"/>
+          <p:cNvSpPr/>
+          <p:nvPr/>
+        </p:nvSpPr>
+        <p:spPr>
+          <a:xfrm>
+            <a:off x="6694889" y="3884090"/>
+            <a:ext cx="710983" cy="695640"/>
+          </a:xfrm>
+          <a:prstGeom prst="ellipse">
+            <a:avLst/>
+          </a:prstGeom>
+          <a:ln>
+            <a:solidFill>
+              <a:schemeClr val="tx2"/>
+            </a:solidFill>
+          </a:ln>
+          <a:effectLst>
+            <a:outerShdw blurRad="50800" dist="38100" dir="2700000" algn="tl" rotWithShape="0">
+              <a:prstClr val="black">
+                <a:alpha val="40000"/>
+              </a:prstClr>
+            </a:outerShdw>
+          </a:effectLst>
+        </p:spPr>
+        <p:style>
+          <a:lnRef idx="2">
+            <a:schemeClr val="accent6"/>
+          </a:lnRef>
+          <a:fillRef idx="1">
+            <a:schemeClr val="lt1"/>
+          </a:fillRef>
+          <a:effectRef idx="0">
+            <a:schemeClr val="accent6"/>
+          </a:effectRef>
+          <a:fontRef idx="minor">
+            <a:schemeClr val="dk1"/>
+          </a:fontRef>
+        </p:style>
+        <p:txBody>
+          <a:bodyPr rtlCol="0" anchor="ctr"/>
+          <a:lstStyle/>
+          <a:p>
+            <a:pPr algn="ctr"/>
+            <a:endParaRPr lang="es-AR"/>
+          </a:p>
+        </p:txBody>
+      </p:sp>
+      <p:cxnSp>
+        <p:nvCxnSpPr>
+          <p:cNvPr id="66" name="39 Conector recto"/>
+          <p:cNvCxnSpPr>
+            <a:stCxn id="65" idx="0"/>
+            <a:endCxn id="65" idx="4"/>
+          </p:cNvCxnSpPr>
+          <p:nvPr/>
+        </p:nvCxnSpPr>
+        <p:spPr>
+          <a:xfrm>
+            <a:off x="7050381" y="3884090"/>
+            <a:ext cx="0" cy="695640"/>
+          </a:xfrm>
+          <a:prstGeom prst="line">
+            <a:avLst/>
+          </a:prstGeom>
+        </p:spPr>
+        <p:style>
+          <a:lnRef idx="1">
+            <a:schemeClr val="accent1"/>
+          </a:lnRef>
+          <a:fillRef idx="0">
+            <a:schemeClr val="accent1"/>
+          </a:fillRef>
+          <a:effectRef idx="0">
+            <a:schemeClr val="accent1"/>
+          </a:effectRef>
+          <a:fontRef idx="minor">
+            <a:schemeClr val="tx1"/>
+          </a:fontRef>
+        </p:style>
+      </p:cxnSp>
+      <p:cxnSp>
+        <p:nvCxnSpPr>
+          <p:cNvPr id="67" name="40 Conector recto"/>
+          <p:cNvCxnSpPr>
+            <a:stCxn id="65" idx="6"/>
+          </p:cNvCxnSpPr>
+          <p:nvPr/>
+        </p:nvCxnSpPr>
+        <p:spPr>
+          <a:xfrm flipH="1">
+            <a:off x="7059031" y="4231910"/>
+            <a:ext cx="346841" cy="978"/>
+          </a:xfrm>
+          <a:prstGeom prst="line">
+            <a:avLst/>
+          </a:prstGeom>
+        </p:spPr>
+        <p:style>
+          <a:lnRef idx="1">
+            <a:schemeClr val="accent1"/>
+          </a:lnRef>
+          <a:fillRef idx="0">
+            <a:schemeClr val="accent1"/>
+          </a:fillRef>
+          <a:effectRef idx="0">
+            <a:schemeClr val="accent1"/>
+          </a:effectRef>
+          <a:fontRef idx="minor">
+            <a:schemeClr val="tx1"/>
+          </a:fontRef>
+        </p:style>
+      </p:cxnSp>
+      <p:sp>
+        <p:nvSpPr>
+          <p:cNvPr id="68" name="41 CuadroTexto"/>
+          <p:cNvSpPr txBox="1"/>
+          <p:nvPr/>
+        </p:nvSpPr>
+        <p:spPr>
+          <a:xfrm>
+            <a:off x="6717445" y="4048958"/>
+            <a:ext cx="301686" cy="369332"/>
+          </a:xfrm>
+          <a:prstGeom prst="rect">
+            <a:avLst/>
+          </a:prstGeom>
+          <a:noFill/>
+        </p:spPr>
+        <p:txBody>
+          <a:bodyPr wrap="none" rtlCol="0">
+            <a:spAutoFit/>
+          </a:bodyPr>
+          <a:lstStyle/>
+          <a:p>
+            <a:r>
+              <a:rPr lang="es-AR" dirty="0" smtClean="0"/>
+              <a:t>6</a:t>
+            </a:r>
+            <a:endParaRPr lang="es-AR" dirty="0"/>
+          </a:p>
+        </p:txBody>
+      </p:sp>
+      <p:sp>
+        <p:nvSpPr>
+          <p:cNvPr id="69" name="42 CuadroTexto"/>
+          <p:cNvSpPr txBox="1"/>
+          <p:nvPr/>
+        </p:nvSpPr>
+        <p:spPr>
+          <a:xfrm>
+            <a:off x="7002322" y="3918600"/>
+            <a:ext cx="301686" cy="369332"/>
+          </a:xfrm>
+          <a:prstGeom prst="rect">
+            <a:avLst/>
+          </a:prstGeom>
+          <a:noFill/>
+        </p:spPr>
+        <p:txBody>
+          <a:bodyPr wrap="none" rtlCol="0">
+            <a:spAutoFit/>
+          </a:bodyPr>
+          <a:lstStyle/>
+          <a:p>
+            <a:r>
+              <a:rPr lang="es-AR" dirty="0" smtClean="0"/>
+              <a:t>9</a:t>
+            </a:r>
+            <a:endParaRPr lang="es-AR" dirty="0"/>
+          </a:p>
+        </p:txBody>
+      </p:sp>
+      <p:sp>
+        <p:nvSpPr>
+          <p:cNvPr id="70" name="43 CuadroTexto"/>
+          <p:cNvSpPr txBox="1"/>
+          <p:nvPr/>
+        </p:nvSpPr>
+        <p:spPr>
+          <a:xfrm>
+            <a:off x="7002322" y="4175082"/>
+            <a:ext cx="418704" cy="369332"/>
+          </a:xfrm>
+          <a:prstGeom prst="rect">
+            <a:avLst/>
+          </a:prstGeom>
+          <a:noFill/>
+        </p:spPr>
+        <p:txBody>
+          <a:bodyPr wrap="none" rtlCol="0">
+            <a:spAutoFit/>
+          </a:bodyPr>
+          <a:lstStyle/>
+          <a:p>
+            <a:r>
+              <a:rPr lang="es-AR" dirty="0" smtClean="0"/>
+              <a:t>10</a:t>
+            </a:r>
+            <a:endParaRPr lang="es-AR" dirty="0"/>
+          </a:p>
+        </p:txBody>
+      </p:sp>
+      <p:cxnSp>
+        <p:nvCxnSpPr>
+          <p:cNvPr id="78" name="Straight Arrow Connector 77"/>
+          <p:cNvCxnSpPr>
+            <a:stCxn id="35" idx="6"/>
+            <a:endCxn id="41" idx="2"/>
+          </p:cNvCxnSpPr>
+          <p:nvPr/>
+        </p:nvCxnSpPr>
+        <p:spPr>
+          <a:xfrm>
+            <a:off x="1968473" y="3700490"/>
+            <a:ext cx="1259884" cy="1612894"/>
+          </a:xfrm>
+          <a:prstGeom prst="straightConnector1">
+            <a:avLst/>
+          </a:prstGeom>
+          <a:ln w="38100">
+            <a:tailEnd type="arrow"/>
+          </a:ln>
+        </p:spPr>
+        <p:style>
+          <a:lnRef idx="3">
+            <a:schemeClr val="accent2"/>
+          </a:lnRef>
+          <a:fillRef idx="0">
+            <a:schemeClr val="accent2"/>
+          </a:fillRef>
+          <a:effectRef idx="2">
+            <a:schemeClr val="accent2"/>
+          </a:effectRef>
+          <a:fontRef idx="minor">
+            <a:schemeClr val="tx1"/>
+          </a:fontRef>
+        </p:style>
+      </p:cxnSp>
+      <p:cxnSp>
+        <p:nvCxnSpPr>
+          <p:cNvPr id="80" name="Straight Arrow Connector 79"/>
+          <p:cNvCxnSpPr>
+            <a:stCxn id="41" idx="0"/>
+            <a:endCxn id="47" idx="2"/>
+          </p:cNvCxnSpPr>
+          <p:nvPr/>
+        </p:nvCxnSpPr>
+        <p:spPr>
+          <a:xfrm flipV="1">
+            <a:off x="3583849" y="1986103"/>
+            <a:ext cx="1004693" cy="2979461"/>
+          </a:xfrm>
+          <a:prstGeom prst="straightConnector1">
+            <a:avLst/>
+          </a:prstGeom>
+          <a:ln w="38100">
+            <a:tailEnd type="arrow"/>
+          </a:ln>
+        </p:spPr>
+        <p:style>
+          <a:lnRef idx="1">
+            <a:schemeClr val="accent1"/>
+          </a:lnRef>
+          <a:fillRef idx="0">
+            <a:schemeClr val="accent1"/>
+          </a:fillRef>
+          <a:effectRef idx="0">
+            <a:schemeClr val="accent1"/>
+          </a:effectRef>
+          <a:fontRef idx="minor">
+            <a:schemeClr val="tx1"/>
+          </a:fontRef>
+        </p:style>
+      </p:cxnSp>
+      <p:cxnSp>
+        <p:nvCxnSpPr>
+          <p:cNvPr id="82" name="Straight Arrow Connector 81"/>
+          <p:cNvCxnSpPr>
+            <a:stCxn id="41" idx="7"/>
+            <a:endCxn id="53" idx="2"/>
+          </p:cNvCxnSpPr>
+          <p:nvPr/>
+        </p:nvCxnSpPr>
+        <p:spPr>
+          <a:xfrm flipV="1">
+            <a:off x="3835219" y="4240466"/>
+            <a:ext cx="1184598" cy="826972"/>
+          </a:xfrm>
+          <a:prstGeom prst="straightConnector1">
+            <a:avLst/>
+          </a:prstGeom>
+          <a:ln w="38100">
+            <a:tailEnd type="arrow"/>
+          </a:ln>
+        </p:spPr>
+        <p:style>
+          <a:lnRef idx="3">
+            <a:schemeClr val="accent2"/>
+          </a:lnRef>
+          <a:fillRef idx="0">
+            <a:schemeClr val="accent2"/>
+          </a:fillRef>
+          <a:effectRef idx="2">
+            <a:schemeClr val="accent2"/>
+          </a:effectRef>
+          <a:fontRef idx="minor">
+            <a:schemeClr val="tx1"/>
+          </a:fontRef>
+        </p:style>
+      </p:cxnSp>
+      <p:cxnSp>
+        <p:nvCxnSpPr>
+          <p:cNvPr id="84" name="Straight Arrow Connector 83"/>
+          <p:cNvCxnSpPr>
+            <a:stCxn id="53" idx="7"/>
+            <a:endCxn id="59" idx="3"/>
+          </p:cNvCxnSpPr>
+          <p:nvPr/>
+        </p:nvCxnSpPr>
+        <p:spPr>
+          <a:xfrm flipV="1">
+            <a:off x="5626679" y="2344211"/>
+            <a:ext cx="1636353" cy="1650309"/>
+          </a:xfrm>
+          <a:prstGeom prst="straightConnector1">
+            <a:avLst/>
+          </a:prstGeom>
+          <a:ln w="38100">
+            <a:tailEnd type="arrow"/>
+          </a:ln>
+        </p:spPr>
+        <p:style>
+          <a:lnRef idx="3">
+            <a:schemeClr val="accent2"/>
+          </a:lnRef>
+          <a:fillRef idx="0">
+            <a:schemeClr val="accent2"/>
+          </a:fillRef>
+          <a:effectRef idx="2">
+            <a:schemeClr val="accent2"/>
+          </a:effectRef>
+          <a:fontRef idx="minor">
+            <a:schemeClr val="tx1"/>
+          </a:fontRef>
+        </p:style>
+      </p:cxnSp>
+      <p:cxnSp>
+        <p:nvCxnSpPr>
+          <p:cNvPr id="86" name="Straight Arrow Connector 85"/>
+          <p:cNvCxnSpPr>
+            <a:stCxn id="47" idx="4"/>
+            <a:endCxn id="53" idx="0"/>
+          </p:cNvCxnSpPr>
+          <p:nvPr/>
+        </p:nvCxnSpPr>
+        <p:spPr>
+          <a:xfrm>
+            <a:off x="4944034" y="2333923"/>
+            <a:ext cx="431275" cy="1558723"/>
+          </a:xfrm>
+          <a:prstGeom prst="straightConnector1">
+            <a:avLst/>
+          </a:prstGeom>
+          <a:ln w="38100">
+            <a:prstDash val="solid"/>
+            <a:tailEnd type="arrow"/>
+          </a:ln>
+        </p:spPr>
+        <p:style>
+          <a:lnRef idx="1">
+            <a:schemeClr val="accent1"/>
+          </a:lnRef>
+          <a:fillRef idx="0">
+            <a:schemeClr val="accent1"/>
+          </a:fillRef>
+          <a:effectRef idx="0">
+            <a:schemeClr val="accent1"/>
+          </a:effectRef>
+          <a:fontRef idx="minor">
+            <a:schemeClr val="tx1"/>
+          </a:fontRef>
+        </p:style>
+      </p:cxnSp>
+      <p:sp>
+        <p:nvSpPr>
+          <p:cNvPr id="97" name="45 CuadroTexto"/>
+          <p:cNvSpPr txBox="1"/>
+          <p:nvPr/>
+        </p:nvSpPr>
+        <p:spPr>
+          <a:xfrm>
+            <a:off x="2305141" y="3883043"/>
+            <a:ext cx="317716" cy="369332"/>
+          </a:xfrm>
+          <a:prstGeom prst="rect">
+            <a:avLst/>
+          </a:prstGeom>
+          <a:noFill/>
+        </p:spPr>
+        <p:txBody>
+          <a:bodyPr wrap="none" rtlCol="0">
+            <a:spAutoFit/>
+          </a:bodyPr>
+          <a:lstStyle/>
+          <a:p>
+            <a:r>
+              <a:rPr lang="es-AR" dirty="0" smtClean="0"/>
+              <a:t>A</a:t>
+            </a:r>
+            <a:endParaRPr lang="es-AR" dirty="0"/>
+          </a:p>
+        </p:txBody>
+      </p:sp>
+      <p:sp>
+        <p:nvSpPr>
+          <p:cNvPr id="98" name="45 CuadroTexto"/>
+          <p:cNvSpPr txBox="1"/>
+          <p:nvPr/>
+        </p:nvSpPr>
+        <p:spPr>
+          <a:xfrm>
+            <a:off x="3967424" y="2848989"/>
+            <a:ext cx="309700" cy="369332"/>
+          </a:xfrm>
+          <a:prstGeom prst="rect">
+            <a:avLst/>
+          </a:prstGeom>
+          <a:noFill/>
+        </p:spPr>
+        <p:txBody>
+          <a:bodyPr wrap="none" rtlCol="0">
+            <a:spAutoFit/>
+          </a:bodyPr>
+          <a:lstStyle/>
+          <a:p>
+            <a:r>
+              <a:rPr lang="es-AR" dirty="0"/>
+              <a:t>B</a:t>
+            </a:r>
+          </a:p>
+        </p:txBody>
+      </p:sp>
+      <p:sp>
+        <p:nvSpPr>
+          <p:cNvPr id="99" name="45 CuadroTexto"/>
+          <p:cNvSpPr txBox="1"/>
+          <p:nvPr/>
+        </p:nvSpPr>
+        <p:spPr>
+          <a:xfrm>
+            <a:off x="5230400" y="3056413"/>
+            <a:ext cx="327334" cy="369332"/>
+          </a:xfrm>
+          <a:prstGeom prst="rect">
+            <a:avLst/>
+          </a:prstGeom>
+          <a:noFill/>
+        </p:spPr>
+        <p:txBody>
+          <a:bodyPr wrap="none" rtlCol="0">
+            <a:spAutoFit/>
+          </a:bodyPr>
+          <a:lstStyle/>
+          <a:p>
+            <a:r>
+              <a:rPr lang="es-AR" dirty="0" smtClean="0"/>
+              <a:t>D</a:t>
+            </a:r>
+            <a:endParaRPr lang="es-AR" dirty="0"/>
+          </a:p>
+        </p:txBody>
+      </p:sp>
+      <p:sp>
+        <p:nvSpPr>
+          <p:cNvPr id="100" name="45 CuadroTexto"/>
+          <p:cNvSpPr txBox="1"/>
+          <p:nvPr/>
+        </p:nvSpPr>
+        <p:spPr>
+          <a:xfrm>
+            <a:off x="4294969" y="4313043"/>
+            <a:ext cx="308098" cy="369332"/>
+          </a:xfrm>
+          <a:prstGeom prst="rect">
+            <a:avLst/>
+          </a:prstGeom>
+          <a:noFill/>
+        </p:spPr>
+        <p:txBody>
+          <a:bodyPr wrap="none" rtlCol="0">
+            <a:spAutoFit/>
+          </a:bodyPr>
+          <a:lstStyle/>
+          <a:p>
+            <a:r>
+              <a:rPr lang="es-AR" dirty="0" smtClean="0"/>
+              <a:t>C</a:t>
+            </a:r>
+            <a:endParaRPr lang="es-AR" dirty="0"/>
+          </a:p>
+        </p:txBody>
+      </p:sp>
+      <p:sp>
+        <p:nvSpPr>
+          <p:cNvPr id="101" name="45 CuadroTexto"/>
+          <p:cNvSpPr txBox="1"/>
+          <p:nvPr/>
+        </p:nvSpPr>
+        <p:spPr>
+          <a:xfrm>
+            <a:off x="6308572" y="2806605"/>
+            <a:ext cx="296876" cy="369332"/>
+          </a:xfrm>
+          <a:prstGeom prst="rect">
+            <a:avLst/>
+          </a:prstGeom>
+          <a:noFill/>
+        </p:spPr>
+        <p:txBody>
+          <a:bodyPr wrap="none" rtlCol="0">
+            <a:spAutoFit/>
+          </a:bodyPr>
+          <a:lstStyle/>
+          <a:p>
+            <a:r>
+              <a:rPr lang="es-AR" dirty="0" smtClean="0"/>
+              <a:t>F</a:t>
+            </a:r>
+            <a:endParaRPr lang="es-AR" dirty="0"/>
+          </a:p>
+        </p:txBody>
+      </p:sp>
+      <p:sp>
+        <p:nvSpPr>
+          <p:cNvPr id="77" name="47 CuadroTexto"/>
+          <p:cNvSpPr txBox="1"/>
+          <p:nvPr/>
+        </p:nvSpPr>
+        <p:spPr>
+          <a:xfrm>
+            <a:off x="2325980" y="4425899"/>
+            <a:ext cx="276038" cy="307777"/>
+          </a:xfrm>
+          <a:prstGeom prst="rect">
+            <a:avLst/>
+          </a:prstGeom>
+          <a:noFill/>
+        </p:spPr>
+        <p:txBody>
+          <a:bodyPr wrap="none" rtlCol="0">
+            <a:spAutoFit/>
+          </a:bodyPr>
+          <a:lstStyle/>
+          <a:p>
+            <a:r>
+              <a:rPr lang="es-AR" sz="1400" dirty="0" smtClean="0">
+                <a:solidFill>
+                  <a:srgbClr val="00B050"/>
+                </a:solidFill>
+              </a:rPr>
+              <a:t>4</a:t>
+            </a:r>
+            <a:endParaRPr lang="es-AR" sz="1400" dirty="0">
+              <a:solidFill>
+                <a:srgbClr val="00B050"/>
+              </a:solidFill>
+            </a:endParaRPr>
+          </a:p>
+        </p:txBody>
+      </p:sp>
+      <p:sp>
+        <p:nvSpPr>
+          <p:cNvPr id="79" name="47 CuadroTexto"/>
+          <p:cNvSpPr txBox="1"/>
+          <p:nvPr/>
+        </p:nvSpPr>
+        <p:spPr>
+          <a:xfrm>
+            <a:off x="4477314" y="4616768"/>
+            <a:ext cx="276038" cy="307777"/>
+          </a:xfrm>
+          <a:prstGeom prst="rect">
+            <a:avLst/>
+          </a:prstGeom>
+          <a:noFill/>
+        </p:spPr>
+        <p:txBody>
+          <a:bodyPr wrap="none" rtlCol="0">
+            <a:spAutoFit/>
+          </a:bodyPr>
+          <a:lstStyle/>
+          <a:p>
+            <a:r>
+              <a:rPr lang="es-AR" sz="1400" dirty="0" smtClean="0">
+                <a:solidFill>
+                  <a:srgbClr val="00B050"/>
+                </a:solidFill>
+              </a:rPr>
+              <a:t>3</a:t>
+            </a:r>
+            <a:endParaRPr lang="es-AR" sz="1400" dirty="0">
+              <a:solidFill>
+                <a:srgbClr val="00B050"/>
+              </a:solidFill>
+            </a:endParaRPr>
+          </a:p>
+        </p:txBody>
+      </p:sp>
+      <p:sp>
+        <p:nvSpPr>
+          <p:cNvPr id="81" name="47 CuadroTexto"/>
+          <p:cNvSpPr txBox="1"/>
+          <p:nvPr/>
+        </p:nvSpPr>
+        <p:spPr>
+          <a:xfrm>
+            <a:off x="4203949" y="3115887"/>
+            <a:ext cx="276038" cy="307777"/>
+          </a:xfrm>
+          <a:prstGeom prst="rect">
+            <a:avLst/>
+          </a:prstGeom>
+          <a:noFill/>
+        </p:spPr>
+        <p:txBody>
+          <a:bodyPr wrap="none" rtlCol="0">
+            <a:spAutoFit/>
+          </a:bodyPr>
+          <a:lstStyle/>
+          <a:p>
+            <a:r>
+              <a:rPr lang="es-AR" sz="1400" dirty="0" smtClean="0">
+                <a:solidFill>
+                  <a:srgbClr val="00B050"/>
+                </a:solidFill>
+              </a:rPr>
+              <a:t>2</a:t>
+            </a:r>
+            <a:endParaRPr lang="es-AR" sz="1400" dirty="0">
+              <a:solidFill>
+                <a:srgbClr val="00B050"/>
+              </a:solidFill>
+            </a:endParaRPr>
+          </a:p>
+        </p:txBody>
+      </p:sp>
+      <p:sp>
+        <p:nvSpPr>
+          <p:cNvPr id="83" name="47 CuadroTexto"/>
+          <p:cNvSpPr txBox="1"/>
+          <p:nvPr/>
+        </p:nvSpPr>
+        <p:spPr>
+          <a:xfrm>
+            <a:off x="4833074" y="3170478"/>
+            <a:ext cx="276038" cy="307777"/>
+          </a:xfrm>
+          <a:prstGeom prst="rect">
+            <a:avLst/>
+          </a:prstGeom>
+          <a:noFill/>
+        </p:spPr>
+        <p:txBody>
+          <a:bodyPr wrap="none" rtlCol="0">
+            <a:spAutoFit/>
+          </a:bodyPr>
+          <a:lstStyle/>
+          <a:p>
+            <a:r>
+              <a:rPr lang="es-AR" sz="1400" dirty="0" smtClean="0">
+                <a:solidFill>
+                  <a:srgbClr val="00B050"/>
+                </a:solidFill>
+              </a:rPr>
+              <a:t>0</a:t>
+            </a:r>
+            <a:endParaRPr lang="es-AR" sz="1400" dirty="0">
+              <a:solidFill>
+                <a:srgbClr val="00B050"/>
+              </a:solidFill>
+            </a:endParaRPr>
+          </a:p>
+        </p:txBody>
+      </p:sp>
+      <p:sp>
+        <p:nvSpPr>
+          <p:cNvPr id="85" name="47 CuadroTexto"/>
+          <p:cNvSpPr txBox="1"/>
+          <p:nvPr/>
+        </p:nvSpPr>
+        <p:spPr>
+          <a:xfrm>
+            <a:off x="6566339" y="3079642"/>
+            <a:ext cx="276038" cy="307777"/>
+          </a:xfrm>
+          <a:prstGeom prst="rect">
+            <a:avLst/>
+          </a:prstGeom>
+          <a:noFill/>
+        </p:spPr>
+        <p:txBody>
+          <a:bodyPr wrap="none" rtlCol="0">
+            <a:spAutoFit/>
+          </a:bodyPr>
+          <a:lstStyle/>
+          <a:p>
+            <a:r>
+              <a:rPr lang="es-AR" sz="1400" dirty="0" smtClean="0">
+                <a:solidFill>
+                  <a:srgbClr val="00B050"/>
+                </a:solidFill>
+              </a:rPr>
+              <a:t>3</a:t>
+            </a:r>
+            <a:endParaRPr lang="es-AR" sz="1400" dirty="0">
+              <a:solidFill>
+                <a:srgbClr val="00B050"/>
+              </a:solidFill>
+            </a:endParaRPr>
+          </a:p>
+        </p:txBody>
+      </p:sp>
+      <p:sp>
+        <p:nvSpPr>
+          <p:cNvPr id="124" name="Oval 3"/>
+          <p:cNvSpPr/>
+          <p:nvPr/>
+        </p:nvSpPr>
+        <p:spPr>
+          <a:xfrm>
+            <a:off x="8785271" y="4923595"/>
+            <a:ext cx="710983" cy="695640"/>
+          </a:xfrm>
+          <a:prstGeom prst="ellipse">
+            <a:avLst/>
+          </a:prstGeom>
+          <a:ln>
+            <a:solidFill>
+              <a:schemeClr val="tx2"/>
+            </a:solidFill>
+          </a:ln>
+          <a:effectLst>
+            <a:outerShdw blurRad="50800" dist="38100" dir="2700000" algn="tl" rotWithShape="0">
+              <a:prstClr val="black">
+                <a:alpha val="40000"/>
+              </a:prstClr>
+            </a:outerShdw>
+          </a:effectLst>
+        </p:spPr>
+        <p:style>
+          <a:lnRef idx="2">
+            <a:schemeClr val="accent6"/>
+          </a:lnRef>
+          <a:fillRef idx="1">
+            <a:schemeClr val="lt1"/>
+          </a:fillRef>
+          <a:effectRef idx="0">
+            <a:schemeClr val="accent6"/>
+          </a:effectRef>
+          <a:fontRef idx="minor">
+            <a:schemeClr val="dk1"/>
+          </a:fontRef>
+        </p:style>
+        <p:txBody>
+          <a:bodyPr rtlCol="0" anchor="ctr"/>
+          <a:lstStyle/>
+          <a:p>
+            <a:pPr algn="ctr"/>
+            <a:endParaRPr lang="es-AR"/>
+          </a:p>
+        </p:txBody>
+      </p:sp>
+      <p:cxnSp>
+        <p:nvCxnSpPr>
+          <p:cNvPr id="125" name="39 Conector recto"/>
+          <p:cNvCxnSpPr>
+            <a:stCxn id="124" idx="0"/>
+            <a:endCxn id="124" idx="4"/>
+          </p:cNvCxnSpPr>
+          <p:nvPr/>
+        </p:nvCxnSpPr>
+        <p:spPr>
+          <a:xfrm>
+            <a:off x="9140763" y="4923595"/>
+            <a:ext cx="0" cy="695640"/>
+          </a:xfrm>
+          <a:prstGeom prst="line">
+            <a:avLst/>
+          </a:prstGeom>
+        </p:spPr>
+        <p:style>
+          <a:lnRef idx="1">
+            <a:schemeClr val="accent1"/>
+          </a:lnRef>
+          <a:fillRef idx="0">
+            <a:schemeClr val="accent1"/>
+          </a:fillRef>
+          <a:effectRef idx="0">
+            <a:schemeClr val="accent1"/>
+          </a:effectRef>
+          <a:fontRef idx="minor">
+            <a:schemeClr val="tx1"/>
+          </a:fontRef>
+        </p:style>
+      </p:cxnSp>
+      <p:cxnSp>
+        <p:nvCxnSpPr>
+          <p:cNvPr id="126" name="40 Conector recto"/>
+          <p:cNvCxnSpPr>
+            <a:stCxn id="124" idx="6"/>
+          </p:cNvCxnSpPr>
+          <p:nvPr/>
+        </p:nvCxnSpPr>
+        <p:spPr>
+          <a:xfrm flipH="1">
+            <a:off x="9149413" y="5271415"/>
+            <a:ext cx="346841" cy="978"/>
+          </a:xfrm>
+          <a:prstGeom prst="line">
+            <a:avLst/>
+          </a:prstGeom>
+        </p:spPr>
+        <p:style>
+          <a:lnRef idx="1">
+            <a:schemeClr val="accent1"/>
+          </a:lnRef>
+          <a:fillRef idx="0">
+            <a:schemeClr val="accent1"/>
+          </a:fillRef>
+          <a:effectRef idx="0">
+            <a:schemeClr val="accent1"/>
+          </a:effectRef>
+          <a:fontRef idx="minor">
+            <a:schemeClr val="tx1"/>
+          </a:fontRef>
+        </p:style>
+      </p:cxnSp>
+      <p:sp>
+        <p:nvSpPr>
+          <p:cNvPr id="127" name="41 CuadroTexto"/>
+          <p:cNvSpPr txBox="1"/>
+          <p:nvPr/>
+        </p:nvSpPr>
+        <p:spPr>
+          <a:xfrm>
+            <a:off x="8807827" y="5088463"/>
+            <a:ext cx="301686" cy="369332"/>
+          </a:xfrm>
+          <a:prstGeom prst="rect">
+            <a:avLst/>
+          </a:prstGeom>
+          <a:noFill/>
+        </p:spPr>
+        <p:txBody>
+          <a:bodyPr wrap="none" rtlCol="0">
+            <a:spAutoFit/>
+          </a:bodyPr>
+          <a:lstStyle/>
+          <a:p>
+            <a:r>
+              <a:rPr lang="es-AR" dirty="0" smtClean="0"/>
+              <a:t>7</a:t>
+            </a:r>
+            <a:endParaRPr lang="es-AR" dirty="0"/>
+          </a:p>
+        </p:txBody>
+      </p:sp>
+      <p:sp>
+        <p:nvSpPr>
+          <p:cNvPr id="128" name="42 CuadroTexto"/>
+          <p:cNvSpPr txBox="1"/>
+          <p:nvPr/>
+        </p:nvSpPr>
+        <p:spPr>
+          <a:xfrm>
+            <a:off x="9092704" y="4958105"/>
+            <a:ext cx="418704" cy="369332"/>
+          </a:xfrm>
+          <a:prstGeom prst="rect">
+            <a:avLst/>
+          </a:prstGeom>
+          <a:noFill/>
+        </p:spPr>
+        <p:txBody>
+          <a:bodyPr wrap="none" rtlCol="0">
+            <a:spAutoFit/>
+          </a:bodyPr>
+          <a:lstStyle/>
+          <a:p>
+            <a:r>
+              <a:rPr lang="es-AR" dirty="0" smtClean="0"/>
+              <a:t>12</a:t>
+            </a:r>
+            <a:endParaRPr lang="es-AR" dirty="0"/>
+          </a:p>
+        </p:txBody>
+      </p:sp>
+      <p:sp>
+        <p:nvSpPr>
+          <p:cNvPr id="129" name="43 CuadroTexto"/>
+          <p:cNvSpPr txBox="1"/>
+          <p:nvPr/>
+        </p:nvSpPr>
+        <p:spPr>
+          <a:xfrm>
+            <a:off x="9092704" y="5214587"/>
+            <a:ext cx="418704" cy="369332"/>
+          </a:xfrm>
+          <a:prstGeom prst="rect">
+            <a:avLst/>
+          </a:prstGeom>
+          <a:noFill/>
+        </p:spPr>
+        <p:txBody>
+          <a:bodyPr wrap="none" rtlCol="0">
+            <a:spAutoFit/>
+          </a:bodyPr>
+          <a:lstStyle/>
+          <a:p>
+            <a:r>
+              <a:rPr lang="es-AR" dirty="0" smtClean="0"/>
+              <a:t>12</a:t>
+            </a:r>
+            <a:endParaRPr lang="es-AR" dirty="0"/>
+          </a:p>
+        </p:txBody>
+      </p:sp>
+      <p:sp>
+        <p:nvSpPr>
+          <p:cNvPr id="130" name="45 CuadroTexto"/>
+          <p:cNvSpPr txBox="1"/>
+          <p:nvPr/>
+        </p:nvSpPr>
+        <p:spPr>
+          <a:xfrm>
+            <a:off x="8426251" y="3327495"/>
+            <a:ext cx="328936" cy="369332"/>
+          </a:xfrm>
+          <a:prstGeom prst="rect">
+            <a:avLst/>
+          </a:prstGeom>
+          <a:noFill/>
+        </p:spPr>
+        <p:txBody>
+          <a:bodyPr wrap="none" rtlCol="0">
+            <a:spAutoFit/>
+          </a:bodyPr>
+          <a:lstStyle/>
+          <a:p>
+            <a:r>
+              <a:rPr lang="es-AR" dirty="0" smtClean="0"/>
+              <a:t>H</a:t>
+            </a:r>
+            <a:endParaRPr lang="es-AR" dirty="0"/>
+          </a:p>
+        </p:txBody>
+      </p:sp>
+      <p:sp>
+        <p:nvSpPr>
+          <p:cNvPr id="131" name="47 CuadroTexto"/>
+          <p:cNvSpPr txBox="1"/>
+          <p:nvPr/>
+        </p:nvSpPr>
+        <p:spPr>
+          <a:xfrm>
+            <a:off x="8151757" y="3600532"/>
+            <a:ext cx="276038" cy="307777"/>
+          </a:xfrm>
+          <a:prstGeom prst="rect">
+            <a:avLst/>
+          </a:prstGeom>
+          <a:noFill/>
+        </p:spPr>
+        <p:txBody>
+          <a:bodyPr wrap="none" rtlCol="0">
+            <a:spAutoFit/>
+          </a:bodyPr>
+          <a:lstStyle/>
+          <a:p>
+            <a:r>
+              <a:rPr lang="es-AR" sz="1400" dirty="0" smtClean="0">
+                <a:solidFill>
+                  <a:srgbClr val="00B050"/>
+                </a:solidFill>
+              </a:rPr>
+              <a:t>2</a:t>
+            </a:r>
+            <a:endParaRPr lang="es-AR" sz="1400" dirty="0">
+              <a:solidFill>
+                <a:srgbClr val="00B050"/>
+              </a:solidFill>
+            </a:endParaRPr>
+          </a:p>
+        </p:txBody>
+      </p:sp>
+      <p:cxnSp>
+        <p:nvCxnSpPr>
+          <p:cNvPr id="132" name="Straight Arrow Connector 131"/>
+          <p:cNvCxnSpPr>
+            <a:stCxn id="59" idx="5"/>
+            <a:endCxn id="124" idx="0"/>
+          </p:cNvCxnSpPr>
+          <p:nvPr/>
+        </p:nvCxnSpPr>
+        <p:spPr>
+          <a:xfrm>
+            <a:off x="7765773" y="2344211"/>
+            <a:ext cx="1374990" cy="2579384"/>
+          </a:xfrm>
+          <a:prstGeom prst="straightConnector1">
+            <a:avLst/>
+          </a:prstGeom>
+          <a:ln w="38100">
+            <a:tailEnd type="arrow"/>
+          </a:ln>
+        </p:spPr>
+        <p:style>
+          <a:lnRef idx="3">
+            <a:schemeClr val="accent2"/>
+          </a:lnRef>
+          <a:fillRef idx="0">
+            <a:schemeClr val="accent2"/>
+          </a:fillRef>
+          <a:effectRef idx="2">
+            <a:schemeClr val="accent2"/>
+          </a:effectRef>
+          <a:fontRef idx="minor">
+            <a:schemeClr val="tx1"/>
+          </a:fontRef>
+        </p:style>
+      </p:cxnSp>
+      <p:cxnSp>
+        <p:nvCxnSpPr>
+          <p:cNvPr id="136" name="Straight Arrow Connector 135"/>
+          <p:cNvCxnSpPr>
+            <a:stCxn id="53" idx="6"/>
+            <a:endCxn id="65" idx="2"/>
+          </p:cNvCxnSpPr>
+          <p:nvPr/>
+        </p:nvCxnSpPr>
+        <p:spPr>
+          <a:xfrm flipV="1">
+            <a:off x="5730800" y="4231910"/>
+            <a:ext cx="964089" cy="8556"/>
+          </a:xfrm>
+          <a:prstGeom prst="straightConnector1">
+            <a:avLst/>
+          </a:prstGeom>
+          <a:ln w="38100">
+            <a:tailEnd type="arrow"/>
+          </a:ln>
+        </p:spPr>
+        <p:style>
+          <a:lnRef idx="1">
+            <a:schemeClr val="accent1"/>
+          </a:lnRef>
+          <a:fillRef idx="0">
+            <a:schemeClr val="accent1"/>
+          </a:fillRef>
+          <a:effectRef idx="0">
+            <a:schemeClr val="accent1"/>
+          </a:effectRef>
+          <a:fontRef idx="minor">
+            <a:schemeClr val="tx1"/>
+          </a:fontRef>
+        </p:style>
+      </p:cxnSp>
+      <p:cxnSp>
+        <p:nvCxnSpPr>
+          <p:cNvPr id="140" name="Straight Arrow Connector 139"/>
+          <p:cNvCxnSpPr>
+            <a:stCxn id="65" idx="6"/>
+            <a:endCxn id="124" idx="1"/>
+          </p:cNvCxnSpPr>
+          <p:nvPr/>
+        </p:nvCxnSpPr>
+        <p:spPr>
+          <a:xfrm>
+            <a:off x="7405872" y="4231910"/>
+            <a:ext cx="1483520" cy="793559"/>
+          </a:xfrm>
+          <a:prstGeom prst="straightConnector1">
+            <a:avLst/>
+          </a:prstGeom>
+          <a:ln w="38100">
+            <a:tailEnd type="arrow"/>
+          </a:ln>
+        </p:spPr>
+        <p:style>
+          <a:lnRef idx="1">
+            <a:schemeClr val="accent1"/>
+          </a:lnRef>
+          <a:fillRef idx="0">
+            <a:schemeClr val="accent1"/>
+          </a:fillRef>
+          <a:effectRef idx="0">
+            <a:schemeClr val="accent1"/>
+          </a:effectRef>
+          <a:fontRef idx="minor">
+            <a:schemeClr val="tx1"/>
+          </a:fontRef>
+        </p:style>
+      </p:cxnSp>
+      <p:cxnSp>
+        <p:nvCxnSpPr>
+          <p:cNvPr id="145" name="Straight Arrow Connector 144"/>
+          <p:cNvCxnSpPr>
+            <a:stCxn id="41" idx="6"/>
+            <a:endCxn id="124" idx="2"/>
+          </p:cNvCxnSpPr>
+          <p:nvPr/>
+        </p:nvCxnSpPr>
+        <p:spPr>
+          <a:xfrm flipV="1">
+            <a:off x="3939340" y="5271415"/>
+            <a:ext cx="4845931" cy="41969"/>
+          </a:xfrm>
+          <a:prstGeom prst="straightConnector1">
+            <a:avLst/>
+          </a:prstGeom>
+          <a:ln w="38100">
+            <a:tailEnd type="arrow"/>
+          </a:ln>
+        </p:spPr>
+        <p:style>
+          <a:lnRef idx="1">
+            <a:schemeClr val="accent1"/>
+          </a:lnRef>
+          <a:fillRef idx="0">
+            <a:schemeClr val="accent1"/>
+          </a:fillRef>
+          <a:effectRef idx="0">
+            <a:schemeClr val="accent1"/>
+          </a:effectRef>
+          <a:fontRef idx="minor">
+            <a:schemeClr val="tx1"/>
+          </a:fontRef>
+        </p:style>
+      </p:cxnSp>
+      <p:sp>
+        <p:nvSpPr>
+          <p:cNvPr id="150" name="45 CuadroTexto"/>
+          <p:cNvSpPr txBox="1"/>
+          <p:nvPr/>
+        </p:nvSpPr>
+        <p:spPr>
+          <a:xfrm>
+            <a:off x="6030514" y="4966665"/>
+            <a:ext cx="327334" cy="369332"/>
+          </a:xfrm>
+          <a:prstGeom prst="rect">
+            <a:avLst/>
+          </a:prstGeom>
+          <a:noFill/>
+        </p:spPr>
+        <p:txBody>
+          <a:bodyPr wrap="none" rtlCol="0">
+            <a:spAutoFit/>
+          </a:bodyPr>
+          <a:lstStyle/>
+          <a:p>
+            <a:r>
+              <a:rPr lang="es-AR" dirty="0" smtClean="0"/>
+              <a:t>D</a:t>
+            </a:r>
+            <a:endParaRPr lang="es-AR" dirty="0"/>
+          </a:p>
+        </p:txBody>
+      </p:sp>
+      <p:sp>
+        <p:nvSpPr>
+          <p:cNvPr id="151" name="47 CuadroTexto"/>
+          <p:cNvSpPr txBox="1"/>
+          <p:nvPr/>
+        </p:nvSpPr>
+        <p:spPr>
+          <a:xfrm>
+            <a:off x="6075967" y="5288155"/>
+            <a:ext cx="276038" cy="307777"/>
+          </a:xfrm>
+          <a:prstGeom prst="rect">
+            <a:avLst/>
+          </a:prstGeom>
+          <a:noFill/>
+        </p:spPr>
+        <p:txBody>
+          <a:bodyPr wrap="none" rtlCol="0">
+            <a:spAutoFit/>
+          </a:bodyPr>
+          <a:lstStyle/>
+          <a:p>
+            <a:r>
+              <a:rPr lang="es-AR" sz="1400" dirty="0" smtClean="0">
+                <a:solidFill>
+                  <a:srgbClr val="00B050"/>
+                </a:solidFill>
+              </a:rPr>
+              <a:t>1</a:t>
+            </a:r>
+            <a:endParaRPr lang="es-AR" sz="1400" dirty="0">
+              <a:solidFill>
+                <a:srgbClr val="00B050"/>
+              </a:solidFill>
+            </a:endParaRPr>
+          </a:p>
+        </p:txBody>
+      </p:sp>
+      <p:sp>
+        <p:nvSpPr>
+          <p:cNvPr id="152" name="45 CuadroTexto"/>
+          <p:cNvSpPr txBox="1"/>
+          <p:nvPr/>
+        </p:nvSpPr>
+        <p:spPr>
+          <a:xfrm>
+            <a:off x="5948626" y="3902140"/>
+            <a:ext cx="330540" cy="369332"/>
+          </a:xfrm>
+          <a:prstGeom prst="rect">
+            <a:avLst/>
+          </a:prstGeom>
+          <a:noFill/>
+        </p:spPr>
+        <p:txBody>
+          <a:bodyPr wrap="none" rtlCol="0">
+            <a:spAutoFit/>
+          </a:bodyPr>
+          <a:lstStyle/>
+          <a:p>
+            <a:r>
+              <a:rPr lang="es-AR" dirty="0" smtClean="0"/>
+              <a:t>G</a:t>
+            </a:r>
+            <a:endParaRPr lang="es-AR" dirty="0"/>
+          </a:p>
+        </p:txBody>
+      </p:sp>
+      <p:sp>
+        <p:nvSpPr>
+          <p:cNvPr id="153" name="47 CuadroTexto"/>
+          <p:cNvSpPr txBox="1"/>
+          <p:nvPr/>
+        </p:nvSpPr>
+        <p:spPr>
+          <a:xfrm>
+            <a:off x="5980431" y="4223630"/>
+            <a:ext cx="276038" cy="307777"/>
+          </a:xfrm>
+          <a:prstGeom prst="rect">
+            <a:avLst/>
+          </a:prstGeom>
+          <a:noFill/>
+        </p:spPr>
+        <p:txBody>
+          <a:bodyPr wrap="none" rtlCol="0">
+            <a:spAutoFit/>
+          </a:bodyPr>
+          <a:lstStyle/>
+          <a:p>
+            <a:r>
+              <a:rPr lang="es-AR" sz="1400" dirty="0" smtClean="0">
+                <a:solidFill>
+                  <a:srgbClr val="00B050"/>
+                </a:solidFill>
+              </a:rPr>
+              <a:t>2</a:t>
+            </a:r>
+            <a:endParaRPr lang="es-AR" sz="1400" dirty="0">
+              <a:solidFill>
+                <a:srgbClr val="00B050"/>
+              </a:solidFill>
+            </a:endParaRPr>
+          </a:p>
+        </p:txBody>
+      </p:sp>
+      <p:sp>
+        <p:nvSpPr>
+          <p:cNvPr id="154" name="45 CuadroTexto"/>
+          <p:cNvSpPr txBox="1"/>
+          <p:nvPr/>
+        </p:nvSpPr>
+        <p:spPr>
+          <a:xfrm>
+            <a:off x="7845664" y="4175094"/>
+            <a:ext cx="242374" cy="369332"/>
+          </a:xfrm>
+          <a:prstGeom prst="rect">
+            <a:avLst/>
+          </a:prstGeom>
+          <a:noFill/>
+        </p:spPr>
+        <p:txBody>
+          <a:bodyPr wrap="none" rtlCol="0">
+            <a:spAutoFit/>
+          </a:bodyPr>
+          <a:lstStyle/>
+          <a:p>
+            <a:r>
+              <a:rPr lang="es-AR" dirty="0" smtClean="0"/>
+              <a:t>I</a:t>
+            </a:r>
+            <a:endParaRPr lang="es-AR" dirty="0"/>
+          </a:p>
+        </p:txBody>
+      </p:sp>
+      <p:sp>
+        <p:nvSpPr>
+          <p:cNvPr id="155" name="47 CuadroTexto"/>
+          <p:cNvSpPr txBox="1"/>
+          <p:nvPr/>
+        </p:nvSpPr>
+        <p:spPr>
+          <a:xfrm>
+            <a:off x="7754637" y="4537528"/>
+            <a:ext cx="276038" cy="307777"/>
+          </a:xfrm>
+          <a:prstGeom prst="rect">
+            <a:avLst/>
+          </a:prstGeom>
+          <a:noFill/>
+        </p:spPr>
+        <p:txBody>
+          <a:bodyPr wrap="none" rtlCol="0">
+            <a:spAutoFit/>
+          </a:bodyPr>
+          <a:lstStyle/>
+          <a:p>
+            <a:r>
+              <a:rPr lang="es-AR" sz="1400" dirty="0" smtClean="0">
+                <a:solidFill>
+                  <a:srgbClr val="00B050"/>
+                </a:solidFill>
+              </a:rPr>
+              <a:t>2</a:t>
+            </a:r>
+            <a:endParaRPr lang="es-AR" sz="1400" dirty="0">
+              <a:solidFill>
+                <a:srgbClr val="00B050"/>
+              </a:solidFill>
+            </a:endParaRPr>
+          </a:p>
+        </p:txBody>
+      </p:sp>
+    </p:spTree>
+    <p:extLst>
+      <p:ext uri="{BB962C8B-B14F-4D97-AF65-F5344CB8AC3E}">
+        <p14:creationId xmlns:p14="http://schemas.microsoft.com/office/powerpoint/2010/main" xmlns="" val="3314279428"/>
+      </p:ext>
+    </p:extLst>
+  </p:cSld>
+  <p:clrMapOvr>
+    <a:masterClrMapping/>
+  </p:clrMapOvr>
+</p:sld>
+</file>
+
+<file path=ppt/slides/slide14.xml><?xml version="1.0" encoding="utf-8"?>
+<p:sld xmlns:a="http://schemas.openxmlformats.org/drawingml/2006/main" xmlns:r="http://schemas.openxmlformats.org/officeDocument/2006/relationships" xmlns:p="http://schemas.openxmlformats.org/presentationml/2006/main">
+  <p:cSld>
+    <p:spTree>
+      <p:nvGrpSpPr>
+        <p:cNvPr id="1" name=""/>
+        <p:cNvGrpSpPr/>
+        <p:nvPr/>
+      </p:nvGrpSpPr>
+      <p:grpSpPr>
+        <a:xfrm>
+          <a:off x="0" y="0"/>
+          <a:ext cx="0" cy="0"/>
+          <a:chOff x="0" y="0"/>
+          <a:chExt cx="0" cy="0"/>
+        </a:xfrm>
+      </p:grpSpPr>
+      <p:sp>
+        <p:nvSpPr>
+          <p:cNvPr id="6" name="Rectangle 5"/>
+          <p:cNvSpPr/>
+          <p:nvPr/>
+        </p:nvSpPr>
+        <p:spPr>
+          <a:xfrm>
+            <a:off x="715082" y="815033"/>
+            <a:ext cx="1290290" cy="369332"/>
+          </a:xfrm>
+          <a:prstGeom prst="rect">
+            <a:avLst/>
+          </a:prstGeom>
+        </p:spPr>
+        <p:txBody>
+          <a:bodyPr wrap="none">
+            <a:spAutoFit/>
+          </a:bodyPr>
+          <a:lstStyle/>
+          <a:p>
+            <a:r>
+              <a:rPr lang="es-AR" dirty="0"/>
+              <a:t>EJERCICIO </a:t>
+            </a:r>
+            <a:r>
+              <a:rPr lang="es-AR" dirty="0" smtClean="0"/>
+              <a:t>5</a:t>
+            </a:r>
+            <a:endParaRPr lang="es-AR" dirty="0"/>
+          </a:p>
+        </p:txBody>
+      </p:sp>
+      <p:sp>
+        <p:nvSpPr>
+          <p:cNvPr id="35" name="Oval 3"/>
+          <p:cNvSpPr/>
+          <p:nvPr/>
+        </p:nvSpPr>
+        <p:spPr>
+          <a:xfrm>
+            <a:off x="1257490" y="3352670"/>
+            <a:ext cx="710983" cy="695640"/>
+          </a:xfrm>
+          <a:prstGeom prst="ellipse">
+            <a:avLst/>
+          </a:prstGeom>
+          <a:ln>
+            <a:solidFill>
+              <a:schemeClr val="tx2"/>
+            </a:solidFill>
+          </a:ln>
+          <a:effectLst>
+            <a:outerShdw blurRad="50800" dist="38100" dir="2700000" algn="tl" rotWithShape="0">
+              <a:prstClr val="black">
+                <a:alpha val="40000"/>
+              </a:prstClr>
+            </a:outerShdw>
+          </a:effectLst>
+        </p:spPr>
+        <p:style>
+          <a:lnRef idx="2">
+            <a:schemeClr val="accent6"/>
+          </a:lnRef>
+          <a:fillRef idx="1">
+            <a:schemeClr val="lt1"/>
+          </a:fillRef>
+          <a:effectRef idx="0">
+            <a:schemeClr val="accent6"/>
+          </a:effectRef>
+          <a:fontRef idx="minor">
+            <a:schemeClr val="dk1"/>
+          </a:fontRef>
+        </p:style>
+        <p:txBody>
+          <a:bodyPr rtlCol="0" anchor="ctr"/>
+          <a:lstStyle/>
+          <a:p>
+            <a:pPr algn="ctr"/>
+            <a:endParaRPr lang="es-AR"/>
+          </a:p>
+        </p:txBody>
+      </p:sp>
+      <p:cxnSp>
+        <p:nvCxnSpPr>
+          <p:cNvPr id="36" name="39 Conector recto"/>
+          <p:cNvCxnSpPr>
+            <a:stCxn id="35" idx="0"/>
+            <a:endCxn id="35" idx="4"/>
+          </p:cNvCxnSpPr>
+          <p:nvPr/>
+        </p:nvCxnSpPr>
+        <p:spPr>
+          <a:xfrm>
+            <a:off x="1612982" y="3352670"/>
+            <a:ext cx="0" cy="695640"/>
+          </a:xfrm>
+          <a:prstGeom prst="line">
+            <a:avLst/>
+          </a:prstGeom>
+        </p:spPr>
+        <p:style>
+          <a:lnRef idx="1">
+            <a:schemeClr val="accent1"/>
+          </a:lnRef>
+          <a:fillRef idx="0">
+            <a:schemeClr val="accent1"/>
+          </a:fillRef>
+          <a:effectRef idx="0">
+            <a:schemeClr val="accent1"/>
+          </a:effectRef>
+          <a:fontRef idx="minor">
+            <a:schemeClr val="tx1"/>
+          </a:fontRef>
+        </p:style>
+      </p:cxnSp>
+      <p:cxnSp>
+        <p:nvCxnSpPr>
+          <p:cNvPr id="37" name="40 Conector recto"/>
+          <p:cNvCxnSpPr>
+            <a:stCxn id="35" idx="6"/>
+          </p:cNvCxnSpPr>
+          <p:nvPr/>
+        </p:nvCxnSpPr>
+        <p:spPr>
+          <a:xfrm flipH="1">
+            <a:off x="1621632" y="3700490"/>
+            <a:ext cx="346841" cy="978"/>
+          </a:xfrm>
+          <a:prstGeom prst="line">
+            <a:avLst/>
+          </a:prstGeom>
+        </p:spPr>
+        <p:style>
+          <a:lnRef idx="1">
+            <a:schemeClr val="accent1"/>
+          </a:lnRef>
+          <a:fillRef idx="0">
+            <a:schemeClr val="accent1"/>
+          </a:fillRef>
+          <a:effectRef idx="0">
+            <a:schemeClr val="accent1"/>
+          </a:effectRef>
+          <a:fontRef idx="minor">
+            <a:schemeClr val="tx1"/>
+          </a:fontRef>
+        </p:style>
+      </p:cxnSp>
+      <p:sp>
+        <p:nvSpPr>
+          <p:cNvPr id="38" name="41 CuadroTexto"/>
+          <p:cNvSpPr txBox="1"/>
+          <p:nvPr/>
+        </p:nvSpPr>
+        <p:spPr>
+          <a:xfrm>
+            <a:off x="1280046" y="3517538"/>
+            <a:ext cx="301686" cy="369332"/>
+          </a:xfrm>
+          <a:prstGeom prst="rect">
+            <a:avLst/>
+          </a:prstGeom>
+          <a:noFill/>
+        </p:spPr>
+        <p:txBody>
+          <a:bodyPr wrap="none" rtlCol="0">
+            <a:spAutoFit/>
+          </a:bodyPr>
+          <a:lstStyle/>
+          <a:p>
+            <a:r>
+              <a:rPr lang="es-AR" dirty="0" smtClean="0"/>
+              <a:t>1</a:t>
+            </a:r>
+            <a:endParaRPr lang="es-AR" dirty="0"/>
+          </a:p>
+        </p:txBody>
+      </p:sp>
+      <p:sp>
+        <p:nvSpPr>
+          <p:cNvPr id="39" name="42 CuadroTexto"/>
+          <p:cNvSpPr txBox="1"/>
+          <p:nvPr/>
+        </p:nvSpPr>
+        <p:spPr>
+          <a:xfrm>
+            <a:off x="1605867" y="3359884"/>
+            <a:ext cx="301686" cy="369332"/>
+          </a:xfrm>
+          <a:prstGeom prst="rect">
+            <a:avLst/>
+          </a:prstGeom>
+          <a:noFill/>
+        </p:spPr>
+        <p:txBody>
+          <a:bodyPr wrap="none" rtlCol="0">
+            <a:spAutoFit/>
+          </a:bodyPr>
+          <a:lstStyle/>
+          <a:p>
+            <a:r>
+              <a:rPr lang="es-AR" dirty="0" smtClean="0"/>
+              <a:t>0</a:t>
+            </a:r>
+            <a:endParaRPr lang="es-AR" dirty="0"/>
+          </a:p>
+        </p:txBody>
+      </p:sp>
+      <p:sp>
+        <p:nvSpPr>
+          <p:cNvPr id="40" name="43 CuadroTexto"/>
+          <p:cNvSpPr txBox="1"/>
+          <p:nvPr/>
+        </p:nvSpPr>
+        <p:spPr>
+          <a:xfrm>
+            <a:off x="1605867" y="3643662"/>
+            <a:ext cx="301686" cy="369332"/>
+          </a:xfrm>
+          <a:prstGeom prst="rect">
+            <a:avLst/>
+          </a:prstGeom>
+          <a:noFill/>
+        </p:spPr>
+        <p:txBody>
+          <a:bodyPr wrap="none" rtlCol="0">
+            <a:spAutoFit/>
+          </a:bodyPr>
+          <a:lstStyle/>
+          <a:p>
+            <a:r>
+              <a:rPr lang="es-AR" dirty="0" smtClean="0"/>
+              <a:t>0</a:t>
+            </a:r>
+            <a:endParaRPr lang="es-AR" dirty="0"/>
+          </a:p>
+        </p:txBody>
+      </p:sp>
+      <p:sp>
+        <p:nvSpPr>
+          <p:cNvPr id="41" name="Oval 3"/>
+          <p:cNvSpPr/>
+          <p:nvPr/>
+        </p:nvSpPr>
+        <p:spPr>
+          <a:xfrm>
+            <a:off x="3228357" y="4965564"/>
+            <a:ext cx="710983" cy="695640"/>
+          </a:xfrm>
+          <a:prstGeom prst="ellipse">
+            <a:avLst/>
+          </a:prstGeom>
+          <a:ln>
+            <a:solidFill>
+              <a:schemeClr val="tx2"/>
+            </a:solidFill>
+          </a:ln>
+          <a:effectLst>
+            <a:outerShdw blurRad="50800" dist="38100" dir="2700000" algn="tl" rotWithShape="0">
+              <a:prstClr val="black">
+                <a:alpha val="40000"/>
+              </a:prstClr>
+            </a:outerShdw>
+          </a:effectLst>
+        </p:spPr>
+        <p:style>
+          <a:lnRef idx="2">
+            <a:schemeClr val="accent6"/>
+          </a:lnRef>
+          <a:fillRef idx="1">
+            <a:schemeClr val="lt1"/>
+          </a:fillRef>
+          <a:effectRef idx="0">
+            <a:schemeClr val="accent6"/>
+          </a:effectRef>
+          <a:fontRef idx="minor">
+            <a:schemeClr val="dk1"/>
+          </a:fontRef>
+        </p:style>
+        <p:txBody>
+          <a:bodyPr rtlCol="0" anchor="ctr"/>
+          <a:lstStyle/>
+          <a:p>
+            <a:pPr algn="ctr"/>
+            <a:endParaRPr lang="es-AR"/>
+          </a:p>
+        </p:txBody>
+      </p:sp>
+      <p:cxnSp>
+        <p:nvCxnSpPr>
+          <p:cNvPr id="42" name="39 Conector recto"/>
+          <p:cNvCxnSpPr>
+            <a:stCxn id="41" idx="0"/>
+            <a:endCxn id="41" idx="4"/>
+          </p:cNvCxnSpPr>
+          <p:nvPr/>
+        </p:nvCxnSpPr>
+        <p:spPr>
+          <a:xfrm>
+            <a:off x="3583849" y="4965564"/>
+            <a:ext cx="0" cy="695640"/>
+          </a:xfrm>
+          <a:prstGeom prst="line">
+            <a:avLst/>
+          </a:prstGeom>
+        </p:spPr>
+        <p:style>
+          <a:lnRef idx="1">
+            <a:schemeClr val="accent1"/>
+          </a:lnRef>
+          <a:fillRef idx="0">
+            <a:schemeClr val="accent1"/>
+          </a:fillRef>
+          <a:effectRef idx="0">
+            <a:schemeClr val="accent1"/>
+          </a:effectRef>
+          <a:fontRef idx="minor">
+            <a:schemeClr val="tx1"/>
+          </a:fontRef>
+        </p:style>
+      </p:cxnSp>
+      <p:cxnSp>
+        <p:nvCxnSpPr>
+          <p:cNvPr id="43" name="40 Conector recto"/>
+          <p:cNvCxnSpPr>
+            <a:stCxn id="41" idx="6"/>
+          </p:cNvCxnSpPr>
+          <p:nvPr/>
+        </p:nvCxnSpPr>
+        <p:spPr>
+          <a:xfrm flipH="1">
+            <a:off x="3592499" y="5313384"/>
+            <a:ext cx="346841" cy="978"/>
+          </a:xfrm>
+          <a:prstGeom prst="line">
+            <a:avLst/>
+          </a:prstGeom>
+        </p:spPr>
+        <p:style>
+          <a:lnRef idx="1">
+            <a:schemeClr val="accent1"/>
+          </a:lnRef>
+          <a:fillRef idx="0">
+            <a:schemeClr val="accent1"/>
+          </a:fillRef>
+          <a:effectRef idx="0">
+            <a:schemeClr val="accent1"/>
+          </a:effectRef>
+          <a:fontRef idx="minor">
+            <a:schemeClr val="tx1"/>
+          </a:fontRef>
+        </p:style>
+      </p:cxnSp>
+      <p:sp>
+        <p:nvSpPr>
+          <p:cNvPr id="44" name="41 CuadroTexto"/>
+          <p:cNvSpPr txBox="1"/>
+          <p:nvPr/>
+        </p:nvSpPr>
+        <p:spPr>
+          <a:xfrm>
+            <a:off x="3250913" y="5130432"/>
+            <a:ext cx="301686" cy="369332"/>
+          </a:xfrm>
+          <a:prstGeom prst="rect">
+            <a:avLst/>
+          </a:prstGeom>
+          <a:noFill/>
+        </p:spPr>
+        <p:txBody>
+          <a:bodyPr wrap="none" rtlCol="0">
+            <a:spAutoFit/>
+          </a:bodyPr>
+          <a:lstStyle/>
+          <a:p>
+            <a:r>
+              <a:rPr lang="es-AR" dirty="0"/>
+              <a:t>2</a:t>
+            </a:r>
+          </a:p>
+        </p:txBody>
+      </p:sp>
+      <p:sp>
+        <p:nvSpPr>
+          <p:cNvPr id="45" name="42 CuadroTexto"/>
+          <p:cNvSpPr txBox="1"/>
+          <p:nvPr/>
+        </p:nvSpPr>
+        <p:spPr>
+          <a:xfrm>
+            <a:off x="3576734" y="4972778"/>
+            <a:ext cx="301686" cy="369332"/>
+          </a:xfrm>
+          <a:prstGeom prst="rect">
+            <a:avLst/>
+          </a:prstGeom>
+          <a:noFill/>
+        </p:spPr>
+        <p:txBody>
+          <a:bodyPr wrap="none" rtlCol="0">
+            <a:spAutoFit/>
+          </a:bodyPr>
+          <a:lstStyle/>
+          <a:p>
+            <a:r>
+              <a:rPr lang="es-AR" dirty="0" smtClean="0"/>
+              <a:t>4</a:t>
+            </a:r>
+            <a:endParaRPr lang="es-AR" dirty="0"/>
+          </a:p>
+        </p:txBody>
+      </p:sp>
+      <p:sp>
+        <p:nvSpPr>
+          <p:cNvPr id="46" name="43 CuadroTexto"/>
+          <p:cNvSpPr txBox="1"/>
+          <p:nvPr/>
+        </p:nvSpPr>
+        <p:spPr>
+          <a:xfrm>
+            <a:off x="3576734" y="5256556"/>
+            <a:ext cx="301686" cy="369332"/>
+          </a:xfrm>
+          <a:prstGeom prst="rect">
+            <a:avLst/>
+          </a:prstGeom>
+          <a:noFill/>
+        </p:spPr>
+        <p:txBody>
+          <a:bodyPr wrap="none" rtlCol="0">
+            <a:spAutoFit/>
+          </a:bodyPr>
+          <a:lstStyle/>
+          <a:p>
+            <a:r>
+              <a:rPr lang="es-AR" dirty="0" smtClean="0"/>
+              <a:t>4</a:t>
+            </a:r>
+            <a:endParaRPr lang="es-AR" dirty="0"/>
+          </a:p>
+        </p:txBody>
+      </p:sp>
+      <p:sp>
+        <p:nvSpPr>
+          <p:cNvPr id="47" name="Oval 3"/>
+          <p:cNvSpPr/>
+          <p:nvPr/>
+        </p:nvSpPr>
+        <p:spPr>
+          <a:xfrm>
+            <a:off x="4588542" y="1638283"/>
+            <a:ext cx="710983" cy="695640"/>
+          </a:xfrm>
+          <a:prstGeom prst="ellipse">
+            <a:avLst/>
+          </a:prstGeom>
+          <a:ln>
+            <a:solidFill>
+              <a:schemeClr val="tx2"/>
+            </a:solidFill>
+          </a:ln>
+          <a:effectLst>
+            <a:outerShdw blurRad="50800" dist="38100" dir="2700000" algn="tl" rotWithShape="0">
+              <a:prstClr val="black">
+                <a:alpha val="40000"/>
+              </a:prstClr>
+            </a:outerShdw>
+          </a:effectLst>
+        </p:spPr>
+        <p:style>
+          <a:lnRef idx="2">
+            <a:schemeClr val="accent6"/>
+          </a:lnRef>
+          <a:fillRef idx="1">
+            <a:schemeClr val="lt1"/>
+          </a:fillRef>
+          <a:effectRef idx="0">
+            <a:schemeClr val="accent6"/>
+          </a:effectRef>
+          <a:fontRef idx="minor">
+            <a:schemeClr val="dk1"/>
+          </a:fontRef>
+        </p:style>
+        <p:txBody>
+          <a:bodyPr rtlCol="0" anchor="ctr"/>
+          <a:lstStyle/>
+          <a:p>
+            <a:pPr algn="ctr"/>
+            <a:endParaRPr lang="es-AR"/>
+          </a:p>
+        </p:txBody>
+      </p:sp>
+      <p:cxnSp>
+        <p:nvCxnSpPr>
+          <p:cNvPr id="48" name="39 Conector recto"/>
+          <p:cNvCxnSpPr>
+            <a:stCxn id="47" idx="0"/>
+            <a:endCxn id="47" idx="4"/>
+          </p:cNvCxnSpPr>
+          <p:nvPr/>
+        </p:nvCxnSpPr>
+        <p:spPr>
+          <a:xfrm>
+            <a:off x="4944034" y="1638283"/>
+            <a:ext cx="0" cy="695640"/>
+          </a:xfrm>
+          <a:prstGeom prst="line">
+            <a:avLst/>
+          </a:prstGeom>
+        </p:spPr>
+        <p:style>
+          <a:lnRef idx="1">
+            <a:schemeClr val="accent1"/>
+          </a:lnRef>
+          <a:fillRef idx="0">
+            <a:schemeClr val="accent1"/>
+          </a:fillRef>
+          <a:effectRef idx="0">
+            <a:schemeClr val="accent1"/>
+          </a:effectRef>
+          <a:fontRef idx="minor">
+            <a:schemeClr val="tx1"/>
+          </a:fontRef>
+        </p:style>
+      </p:cxnSp>
+      <p:cxnSp>
+        <p:nvCxnSpPr>
+          <p:cNvPr id="49" name="40 Conector recto"/>
+          <p:cNvCxnSpPr>
+            <a:stCxn id="47" idx="6"/>
+          </p:cNvCxnSpPr>
+          <p:nvPr/>
+        </p:nvCxnSpPr>
+        <p:spPr>
+          <a:xfrm flipH="1">
+            <a:off x="4952684" y="1986103"/>
+            <a:ext cx="346841" cy="978"/>
+          </a:xfrm>
+          <a:prstGeom prst="line">
+            <a:avLst/>
+          </a:prstGeom>
+        </p:spPr>
+        <p:style>
+          <a:lnRef idx="1">
+            <a:schemeClr val="accent1"/>
+          </a:lnRef>
+          <a:fillRef idx="0">
+            <a:schemeClr val="accent1"/>
+          </a:fillRef>
+          <a:effectRef idx="0">
+            <a:schemeClr val="accent1"/>
+          </a:effectRef>
+          <a:fontRef idx="minor">
+            <a:schemeClr val="tx1"/>
+          </a:fontRef>
+        </p:style>
+      </p:cxnSp>
+      <p:sp>
+        <p:nvSpPr>
+          <p:cNvPr id="50" name="41 CuadroTexto"/>
+          <p:cNvSpPr txBox="1"/>
+          <p:nvPr/>
+        </p:nvSpPr>
+        <p:spPr>
+          <a:xfrm>
+            <a:off x="4611098" y="1803151"/>
+            <a:ext cx="301686" cy="369332"/>
+          </a:xfrm>
+          <a:prstGeom prst="rect">
+            <a:avLst/>
+          </a:prstGeom>
+          <a:noFill/>
+        </p:spPr>
+        <p:txBody>
+          <a:bodyPr wrap="none" rtlCol="0">
+            <a:spAutoFit/>
+          </a:bodyPr>
+          <a:lstStyle/>
+          <a:p>
+            <a:r>
+              <a:rPr lang="es-AR" dirty="0"/>
+              <a:t>3</a:t>
+            </a:r>
+          </a:p>
+        </p:txBody>
+      </p:sp>
+      <p:sp>
+        <p:nvSpPr>
+          <p:cNvPr id="51" name="42 CuadroTexto"/>
+          <p:cNvSpPr txBox="1"/>
+          <p:nvPr/>
+        </p:nvSpPr>
+        <p:spPr>
+          <a:xfrm>
+            <a:off x="4936919" y="1645497"/>
+            <a:ext cx="301686" cy="369332"/>
+          </a:xfrm>
+          <a:prstGeom prst="rect">
+            <a:avLst/>
+          </a:prstGeom>
+          <a:noFill/>
+        </p:spPr>
+        <p:txBody>
+          <a:bodyPr wrap="none" rtlCol="0">
+            <a:spAutoFit/>
+          </a:bodyPr>
+          <a:lstStyle/>
+          <a:p>
+            <a:r>
+              <a:rPr lang="es-AR" dirty="0" smtClean="0"/>
+              <a:t>6</a:t>
+            </a:r>
+            <a:endParaRPr lang="es-AR" dirty="0"/>
+          </a:p>
+        </p:txBody>
+      </p:sp>
+      <p:sp>
+        <p:nvSpPr>
+          <p:cNvPr id="52" name="43 CuadroTexto"/>
+          <p:cNvSpPr txBox="1"/>
+          <p:nvPr/>
+        </p:nvSpPr>
+        <p:spPr>
+          <a:xfrm>
+            <a:off x="4936919" y="1929275"/>
+            <a:ext cx="301686" cy="369332"/>
+          </a:xfrm>
+          <a:prstGeom prst="rect">
+            <a:avLst/>
+          </a:prstGeom>
+          <a:noFill/>
+        </p:spPr>
+        <p:txBody>
+          <a:bodyPr wrap="none" rtlCol="0">
+            <a:spAutoFit/>
+          </a:bodyPr>
+          <a:lstStyle/>
+          <a:p>
+            <a:r>
+              <a:rPr lang="es-AR" dirty="0" smtClean="0"/>
+              <a:t>7</a:t>
+            </a:r>
+            <a:endParaRPr lang="es-AR" dirty="0"/>
+          </a:p>
+        </p:txBody>
+      </p:sp>
+      <p:sp>
+        <p:nvSpPr>
+          <p:cNvPr id="53" name="Oval 3"/>
+          <p:cNvSpPr/>
+          <p:nvPr/>
+        </p:nvSpPr>
+        <p:spPr>
+          <a:xfrm>
+            <a:off x="5019817" y="3892646"/>
+            <a:ext cx="710983" cy="695640"/>
+          </a:xfrm>
+          <a:prstGeom prst="ellipse">
+            <a:avLst/>
+          </a:prstGeom>
+          <a:ln>
+            <a:solidFill>
+              <a:schemeClr val="tx2"/>
+            </a:solidFill>
+          </a:ln>
+          <a:effectLst>
+            <a:outerShdw blurRad="50800" dist="38100" dir="2700000" algn="tl" rotWithShape="0">
+              <a:prstClr val="black">
+                <a:alpha val="40000"/>
+              </a:prstClr>
+            </a:outerShdw>
+          </a:effectLst>
+        </p:spPr>
+        <p:style>
+          <a:lnRef idx="2">
+            <a:schemeClr val="accent6"/>
+          </a:lnRef>
+          <a:fillRef idx="1">
+            <a:schemeClr val="lt1"/>
+          </a:fillRef>
+          <a:effectRef idx="0">
+            <a:schemeClr val="accent6"/>
+          </a:effectRef>
+          <a:fontRef idx="minor">
+            <a:schemeClr val="dk1"/>
+          </a:fontRef>
+        </p:style>
+        <p:txBody>
+          <a:bodyPr rtlCol="0" anchor="ctr"/>
+          <a:lstStyle/>
+          <a:p>
+            <a:pPr algn="ctr"/>
+            <a:endParaRPr lang="es-AR"/>
+          </a:p>
+        </p:txBody>
+      </p:sp>
+      <p:cxnSp>
+        <p:nvCxnSpPr>
+          <p:cNvPr id="54" name="39 Conector recto"/>
+          <p:cNvCxnSpPr>
+            <a:stCxn id="53" idx="0"/>
+            <a:endCxn id="53" idx="4"/>
+          </p:cNvCxnSpPr>
+          <p:nvPr/>
+        </p:nvCxnSpPr>
+        <p:spPr>
+          <a:xfrm>
+            <a:off x="5375309" y="3892646"/>
+            <a:ext cx="0" cy="695640"/>
+          </a:xfrm>
+          <a:prstGeom prst="line">
+            <a:avLst/>
+          </a:prstGeom>
+        </p:spPr>
+        <p:style>
+          <a:lnRef idx="1">
+            <a:schemeClr val="accent1"/>
+          </a:lnRef>
+          <a:fillRef idx="0">
+            <a:schemeClr val="accent1"/>
+          </a:fillRef>
+          <a:effectRef idx="0">
+            <a:schemeClr val="accent1"/>
+          </a:effectRef>
+          <a:fontRef idx="minor">
+            <a:schemeClr val="tx1"/>
+          </a:fontRef>
+        </p:style>
+      </p:cxnSp>
+      <p:cxnSp>
+        <p:nvCxnSpPr>
+          <p:cNvPr id="55" name="40 Conector recto"/>
+          <p:cNvCxnSpPr>
+            <a:stCxn id="53" idx="6"/>
+          </p:cNvCxnSpPr>
+          <p:nvPr/>
+        </p:nvCxnSpPr>
+        <p:spPr>
+          <a:xfrm flipH="1">
+            <a:off x="5383959" y="4240466"/>
+            <a:ext cx="346841" cy="978"/>
+          </a:xfrm>
+          <a:prstGeom prst="line">
+            <a:avLst/>
+          </a:prstGeom>
+        </p:spPr>
+        <p:style>
+          <a:lnRef idx="1">
+            <a:schemeClr val="accent1"/>
+          </a:lnRef>
+          <a:fillRef idx="0">
+            <a:schemeClr val="accent1"/>
+          </a:fillRef>
+          <a:effectRef idx="0">
+            <a:schemeClr val="accent1"/>
+          </a:effectRef>
+          <a:fontRef idx="minor">
+            <a:schemeClr val="tx1"/>
+          </a:fontRef>
+        </p:style>
+      </p:cxnSp>
+      <p:sp>
+        <p:nvSpPr>
+          <p:cNvPr id="56" name="41 CuadroTexto"/>
+          <p:cNvSpPr txBox="1"/>
+          <p:nvPr/>
+        </p:nvSpPr>
+        <p:spPr>
+          <a:xfrm>
+            <a:off x="5042373" y="4057514"/>
+            <a:ext cx="301686" cy="369332"/>
+          </a:xfrm>
+          <a:prstGeom prst="rect">
+            <a:avLst/>
+          </a:prstGeom>
+          <a:noFill/>
+        </p:spPr>
+        <p:txBody>
+          <a:bodyPr wrap="none" rtlCol="0">
+            <a:spAutoFit/>
+          </a:bodyPr>
+          <a:lstStyle/>
+          <a:p>
+            <a:r>
+              <a:rPr lang="es-AR" dirty="0" smtClean="0"/>
+              <a:t>4</a:t>
+            </a:r>
+            <a:endParaRPr lang="es-AR" dirty="0"/>
+          </a:p>
+        </p:txBody>
+      </p:sp>
+      <p:sp>
+        <p:nvSpPr>
+          <p:cNvPr id="57" name="42 CuadroTexto"/>
+          <p:cNvSpPr txBox="1"/>
+          <p:nvPr/>
+        </p:nvSpPr>
+        <p:spPr>
+          <a:xfrm>
+            <a:off x="5368194" y="3899860"/>
+            <a:ext cx="301686" cy="369332"/>
+          </a:xfrm>
+          <a:prstGeom prst="rect">
+            <a:avLst/>
+          </a:prstGeom>
+          <a:noFill/>
+        </p:spPr>
+        <p:txBody>
+          <a:bodyPr wrap="none" rtlCol="0">
+            <a:spAutoFit/>
+          </a:bodyPr>
+          <a:lstStyle/>
+          <a:p>
+            <a:r>
+              <a:rPr lang="es-AR" dirty="0" smtClean="0"/>
+              <a:t>7</a:t>
+            </a:r>
+            <a:endParaRPr lang="es-AR" dirty="0"/>
+          </a:p>
+        </p:txBody>
+      </p:sp>
+      <p:sp>
+        <p:nvSpPr>
+          <p:cNvPr id="58" name="43 CuadroTexto"/>
+          <p:cNvSpPr txBox="1"/>
+          <p:nvPr/>
+        </p:nvSpPr>
+        <p:spPr>
+          <a:xfrm>
+            <a:off x="5368194" y="4183638"/>
+            <a:ext cx="301686" cy="369332"/>
+          </a:xfrm>
+          <a:prstGeom prst="rect">
+            <a:avLst/>
+          </a:prstGeom>
+          <a:noFill/>
+        </p:spPr>
+        <p:txBody>
+          <a:bodyPr wrap="none" rtlCol="0">
+            <a:spAutoFit/>
+          </a:bodyPr>
+          <a:lstStyle/>
+          <a:p>
+            <a:r>
+              <a:rPr lang="es-AR" dirty="0" smtClean="0"/>
+              <a:t>7</a:t>
+            </a:r>
+            <a:endParaRPr lang="es-AR" dirty="0"/>
+          </a:p>
+        </p:txBody>
+      </p:sp>
+      <p:sp>
+        <p:nvSpPr>
+          <p:cNvPr id="59" name="Oval 3"/>
+          <p:cNvSpPr/>
+          <p:nvPr/>
+        </p:nvSpPr>
+        <p:spPr>
+          <a:xfrm>
+            <a:off x="7158911" y="1750445"/>
+            <a:ext cx="710983" cy="695640"/>
+          </a:xfrm>
+          <a:prstGeom prst="ellipse">
+            <a:avLst/>
+          </a:prstGeom>
+          <a:ln>
+            <a:solidFill>
+              <a:schemeClr val="tx2"/>
+            </a:solidFill>
+          </a:ln>
+          <a:effectLst>
+            <a:outerShdw blurRad="50800" dist="38100" dir="2700000" algn="tl" rotWithShape="0">
+              <a:prstClr val="black">
+                <a:alpha val="40000"/>
+              </a:prstClr>
+            </a:outerShdw>
+          </a:effectLst>
+        </p:spPr>
+        <p:style>
+          <a:lnRef idx="2">
+            <a:schemeClr val="accent6"/>
+          </a:lnRef>
+          <a:fillRef idx="1">
+            <a:schemeClr val="lt1"/>
+          </a:fillRef>
+          <a:effectRef idx="0">
+            <a:schemeClr val="accent6"/>
+          </a:effectRef>
+          <a:fontRef idx="minor">
+            <a:schemeClr val="dk1"/>
+          </a:fontRef>
+        </p:style>
+        <p:txBody>
+          <a:bodyPr rtlCol="0" anchor="ctr"/>
+          <a:lstStyle/>
+          <a:p>
+            <a:pPr algn="ctr"/>
+            <a:endParaRPr lang="es-AR"/>
+          </a:p>
+        </p:txBody>
+      </p:sp>
+      <p:cxnSp>
+        <p:nvCxnSpPr>
+          <p:cNvPr id="60" name="39 Conector recto"/>
+          <p:cNvCxnSpPr>
+            <a:stCxn id="59" idx="0"/>
+            <a:endCxn id="59" idx="4"/>
+          </p:cNvCxnSpPr>
+          <p:nvPr/>
+        </p:nvCxnSpPr>
+        <p:spPr>
+          <a:xfrm>
+            <a:off x="7514403" y="1750445"/>
+            <a:ext cx="0" cy="695640"/>
+          </a:xfrm>
+          <a:prstGeom prst="line">
+            <a:avLst/>
+          </a:prstGeom>
+        </p:spPr>
+        <p:style>
+          <a:lnRef idx="1">
+            <a:schemeClr val="accent1"/>
+          </a:lnRef>
+          <a:fillRef idx="0">
+            <a:schemeClr val="accent1"/>
+          </a:fillRef>
+          <a:effectRef idx="0">
+            <a:schemeClr val="accent1"/>
+          </a:effectRef>
+          <a:fontRef idx="minor">
+            <a:schemeClr val="tx1"/>
+          </a:fontRef>
+        </p:style>
+      </p:cxnSp>
+      <p:cxnSp>
+        <p:nvCxnSpPr>
+          <p:cNvPr id="61" name="40 Conector recto"/>
+          <p:cNvCxnSpPr>
+            <a:stCxn id="59" idx="6"/>
+          </p:cNvCxnSpPr>
+          <p:nvPr/>
+        </p:nvCxnSpPr>
+        <p:spPr>
+          <a:xfrm flipH="1">
+            <a:off x="7523053" y="2098265"/>
+            <a:ext cx="346841" cy="978"/>
+          </a:xfrm>
+          <a:prstGeom prst="line">
+            <a:avLst/>
+          </a:prstGeom>
+        </p:spPr>
+        <p:style>
+          <a:lnRef idx="1">
+            <a:schemeClr val="accent1"/>
+          </a:lnRef>
+          <a:fillRef idx="0">
+            <a:schemeClr val="accent1"/>
+          </a:fillRef>
+          <a:effectRef idx="0">
+            <a:schemeClr val="accent1"/>
+          </a:effectRef>
+          <a:fontRef idx="minor">
+            <a:schemeClr val="tx1"/>
+          </a:fontRef>
+        </p:style>
+      </p:cxnSp>
+      <p:sp>
+        <p:nvSpPr>
+          <p:cNvPr id="62" name="41 CuadroTexto"/>
+          <p:cNvSpPr txBox="1"/>
+          <p:nvPr/>
+        </p:nvSpPr>
+        <p:spPr>
+          <a:xfrm>
+            <a:off x="7181467" y="1915313"/>
+            <a:ext cx="301686" cy="369332"/>
+          </a:xfrm>
+          <a:prstGeom prst="rect">
+            <a:avLst/>
+          </a:prstGeom>
+          <a:noFill/>
+        </p:spPr>
+        <p:txBody>
+          <a:bodyPr wrap="none" rtlCol="0">
+            <a:spAutoFit/>
+          </a:bodyPr>
+          <a:lstStyle/>
+          <a:p>
+            <a:r>
+              <a:rPr lang="es-AR" dirty="0" smtClean="0"/>
+              <a:t>5</a:t>
+            </a:r>
+            <a:endParaRPr lang="es-AR" dirty="0"/>
+          </a:p>
+        </p:txBody>
+      </p:sp>
+      <p:sp>
+        <p:nvSpPr>
+          <p:cNvPr id="63" name="42 CuadroTexto"/>
+          <p:cNvSpPr txBox="1"/>
+          <p:nvPr/>
+        </p:nvSpPr>
+        <p:spPr>
+          <a:xfrm>
+            <a:off x="7452696" y="1757659"/>
+            <a:ext cx="418704" cy="369332"/>
+          </a:xfrm>
+          <a:prstGeom prst="rect">
+            <a:avLst/>
+          </a:prstGeom>
+          <a:noFill/>
+        </p:spPr>
+        <p:txBody>
+          <a:bodyPr wrap="none" rtlCol="0">
+            <a:spAutoFit/>
+          </a:bodyPr>
+          <a:lstStyle/>
+          <a:p>
+            <a:r>
+              <a:rPr lang="es-AR" dirty="0" smtClean="0"/>
+              <a:t>10</a:t>
+            </a:r>
+            <a:endParaRPr lang="es-AR" dirty="0"/>
+          </a:p>
+        </p:txBody>
+      </p:sp>
+      <p:sp>
+        <p:nvSpPr>
+          <p:cNvPr id="64" name="43 CuadroTexto"/>
+          <p:cNvSpPr txBox="1"/>
+          <p:nvPr/>
+        </p:nvSpPr>
+        <p:spPr>
+          <a:xfrm>
+            <a:off x="7452696" y="2041437"/>
+            <a:ext cx="418704" cy="369332"/>
+          </a:xfrm>
+          <a:prstGeom prst="rect">
+            <a:avLst/>
+          </a:prstGeom>
+          <a:noFill/>
+        </p:spPr>
+        <p:txBody>
+          <a:bodyPr wrap="none" rtlCol="0">
+            <a:spAutoFit/>
+          </a:bodyPr>
+          <a:lstStyle/>
+          <a:p>
+            <a:r>
+              <a:rPr lang="es-AR" dirty="0" smtClean="0"/>
+              <a:t>10</a:t>
+            </a:r>
+            <a:endParaRPr lang="es-AR" dirty="0"/>
+          </a:p>
+        </p:txBody>
+      </p:sp>
+      <p:sp>
+        <p:nvSpPr>
+          <p:cNvPr id="65" name="Oval 3"/>
+          <p:cNvSpPr/>
+          <p:nvPr/>
+        </p:nvSpPr>
+        <p:spPr>
+          <a:xfrm>
+            <a:off x="6694889" y="3884090"/>
+            <a:ext cx="710983" cy="695640"/>
+          </a:xfrm>
+          <a:prstGeom prst="ellipse">
+            <a:avLst/>
+          </a:prstGeom>
+          <a:ln>
+            <a:solidFill>
+              <a:schemeClr val="tx2"/>
+            </a:solidFill>
+          </a:ln>
+          <a:effectLst>
+            <a:outerShdw blurRad="50800" dist="38100" dir="2700000" algn="tl" rotWithShape="0">
+              <a:prstClr val="black">
+                <a:alpha val="40000"/>
+              </a:prstClr>
+            </a:outerShdw>
+          </a:effectLst>
+        </p:spPr>
+        <p:style>
+          <a:lnRef idx="2">
+            <a:schemeClr val="accent6"/>
+          </a:lnRef>
+          <a:fillRef idx="1">
+            <a:schemeClr val="lt1"/>
+          </a:fillRef>
+          <a:effectRef idx="0">
+            <a:schemeClr val="accent6"/>
+          </a:effectRef>
+          <a:fontRef idx="minor">
+            <a:schemeClr val="dk1"/>
+          </a:fontRef>
+        </p:style>
+        <p:txBody>
+          <a:bodyPr rtlCol="0" anchor="ctr"/>
+          <a:lstStyle/>
+          <a:p>
+            <a:pPr algn="ctr"/>
+            <a:endParaRPr lang="es-AR"/>
+          </a:p>
+        </p:txBody>
+      </p:sp>
+      <p:cxnSp>
+        <p:nvCxnSpPr>
+          <p:cNvPr id="66" name="39 Conector recto"/>
+          <p:cNvCxnSpPr>
+            <a:stCxn id="65" idx="0"/>
+            <a:endCxn id="65" idx="4"/>
+          </p:cNvCxnSpPr>
+          <p:nvPr/>
+        </p:nvCxnSpPr>
+        <p:spPr>
+          <a:xfrm>
+            <a:off x="7050381" y="3884090"/>
+            <a:ext cx="0" cy="695640"/>
+          </a:xfrm>
+          <a:prstGeom prst="line">
+            <a:avLst/>
+          </a:prstGeom>
+        </p:spPr>
+        <p:style>
+          <a:lnRef idx="1">
+            <a:schemeClr val="accent1"/>
+          </a:lnRef>
+          <a:fillRef idx="0">
+            <a:schemeClr val="accent1"/>
+          </a:fillRef>
+          <a:effectRef idx="0">
+            <a:schemeClr val="accent1"/>
+          </a:effectRef>
+          <a:fontRef idx="minor">
+            <a:schemeClr val="tx1"/>
+          </a:fontRef>
+        </p:style>
+      </p:cxnSp>
+      <p:cxnSp>
+        <p:nvCxnSpPr>
+          <p:cNvPr id="67" name="40 Conector recto"/>
+          <p:cNvCxnSpPr>
+            <a:stCxn id="65" idx="6"/>
+          </p:cNvCxnSpPr>
+          <p:nvPr/>
+        </p:nvCxnSpPr>
+        <p:spPr>
+          <a:xfrm flipH="1">
+            <a:off x="7059031" y="4231910"/>
+            <a:ext cx="346841" cy="978"/>
+          </a:xfrm>
+          <a:prstGeom prst="line">
+            <a:avLst/>
+          </a:prstGeom>
+        </p:spPr>
+        <p:style>
+          <a:lnRef idx="1">
+            <a:schemeClr val="accent1"/>
+          </a:lnRef>
+          <a:fillRef idx="0">
+            <a:schemeClr val="accent1"/>
+          </a:fillRef>
+          <a:effectRef idx="0">
+            <a:schemeClr val="accent1"/>
+          </a:effectRef>
+          <a:fontRef idx="minor">
+            <a:schemeClr val="tx1"/>
+          </a:fontRef>
+        </p:style>
+      </p:cxnSp>
+      <p:sp>
+        <p:nvSpPr>
+          <p:cNvPr id="68" name="41 CuadroTexto"/>
+          <p:cNvSpPr txBox="1"/>
+          <p:nvPr/>
+        </p:nvSpPr>
+        <p:spPr>
+          <a:xfrm>
+            <a:off x="6717445" y="4048958"/>
+            <a:ext cx="301686" cy="369332"/>
+          </a:xfrm>
+          <a:prstGeom prst="rect">
+            <a:avLst/>
+          </a:prstGeom>
+          <a:noFill/>
+        </p:spPr>
+        <p:txBody>
+          <a:bodyPr wrap="none" rtlCol="0">
+            <a:spAutoFit/>
+          </a:bodyPr>
+          <a:lstStyle/>
+          <a:p>
+            <a:r>
+              <a:rPr lang="es-AR" dirty="0" smtClean="0"/>
+              <a:t>6</a:t>
+            </a:r>
+            <a:endParaRPr lang="es-AR" dirty="0"/>
+          </a:p>
+        </p:txBody>
+      </p:sp>
+      <p:sp>
+        <p:nvSpPr>
+          <p:cNvPr id="69" name="42 CuadroTexto"/>
+          <p:cNvSpPr txBox="1"/>
+          <p:nvPr/>
+        </p:nvSpPr>
+        <p:spPr>
+          <a:xfrm>
+            <a:off x="7002322" y="3918600"/>
+            <a:ext cx="301686" cy="369332"/>
+          </a:xfrm>
+          <a:prstGeom prst="rect">
+            <a:avLst/>
+          </a:prstGeom>
+          <a:noFill/>
+        </p:spPr>
+        <p:txBody>
+          <a:bodyPr wrap="none" rtlCol="0">
+            <a:spAutoFit/>
+          </a:bodyPr>
+          <a:lstStyle/>
+          <a:p>
+            <a:r>
+              <a:rPr lang="es-AR" dirty="0" smtClean="0"/>
+              <a:t>9</a:t>
+            </a:r>
+            <a:endParaRPr lang="es-AR" dirty="0"/>
+          </a:p>
+        </p:txBody>
+      </p:sp>
+      <p:sp>
+        <p:nvSpPr>
+          <p:cNvPr id="70" name="43 CuadroTexto"/>
+          <p:cNvSpPr txBox="1"/>
+          <p:nvPr/>
+        </p:nvSpPr>
+        <p:spPr>
+          <a:xfrm>
+            <a:off x="7002322" y="4175082"/>
+            <a:ext cx="301686" cy="369332"/>
+          </a:xfrm>
+          <a:prstGeom prst="rect">
+            <a:avLst/>
+          </a:prstGeom>
+          <a:noFill/>
+        </p:spPr>
+        <p:txBody>
+          <a:bodyPr wrap="none" rtlCol="0">
+            <a:spAutoFit/>
+          </a:bodyPr>
+          <a:lstStyle/>
+          <a:p>
+            <a:r>
+              <a:rPr lang="es-AR" dirty="0" smtClean="0"/>
+              <a:t>9</a:t>
+            </a:r>
+            <a:endParaRPr lang="es-AR" dirty="0"/>
+          </a:p>
+        </p:txBody>
+      </p:sp>
+      <p:cxnSp>
+        <p:nvCxnSpPr>
+          <p:cNvPr id="78" name="Straight Arrow Connector 77"/>
+          <p:cNvCxnSpPr>
+            <a:stCxn id="35" idx="6"/>
+            <a:endCxn id="41" idx="2"/>
+          </p:cNvCxnSpPr>
+          <p:nvPr/>
+        </p:nvCxnSpPr>
+        <p:spPr>
+          <a:xfrm>
+            <a:off x="1968473" y="3700490"/>
+            <a:ext cx="1259884" cy="1612894"/>
+          </a:xfrm>
+          <a:prstGeom prst="straightConnector1">
+            <a:avLst/>
+          </a:prstGeom>
+          <a:ln w="38100">
+            <a:tailEnd type="arrow"/>
+          </a:ln>
+        </p:spPr>
+        <p:style>
+          <a:lnRef idx="3">
+            <a:schemeClr val="accent2"/>
+          </a:lnRef>
+          <a:fillRef idx="0">
+            <a:schemeClr val="accent2"/>
+          </a:fillRef>
+          <a:effectRef idx="2">
+            <a:schemeClr val="accent2"/>
+          </a:effectRef>
+          <a:fontRef idx="minor">
+            <a:schemeClr val="tx1"/>
+          </a:fontRef>
+        </p:style>
+      </p:cxnSp>
+      <p:cxnSp>
+        <p:nvCxnSpPr>
+          <p:cNvPr id="80" name="Straight Arrow Connector 79"/>
+          <p:cNvCxnSpPr>
+            <a:stCxn id="41" idx="0"/>
+            <a:endCxn id="47" idx="2"/>
+          </p:cNvCxnSpPr>
+          <p:nvPr/>
+        </p:nvCxnSpPr>
+        <p:spPr>
+          <a:xfrm flipV="1">
+            <a:off x="3583849" y="1986103"/>
+            <a:ext cx="1004693" cy="2979461"/>
+          </a:xfrm>
+          <a:prstGeom prst="straightConnector1">
+            <a:avLst/>
+          </a:prstGeom>
+          <a:ln w="38100">
+            <a:tailEnd type="arrow"/>
+          </a:ln>
+        </p:spPr>
+        <p:style>
+          <a:lnRef idx="1">
+            <a:schemeClr val="accent1"/>
+          </a:lnRef>
+          <a:fillRef idx="0">
+            <a:schemeClr val="accent1"/>
+          </a:fillRef>
+          <a:effectRef idx="0">
+            <a:schemeClr val="accent1"/>
+          </a:effectRef>
+          <a:fontRef idx="minor">
+            <a:schemeClr val="tx1"/>
+          </a:fontRef>
+        </p:style>
+      </p:cxnSp>
+      <p:cxnSp>
+        <p:nvCxnSpPr>
+          <p:cNvPr id="82" name="Straight Arrow Connector 81"/>
+          <p:cNvCxnSpPr>
+            <a:stCxn id="41" idx="7"/>
+            <a:endCxn id="53" idx="2"/>
+          </p:cNvCxnSpPr>
+          <p:nvPr/>
+        </p:nvCxnSpPr>
+        <p:spPr>
+          <a:xfrm flipV="1">
+            <a:off x="3835219" y="4240466"/>
+            <a:ext cx="1184598" cy="826972"/>
+          </a:xfrm>
+          <a:prstGeom prst="straightConnector1">
+            <a:avLst/>
+          </a:prstGeom>
+          <a:ln w="38100">
+            <a:tailEnd type="arrow"/>
+          </a:ln>
+        </p:spPr>
+        <p:style>
+          <a:lnRef idx="3">
+            <a:schemeClr val="accent2"/>
+          </a:lnRef>
+          <a:fillRef idx="0">
+            <a:schemeClr val="accent2"/>
+          </a:fillRef>
+          <a:effectRef idx="2">
+            <a:schemeClr val="accent2"/>
+          </a:effectRef>
+          <a:fontRef idx="minor">
+            <a:schemeClr val="tx1"/>
+          </a:fontRef>
+        </p:style>
+      </p:cxnSp>
+      <p:cxnSp>
+        <p:nvCxnSpPr>
+          <p:cNvPr id="84" name="Straight Arrow Connector 83"/>
+          <p:cNvCxnSpPr>
+            <a:stCxn id="53" idx="7"/>
+            <a:endCxn id="59" idx="3"/>
+          </p:cNvCxnSpPr>
+          <p:nvPr/>
+        </p:nvCxnSpPr>
+        <p:spPr>
+          <a:xfrm flipV="1">
+            <a:off x="5626679" y="2344211"/>
+            <a:ext cx="1636353" cy="1650309"/>
+          </a:xfrm>
+          <a:prstGeom prst="straightConnector1">
+            <a:avLst/>
+          </a:prstGeom>
+          <a:ln w="38100">
+            <a:tailEnd type="arrow"/>
+          </a:ln>
+        </p:spPr>
+        <p:style>
+          <a:lnRef idx="3">
+            <a:schemeClr val="accent2"/>
+          </a:lnRef>
+          <a:fillRef idx="0">
+            <a:schemeClr val="accent2"/>
+          </a:fillRef>
+          <a:effectRef idx="2">
+            <a:schemeClr val="accent2"/>
+          </a:effectRef>
+          <a:fontRef idx="minor">
+            <a:schemeClr val="tx1"/>
+          </a:fontRef>
+        </p:style>
+      </p:cxnSp>
+      <p:cxnSp>
+        <p:nvCxnSpPr>
+          <p:cNvPr id="86" name="Straight Arrow Connector 85"/>
+          <p:cNvCxnSpPr>
+            <a:stCxn id="47" idx="4"/>
+            <a:endCxn id="53" idx="0"/>
+          </p:cNvCxnSpPr>
+          <p:nvPr/>
+        </p:nvCxnSpPr>
+        <p:spPr>
+          <a:xfrm>
+            <a:off x="4944034" y="2333923"/>
+            <a:ext cx="431275" cy="1558723"/>
+          </a:xfrm>
+          <a:prstGeom prst="straightConnector1">
+            <a:avLst/>
+          </a:prstGeom>
+          <a:ln w="38100">
+            <a:prstDash val="solid"/>
+            <a:tailEnd type="arrow"/>
+          </a:ln>
+        </p:spPr>
+        <p:style>
+          <a:lnRef idx="1">
+            <a:schemeClr val="accent1"/>
+          </a:lnRef>
+          <a:fillRef idx="0">
+            <a:schemeClr val="accent1"/>
+          </a:fillRef>
+          <a:effectRef idx="0">
+            <a:schemeClr val="accent1"/>
+          </a:effectRef>
+          <a:fontRef idx="minor">
+            <a:schemeClr val="tx1"/>
+          </a:fontRef>
+        </p:style>
+      </p:cxnSp>
+      <p:sp>
+        <p:nvSpPr>
+          <p:cNvPr id="97" name="45 CuadroTexto"/>
+          <p:cNvSpPr txBox="1"/>
+          <p:nvPr/>
+        </p:nvSpPr>
+        <p:spPr>
+          <a:xfrm>
+            <a:off x="2305141" y="3883043"/>
+            <a:ext cx="317716" cy="369332"/>
+          </a:xfrm>
+          <a:prstGeom prst="rect">
+            <a:avLst/>
+          </a:prstGeom>
+          <a:noFill/>
+        </p:spPr>
+        <p:txBody>
+          <a:bodyPr wrap="none" rtlCol="0">
+            <a:spAutoFit/>
+          </a:bodyPr>
+          <a:lstStyle/>
+          <a:p>
+            <a:r>
+              <a:rPr lang="es-AR" dirty="0" smtClean="0"/>
+              <a:t>A</a:t>
+            </a:r>
+            <a:endParaRPr lang="es-AR" dirty="0"/>
+          </a:p>
+        </p:txBody>
+      </p:sp>
+      <p:sp>
+        <p:nvSpPr>
+          <p:cNvPr id="98" name="45 CuadroTexto"/>
+          <p:cNvSpPr txBox="1"/>
+          <p:nvPr/>
+        </p:nvSpPr>
+        <p:spPr>
+          <a:xfrm>
+            <a:off x="3967424" y="2848989"/>
+            <a:ext cx="309700" cy="369332"/>
+          </a:xfrm>
+          <a:prstGeom prst="rect">
+            <a:avLst/>
+          </a:prstGeom>
+          <a:noFill/>
+        </p:spPr>
+        <p:txBody>
+          <a:bodyPr wrap="none" rtlCol="0">
+            <a:spAutoFit/>
+          </a:bodyPr>
+          <a:lstStyle/>
+          <a:p>
+            <a:r>
+              <a:rPr lang="es-AR" dirty="0"/>
+              <a:t>B</a:t>
+            </a:r>
+          </a:p>
+        </p:txBody>
+      </p:sp>
+      <p:sp>
+        <p:nvSpPr>
+          <p:cNvPr id="99" name="45 CuadroTexto"/>
+          <p:cNvSpPr txBox="1"/>
+          <p:nvPr/>
+        </p:nvSpPr>
+        <p:spPr>
+          <a:xfrm>
+            <a:off x="5230400" y="3056413"/>
+            <a:ext cx="327334" cy="369332"/>
+          </a:xfrm>
+          <a:prstGeom prst="rect">
+            <a:avLst/>
+          </a:prstGeom>
+          <a:noFill/>
+        </p:spPr>
+        <p:txBody>
+          <a:bodyPr wrap="none" rtlCol="0">
+            <a:spAutoFit/>
+          </a:bodyPr>
+          <a:lstStyle/>
+          <a:p>
+            <a:r>
+              <a:rPr lang="es-AR" dirty="0" smtClean="0"/>
+              <a:t>D</a:t>
+            </a:r>
+            <a:endParaRPr lang="es-AR" dirty="0"/>
+          </a:p>
+        </p:txBody>
+      </p:sp>
+      <p:sp>
+        <p:nvSpPr>
+          <p:cNvPr id="100" name="45 CuadroTexto"/>
+          <p:cNvSpPr txBox="1"/>
+          <p:nvPr/>
+        </p:nvSpPr>
+        <p:spPr>
+          <a:xfrm>
+            <a:off x="4294969" y="4313043"/>
+            <a:ext cx="308098" cy="369332"/>
+          </a:xfrm>
+          <a:prstGeom prst="rect">
+            <a:avLst/>
+          </a:prstGeom>
+          <a:noFill/>
+        </p:spPr>
+        <p:txBody>
+          <a:bodyPr wrap="none" rtlCol="0">
+            <a:spAutoFit/>
+          </a:bodyPr>
+          <a:lstStyle/>
+          <a:p>
+            <a:r>
+              <a:rPr lang="es-AR" dirty="0" smtClean="0"/>
+              <a:t>C</a:t>
+            </a:r>
+            <a:endParaRPr lang="es-AR" dirty="0"/>
+          </a:p>
+        </p:txBody>
+      </p:sp>
+      <p:sp>
+        <p:nvSpPr>
+          <p:cNvPr id="101" name="45 CuadroTexto"/>
+          <p:cNvSpPr txBox="1"/>
+          <p:nvPr/>
+        </p:nvSpPr>
+        <p:spPr>
+          <a:xfrm>
+            <a:off x="6308572" y="2806605"/>
+            <a:ext cx="296876" cy="369332"/>
+          </a:xfrm>
+          <a:prstGeom prst="rect">
+            <a:avLst/>
+          </a:prstGeom>
+          <a:noFill/>
+        </p:spPr>
+        <p:txBody>
+          <a:bodyPr wrap="none" rtlCol="0">
+            <a:spAutoFit/>
+          </a:bodyPr>
+          <a:lstStyle/>
+          <a:p>
+            <a:r>
+              <a:rPr lang="es-AR" dirty="0" smtClean="0"/>
+              <a:t>F</a:t>
+            </a:r>
+            <a:endParaRPr lang="es-AR" dirty="0"/>
+          </a:p>
+        </p:txBody>
+      </p:sp>
+      <p:sp>
+        <p:nvSpPr>
+          <p:cNvPr id="77" name="47 CuadroTexto"/>
+          <p:cNvSpPr txBox="1"/>
+          <p:nvPr/>
+        </p:nvSpPr>
+        <p:spPr>
+          <a:xfrm>
+            <a:off x="2325980" y="4425899"/>
+            <a:ext cx="276038" cy="307777"/>
+          </a:xfrm>
+          <a:prstGeom prst="rect">
+            <a:avLst/>
+          </a:prstGeom>
+          <a:noFill/>
+        </p:spPr>
+        <p:txBody>
+          <a:bodyPr wrap="none" rtlCol="0">
+            <a:spAutoFit/>
+          </a:bodyPr>
+          <a:lstStyle/>
+          <a:p>
+            <a:r>
+              <a:rPr lang="es-AR" sz="1400" dirty="0" smtClean="0">
+                <a:solidFill>
+                  <a:srgbClr val="00B050"/>
+                </a:solidFill>
+              </a:rPr>
+              <a:t>4</a:t>
+            </a:r>
+            <a:endParaRPr lang="es-AR" sz="1400" dirty="0">
+              <a:solidFill>
+                <a:srgbClr val="00B050"/>
+              </a:solidFill>
+            </a:endParaRPr>
+          </a:p>
+        </p:txBody>
+      </p:sp>
+      <p:sp>
+        <p:nvSpPr>
+          <p:cNvPr id="79" name="47 CuadroTexto"/>
+          <p:cNvSpPr txBox="1"/>
+          <p:nvPr/>
+        </p:nvSpPr>
+        <p:spPr>
+          <a:xfrm>
+            <a:off x="4477314" y="4616768"/>
+            <a:ext cx="276038" cy="307777"/>
+          </a:xfrm>
+          <a:prstGeom prst="rect">
+            <a:avLst/>
+          </a:prstGeom>
+          <a:noFill/>
+        </p:spPr>
+        <p:txBody>
+          <a:bodyPr wrap="none" rtlCol="0">
+            <a:spAutoFit/>
+          </a:bodyPr>
+          <a:lstStyle/>
+          <a:p>
+            <a:r>
+              <a:rPr lang="es-AR" sz="1400" dirty="0" smtClean="0">
+                <a:solidFill>
+                  <a:srgbClr val="00B050"/>
+                </a:solidFill>
+              </a:rPr>
+              <a:t>3</a:t>
+            </a:r>
+            <a:endParaRPr lang="es-AR" sz="1400" dirty="0">
+              <a:solidFill>
+                <a:srgbClr val="00B050"/>
+              </a:solidFill>
+            </a:endParaRPr>
+          </a:p>
+        </p:txBody>
+      </p:sp>
+      <p:sp>
+        <p:nvSpPr>
+          <p:cNvPr id="81" name="47 CuadroTexto"/>
+          <p:cNvSpPr txBox="1"/>
+          <p:nvPr/>
+        </p:nvSpPr>
+        <p:spPr>
+          <a:xfrm>
+            <a:off x="4203949" y="3115887"/>
+            <a:ext cx="276038" cy="307777"/>
+          </a:xfrm>
+          <a:prstGeom prst="rect">
+            <a:avLst/>
+          </a:prstGeom>
+          <a:noFill/>
+        </p:spPr>
+        <p:txBody>
+          <a:bodyPr wrap="none" rtlCol="0">
+            <a:spAutoFit/>
+          </a:bodyPr>
+          <a:lstStyle/>
+          <a:p>
+            <a:r>
+              <a:rPr lang="es-AR" sz="1400" dirty="0" smtClean="0">
+                <a:solidFill>
+                  <a:srgbClr val="00B050"/>
+                </a:solidFill>
+              </a:rPr>
+              <a:t>2</a:t>
+            </a:r>
+            <a:endParaRPr lang="es-AR" sz="1400" dirty="0">
+              <a:solidFill>
+                <a:srgbClr val="00B050"/>
+              </a:solidFill>
+            </a:endParaRPr>
+          </a:p>
+        </p:txBody>
+      </p:sp>
+      <p:sp>
+        <p:nvSpPr>
+          <p:cNvPr id="83" name="47 CuadroTexto"/>
+          <p:cNvSpPr txBox="1"/>
+          <p:nvPr/>
+        </p:nvSpPr>
+        <p:spPr>
+          <a:xfrm>
+            <a:off x="4833074" y="3170478"/>
+            <a:ext cx="276038" cy="307777"/>
+          </a:xfrm>
+          <a:prstGeom prst="rect">
+            <a:avLst/>
+          </a:prstGeom>
+          <a:noFill/>
+        </p:spPr>
+        <p:txBody>
+          <a:bodyPr wrap="none" rtlCol="0">
+            <a:spAutoFit/>
+          </a:bodyPr>
+          <a:lstStyle/>
+          <a:p>
+            <a:r>
+              <a:rPr lang="es-AR" sz="1400" dirty="0" smtClean="0">
+                <a:solidFill>
+                  <a:srgbClr val="00B050"/>
+                </a:solidFill>
+              </a:rPr>
+              <a:t>0</a:t>
+            </a:r>
+            <a:endParaRPr lang="es-AR" sz="1400" dirty="0">
+              <a:solidFill>
+                <a:srgbClr val="00B050"/>
+              </a:solidFill>
+            </a:endParaRPr>
+          </a:p>
+        </p:txBody>
+      </p:sp>
+      <p:sp>
+        <p:nvSpPr>
+          <p:cNvPr id="85" name="47 CuadroTexto"/>
+          <p:cNvSpPr txBox="1"/>
+          <p:nvPr/>
+        </p:nvSpPr>
+        <p:spPr>
+          <a:xfrm>
+            <a:off x="6566339" y="3079642"/>
+            <a:ext cx="276038" cy="307777"/>
+          </a:xfrm>
+          <a:prstGeom prst="rect">
+            <a:avLst/>
+          </a:prstGeom>
+          <a:noFill/>
+        </p:spPr>
+        <p:txBody>
+          <a:bodyPr wrap="none" rtlCol="0">
+            <a:spAutoFit/>
+          </a:bodyPr>
+          <a:lstStyle/>
+          <a:p>
+            <a:r>
+              <a:rPr lang="es-AR" sz="1400" dirty="0" smtClean="0">
+                <a:solidFill>
+                  <a:srgbClr val="00B050"/>
+                </a:solidFill>
+              </a:rPr>
+              <a:t>3</a:t>
+            </a:r>
+            <a:endParaRPr lang="es-AR" sz="1400" dirty="0">
+              <a:solidFill>
+                <a:srgbClr val="00B050"/>
+              </a:solidFill>
+            </a:endParaRPr>
+          </a:p>
+        </p:txBody>
+      </p:sp>
+      <p:sp>
+        <p:nvSpPr>
+          <p:cNvPr id="124" name="Oval 3"/>
+          <p:cNvSpPr/>
+          <p:nvPr/>
+        </p:nvSpPr>
+        <p:spPr>
+          <a:xfrm>
+            <a:off x="8785271" y="4923595"/>
+            <a:ext cx="710983" cy="695640"/>
+          </a:xfrm>
+          <a:prstGeom prst="ellipse">
+            <a:avLst/>
+          </a:prstGeom>
+          <a:ln>
+            <a:solidFill>
+              <a:schemeClr val="tx2"/>
+            </a:solidFill>
+          </a:ln>
+          <a:effectLst>
+            <a:outerShdw blurRad="50800" dist="38100" dir="2700000" algn="tl" rotWithShape="0">
+              <a:prstClr val="black">
+                <a:alpha val="40000"/>
+              </a:prstClr>
+            </a:outerShdw>
+          </a:effectLst>
+        </p:spPr>
+        <p:style>
+          <a:lnRef idx="2">
+            <a:schemeClr val="accent6"/>
+          </a:lnRef>
+          <a:fillRef idx="1">
+            <a:schemeClr val="lt1"/>
+          </a:fillRef>
+          <a:effectRef idx="0">
+            <a:schemeClr val="accent6"/>
+          </a:effectRef>
+          <a:fontRef idx="minor">
+            <a:schemeClr val="dk1"/>
+          </a:fontRef>
+        </p:style>
+        <p:txBody>
+          <a:bodyPr rtlCol="0" anchor="ctr"/>
+          <a:lstStyle/>
+          <a:p>
+            <a:pPr algn="ctr"/>
+            <a:endParaRPr lang="es-AR"/>
+          </a:p>
+        </p:txBody>
+      </p:sp>
+      <p:cxnSp>
+        <p:nvCxnSpPr>
+          <p:cNvPr id="125" name="39 Conector recto"/>
+          <p:cNvCxnSpPr>
+            <a:stCxn id="124" idx="0"/>
+            <a:endCxn id="124" idx="4"/>
+          </p:cNvCxnSpPr>
+          <p:nvPr/>
+        </p:nvCxnSpPr>
+        <p:spPr>
+          <a:xfrm>
+            <a:off x="9140763" y="4923595"/>
+            <a:ext cx="0" cy="695640"/>
+          </a:xfrm>
+          <a:prstGeom prst="line">
+            <a:avLst/>
+          </a:prstGeom>
+        </p:spPr>
+        <p:style>
+          <a:lnRef idx="1">
+            <a:schemeClr val="accent1"/>
+          </a:lnRef>
+          <a:fillRef idx="0">
+            <a:schemeClr val="accent1"/>
+          </a:fillRef>
+          <a:effectRef idx="0">
+            <a:schemeClr val="accent1"/>
+          </a:effectRef>
+          <a:fontRef idx="minor">
+            <a:schemeClr val="tx1"/>
+          </a:fontRef>
+        </p:style>
+      </p:cxnSp>
+      <p:cxnSp>
+        <p:nvCxnSpPr>
+          <p:cNvPr id="126" name="40 Conector recto"/>
+          <p:cNvCxnSpPr>
+            <a:stCxn id="124" idx="6"/>
+          </p:cNvCxnSpPr>
+          <p:nvPr/>
+        </p:nvCxnSpPr>
+        <p:spPr>
+          <a:xfrm flipH="1">
+            <a:off x="9149413" y="5271415"/>
+            <a:ext cx="346841" cy="978"/>
+          </a:xfrm>
+          <a:prstGeom prst="line">
+            <a:avLst/>
+          </a:prstGeom>
+        </p:spPr>
+        <p:style>
+          <a:lnRef idx="1">
+            <a:schemeClr val="accent1"/>
+          </a:lnRef>
+          <a:fillRef idx="0">
+            <a:schemeClr val="accent1"/>
+          </a:fillRef>
+          <a:effectRef idx="0">
+            <a:schemeClr val="accent1"/>
+          </a:effectRef>
+          <a:fontRef idx="minor">
+            <a:schemeClr val="tx1"/>
+          </a:fontRef>
+        </p:style>
+      </p:cxnSp>
+      <p:sp>
+        <p:nvSpPr>
+          <p:cNvPr id="127" name="41 CuadroTexto"/>
+          <p:cNvSpPr txBox="1"/>
+          <p:nvPr/>
+        </p:nvSpPr>
+        <p:spPr>
+          <a:xfrm>
+            <a:off x="8807827" y="5088463"/>
+            <a:ext cx="301686" cy="369332"/>
+          </a:xfrm>
+          <a:prstGeom prst="rect">
+            <a:avLst/>
+          </a:prstGeom>
+          <a:noFill/>
+        </p:spPr>
+        <p:txBody>
+          <a:bodyPr wrap="none" rtlCol="0">
+            <a:spAutoFit/>
+          </a:bodyPr>
+          <a:lstStyle/>
+          <a:p>
+            <a:r>
+              <a:rPr lang="es-AR" dirty="0" smtClean="0"/>
+              <a:t>7</a:t>
+            </a:r>
+            <a:endParaRPr lang="es-AR" dirty="0"/>
+          </a:p>
+        </p:txBody>
+      </p:sp>
+      <p:sp>
+        <p:nvSpPr>
+          <p:cNvPr id="128" name="42 CuadroTexto"/>
+          <p:cNvSpPr txBox="1"/>
+          <p:nvPr/>
+        </p:nvSpPr>
+        <p:spPr>
+          <a:xfrm>
+            <a:off x="9092704" y="4958105"/>
+            <a:ext cx="418704" cy="369332"/>
+          </a:xfrm>
+          <a:prstGeom prst="rect">
+            <a:avLst/>
+          </a:prstGeom>
+          <a:noFill/>
+        </p:spPr>
+        <p:txBody>
+          <a:bodyPr wrap="none" rtlCol="0">
+            <a:spAutoFit/>
+          </a:bodyPr>
+          <a:lstStyle/>
+          <a:p>
+            <a:r>
+              <a:rPr lang="es-AR" dirty="0" smtClean="0"/>
+              <a:t>11</a:t>
+            </a:r>
+            <a:endParaRPr lang="es-AR" dirty="0"/>
+          </a:p>
+        </p:txBody>
+      </p:sp>
+      <p:sp>
+        <p:nvSpPr>
+          <p:cNvPr id="129" name="43 CuadroTexto"/>
+          <p:cNvSpPr txBox="1"/>
+          <p:nvPr/>
+        </p:nvSpPr>
+        <p:spPr>
+          <a:xfrm>
+            <a:off x="9092704" y="5214587"/>
+            <a:ext cx="418704" cy="369332"/>
+          </a:xfrm>
+          <a:prstGeom prst="rect">
+            <a:avLst/>
+          </a:prstGeom>
+          <a:noFill/>
+        </p:spPr>
+        <p:txBody>
+          <a:bodyPr wrap="none" rtlCol="0">
+            <a:spAutoFit/>
+          </a:bodyPr>
+          <a:lstStyle/>
+          <a:p>
+            <a:r>
+              <a:rPr lang="es-AR" dirty="0" smtClean="0"/>
+              <a:t>11</a:t>
+            </a:r>
+            <a:endParaRPr lang="es-AR" dirty="0"/>
+          </a:p>
+        </p:txBody>
+      </p:sp>
+      <p:sp>
+        <p:nvSpPr>
+          <p:cNvPr id="130" name="45 CuadroTexto"/>
+          <p:cNvSpPr txBox="1"/>
+          <p:nvPr/>
+        </p:nvSpPr>
+        <p:spPr>
+          <a:xfrm>
+            <a:off x="8426251" y="3327495"/>
+            <a:ext cx="328936" cy="369332"/>
+          </a:xfrm>
+          <a:prstGeom prst="rect">
+            <a:avLst/>
+          </a:prstGeom>
+          <a:noFill/>
+        </p:spPr>
+        <p:txBody>
+          <a:bodyPr wrap="none" rtlCol="0">
+            <a:spAutoFit/>
+          </a:bodyPr>
+          <a:lstStyle/>
+          <a:p>
+            <a:r>
+              <a:rPr lang="es-AR" dirty="0" smtClean="0"/>
+              <a:t>H</a:t>
+            </a:r>
+            <a:endParaRPr lang="es-AR" dirty="0"/>
+          </a:p>
+        </p:txBody>
+      </p:sp>
+      <p:sp>
+        <p:nvSpPr>
+          <p:cNvPr id="131" name="47 CuadroTexto"/>
+          <p:cNvSpPr txBox="1"/>
+          <p:nvPr/>
+        </p:nvSpPr>
+        <p:spPr>
+          <a:xfrm>
+            <a:off x="8151757" y="3600532"/>
+            <a:ext cx="276038" cy="307777"/>
+          </a:xfrm>
+          <a:prstGeom prst="rect">
+            <a:avLst/>
+          </a:prstGeom>
+          <a:noFill/>
+        </p:spPr>
+        <p:txBody>
+          <a:bodyPr wrap="none" rtlCol="0">
+            <a:spAutoFit/>
+          </a:bodyPr>
+          <a:lstStyle/>
+          <a:p>
+            <a:r>
+              <a:rPr lang="es-AR" sz="1400" dirty="0" smtClean="0">
+                <a:solidFill>
+                  <a:srgbClr val="00B050"/>
+                </a:solidFill>
+              </a:rPr>
+              <a:t>1</a:t>
+            </a:r>
+            <a:endParaRPr lang="es-AR" sz="1400" dirty="0">
+              <a:solidFill>
+                <a:srgbClr val="00B050"/>
+              </a:solidFill>
+            </a:endParaRPr>
+          </a:p>
+        </p:txBody>
+      </p:sp>
+      <p:cxnSp>
+        <p:nvCxnSpPr>
+          <p:cNvPr id="132" name="Straight Arrow Connector 131"/>
+          <p:cNvCxnSpPr>
+            <a:stCxn id="59" idx="5"/>
+            <a:endCxn id="124" idx="0"/>
+          </p:cNvCxnSpPr>
+          <p:nvPr/>
+        </p:nvCxnSpPr>
+        <p:spPr>
+          <a:xfrm>
+            <a:off x="7765773" y="2344211"/>
+            <a:ext cx="1374990" cy="2579384"/>
+          </a:xfrm>
+          <a:prstGeom prst="straightConnector1">
+            <a:avLst/>
+          </a:prstGeom>
+          <a:ln w="38100">
+            <a:tailEnd type="arrow"/>
+          </a:ln>
+        </p:spPr>
+        <p:style>
+          <a:lnRef idx="3">
+            <a:schemeClr val="accent2"/>
+          </a:lnRef>
+          <a:fillRef idx="0">
+            <a:schemeClr val="accent2"/>
+          </a:fillRef>
+          <a:effectRef idx="2">
+            <a:schemeClr val="accent2"/>
+          </a:effectRef>
+          <a:fontRef idx="minor">
+            <a:schemeClr val="tx1"/>
+          </a:fontRef>
+        </p:style>
+      </p:cxnSp>
+      <p:cxnSp>
+        <p:nvCxnSpPr>
+          <p:cNvPr id="136" name="Straight Arrow Connector 135"/>
+          <p:cNvCxnSpPr>
+            <a:stCxn id="53" idx="6"/>
+            <a:endCxn id="65" idx="2"/>
+          </p:cNvCxnSpPr>
+          <p:nvPr/>
+        </p:nvCxnSpPr>
+        <p:spPr>
+          <a:xfrm flipV="1">
+            <a:off x="5730800" y="4231910"/>
+            <a:ext cx="964089" cy="8556"/>
+          </a:xfrm>
+          <a:prstGeom prst="straightConnector1">
+            <a:avLst/>
+          </a:prstGeom>
+          <a:ln w="38100">
+            <a:solidFill>
+              <a:schemeClr val="accent2"/>
+            </a:solidFill>
+            <a:tailEnd type="arrow"/>
+          </a:ln>
+        </p:spPr>
+        <p:style>
+          <a:lnRef idx="1">
+            <a:schemeClr val="accent1"/>
+          </a:lnRef>
+          <a:fillRef idx="0">
+            <a:schemeClr val="accent1"/>
+          </a:fillRef>
+          <a:effectRef idx="0">
+            <a:schemeClr val="accent1"/>
+          </a:effectRef>
+          <a:fontRef idx="minor">
+            <a:schemeClr val="tx1"/>
+          </a:fontRef>
+        </p:style>
+      </p:cxnSp>
+      <p:cxnSp>
+        <p:nvCxnSpPr>
+          <p:cNvPr id="140" name="Straight Arrow Connector 139"/>
+          <p:cNvCxnSpPr>
+            <a:stCxn id="65" idx="6"/>
+            <a:endCxn id="124" idx="1"/>
+          </p:cNvCxnSpPr>
+          <p:nvPr/>
+        </p:nvCxnSpPr>
+        <p:spPr>
+          <a:xfrm>
+            <a:off x="7405872" y="4231910"/>
+            <a:ext cx="1483520" cy="793559"/>
+          </a:xfrm>
+          <a:prstGeom prst="straightConnector1">
+            <a:avLst/>
+          </a:prstGeom>
+          <a:ln w="38100">
+            <a:solidFill>
+              <a:schemeClr val="accent2"/>
+            </a:solidFill>
+            <a:tailEnd type="arrow"/>
+          </a:ln>
+        </p:spPr>
+        <p:style>
+          <a:lnRef idx="1">
+            <a:schemeClr val="accent1"/>
+          </a:lnRef>
+          <a:fillRef idx="0">
+            <a:schemeClr val="accent1"/>
+          </a:fillRef>
+          <a:effectRef idx="0">
+            <a:schemeClr val="accent1"/>
+          </a:effectRef>
+          <a:fontRef idx="minor">
+            <a:schemeClr val="tx1"/>
+          </a:fontRef>
+        </p:style>
+      </p:cxnSp>
+      <p:cxnSp>
+        <p:nvCxnSpPr>
+          <p:cNvPr id="145" name="Straight Arrow Connector 144"/>
+          <p:cNvCxnSpPr>
+            <a:stCxn id="41" idx="6"/>
+            <a:endCxn id="124" idx="2"/>
+          </p:cNvCxnSpPr>
+          <p:nvPr/>
+        </p:nvCxnSpPr>
+        <p:spPr>
+          <a:xfrm flipV="1">
+            <a:off x="3939340" y="5271415"/>
+            <a:ext cx="4845931" cy="41969"/>
+          </a:xfrm>
+          <a:prstGeom prst="straightConnector1">
+            <a:avLst/>
+          </a:prstGeom>
+          <a:ln w="38100">
+            <a:tailEnd type="arrow"/>
+          </a:ln>
+        </p:spPr>
+        <p:style>
+          <a:lnRef idx="1">
+            <a:schemeClr val="accent1"/>
+          </a:lnRef>
+          <a:fillRef idx="0">
+            <a:schemeClr val="accent1"/>
+          </a:fillRef>
+          <a:effectRef idx="0">
+            <a:schemeClr val="accent1"/>
+          </a:effectRef>
+          <a:fontRef idx="minor">
+            <a:schemeClr val="tx1"/>
+          </a:fontRef>
+        </p:style>
+      </p:cxnSp>
+      <p:sp>
+        <p:nvSpPr>
+          <p:cNvPr id="150" name="45 CuadroTexto"/>
+          <p:cNvSpPr txBox="1"/>
+          <p:nvPr/>
+        </p:nvSpPr>
+        <p:spPr>
+          <a:xfrm>
+            <a:off x="6030514" y="4966665"/>
+            <a:ext cx="327334" cy="369332"/>
+          </a:xfrm>
+          <a:prstGeom prst="rect">
+            <a:avLst/>
+          </a:prstGeom>
+          <a:noFill/>
+        </p:spPr>
+        <p:txBody>
+          <a:bodyPr wrap="none" rtlCol="0">
+            <a:spAutoFit/>
+          </a:bodyPr>
+          <a:lstStyle/>
+          <a:p>
+            <a:r>
+              <a:rPr lang="es-AR" dirty="0" smtClean="0"/>
+              <a:t>D</a:t>
+            </a:r>
+            <a:endParaRPr lang="es-AR" dirty="0"/>
+          </a:p>
+        </p:txBody>
+      </p:sp>
+      <p:sp>
+        <p:nvSpPr>
+          <p:cNvPr id="151" name="47 CuadroTexto"/>
+          <p:cNvSpPr txBox="1"/>
+          <p:nvPr/>
+        </p:nvSpPr>
+        <p:spPr>
+          <a:xfrm>
+            <a:off x="6075967" y="5288155"/>
+            <a:ext cx="276038" cy="307777"/>
+          </a:xfrm>
+          <a:prstGeom prst="rect">
+            <a:avLst/>
+          </a:prstGeom>
+          <a:noFill/>
+        </p:spPr>
+        <p:txBody>
+          <a:bodyPr wrap="none" rtlCol="0">
+            <a:spAutoFit/>
+          </a:bodyPr>
+          <a:lstStyle/>
+          <a:p>
+            <a:r>
+              <a:rPr lang="es-AR" sz="1400" dirty="0" smtClean="0">
+                <a:solidFill>
+                  <a:srgbClr val="00B050"/>
+                </a:solidFill>
+              </a:rPr>
+              <a:t>1</a:t>
+            </a:r>
+            <a:endParaRPr lang="es-AR" sz="1400" dirty="0">
+              <a:solidFill>
+                <a:srgbClr val="00B050"/>
+              </a:solidFill>
+            </a:endParaRPr>
+          </a:p>
+        </p:txBody>
+      </p:sp>
+      <p:sp>
+        <p:nvSpPr>
+          <p:cNvPr id="152" name="45 CuadroTexto"/>
+          <p:cNvSpPr txBox="1"/>
+          <p:nvPr/>
+        </p:nvSpPr>
+        <p:spPr>
+          <a:xfrm>
+            <a:off x="5948626" y="3902140"/>
+            <a:ext cx="330540" cy="369332"/>
+          </a:xfrm>
+          <a:prstGeom prst="rect">
+            <a:avLst/>
+          </a:prstGeom>
+          <a:noFill/>
+        </p:spPr>
+        <p:txBody>
+          <a:bodyPr wrap="none" rtlCol="0">
+            <a:spAutoFit/>
+          </a:bodyPr>
+          <a:lstStyle/>
+          <a:p>
+            <a:r>
+              <a:rPr lang="es-AR" dirty="0" smtClean="0"/>
+              <a:t>G</a:t>
+            </a:r>
+            <a:endParaRPr lang="es-AR" dirty="0"/>
+          </a:p>
+        </p:txBody>
+      </p:sp>
+      <p:sp>
+        <p:nvSpPr>
+          <p:cNvPr id="153" name="47 CuadroTexto"/>
+          <p:cNvSpPr txBox="1"/>
+          <p:nvPr/>
+        </p:nvSpPr>
+        <p:spPr>
+          <a:xfrm>
+            <a:off x="5980431" y="4223630"/>
+            <a:ext cx="276038" cy="307777"/>
+          </a:xfrm>
+          <a:prstGeom prst="rect">
+            <a:avLst/>
+          </a:prstGeom>
+          <a:noFill/>
+        </p:spPr>
+        <p:txBody>
+          <a:bodyPr wrap="none" rtlCol="0">
+            <a:spAutoFit/>
+          </a:bodyPr>
+          <a:lstStyle/>
+          <a:p>
+            <a:r>
+              <a:rPr lang="es-AR" sz="1400" dirty="0" smtClean="0">
+                <a:solidFill>
+                  <a:srgbClr val="00B050"/>
+                </a:solidFill>
+              </a:rPr>
+              <a:t>2</a:t>
+            </a:r>
+            <a:endParaRPr lang="es-AR" sz="1400" dirty="0">
+              <a:solidFill>
+                <a:srgbClr val="00B050"/>
+              </a:solidFill>
+            </a:endParaRPr>
+          </a:p>
+        </p:txBody>
+      </p:sp>
+      <p:sp>
+        <p:nvSpPr>
+          <p:cNvPr id="154" name="45 CuadroTexto"/>
+          <p:cNvSpPr txBox="1"/>
+          <p:nvPr/>
+        </p:nvSpPr>
+        <p:spPr>
+          <a:xfrm>
+            <a:off x="7845664" y="4175094"/>
+            <a:ext cx="242374" cy="369332"/>
+          </a:xfrm>
+          <a:prstGeom prst="rect">
+            <a:avLst/>
+          </a:prstGeom>
+          <a:noFill/>
+        </p:spPr>
+        <p:txBody>
+          <a:bodyPr wrap="none" rtlCol="0">
+            <a:spAutoFit/>
+          </a:bodyPr>
+          <a:lstStyle/>
+          <a:p>
+            <a:r>
+              <a:rPr lang="es-AR" dirty="0" smtClean="0"/>
+              <a:t>I</a:t>
+            </a:r>
+            <a:endParaRPr lang="es-AR" dirty="0"/>
+          </a:p>
+        </p:txBody>
+      </p:sp>
+      <p:sp>
+        <p:nvSpPr>
+          <p:cNvPr id="155" name="47 CuadroTexto"/>
+          <p:cNvSpPr txBox="1"/>
+          <p:nvPr/>
+        </p:nvSpPr>
+        <p:spPr>
+          <a:xfrm>
+            <a:off x="7754637" y="4537528"/>
+            <a:ext cx="276038" cy="307777"/>
+          </a:xfrm>
+          <a:prstGeom prst="rect">
+            <a:avLst/>
+          </a:prstGeom>
+          <a:noFill/>
+        </p:spPr>
+        <p:txBody>
+          <a:bodyPr wrap="none" rtlCol="0">
+            <a:spAutoFit/>
+          </a:bodyPr>
+          <a:lstStyle/>
+          <a:p>
+            <a:r>
+              <a:rPr lang="es-AR" sz="1400" dirty="0" smtClean="0">
+                <a:solidFill>
+                  <a:srgbClr val="00B050"/>
+                </a:solidFill>
+              </a:rPr>
+              <a:t>2</a:t>
+            </a:r>
+            <a:endParaRPr lang="es-AR" sz="1400" dirty="0">
+              <a:solidFill>
+                <a:srgbClr val="00B050"/>
+              </a:solidFill>
+            </a:endParaRPr>
+          </a:p>
+        </p:txBody>
+      </p:sp>
+    </p:spTree>
+    <p:extLst>
+      <p:ext uri="{BB962C8B-B14F-4D97-AF65-F5344CB8AC3E}">
+        <p14:creationId xmlns:p14="http://schemas.microsoft.com/office/powerpoint/2010/main" xmlns="" val="3314279428"/>
+      </p:ext>
+    </p:extLst>
+  </p:cSld>
+  <p:clrMapOvr>
+    <a:masterClrMapping/>
+  </p:clrMapOvr>
+</p:sld>
+</file>
+
+<file path=ppt/slides/slide15.xml><?xml version="1.0" encoding="utf-8"?>
+<p:sld xmlns:a="http://schemas.openxmlformats.org/drawingml/2006/main" xmlns:r="http://schemas.openxmlformats.org/officeDocument/2006/relationships" xmlns:p="http://schemas.openxmlformats.org/presentationml/2006/main">
+  <p:cSld>
+    <p:spTree>
+      <p:nvGrpSpPr>
+        <p:cNvPr id="1" name=""/>
+        <p:cNvGrpSpPr/>
+        <p:nvPr/>
+      </p:nvGrpSpPr>
+      <p:grpSpPr>
+        <a:xfrm>
+          <a:off x="0" y="0"/>
+          <a:ext cx="0" cy="0"/>
+          <a:chOff x="0" y="0"/>
+          <a:chExt cx="0" cy="0"/>
+        </a:xfrm>
+      </p:grpSpPr>
+      <p:sp>
+        <p:nvSpPr>
+          <p:cNvPr id="6" name="Rectangle 5"/>
+          <p:cNvSpPr/>
+          <p:nvPr/>
+        </p:nvSpPr>
+        <p:spPr>
+          <a:xfrm>
+            <a:off x="715082" y="815033"/>
+            <a:ext cx="1290290" cy="369332"/>
+          </a:xfrm>
+          <a:prstGeom prst="rect">
+            <a:avLst/>
+          </a:prstGeom>
+        </p:spPr>
+        <p:txBody>
+          <a:bodyPr wrap="none">
+            <a:spAutoFit/>
+          </a:bodyPr>
+          <a:lstStyle/>
+          <a:p>
+            <a:r>
+              <a:rPr lang="es-AR" dirty="0"/>
+              <a:t>EJERCICIO </a:t>
+            </a:r>
+            <a:r>
+              <a:rPr lang="es-AR" dirty="0" smtClean="0"/>
+              <a:t>5</a:t>
+            </a:r>
+            <a:endParaRPr lang="es-AR" dirty="0"/>
+          </a:p>
+        </p:txBody>
+      </p:sp>
+      <p:sp>
+        <p:nvSpPr>
+          <p:cNvPr id="35" name="Oval 3"/>
+          <p:cNvSpPr/>
+          <p:nvPr/>
+        </p:nvSpPr>
+        <p:spPr>
+          <a:xfrm>
+            <a:off x="1257490" y="3352670"/>
+            <a:ext cx="710983" cy="695640"/>
+          </a:xfrm>
+          <a:prstGeom prst="ellipse">
+            <a:avLst/>
+          </a:prstGeom>
+          <a:ln>
+            <a:solidFill>
+              <a:schemeClr val="tx2"/>
+            </a:solidFill>
+          </a:ln>
+          <a:effectLst>
+            <a:outerShdw blurRad="50800" dist="38100" dir="2700000" algn="tl" rotWithShape="0">
+              <a:prstClr val="black">
+                <a:alpha val="40000"/>
+              </a:prstClr>
+            </a:outerShdw>
+          </a:effectLst>
+        </p:spPr>
+        <p:style>
+          <a:lnRef idx="2">
+            <a:schemeClr val="accent6"/>
+          </a:lnRef>
+          <a:fillRef idx="1">
+            <a:schemeClr val="lt1"/>
+          </a:fillRef>
+          <a:effectRef idx="0">
+            <a:schemeClr val="accent6"/>
+          </a:effectRef>
+          <a:fontRef idx="minor">
+            <a:schemeClr val="dk1"/>
+          </a:fontRef>
+        </p:style>
+        <p:txBody>
+          <a:bodyPr rtlCol="0" anchor="ctr"/>
+          <a:lstStyle/>
+          <a:p>
+            <a:pPr algn="ctr"/>
+            <a:endParaRPr lang="es-AR"/>
+          </a:p>
+        </p:txBody>
+      </p:sp>
+      <p:cxnSp>
+        <p:nvCxnSpPr>
+          <p:cNvPr id="36" name="39 Conector recto"/>
+          <p:cNvCxnSpPr>
+            <a:stCxn id="35" idx="0"/>
+            <a:endCxn id="35" idx="4"/>
+          </p:cNvCxnSpPr>
+          <p:nvPr/>
+        </p:nvCxnSpPr>
+        <p:spPr>
+          <a:xfrm>
+            <a:off x="1612982" y="3352670"/>
+            <a:ext cx="0" cy="695640"/>
+          </a:xfrm>
+          <a:prstGeom prst="line">
+            <a:avLst/>
+          </a:prstGeom>
+        </p:spPr>
+        <p:style>
+          <a:lnRef idx="1">
+            <a:schemeClr val="accent1"/>
+          </a:lnRef>
+          <a:fillRef idx="0">
+            <a:schemeClr val="accent1"/>
+          </a:fillRef>
+          <a:effectRef idx="0">
+            <a:schemeClr val="accent1"/>
+          </a:effectRef>
+          <a:fontRef idx="minor">
+            <a:schemeClr val="tx1"/>
+          </a:fontRef>
+        </p:style>
+      </p:cxnSp>
+      <p:cxnSp>
+        <p:nvCxnSpPr>
+          <p:cNvPr id="37" name="40 Conector recto"/>
+          <p:cNvCxnSpPr>
+            <a:stCxn id="35" idx="6"/>
+          </p:cNvCxnSpPr>
+          <p:nvPr/>
+        </p:nvCxnSpPr>
+        <p:spPr>
+          <a:xfrm flipH="1">
+            <a:off x="1621632" y="3700490"/>
+            <a:ext cx="346841" cy="978"/>
+          </a:xfrm>
+          <a:prstGeom prst="line">
+            <a:avLst/>
+          </a:prstGeom>
+        </p:spPr>
+        <p:style>
+          <a:lnRef idx="1">
+            <a:schemeClr val="accent1"/>
+          </a:lnRef>
+          <a:fillRef idx="0">
+            <a:schemeClr val="accent1"/>
+          </a:fillRef>
+          <a:effectRef idx="0">
+            <a:schemeClr val="accent1"/>
+          </a:effectRef>
+          <a:fontRef idx="minor">
+            <a:schemeClr val="tx1"/>
+          </a:fontRef>
+        </p:style>
+      </p:cxnSp>
+      <p:sp>
+        <p:nvSpPr>
+          <p:cNvPr id="38" name="41 CuadroTexto"/>
+          <p:cNvSpPr txBox="1"/>
+          <p:nvPr/>
+        </p:nvSpPr>
+        <p:spPr>
+          <a:xfrm>
+            <a:off x="1280046" y="3517538"/>
+            <a:ext cx="301686" cy="369332"/>
+          </a:xfrm>
+          <a:prstGeom prst="rect">
+            <a:avLst/>
+          </a:prstGeom>
+          <a:noFill/>
+        </p:spPr>
+        <p:txBody>
+          <a:bodyPr wrap="none" rtlCol="0">
+            <a:spAutoFit/>
+          </a:bodyPr>
+          <a:lstStyle/>
+          <a:p>
+            <a:r>
+              <a:rPr lang="es-AR" dirty="0" smtClean="0"/>
+              <a:t>1</a:t>
+            </a:r>
+            <a:endParaRPr lang="es-AR" dirty="0"/>
+          </a:p>
+        </p:txBody>
+      </p:sp>
+      <p:sp>
+        <p:nvSpPr>
+          <p:cNvPr id="39" name="42 CuadroTexto"/>
+          <p:cNvSpPr txBox="1"/>
+          <p:nvPr/>
+        </p:nvSpPr>
+        <p:spPr>
+          <a:xfrm>
+            <a:off x="1605867" y="3359884"/>
+            <a:ext cx="301686" cy="369332"/>
+          </a:xfrm>
+          <a:prstGeom prst="rect">
+            <a:avLst/>
+          </a:prstGeom>
+          <a:noFill/>
+        </p:spPr>
+        <p:txBody>
+          <a:bodyPr wrap="none" rtlCol="0">
+            <a:spAutoFit/>
+          </a:bodyPr>
+          <a:lstStyle/>
+          <a:p>
+            <a:r>
+              <a:rPr lang="es-AR" dirty="0" smtClean="0"/>
+              <a:t>0</a:t>
+            </a:r>
+            <a:endParaRPr lang="es-AR" dirty="0"/>
+          </a:p>
+        </p:txBody>
+      </p:sp>
+      <p:sp>
+        <p:nvSpPr>
+          <p:cNvPr id="40" name="43 CuadroTexto"/>
+          <p:cNvSpPr txBox="1"/>
+          <p:nvPr/>
+        </p:nvSpPr>
+        <p:spPr>
+          <a:xfrm>
+            <a:off x="1605867" y="3643662"/>
+            <a:ext cx="301686" cy="369332"/>
+          </a:xfrm>
+          <a:prstGeom prst="rect">
+            <a:avLst/>
+          </a:prstGeom>
+          <a:noFill/>
+        </p:spPr>
+        <p:txBody>
+          <a:bodyPr wrap="none" rtlCol="0">
+            <a:spAutoFit/>
+          </a:bodyPr>
+          <a:lstStyle/>
+          <a:p>
+            <a:r>
+              <a:rPr lang="es-AR" dirty="0" smtClean="0"/>
+              <a:t>0</a:t>
+            </a:r>
+            <a:endParaRPr lang="es-AR" dirty="0"/>
+          </a:p>
+        </p:txBody>
+      </p:sp>
+      <p:sp>
+        <p:nvSpPr>
+          <p:cNvPr id="41" name="Oval 3"/>
+          <p:cNvSpPr/>
+          <p:nvPr/>
+        </p:nvSpPr>
+        <p:spPr>
+          <a:xfrm>
+            <a:off x="3228357" y="4965564"/>
+            <a:ext cx="710983" cy="695640"/>
+          </a:xfrm>
+          <a:prstGeom prst="ellipse">
+            <a:avLst/>
+          </a:prstGeom>
+          <a:ln>
+            <a:solidFill>
+              <a:schemeClr val="tx2"/>
+            </a:solidFill>
+          </a:ln>
+          <a:effectLst>
+            <a:outerShdw blurRad="50800" dist="38100" dir="2700000" algn="tl" rotWithShape="0">
+              <a:prstClr val="black">
+                <a:alpha val="40000"/>
+              </a:prstClr>
+            </a:outerShdw>
+          </a:effectLst>
+        </p:spPr>
+        <p:style>
+          <a:lnRef idx="2">
+            <a:schemeClr val="accent6"/>
+          </a:lnRef>
+          <a:fillRef idx="1">
+            <a:schemeClr val="lt1"/>
+          </a:fillRef>
+          <a:effectRef idx="0">
+            <a:schemeClr val="accent6"/>
+          </a:effectRef>
+          <a:fontRef idx="minor">
+            <a:schemeClr val="dk1"/>
+          </a:fontRef>
+        </p:style>
+        <p:txBody>
+          <a:bodyPr rtlCol="0" anchor="ctr"/>
+          <a:lstStyle/>
+          <a:p>
+            <a:pPr algn="ctr"/>
+            <a:endParaRPr lang="es-AR"/>
+          </a:p>
+        </p:txBody>
+      </p:sp>
+      <p:cxnSp>
+        <p:nvCxnSpPr>
+          <p:cNvPr id="42" name="39 Conector recto"/>
+          <p:cNvCxnSpPr>
+            <a:stCxn id="41" idx="0"/>
+            <a:endCxn id="41" idx="4"/>
+          </p:cNvCxnSpPr>
+          <p:nvPr/>
+        </p:nvCxnSpPr>
+        <p:spPr>
+          <a:xfrm>
+            <a:off x="3583849" y="4965564"/>
+            <a:ext cx="0" cy="695640"/>
+          </a:xfrm>
+          <a:prstGeom prst="line">
+            <a:avLst/>
+          </a:prstGeom>
+        </p:spPr>
+        <p:style>
+          <a:lnRef idx="1">
+            <a:schemeClr val="accent1"/>
+          </a:lnRef>
+          <a:fillRef idx="0">
+            <a:schemeClr val="accent1"/>
+          </a:fillRef>
+          <a:effectRef idx="0">
+            <a:schemeClr val="accent1"/>
+          </a:effectRef>
+          <a:fontRef idx="minor">
+            <a:schemeClr val="tx1"/>
+          </a:fontRef>
+        </p:style>
+      </p:cxnSp>
+      <p:cxnSp>
+        <p:nvCxnSpPr>
+          <p:cNvPr id="43" name="40 Conector recto"/>
+          <p:cNvCxnSpPr>
+            <a:stCxn id="41" idx="6"/>
+          </p:cNvCxnSpPr>
+          <p:nvPr/>
+        </p:nvCxnSpPr>
+        <p:spPr>
+          <a:xfrm flipH="1">
+            <a:off x="3592499" y="5313384"/>
+            <a:ext cx="346841" cy="978"/>
+          </a:xfrm>
+          <a:prstGeom prst="line">
+            <a:avLst/>
+          </a:prstGeom>
+        </p:spPr>
+        <p:style>
+          <a:lnRef idx="1">
+            <a:schemeClr val="accent1"/>
+          </a:lnRef>
+          <a:fillRef idx="0">
+            <a:schemeClr val="accent1"/>
+          </a:fillRef>
+          <a:effectRef idx="0">
+            <a:schemeClr val="accent1"/>
+          </a:effectRef>
+          <a:fontRef idx="minor">
+            <a:schemeClr val="tx1"/>
+          </a:fontRef>
+        </p:style>
+      </p:cxnSp>
+      <p:sp>
+        <p:nvSpPr>
+          <p:cNvPr id="44" name="41 CuadroTexto"/>
+          <p:cNvSpPr txBox="1"/>
+          <p:nvPr/>
+        </p:nvSpPr>
+        <p:spPr>
+          <a:xfrm>
+            <a:off x="3250913" y="5130432"/>
+            <a:ext cx="301686" cy="369332"/>
+          </a:xfrm>
+          <a:prstGeom prst="rect">
+            <a:avLst/>
+          </a:prstGeom>
+          <a:noFill/>
+        </p:spPr>
+        <p:txBody>
+          <a:bodyPr wrap="none" rtlCol="0">
+            <a:spAutoFit/>
+          </a:bodyPr>
+          <a:lstStyle/>
+          <a:p>
+            <a:r>
+              <a:rPr lang="es-AR" dirty="0"/>
+              <a:t>2</a:t>
+            </a:r>
+          </a:p>
+        </p:txBody>
+      </p:sp>
+      <p:sp>
+        <p:nvSpPr>
+          <p:cNvPr id="45" name="42 CuadroTexto"/>
+          <p:cNvSpPr txBox="1"/>
+          <p:nvPr/>
+        </p:nvSpPr>
+        <p:spPr>
+          <a:xfrm>
+            <a:off x="3576734" y="4972778"/>
+            <a:ext cx="301686" cy="369332"/>
+          </a:xfrm>
+          <a:prstGeom prst="rect">
+            <a:avLst/>
+          </a:prstGeom>
+          <a:noFill/>
+        </p:spPr>
+        <p:txBody>
+          <a:bodyPr wrap="none" rtlCol="0">
+            <a:spAutoFit/>
+          </a:bodyPr>
+          <a:lstStyle/>
+          <a:p>
+            <a:r>
+              <a:rPr lang="es-AR" dirty="0" smtClean="0"/>
+              <a:t>3</a:t>
+            </a:r>
+            <a:endParaRPr lang="es-AR" dirty="0"/>
+          </a:p>
+        </p:txBody>
+      </p:sp>
+      <p:sp>
+        <p:nvSpPr>
+          <p:cNvPr id="46" name="43 CuadroTexto"/>
+          <p:cNvSpPr txBox="1"/>
+          <p:nvPr/>
+        </p:nvSpPr>
+        <p:spPr>
+          <a:xfrm>
+            <a:off x="3576734" y="5256556"/>
+            <a:ext cx="301686" cy="369332"/>
+          </a:xfrm>
+          <a:prstGeom prst="rect">
+            <a:avLst/>
+          </a:prstGeom>
+          <a:noFill/>
+        </p:spPr>
+        <p:txBody>
+          <a:bodyPr wrap="none" rtlCol="0">
+            <a:spAutoFit/>
+          </a:bodyPr>
+          <a:lstStyle/>
+          <a:p>
+            <a:r>
+              <a:rPr lang="es-AR" dirty="0" smtClean="0"/>
+              <a:t>3</a:t>
+            </a:r>
+            <a:endParaRPr lang="es-AR" dirty="0"/>
+          </a:p>
+        </p:txBody>
+      </p:sp>
+      <p:sp>
+        <p:nvSpPr>
+          <p:cNvPr id="47" name="Oval 3"/>
+          <p:cNvSpPr/>
+          <p:nvPr/>
+        </p:nvSpPr>
+        <p:spPr>
+          <a:xfrm>
+            <a:off x="4588542" y="1638283"/>
+            <a:ext cx="710983" cy="695640"/>
+          </a:xfrm>
+          <a:prstGeom prst="ellipse">
+            <a:avLst/>
+          </a:prstGeom>
+          <a:ln>
+            <a:solidFill>
+              <a:schemeClr val="tx2"/>
+            </a:solidFill>
+          </a:ln>
+          <a:effectLst>
+            <a:outerShdw blurRad="50800" dist="38100" dir="2700000" algn="tl" rotWithShape="0">
+              <a:prstClr val="black">
+                <a:alpha val="40000"/>
+              </a:prstClr>
+            </a:outerShdw>
+          </a:effectLst>
+        </p:spPr>
+        <p:style>
+          <a:lnRef idx="2">
+            <a:schemeClr val="accent6"/>
+          </a:lnRef>
+          <a:fillRef idx="1">
+            <a:schemeClr val="lt1"/>
+          </a:fillRef>
+          <a:effectRef idx="0">
+            <a:schemeClr val="accent6"/>
+          </a:effectRef>
+          <a:fontRef idx="minor">
+            <a:schemeClr val="dk1"/>
+          </a:fontRef>
+        </p:style>
+        <p:txBody>
+          <a:bodyPr rtlCol="0" anchor="ctr"/>
+          <a:lstStyle/>
+          <a:p>
+            <a:pPr algn="ctr"/>
+            <a:endParaRPr lang="es-AR"/>
+          </a:p>
+        </p:txBody>
+      </p:sp>
+      <p:cxnSp>
+        <p:nvCxnSpPr>
+          <p:cNvPr id="48" name="39 Conector recto"/>
+          <p:cNvCxnSpPr>
+            <a:stCxn id="47" idx="0"/>
+            <a:endCxn id="47" idx="4"/>
+          </p:cNvCxnSpPr>
+          <p:nvPr/>
+        </p:nvCxnSpPr>
+        <p:spPr>
+          <a:xfrm>
+            <a:off x="4944034" y="1638283"/>
+            <a:ext cx="0" cy="695640"/>
+          </a:xfrm>
+          <a:prstGeom prst="line">
+            <a:avLst/>
+          </a:prstGeom>
+        </p:spPr>
+        <p:style>
+          <a:lnRef idx="1">
+            <a:schemeClr val="accent1"/>
+          </a:lnRef>
+          <a:fillRef idx="0">
+            <a:schemeClr val="accent1"/>
+          </a:fillRef>
+          <a:effectRef idx="0">
+            <a:schemeClr val="accent1"/>
+          </a:effectRef>
+          <a:fontRef idx="minor">
+            <a:schemeClr val="tx1"/>
+          </a:fontRef>
+        </p:style>
+      </p:cxnSp>
+      <p:cxnSp>
+        <p:nvCxnSpPr>
+          <p:cNvPr id="49" name="40 Conector recto"/>
+          <p:cNvCxnSpPr>
+            <a:stCxn id="47" idx="6"/>
+          </p:cNvCxnSpPr>
+          <p:nvPr/>
+        </p:nvCxnSpPr>
+        <p:spPr>
+          <a:xfrm flipH="1">
+            <a:off x="4952684" y="1986103"/>
+            <a:ext cx="346841" cy="978"/>
+          </a:xfrm>
+          <a:prstGeom prst="line">
+            <a:avLst/>
+          </a:prstGeom>
+        </p:spPr>
+        <p:style>
+          <a:lnRef idx="1">
+            <a:schemeClr val="accent1"/>
+          </a:lnRef>
+          <a:fillRef idx="0">
+            <a:schemeClr val="accent1"/>
+          </a:fillRef>
+          <a:effectRef idx="0">
+            <a:schemeClr val="accent1"/>
+          </a:effectRef>
+          <a:fontRef idx="minor">
+            <a:schemeClr val="tx1"/>
+          </a:fontRef>
+        </p:style>
+      </p:cxnSp>
+      <p:sp>
+        <p:nvSpPr>
+          <p:cNvPr id="50" name="41 CuadroTexto"/>
+          <p:cNvSpPr txBox="1"/>
+          <p:nvPr/>
+        </p:nvSpPr>
+        <p:spPr>
+          <a:xfrm>
+            <a:off x="4611098" y="1803151"/>
+            <a:ext cx="301686" cy="369332"/>
+          </a:xfrm>
+          <a:prstGeom prst="rect">
+            <a:avLst/>
+          </a:prstGeom>
+          <a:noFill/>
+        </p:spPr>
+        <p:txBody>
+          <a:bodyPr wrap="none" rtlCol="0">
+            <a:spAutoFit/>
+          </a:bodyPr>
+          <a:lstStyle/>
+          <a:p>
+            <a:r>
+              <a:rPr lang="es-AR" dirty="0"/>
+              <a:t>3</a:t>
+            </a:r>
+          </a:p>
+        </p:txBody>
+      </p:sp>
+      <p:sp>
+        <p:nvSpPr>
+          <p:cNvPr id="51" name="42 CuadroTexto"/>
+          <p:cNvSpPr txBox="1"/>
+          <p:nvPr/>
+        </p:nvSpPr>
+        <p:spPr>
+          <a:xfrm>
+            <a:off x="4936919" y="1645497"/>
+            <a:ext cx="301686" cy="369332"/>
+          </a:xfrm>
+          <a:prstGeom prst="rect">
+            <a:avLst/>
+          </a:prstGeom>
+          <a:noFill/>
+        </p:spPr>
+        <p:txBody>
+          <a:bodyPr wrap="none" rtlCol="0">
+            <a:spAutoFit/>
+          </a:bodyPr>
+          <a:lstStyle/>
+          <a:p>
+            <a:r>
+              <a:rPr lang="es-AR" dirty="0" smtClean="0"/>
+              <a:t>5</a:t>
+            </a:r>
+            <a:endParaRPr lang="es-AR" dirty="0"/>
+          </a:p>
+        </p:txBody>
+      </p:sp>
+      <p:sp>
+        <p:nvSpPr>
+          <p:cNvPr id="52" name="43 CuadroTexto"/>
+          <p:cNvSpPr txBox="1"/>
+          <p:nvPr/>
+        </p:nvSpPr>
+        <p:spPr>
+          <a:xfrm>
+            <a:off x="4936919" y="1929275"/>
+            <a:ext cx="301686" cy="369332"/>
+          </a:xfrm>
+          <a:prstGeom prst="rect">
+            <a:avLst/>
+          </a:prstGeom>
+          <a:noFill/>
+        </p:spPr>
+        <p:txBody>
+          <a:bodyPr wrap="none" rtlCol="0">
+            <a:spAutoFit/>
+          </a:bodyPr>
+          <a:lstStyle/>
+          <a:p>
+            <a:r>
+              <a:rPr lang="es-AR" dirty="0" smtClean="0"/>
+              <a:t>6</a:t>
+            </a:r>
+            <a:endParaRPr lang="es-AR" dirty="0"/>
+          </a:p>
+        </p:txBody>
+      </p:sp>
+      <p:sp>
+        <p:nvSpPr>
+          <p:cNvPr id="53" name="Oval 3"/>
+          <p:cNvSpPr/>
+          <p:nvPr/>
+        </p:nvSpPr>
+        <p:spPr>
+          <a:xfrm>
+            <a:off x="5019817" y="3892646"/>
+            <a:ext cx="710983" cy="695640"/>
+          </a:xfrm>
+          <a:prstGeom prst="ellipse">
+            <a:avLst/>
+          </a:prstGeom>
+          <a:ln>
+            <a:solidFill>
+              <a:schemeClr val="tx2"/>
+            </a:solidFill>
+          </a:ln>
+          <a:effectLst>
+            <a:outerShdw blurRad="50800" dist="38100" dir="2700000" algn="tl" rotWithShape="0">
+              <a:prstClr val="black">
+                <a:alpha val="40000"/>
+              </a:prstClr>
+            </a:outerShdw>
+          </a:effectLst>
+        </p:spPr>
+        <p:style>
+          <a:lnRef idx="2">
+            <a:schemeClr val="accent6"/>
+          </a:lnRef>
+          <a:fillRef idx="1">
+            <a:schemeClr val="lt1"/>
+          </a:fillRef>
+          <a:effectRef idx="0">
+            <a:schemeClr val="accent6"/>
+          </a:effectRef>
+          <a:fontRef idx="minor">
+            <a:schemeClr val="dk1"/>
+          </a:fontRef>
+        </p:style>
+        <p:txBody>
+          <a:bodyPr rtlCol="0" anchor="ctr"/>
+          <a:lstStyle/>
+          <a:p>
+            <a:pPr algn="ctr"/>
+            <a:endParaRPr lang="es-AR"/>
+          </a:p>
+        </p:txBody>
+      </p:sp>
+      <p:cxnSp>
+        <p:nvCxnSpPr>
+          <p:cNvPr id="54" name="39 Conector recto"/>
+          <p:cNvCxnSpPr>
+            <a:stCxn id="53" idx="0"/>
+            <a:endCxn id="53" idx="4"/>
+          </p:cNvCxnSpPr>
+          <p:nvPr/>
+        </p:nvCxnSpPr>
+        <p:spPr>
+          <a:xfrm>
+            <a:off x="5375309" y="3892646"/>
+            <a:ext cx="0" cy="695640"/>
+          </a:xfrm>
+          <a:prstGeom prst="line">
+            <a:avLst/>
+          </a:prstGeom>
+        </p:spPr>
+        <p:style>
+          <a:lnRef idx="1">
+            <a:schemeClr val="accent1"/>
+          </a:lnRef>
+          <a:fillRef idx="0">
+            <a:schemeClr val="accent1"/>
+          </a:fillRef>
+          <a:effectRef idx="0">
+            <a:schemeClr val="accent1"/>
+          </a:effectRef>
+          <a:fontRef idx="minor">
+            <a:schemeClr val="tx1"/>
+          </a:fontRef>
+        </p:style>
+      </p:cxnSp>
+      <p:cxnSp>
+        <p:nvCxnSpPr>
+          <p:cNvPr id="55" name="40 Conector recto"/>
+          <p:cNvCxnSpPr>
+            <a:stCxn id="53" idx="6"/>
+          </p:cNvCxnSpPr>
+          <p:nvPr/>
+        </p:nvCxnSpPr>
+        <p:spPr>
+          <a:xfrm flipH="1">
+            <a:off x="5383959" y="4240466"/>
+            <a:ext cx="346841" cy="978"/>
+          </a:xfrm>
+          <a:prstGeom prst="line">
+            <a:avLst/>
+          </a:prstGeom>
+        </p:spPr>
+        <p:style>
+          <a:lnRef idx="1">
+            <a:schemeClr val="accent1"/>
+          </a:lnRef>
+          <a:fillRef idx="0">
+            <a:schemeClr val="accent1"/>
+          </a:fillRef>
+          <a:effectRef idx="0">
+            <a:schemeClr val="accent1"/>
+          </a:effectRef>
+          <a:fontRef idx="minor">
+            <a:schemeClr val="tx1"/>
+          </a:fontRef>
+        </p:style>
+      </p:cxnSp>
+      <p:sp>
+        <p:nvSpPr>
+          <p:cNvPr id="56" name="41 CuadroTexto"/>
+          <p:cNvSpPr txBox="1"/>
+          <p:nvPr/>
+        </p:nvSpPr>
+        <p:spPr>
+          <a:xfrm>
+            <a:off x="5042373" y="4057514"/>
+            <a:ext cx="301686" cy="369332"/>
+          </a:xfrm>
+          <a:prstGeom prst="rect">
+            <a:avLst/>
+          </a:prstGeom>
+          <a:noFill/>
+        </p:spPr>
+        <p:txBody>
+          <a:bodyPr wrap="none" rtlCol="0">
+            <a:spAutoFit/>
+          </a:bodyPr>
+          <a:lstStyle/>
+          <a:p>
+            <a:r>
+              <a:rPr lang="es-AR" dirty="0" smtClean="0"/>
+              <a:t>4</a:t>
+            </a:r>
+            <a:endParaRPr lang="es-AR" dirty="0"/>
+          </a:p>
+        </p:txBody>
+      </p:sp>
+      <p:sp>
+        <p:nvSpPr>
+          <p:cNvPr id="57" name="42 CuadroTexto"/>
+          <p:cNvSpPr txBox="1"/>
+          <p:nvPr/>
+        </p:nvSpPr>
+        <p:spPr>
+          <a:xfrm>
+            <a:off x="5368194" y="3899860"/>
+            <a:ext cx="301686" cy="369332"/>
+          </a:xfrm>
+          <a:prstGeom prst="rect">
+            <a:avLst/>
+          </a:prstGeom>
+          <a:noFill/>
+        </p:spPr>
+        <p:txBody>
+          <a:bodyPr wrap="none" rtlCol="0">
+            <a:spAutoFit/>
+          </a:bodyPr>
+          <a:lstStyle/>
+          <a:p>
+            <a:r>
+              <a:rPr lang="es-AR" dirty="0" smtClean="0"/>
+              <a:t>6</a:t>
+            </a:r>
+            <a:endParaRPr lang="es-AR" dirty="0"/>
+          </a:p>
+        </p:txBody>
+      </p:sp>
+      <p:sp>
+        <p:nvSpPr>
+          <p:cNvPr id="58" name="43 CuadroTexto"/>
+          <p:cNvSpPr txBox="1"/>
+          <p:nvPr/>
+        </p:nvSpPr>
+        <p:spPr>
+          <a:xfrm>
+            <a:off x="5368194" y="4183638"/>
+            <a:ext cx="301686" cy="369332"/>
+          </a:xfrm>
+          <a:prstGeom prst="rect">
+            <a:avLst/>
+          </a:prstGeom>
+          <a:noFill/>
+        </p:spPr>
+        <p:txBody>
+          <a:bodyPr wrap="none" rtlCol="0">
+            <a:spAutoFit/>
+          </a:bodyPr>
+          <a:lstStyle/>
+          <a:p>
+            <a:r>
+              <a:rPr lang="es-AR" dirty="0" smtClean="0"/>
+              <a:t>6</a:t>
+            </a:r>
+            <a:endParaRPr lang="es-AR" dirty="0"/>
+          </a:p>
+        </p:txBody>
+      </p:sp>
+      <p:sp>
+        <p:nvSpPr>
+          <p:cNvPr id="59" name="Oval 3"/>
+          <p:cNvSpPr/>
+          <p:nvPr/>
+        </p:nvSpPr>
+        <p:spPr>
+          <a:xfrm>
+            <a:off x="7158911" y="1750445"/>
+            <a:ext cx="710983" cy="695640"/>
+          </a:xfrm>
+          <a:prstGeom prst="ellipse">
+            <a:avLst/>
+          </a:prstGeom>
+          <a:ln>
+            <a:solidFill>
+              <a:schemeClr val="tx2"/>
+            </a:solidFill>
+          </a:ln>
+          <a:effectLst>
+            <a:outerShdw blurRad="50800" dist="38100" dir="2700000" algn="tl" rotWithShape="0">
+              <a:prstClr val="black">
+                <a:alpha val="40000"/>
+              </a:prstClr>
+            </a:outerShdw>
+          </a:effectLst>
+        </p:spPr>
+        <p:style>
+          <a:lnRef idx="2">
+            <a:schemeClr val="accent6"/>
+          </a:lnRef>
+          <a:fillRef idx="1">
+            <a:schemeClr val="lt1"/>
+          </a:fillRef>
+          <a:effectRef idx="0">
+            <a:schemeClr val="accent6"/>
+          </a:effectRef>
+          <a:fontRef idx="minor">
+            <a:schemeClr val="dk1"/>
+          </a:fontRef>
+        </p:style>
+        <p:txBody>
+          <a:bodyPr rtlCol="0" anchor="ctr"/>
+          <a:lstStyle/>
+          <a:p>
+            <a:pPr algn="ctr"/>
+            <a:endParaRPr lang="es-AR"/>
+          </a:p>
+        </p:txBody>
+      </p:sp>
+      <p:cxnSp>
+        <p:nvCxnSpPr>
+          <p:cNvPr id="60" name="39 Conector recto"/>
+          <p:cNvCxnSpPr>
+            <a:stCxn id="59" idx="0"/>
+            <a:endCxn id="59" idx="4"/>
+          </p:cNvCxnSpPr>
+          <p:nvPr/>
+        </p:nvCxnSpPr>
+        <p:spPr>
+          <a:xfrm>
+            <a:off x="7514403" y="1750445"/>
+            <a:ext cx="0" cy="695640"/>
+          </a:xfrm>
+          <a:prstGeom prst="line">
+            <a:avLst/>
+          </a:prstGeom>
+        </p:spPr>
+        <p:style>
+          <a:lnRef idx="1">
+            <a:schemeClr val="accent1"/>
+          </a:lnRef>
+          <a:fillRef idx="0">
+            <a:schemeClr val="accent1"/>
+          </a:fillRef>
+          <a:effectRef idx="0">
+            <a:schemeClr val="accent1"/>
+          </a:effectRef>
+          <a:fontRef idx="minor">
+            <a:schemeClr val="tx1"/>
+          </a:fontRef>
+        </p:style>
+      </p:cxnSp>
+      <p:cxnSp>
+        <p:nvCxnSpPr>
+          <p:cNvPr id="61" name="40 Conector recto"/>
+          <p:cNvCxnSpPr>
+            <a:stCxn id="59" idx="6"/>
+          </p:cNvCxnSpPr>
+          <p:nvPr/>
+        </p:nvCxnSpPr>
+        <p:spPr>
+          <a:xfrm flipH="1">
+            <a:off x="7523053" y="2098265"/>
+            <a:ext cx="346841" cy="978"/>
+          </a:xfrm>
+          <a:prstGeom prst="line">
+            <a:avLst/>
+          </a:prstGeom>
+        </p:spPr>
+        <p:style>
+          <a:lnRef idx="1">
+            <a:schemeClr val="accent1"/>
+          </a:lnRef>
+          <a:fillRef idx="0">
+            <a:schemeClr val="accent1"/>
+          </a:fillRef>
+          <a:effectRef idx="0">
+            <a:schemeClr val="accent1"/>
+          </a:effectRef>
+          <a:fontRef idx="minor">
+            <a:schemeClr val="tx1"/>
+          </a:fontRef>
+        </p:style>
+      </p:cxnSp>
+      <p:sp>
+        <p:nvSpPr>
+          <p:cNvPr id="62" name="41 CuadroTexto"/>
+          <p:cNvSpPr txBox="1"/>
+          <p:nvPr/>
+        </p:nvSpPr>
+        <p:spPr>
+          <a:xfrm>
+            <a:off x="7181467" y="1915313"/>
+            <a:ext cx="301686" cy="369332"/>
+          </a:xfrm>
+          <a:prstGeom prst="rect">
+            <a:avLst/>
+          </a:prstGeom>
+          <a:noFill/>
+        </p:spPr>
+        <p:txBody>
+          <a:bodyPr wrap="none" rtlCol="0">
+            <a:spAutoFit/>
+          </a:bodyPr>
+          <a:lstStyle/>
+          <a:p>
+            <a:r>
+              <a:rPr lang="es-AR" dirty="0" smtClean="0"/>
+              <a:t>5</a:t>
+            </a:r>
+            <a:endParaRPr lang="es-AR" dirty="0"/>
+          </a:p>
+        </p:txBody>
+      </p:sp>
+      <p:sp>
+        <p:nvSpPr>
+          <p:cNvPr id="63" name="42 CuadroTexto"/>
+          <p:cNvSpPr txBox="1"/>
+          <p:nvPr/>
+        </p:nvSpPr>
+        <p:spPr>
+          <a:xfrm>
+            <a:off x="7452696" y="1757659"/>
+            <a:ext cx="301686" cy="369332"/>
+          </a:xfrm>
+          <a:prstGeom prst="rect">
+            <a:avLst/>
+          </a:prstGeom>
+          <a:noFill/>
+        </p:spPr>
+        <p:txBody>
+          <a:bodyPr wrap="none" rtlCol="0">
+            <a:spAutoFit/>
+          </a:bodyPr>
+          <a:lstStyle/>
+          <a:p>
+            <a:r>
+              <a:rPr lang="es-AR" dirty="0" smtClean="0"/>
+              <a:t>9</a:t>
+            </a:r>
+            <a:endParaRPr lang="es-AR" dirty="0"/>
+          </a:p>
+        </p:txBody>
+      </p:sp>
+      <p:sp>
+        <p:nvSpPr>
+          <p:cNvPr id="64" name="43 CuadroTexto"/>
+          <p:cNvSpPr txBox="1"/>
+          <p:nvPr/>
+        </p:nvSpPr>
+        <p:spPr>
+          <a:xfrm>
+            <a:off x="7452696" y="2041437"/>
+            <a:ext cx="301686" cy="369332"/>
+          </a:xfrm>
+          <a:prstGeom prst="rect">
+            <a:avLst/>
+          </a:prstGeom>
+          <a:noFill/>
+        </p:spPr>
+        <p:txBody>
+          <a:bodyPr wrap="none" rtlCol="0">
+            <a:spAutoFit/>
+          </a:bodyPr>
+          <a:lstStyle/>
+          <a:p>
+            <a:r>
+              <a:rPr lang="es-AR" dirty="0" smtClean="0"/>
+              <a:t>9</a:t>
+            </a:r>
+            <a:endParaRPr lang="es-AR" dirty="0"/>
+          </a:p>
+        </p:txBody>
+      </p:sp>
+      <p:sp>
+        <p:nvSpPr>
+          <p:cNvPr id="65" name="Oval 3"/>
+          <p:cNvSpPr/>
+          <p:nvPr/>
+        </p:nvSpPr>
+        <p:spPr>
+          <a:xfrm>
+            <a:off x="6694889" y="3884090"/>
+            <a:ext cx="710983" cy="695640"/>
+          </a:xfrm>
+          <a:prstGeom prst="ellipse">
+            <a:avLst/>
+          </a:prstGeom>
+          <a:ln>
+            <a:solidFill>
+              <a:schemeClr val="tx2"/>
+            </a:solidFill>
+          </a:ln>
+          <a:effectLst>
+            <a:outerShdw blurRad="50800" dist="38100" dir="2700000" algn="tl" rotWithShape="0">
+              <a:prstClr val="black">
+                <a:alpha val="40000"/>
+              </a:prstClr>
+            </a:outerShdw>
+          </a:effectLst>
+        </p:spPr>
+        <p:style>
+          <a:lnRef idx="2">
+            <a:schemeClr val="accent6"/>
+          </a:lnRef>
+          <a:fillRef idx="1">
+            <a:schemeClr val="lt1"/>
+          </a:fillRef>
+          <a:effectRef idx="0">
+            <a:schemeClr val="accent6"/>
+          </a:effectRef>
+          <a:fontRef idx="minor">
+            <a:schemeClr val="dk1"/>
+          </a:fontRef>
+        </p:style>
+        <p:txBody>
+          <a:bodyPr rtlCol="0" anchor="ctr"/>
+          <a:lstStyle/>
+          <a:p>
+            <a:pPr algn="ctr"/>
+            <a:endParaRPr lang="es-AR"/>
+          </a:p>
+        </p:txBody>
+      </p:sp>
+      <p:cxnSp>
+        <p:nvCxnSpPr>
+          <p:cNvPr id="66" name="39 Conector recto"/>
+          <p:cNvCxnSpPr>
+            <a:stCxn id="65" idx="0"/>
+            <a:endCxn id="65" idx="4"/>
+          </p:cNvCxnSpPr>
+          <p:nvPr/>
+        </p:nvCxnSpPr>
+        <p:spPr>
+          <a:xfrm>
+            <a:off x="7050381" y="3884090"/>
+            <a:ext cx="0" cy="695640"/>
+          </a:xfrm>
+          <a:prstGeom prst="line">
+            <a:avLst/>
+          </a:prstGeom>
+        </p:spPr>
+        <p:style>
+          <a:lnRef idx="1">
+            <a:schemeClr val="accent1"/>
+          </a:lnRef>
+          <a:fillRef idx="0">
+            <a:schemeClr val="accent1"/>
+          </a:fillRef>
+          <a:effectRef idx="0">
+            <a:schemeClr val="accent1"/>
+          </a:effectRef>
+          <a:fontRef idx="minor">
+            <a:schemeClr val="tx1"/>
+          </a:fontRef>
+        </p:style>
+      </p:cxnSp>
+      <p:cxnSp>
+        <p:nvCxnSpPr>
+          <p:cNvPr id="67" name="40 Conector recto"/>
+          <p:cNvCxnSpPr>
+            <a:stCxn id="65" idx="6"/>
+          </p:cNvCxnSpPr>
+          <p:nvPr/>
+        </p:nvCxnSpPr>
+        <p:spPr>
+          <a:xfrm flipH="1">
+            <a:off x="7059031" y="4231910"/>
+            <a:ext cx="346841" cy="978"/>
+          </a:xfrm>
+          <a:prstGeom prst="line">
+            <a:avLst/>
+          </a:prstGeom>
+        </p:spPr>
+        <p:style>
+          <a:lnRef idx="1">
+            <a:schemeClr val="accent1"/>
+          </a:lnRef>
+          <a:fillRef idx="0">
+            <a:schemeClr val="accent1"/>
+          </a:fillRef>
+          <a:effectRef idx="0">
+            <a:schemeClr val="accent1"/>
+          </a:effectRef>
+          <a:fontRef idx="minor">
+            <a:schemeClr val="tx1"/>
+          </a:fontRef>
+        </p:style>
+      </p:cxnSp>
+      <p:sp>
+        <p:nvSpPr>
+          <p:cNvPr id="68" name="41 CuadroTexto"/>
+          <p:cNvSpPr txBox="1"/>
+          <p:nvPr/>
+        </p:nvSpPr>
+        <p:spPr>
+          <a:xfrm>
+            <a:off x="6717445" y="4048958"/>
+            <a:ext cx="301686" cy="369332"/>
+          </a:xfrm>
+          <a:prstGeom prst="rect">
+            <a:avLst/>
+          </a:prstGeom>
+          <a:noFill/>
+        </p:spPr>
+        <p:txBody>
+          <a:bodyPr wrap="none" rtlCol="0">
+            <a:spAutoFit/>
+          </a:bodyPr>
+          <a:lstStyle/>
+          <a:p>
+            <a:r>
+              <a:rPr lang="es-AR" dirty="0" smtClean="0"/>
+              <a:t>6</a:t>
+            </a:r>
+            <a:endParaRPr lang="es-AR" dirty="0"/>
+          </a:p>
+        </p:txBody>
+      </p:sp>
+      <p:sp>
+        <p:nvSpPr>
+          <p:cNvPr id="69" name="42 CuadroTexto"/>
+          <p:cNvSpPr txBox="1"/>
+          <p:nvPr/>
+        </p:nvSpPr>
+        <p:spPr>
+          <a:xfrm>
+            <a:off x="7002322" y="3918600"/>
+            <a:ext cx="301686" cy="369332"/>
+          </a:xfrm>
+          <a:prstGeom prst="rect">
+            <a:avLst/>
+          </a:prstGeom>
+          <a:noFill/>
+        </p:spPr>
+        <p:txBody>
+          <a:bodyPr wrap="none" rtlCol="0">
+            <a:spAutoFit/>
+          </a:bodyPr>
+          <a:lstStyle/>
+          <a:p>
+            <a:r>
+              <a:rPr lang="es-AR" dirty="0" smtClean="0"/>
+              <a:t>8</a:t>
+            </a:r>
+            <a:endParaRPr lang="es-AR" dirty="0"/>
+          </a:p>
+        </p:txBody>
+      </p:sp>
+      <p:sp>
+        <p:nvSpPr>
+          <p:cNvPr id="70" name="43 CuadroTexto"/>
+          <p:cNvSpPr txBox="1"/>
+          <p:nvPr/>
+        </p:nvSpPr>
+        <p:spPr>
+          <a:xfrm>
+            <a:off x="7002322" y="4175082"/>
+            <a:ext cx="301686" cy="369332"/>
+          </a:xfrm>
+          <a:prstGeom prst="rect">
+            <a:avLst/>
+          </a:prstGeom>
+          <a:noFill/>
+        </p:spPr>
+        <p:txBody>
+          <a:bodyPr wrap="none" rtlCol="0">
+            <a:spAutoFit/>
+          </a:bodyPr>
+          <a:lstStyle/>
+          <a:p>
+            <a:r>
+              <a:rPr lang="es-AR" dirty="0" smtClean="0"/>
+              <a:t>8</a:t>
+            </a:r>
+            <a:endParaRPr lang="es-AR" dirty="0"/>
+          </a:p>
+        </p:txBody>
+      </p:sp>
+      <p:cxnSp>
+        <p:nvCxnSpPr>
+          <p:cNvPr id="78" name="Straight Arrow Connector 77"/>
+          <p:cNvCxnSpPr>
+            <a:stCxn id="35" idx="6"/>
+            <a:endCxn id="41" idx="2"/>
+          </p:cNvCxnSpPr>
+          <p:nvPr/>
+        </p:nvCxnSpPr>
+        <p:spPr>
+          <a:xfrm>
+            <a:off x="1968473" y="3700490"/>
+            <a:ext cx="1259884" cy="1612894"/>
+          </a:xfrm>
+          <a:prstGeom prst="straightConnector1">
+            <a:avLst/>
+          </a:prstGeom>
+          <a:ln w="38100">
+            <a:tailEnd type="arrow"/>
+          </a:ln>
+        </p:spPr>
+        <p:style>
+          <a:lnRef idx="3">
+            <a:schemeClr val="accent2"/>
+          </a:lnRef>
+          <a:fillRef idx="0">
+            <a:schemeClr val="accent2"/>
+          </a:fillRef>
+          <a:effectRef idx="2">
+            <a:schemeClr val="accent2"/>
+          </a:effectRef>
+          <a:fontRef idx="minor">
+            <a:schemeClr val="tx1"/>
+          </a:fontRef>
+        </p:style>
+      </p:cxnSp>
+      <p:cxnSp>
+        <p:nvCxnSpPr>
+          <p:cNvPr id="80" name="Straight Arrow Connector 79"/>
+          <p:cNvCxnSpPr>
+            <a:stCxn id="41" idx="0"/>
+            <a:endCxn id="47" idx="2"/>
+          </p:cNvCxnSpPr>
+          <p:nvPr/>
+        </p:nvCxnSpPr>
+        <p:spPr>
+          <a:xfrm flipV="1">
+            <a:off x="3583849" y="1986103"/>
+            <a:ext cx="1004693" cy="2979461"/>
+          </a:xfrm>
+          <a:prstGeom prst="straightConnector1">
+            <a:avLst/>
+          </a:prstGeom>
+          <a:ln w="38100">
+            <a:tailEnd type="arrow"/>
+          </a:ln>
+        </p:spPr>
+        <p:style>
+          <a:lnRef idx="1">
+            <a:schemeClr val="accent1"/>
+          </a:lnRef>
+          <a:fillRef idx="0">
+            <a:schemeClr val="accent1"/>
+          </a:fillRef>
+          <a:effectRef idx="0">
+            <a:schemeClr val="accent1"/>
+          </a:effectRef>
+          <a:fontRef idx="minor">
+            <a:schemeClr val="tx1"/>
+          </a:fontRef>
+        </p:style>
+      </p:cxnSp>
+      <p:cxnSp>
+        <p:nvCxnSpPr>
+          <p:cNvPr id="82" name="Straight Arrow Connector 81"/>
+          <p:cNvCxnSpPr>
+            <a:stCxn id="41" idx="7"/>
+            <a:endCxn id="53" idx="2"/>
+          </p:cNvCxnSpPr>
+          <p:nvPr/>
+        </p:nvCxnSpPr>
+        <p:spPr>
+          <a:xfrm flipV="1">
+            <a:off x="3835219" y="4240466"/>
+            <a:ext cx="1184598" cy="826972"/>
+          </a:xfrm>
+          <a:prstGeom prst="straightConnector1">
+            <a:avLst/>
+          </a:prstGeom>
+          <a:ln w="38100">
+            <a:tailEnd type="arrow"/>
+          </a:ln>
+        </p:spPr>
+        <p:style>
+          <a:lnRef idx="3">
+            <a:schemeClr val="accent2"/>
+          </a:lnRef>
+          <a:fillRef idx="0">
+            <a:schemeClr val="accent2"/>
+          </a:fillRef>
+          <a:effectRef idx="2">
+            <a:schemeClr val="accent2"/>
+          </a:effectRef>
+          <a:fontRef idx="minor">
+            <a:schemeClr val="tx1"/>
+          </a:fontRef>
+        </p:style>
+      </p:cxnSp>
+      <p:cxnSp>
+        <p:nvCxnSpPr>
+          <p:cNvPr id="84" name="Straight Arrow Connector 83"/>
+          <p:cNvCxnSpPr>
+            <a:stCxn id="53" idx="7"/>
+            <a:endCxn id="59" idx="3"/>
+          </p:cNvCxnSpPr>
+          <p:nvPr/>
+        </p:nvCxnSpPr>
+        <p:spPr>
+          <a:xfrm flipV="1">
+            <a:off x="5626679" y="2344211"/>
+            <a:ext cx="1636353" cy="1650309"/>
+          </a:xfrm>
+          <a:prstGeom prst="straightConnector1">
+            <a:avLst/>
+          </a:prstGeom>
+          <a:ln w="38100">
+            <a:tailEnd type="arrow"/>
+          </a:ln>
+        </p:spPr>
+        <p:style>
+          <a:lnRef idx="3">
+            <a:schemeClr val="accent2"/>
+          </a:lnRef>
+          <a:fillRef idx="0">
+            <a:schemeClr val="accent2"/>
+          </a:fillRef>
+          <a:effectRef idx="2">
+            <a:schemeClr val="accent2"/>
+          </a:effectRef>
+          <a:fontRef idx="minor">
+            <a:schemeClr val="tx1"/>
+          </a:fontRef>
+        </p:style>
+      </p:cxnSp>
+      <p:cxnSp>
+        <p:nvCxnSpPr>
+          <p:cNvPr id="86" name="Straight Arrow Connector 85"/>
+          <p:cNvCxnSpPr>
+            <a:stCxn id="47" idx="4"/>
+            <a:endCxn id="53" idx="0"/>
+          </p:cNvCxnSpPr>
+          <p:nvPr/>
+        </p:nvCxnSpPr>
+        <p:spPr>
+          <a:xfrm>
+            <a:off x="4944034" y="2333923"/>
+            <a:ext cx="431275" cy="1558723"/>
+          </a:xfrm>
+          <a:prstGeom prst="straightConnector1">
+            <a:avLst/>
+          </a:prstGeom>
+          <a:ln w="38100">
+            <a:prstDash val="solid"/>
+            <a:tailEnd type="arrow"/>
+          </a:ln>
+        </p:spPr>
+        <p:style>
+          <a:lnRef idx="1">
+            <a:schemeClr val="accent1"/>
+          </a:lnRef>
+          <a:fillRef idx="0">
+            <a:schemeClr val="accent1"/>
+          </a:fillRef>
+          <a:effectRef idx="0">
+            <a:schemeClr val="accent1"/>
+          </a:effectRef>
+          <a:fontRef idx="minor">
+            <a:schemeClr val="tx1"/>
+          </a:fontRef>
+        </p:style>
+      </p:cxnSp>
+      <p:sp>
+        <p:nvSpPr>
+          <p:cNvPr id="97" name="45 CuadroTexto"/>
+          <p:cNvSpPr txBox="1"/>
+          <p:nvPr/>
+        </p:nvSpPr>
+        <p:spPr>
+          <a:xfrm>
+            <a:off x="2305141" y="3883043"/>
+            <a:ext cx="317716" cy="369332"/>
+          </a:xfrm>
+          <a:prstGeom prst="rect">
+            <a:avLst/>
+          </a:prstGeom>
+          <a:noFill/>
+        </p:spPr>
+        <p:txBody>
+          <a:bodyPr wrap="none" rtlCol="0">
+            <a:spAutoFit/>
+          </a:bodyPr>
+          <a:lstStyle/>
+          <a:p>
+            <a:r>
+              <a:rPr lang="es-AR" dirty="0" smtClean="0"/>
+              <a:t>A</a:t>
+            </a:r>
+            <a:endParaRPr lang="es-AR" dirty="0"/>
+          </a:p>
+        </p:txBody>
+      </p:sp>
+      <p:sp>
+        <p:nvSpPr>
+          <p:cNvPr id="98" name="45 CuadroTexto"/>
+          <p:cNvSpPr txBox="1"/>
+          <p:nvPr/>
+        </p:nvSpPr>
+        <p:spPr>
+          <a:xfrm>
+            <a:off x="3967424" y="2848989"/>
+            <a:ext cx="309700" cy="369332"/>
+          </a:xfrm>
+          <a:prstGeom prst="rect">
+            <a:avLst/>
+          </a:prstGeom>
+          <a:noFill/>
+        </p:spPr>
+        <p:txBody>
+          <a:bodyPr wrap="none" rtlCol="0">
+            <a:spAutoFit/>
+          </a:bodyPr>
+          <a:lstStyle/>
+          <a:p>
+            <a:r>
+              <a:rPr lang="es-AR" dirty="0"/>
+              <a:t>B</a:t>
+            </a:r>
+          </a:p>
+        </p:txBody>
+      </p:sp>
+      <p:sp>
+        <p:nvSpPr>
+          <p:cNvPr id="99" name="45 CuadroTexto"/>
+          <p:cNvSpPr txBox="1"/>
+          <p:nvPr/>
+        </p:nvSpPr>
+        <p:spPr>
+          <a:xfrm>
+            <a:off x="5230400" y="3056413"/>
+            <a:ext cx="327334" cy="369332"/>
+          </a:xfrm>
+          <a:prstGeom prst="rect">
+            <a:avLst/>
+          </a:prstGeom>
+          <a:noFill/>
+        </p:spPr>
+        <p:txBody>
+          <a:bodyPr wrap="none" rtlCol="0">
+            <a:spAutoFit/>
+          </a:bodyPr>
+          <a:lstStyle/>
+          <a:p>
+            <a:r>
+              <a:rPr lang="es-AR" dirty="0" smtClean="0"/>
+              <a:t>D</a:t>
+            </a:r>
+            <a:endParaRPr lang="es-AR" dirty="0"/>
+          </a:p>
+        </p:txBody>
+      </p:sp>
+      <p:sp>
+        <p:nvSpPr>
+          <p:cNvPr id="100" name="45 CuadroTexto"/>
+          <p:cNvSpPr txBox="1"/>
+          <p:nvPr/>
+        </p:nvSpPr>
+        <p:spPr>
+          <a:xfrm>
+            <a:off x="4294969" y="4313043"/>
+            <a:ext cx="308098" cy="369332"/>
+          </a:xfrm>
+          <a:prstGeom prst="rect">
+            <a:avLst/>
+          </a:prstGeom>
+          <a:noFill/>
+        </p:spPr>
+        <p:txBody>
+          <a:bodyPr wrap="none" rtlCol="0">
+            <a:spAutoFit/>
+          </a:bodyPr>
+          <a:lstStyle/>
+          <a:p>
+            <a:r>
+              <a:rPr lang="es-AR" dirty="0" smtClean="0"/>
+              <a:t>C</a:t>
+            </a:r>
+            <a:endParaRPr lang="es-AR" dirty="0"/>
+          </a:p>
+        </p:txBody>
+      </p:sp>
+      <p:sp>
+        <p:nvSpPr>
+          <p:cNvPr id="101" name="45 CuadroTexto"/>
+          <p:cNvSpPr txBox="1"/>
+          <p:nvPr/>
+        </p:nvSpPr>
+        <p:spPr>
+          <a:xfrm>
+            <a:off x="6308572" y="2806605"/>
+            <a:ext cx="296876" cy="369332"/>
+          </a:xfrm>
+          <a:prstGeom prst="rect">
+            <a:avLst/>
+          </a:prstGeom>
+          <a:noFill/>
+        </p:spPr>
+        <p:txBody>
+          <a:bodyPr wrap="none" rtlCol="0">
+            <a:spAutoFit/>
+          </a:bodyPr>
+          <a:lstStyle/>
+          <a:p>
+            <a:r>
+              <a:rPr lang="es-AR" dirty="0" smtClean="0"/>
+              <a:t>F</a:t>
+            </a:r>
+            <a:endParaRPr lang="es-AR" dirty="0"/>
+          </a:p>
+        </p:txBody>
+      </p:sp>
+      <p:sp>
+        <p:nvSpPr>
+          <p:cNvPr id="77" name="47 CuadroTexto"/>
+          <p:cNvSpPr txBox="1"/>
+          <p:nvPr/>
+        </p:nvSpPr>
+        <p:spPr>
+          <a:xfrm>
+            <a:off x="2325980" y="4425899"/>
+            <a:ext cx="276038" cy="307777"/>
+          </a:xfrm>
+          <a:prstGeom prst="rect">
+            <a:avLst/>
+          </a:prstGeom>
+          <a:noFill/>
+        </p:spPr>
+        <p:txBody>
+          <a:bodyPr wrap="none" rtlCol="0">
+            <a:spAutoFit/>
+          </a:bodyPr>
+          <a:lstStyle/>
+          <a:p>
+            <a:r>
+              <a:rPr lang="es-AR" sz="1400" dirty="0" smtClean="0">
+                <a:solidFill>
+                  <a:srgbClr val="00B050"/>
+                </a:solidFill>
+              </a:rPr>
+              <a:t>3</a:t>
+            </a:r>
+            <a:endParaRPr lang="es-AR" sz="1400" dirty="0">
+              <a:solidFill>
+                <a:srgbClr val="00B050"/>
+              </a:solidFill>
+            </a:endParaRPr>
+          </a:p>
+        </p:txBody>
+      </p:sp>
+      <p:sp>
+        <p:nvSpPr>
+          <p:cNvPr id="79" name="47 CuadroTexto"/>
+          <p:cNvSpPr txBox="1"/>
+          <p:nvPr/>
+        </p:nvSpPr>
+        <p:spPr>
+          <a:xfrm>
+            <a:off x="4477314" y="4616768"/>
+            <a:ext cx="276038" cy="307777"/>
+          </a:xfrm>
+          <a:prstGeom prst="rect">
+            <a:avLst/>
+          </a:prstGeom>
+          <a:noFill/>
+        </p:spPr>
+        <p:txBody>
+          <a:bodyPr wrap="none" rtlCol="0">
+            <a:spAutoFit/>
+          </a:bodyPr>
+          <a:lstStyle/>
+          <a:p>
+            <a:r>
+              <a:rPr lang="es-AR" sz="1400" dirty="0" smtClean="0">
+                <a:solidFill>
+                  <a:srgbClr val="00B050"/>
+                </a:solidFill>
+              </a:rPr>
+              <a:t>3</a:t>
+            </a:r>
+            <a:endParaRPr lang="es-AR" sz="1400" dirty="0">
+              <a:solidFill>
+                <a:srgbClr val="00B050"/>
+              </a:solidFill>
+            </a:endParaRPr>
+          </a:p>
+        </p:txBody>
+      </p:sp>
+      <p:sp>
+        <p:nvSpPr>
+          <p:cNvPr id="81" name="47 CuadroTexto"/>
+          <p:cNvSpPr txBox="1"/>
+          <p:nvPr/>
+        </p:nvSpPr>
+        <p:spPr>
+          <a:xfrm>
+            <a:off x="4203949" y="3115887"/>
+            <a:ext cx="276038" cy="307777"/>
+          </a:xfrm>
+          <a:prstGeom prst="rect">
+            <a:avLst/>
+          </a:prstGeom>
+          <a:noFill/>
+        </p:spPr>
+        <p:txBody>
+          <a:bodyPr wrap="none" rtlCol="0">
+            <a:spAutoFit/>
+          </a:bodyPr>
+          <a:lstStyle/>
+          <a:p>
+            <a:r>
+              <a:rPr lang="es-AR" sz="1400" dirty="0" smtClean="0">
+                <a:solidFill>
+                  <a:srgbClr val="00B050"/>
+                </a:solidFill>
+              </a:rPr>
+              <a:t>2</a:t>
+            </a:r>
+            <a:endParaRPr lang="es-AR" sz="1400" dirty="0">
+              <a:solidFill>
+                <a:srgbClr val="00B050"/>
+              </a:solidFill>
+            </a:endParaRPr>
+          </a:p>
+        </p:txBody>
+      </p:sp>
+      <p:sp>
+        <p:nvSpPr>
+          <p:cNvPr id="83" name="47 CuadroTexto"/>
+          <p:cNvSpPr txBox="1"/>
+          <p:nvPr/>
+        </p:nvSpPr>
+        <p:spPr>
+          <a:xfrm>
+            <a:off x="4833074" y="3170478"/>
+            <a:ext cx="276038" cy="307777"/>
+          </a:xfrm>
+          <a:prstGeom prst="rect">
+            <a:avLst/>
+          </a:prstGeom>
+          <a:noFill/>
+        </p:spPr>
+        <p:txBody>
+          <a:bodyPr wrap="none" rtlCol="0">
+            <a:spAutoFit/>
+          </a:bodyPr>
+          <a:lstStyle/>
+          <a:p>
+            <a:r>
+              <a:rPr lang="es-AR" sz="1400" dirty="0" smtClean="0">
+                <a:solidFill>
+                  <a:srgbClr val="00B050"/>
+                </a:solidFill>
+              </a:rPr>
+              <a:t>0</a:t>
+            </a:r>
+            <a:endParaRPr lang="es-AR" sz="1400" dirty="0">
+              <a:solidFill>
+                <a:srgbClr val="00B050"/>
+              </a:solidFill>
+            </a:endParaRPr>
+          </a:p>
+        </p:txBody>
+      </p:sp>
+      <p:sp>
+        <p:nvSpPr>
+          <p:cNvPr id="85" name="47 CuadroTexto"/>
+          <p:cNvSpPr txBox="1"/>
+          <p:nvPr/>
+        </p:nvSpPr>
+        <p:spPr>
+          <a:xfrm>
+            <a:off x="6566339" y="3079642"/>
+            <a:ext cx="276038" cy="307777"/>
+          </a:xfrm>
+          <a:prstGeom prst="rect">
+            <a:avLst/>
+          </a:prstGeom>
+          <a:noFill/>
+        </p:spPr>
+        <p:txBody>
+          <a:bodyPr wrap="none" rtlCol="0">
+            <a:spAutoFit/>
+          </a:bodyPr>
+          <a:lstStyle/>
+          <a:p>
+            <a:r>
+              <a:rPr lang="es-AR" sz="1400" dirty="0" smtClean="0">
+                <a:solidFill>
+                  <a:srgbClr val="00B050"/>
+                </a:solidFill>
+              </a:rPr>
+              <a:t>3</a:t>
+            </a:r>
+            <a:endParaRPr lang="es-AR" sz="1400" dirty="0">
+              <a:solidFill>
+                <a:srgbClr val="00B050"/>
+              </a:solidFill>
+            </a:endParaRPr>
+          </a:p>
+        </p:txBody>
+      </p:sp>
+      <p:sp>
+        <p:nvSpPr>
+          <p:cNvPr id="124" name="Oval 3"/>
+          <p:cNvSpPr/>
+          <p:nvPr/>
+        </p:nvSpPr>
+        <p:spPr>
+          <a:xfrm>
+            <a:off x="8785271" y="4923595"/>
+            <a:ext cx="710983" cy="695640"/>
+          </a:xfrm>
+          <a:prstGeom prst="ellipse">
+            <a:avLst/>
+          </a:prstGeom>
+          <a:ln>
+            <a:solidFill>
+              <a:schemeClr val="tx2"/>
+            </a:solidFill>
+          </a:ln>
+          <a:effectLst>
+            <a:outerShdw blurRad="50800" dist="38100" dir="2700000" algn="tl" rotWithShape="0">
+              <a:prstClr val="black">
+                <a:alpha val="40000"/>
+              </a:prstClr>
+            </a:outerShdw>
+          </a:effectLst>
+        </p:spPr>
+        <p:style>
+          <a:lnRef idx="2">
+            <a:schemeClr val="accent6"/>
+          </a:lnRef>
+          <a:fillRef idx="1">
+            <a:schemeClr val="lt1"/>
+          </a:fillRef>
+          <a:effectRef idx="0">
+            <a:schemeClr val="accent6"/>
+          </a:effectRef>
+          <a:fontRef idx="minor">
+            <a:schemeClr val="dk1"/>
+          </a:fontRef>
+        </p:style>
+        <p:txBody>
+          <a:bodyPr rtlCol="0" anchor="ctr"/>
+          <a:lstStyle/>
+          <a:p>
+            <a:pPr algn="ctr"/>
+            <a:endParaRPr lang="es-AR"/>
+          </a:p>
+        </p:txBody>
+      </p:sp>
+      <p:cxnSp>
+        <p:nvCxnSpPr>
+          <p:cNvPr id="125" name="39 Conector recto"/>
+          <p:cNvCxnSpPr>
+            <a:stCxn id="124" idx="0"/>
+            <a:endCxn id="124" idx="4"/>
+          </p:cNvCxnSpPr>
+          <p:nvPr/>
+        </p:nvCxnSpPr>
+        <p:spPr>
+          <a:xfrm>
+            <a:off x="9140763" y="4923595"/>
+            <a:ext cx="0" cy="695640"/>
+          </a:xfrm>
+          <a:prstGeom prst="line">
+            <a:avLst/>
+          </a:prstGeom>
+        </p:spPr>
+        <p:style>
+          <a:lnRef idx="1">
+            <a:schemeClr val="accent1"/>
+          </a:lnRef>
+          <a:fillRef idx="0">
+            <a:schemeClr val="accent1"/>
+          </a:fillRef>
+          <a:effectRef idx="0">
+            <a:schemeClr val="accent1"/>
+          </a:effectRef>
+          <a:fontRef idx="minor">
+            <a:schemeClr val="tx1"/>
+          </a:fontRef>
+        </p:style>
+      </p:cxnSp>
+      <p:cxnSp>
+        <p:nvCxnSpPr>
+          <p:cNvPr id="126" name="40 Conector recto"/>
+          <p:cNvCxnSpPr>
+            <a:stCxn id="124" idx="6"/>
+          </p:cNvCxnSpPr>
+          <p:nvPr/>
+        </p:nvCxnSpPr>
+        <p:spPr>
+          <a:xfrm flipH="1">
+            <a:off x="9149413" y="5271415"/>
+            <a:ext cx="346841" cy="978"/>
+          </a:xfrm>
+          <a:prstGeom prst="line">
+            <a:avLst/>
+          </a:prstGeom>
+        </p:spPr>
+        <p:style>
+          <a:lnRef idx="1">
+            <a:schemeClr val="accent1"/>
+          </a:lnRef>
+          <a:fillRef idx="0">
+            <a:schemeClr val="accent1"/>
+          </a:fillRef>
+          <a:effectRef idx="0">
+            <a:schemeClr val="accent1"/>
+          </a:effectRef>
+          <a:fontRef idx="minor">
+            <a:schemeClr val="tx1"/>
+          </a:fontRef>
+        </p:style>
+      </p:cxnSp>
+      <p:sp>
+        <p:nvSpPr>
+          <p:cNvPr id="127" name="41 CuadroTexto"/>
+          <p:cNvSpPr txBox="1"/>
+          <p:nvPr/>
+        </p:nvSpPr>
+        <p:spPr>
+          <a:xfrm>
+            <a:off x="8807827" y="5088463"/>
+            <a:ext cx="301686" cy="369332"/>
+          </a:xfrm>
+          <a:prstGeom prst="rect">
+            <a:avLst/>
+          </a:prstGeom>
+          <a:noFill/>
+        </p:spPr>
+        <p:txBody>
+          <a:bodyPr wrap="none" rtlCol="0">
+            <a:spAutoFit/>
+          </a:bodyPr>
+          <a:lstStyle/>
+          <a:p>
+            <a:r>
+              <a:rPr lang="es-AR" dirty="0" smtClean="0"/>
+              <a:t>7</a:t>
+            </a:r>
+            <a:endParaRPr lang="es-AR" dirty="0"/>
+          </a:p>
+        </p:txBody>
+      </p:sp>
+      <p:sp>
+        <p:nvSpPr>
+          <p:cNvPr id="128" name="42 CuadroTexto"/>
+          <p:cNvSpPr txBox="1"/>
+          <p:nvPr/>
+        </p:nvSpPr>
+        <p:spPr>
+          <a:xfrm>
+            <a:off x="9092704" y="4958105"/>
+            <a:ext cx="418704" cy="369332"/>
+          </a:xfrm>
+          <a:prstGeom prst="rect">
+            <a:avLst/>
+          </a:prstGeom>
+          <a:noFill/>
+        </p:spPr>
+        <p:txBody>
+          <a:bodyPr wrap="none" rtlCol="0">
+            <a:spAutoFit/>
+          </a:bodyPr>
+          <a:lstStyle/>
+          <a:p>
+            <a:r>
+              <a:rPr lang="es-AR" dirty="0" smtClean="0"/>
+              <a:t>10</a:t>
+            </a:r>
+            <a:endParaRPr lang="es-AR" dirty="0"/>
+          </a:p>
+        </p:txBody>
+      </p:sp>
+      <p:sp>
+        <p:nvSpPr>
+          <p:cNvPr id="129" name="43 CuadroTexto"/>
+          <p:cNvSpPr txBox="1"/>
+          <p:nvPr/>
+        </p:nvSpPr>
+        <p:spPr>
+          <a:xfrm>
+            <a:off x="9092704" y="5214587"/>
+            <a:ext cx="418704" cy="369332"/>
+          </a:xfrm>
+          <a:prstGeom prst="rect">
+            <a:avLst/>
+          </a:prstGeom>
+          <a:noFill/>
+        </p:spPr>
+        <p:txBody>
+          <a:bodyPr wrap="none" rtlCol="0">
+            <a:spAutoFit/>
+          </a:bodyPr>
+          <a:lstStyle/>
+          <a:p>
+            <a:r>
+              <a:rPr lang="es-AR" dirty="0" smtClean="0"/>
+              <a:t>10</a:t>
+            </a:r>
+            <a:endParaRPr lang="es-AR" dirty="0"/>
+          </a:p>
+        </p:txBody>
+      </p:sp>
+      <p:sp>
+        <p:nvSpPr>
+          <p:cNvPr id="130" name="45 CuadroTexto"/>
+          <p:cNvSpPr txBox="1"/>
+          <p:nvPr/>
+        </p:nvSpPr>
+        <p:spPr>
+          <a:xfrm>
+            <a:off x="8426251" y="3327495"/>
+            <a:ext cx="328936" cy="369332"/>
+          </a:xfrm>
+          <a:prstGeom prst="rect">
+            <a:avLst/>
+          </a:prstGeom>
+          <a:noFill/>
+        </p:spPr>
+        <p:txBody>
+          <a:bodyPr wrap="none" rtlCol="0">
+            <a:spAutoFit/>
+          </a:bodyPr>
+          <a:lstStyle/>
+          <a:p>
+            <a:r>
+              <a:rPr lang="es-AR" dirty="0" smtClean="0"/>
+              <a:t>H</a:t>
+            </a:r>
+            <a:endParaRPr lang="es-AR" dirty="0"/>
+          </a:p>
+        </p:txBody>
+      </p:sp>
+      <p:sp>
+        <p:nvSpPr>
+          <p:cNvPr id="131" name="47 CuadroTexto"/>
+          <p:cNvSpPr txBox="1"/>
+          <p:nvPr/>
+        </p:nvSpPr>
+        <p:spPr>
+          <a:xfrm>
+            <a:off x="8151757" y="3600532"/>
+            <a:ext cx="276038" cy="307777"/>
+          </a:xfrm>
+          <a:prstGeom prst="rect">
+            <a:avLst/>
+          </a:prstGeom>
+          <a:noFill/>
+        </p:spPr>
+        <p:txBody>
+          <a:bodyPr wrap="none" rtlCol="0">
+            <a:spAutoFit/>
+          </a:bodyPr>
+          <a:lstStyle/>
+          <a:p>
+            <a:r>
+              <a:rPr lang="es-AR" sz="1400" dirty="0" smtClean="0">
+                <a:solidFill>
+                  <a:srgbClr val="00B050"/>
+                </a:solidFill>
+              </a:rPr>
+              <a:t>1</a:t>
+            </a:r>
+            <a:endParaRPr lang="es-AR" sz="1400" dirty="0">
+              <a:solidFill>
+                <a:srgbClr val="00B050"/>
+              </a:solidFill>
+            </a:endParaRPr>
+          </a:p>
+        </p:txBody>
+      </p:sp>
+      <p:cxnSp>
+        <p:nvCxnSpPr>
+          <p:cNvPr id="132" name="Straight Arrow Connector 131"/>
+          <p:cNvCxnSpPr>
+            <a:stCxn id="59" idx="5"/>
+            <a:endCxn id="124" idx="0"/>
+          </p:cNvCxnSpPr>
+          <p:nvPr/>
+        </p:nvCxnSpPr>
+        <p:spPr>
+          <a:xfrm>
+            <a:off x="7765773" y="2344211"/>
+            <a:ext cx="1374990" cy="2579384"/>
+          </a:xfrm>
+          <a:prstGeom prst="straightConnector1">
+            <a:avLst/>
+          </a:prstGeom>
+          <a:ln w="38100">
+            <a:tailEnd type="arrow"/>
+          </a:ln>
+        </p:spPr>
+        <p:style>
+          <a:lnRef idx="3">
+            <a:schemeClr val="accent2"/>
+          </a:lnRef>
+          <a:fillRef idx="0">
+            <a:schemeClr val="accent2"/>
+          </a:fillRef>
+          <a:effectRef idx="2">
+            <a:schemeClr val="accent2"/>
+          </a:effectRef>
+          <a:fontRef idx="minor">
+            <a:schemeClr val="tx1"/>
+          </a:fontRef>
+        </p:style>
+      </p:cxnSp>
+      <p:cxnSp>
+        <p:nvCxnSpPr>
+          <p:cNvPr id="136" name="Straight Arrow Connector 135"/>
+          <p:cNvCxnSpPr>
+            <a:stCxn id="53" idx="6"/>
+            <a:endCxn id="65" idx="2"/>
+          </p:cNvCxnSpPr>
+          <p:nvPr/>
+        </p:nvCxnSpPr>
+        <p:spPr>
+          <a:xfrm flipV="1">
+            <a:off x="5730800" y="4231910"/>
+            <a:ext cx="964089" cy="8556"/>
+          </a:xfrm>
+          <a:prstGeom prst="straightConnector1">
+            <a:avLst/>
+          </a:prstGeom>
+          <a:ln w="38100">
+            <a:solidFill>
+              <a:schemeClr val="accent2"/>
+            </a:solidFill>
+            <a:tailEnd type="arrow"/>
+          </a:ln>
+        </p:spPr>
+        <p:style>
+          <a:lnRef idx="1">
+            <a:schemeClr val="accent1"/>
+          </a:lnRef>
+          <a:fillRef idx="0">
+            <a:schemeClr val="accent1"/>
+          </a:fillRef>
+          <a:effectRef idx="0">
+            <a:schemeClr val="accent1"/>
+          </a:effectRef>
+          <a:fontRef idx="minor">
+            <a:schemeClr val="tx1"/>
+          </a:fontRef>
+        </p:style>
+      </p:cxnSp>
+      <p:cxnSp>
+        <p:nvCxnSpPr>
+          <p:cNvPr id="140" name="Straight Arrow Connector 139"/>
+          <p:cNvCxnSpPr>
+            <a:stCxn id="65" idx="6"/>
+            <a:endCxn id="124" idx="1"/>
+          </p:cNvCxnSpPr>
+          <p:nvPr/>
+        </p:nvCxnSpPr>
+        <p:spPr>
+          <a:xfrm>
+            <a:off x="7405872" y="4231910"/>
+            <a:ext cx="1483520" cy="793559"/>
+          </a:xfrm>
+          <a:prstGeom prst="straightConnector1">
+            <a:avLst/>
+          </a:prstGeom>
+          <a:ln w="38100">
+            <a:solidFill>
+              <a:schemeClr val="accent2"/>
+            </a:solidFill>
+            <a:tailEnd type="arrow"/>
+          </a:ln>
+        </p:spPr>
+        <p:style>
+          <a:lnRef idx="1">
+            <a:schemeClr val="accent1"/>
+          </a:lnRef>
+          <a:fillRef idx="0">
+            <a:schemeClr val="accent1"/>
+          </a:fillRef>
+          <a:effectRef idx="0">
+            <a:schemeClr val="accent1"/>
+          </a:effectRef>
+          <a:fontRef idx="minor">
+            <a:schemeClr val="tx1"/>
+          </a:fontRef>
+        </p:style>
+      </p:cxnSp>
+      <p:cxnSp>
+        <p:nvCxnSpPr>
+          <p:cNvPr id="145" name="Straight Arrow Connector 144"/>
+          <p:cNvCxnSpPr>
+            <a:stCxn id="41" idx="6"/>
+            <a:endCxn id="124" idx="2"/>
+          </p:cNvCxnSpPr>
+          <p:nvPr/>
+        </p:nvCxnSpPr>
+        <p:spPr>
+          <a:xfrm flipV="1">
+            <a:off x="3939340" y="5271415"/>
+            <a:ext cx="4845931" cy="41969"/>
+          </a:xfrm>
+          <a:prstGeom prst="straightConnector1">
+            <a:avLst/>
+          </a:prstGeom>
+          <a:ln w="38100">
+            <a:tailEnd type="arrow"/>
+          </a:ln>
+        </p:spPr>
+        <p:style>
+          <a:lnRef idx="1">
+            <a:schemeClr val="accent1"/>
+          </a:lnRef>
+          <a:fillRef idx="0">
+            <a:schemeClr val="accent1"/>
+          </a:fillRef>
+          <a:effectRef idx="0">
+            <a:schemeClr val="accent1"/>
+          </a:effectRef>
+          <a:fontRef idx="minor">
+            <a:schemeClr val="tx1"/>
+          </a:fontRef>
+        </p:style>
+      </p:cxnSp>
+      <p:sp>
+        <p:nvSpPr>
+          <p:cNvPr id="150" name="45 CuadroTexto"/>
+          <p:cNvSpPr txBox="1"/>
+          <p:nvPr/>
+        </p:nvSpPr>
+        <p:spPr>
+          <a:xfrm>
+            <a:off x="6030514" y="4966665"/>
+            <a:ext cx="327334" cy="369332"/>
+          </a:xfrm>
+          <a:prstGeom prst="rect">
+            <a:avLst/>
+          </a:prstGeom>
+          <a:noFill/>
+        </p:spPr>
+        <p:txBody>
+          <a:bodyPr wrap="none" rtlCol="0">
+            <a:spAutoFit/>
+          </a:bodyPr>
+          <a:lstStyle/>
+          <a:p>
+            <a:r>
+              <a:rPr lang="es-AR" dirty="0" smtClean="0"/>
+              <a:t>D</a:t>
+            </a:r>
+            <a:endParaRPr lang="es-AR" dirty="0"/>
+          </a:p>
+        </p:txBody>
+      </p:sp>
+      <p:sp>
+        <p:nvSpPr>
+          <p:cNvPr id="151" name="47 CuadroTexto"/>
+          <p:cNvSpPr txBox="1"/>
+          <p:nvPr/>
+        </p:nvSpPr>
+        <p:spPr>
+          <a:xfrm>
+            <a:off x="6075967" y="5288155"/>
+            <a:ext cx="276038" cy="307777"/>
+          </a:xfrm>
+          <a:prstGeom prst="rect">
+            <a:avLst/>
+          </a:prstGeom>
+          <a:noFill/>
+        </p:spPr>
+        <p:txBody>
+          <a:bodyPr wrap="none" rtlCol="0">
+            <a:spAutoFit/>
+          </a:bodyPr>
+          <a:lstStyle/>
+          <a:p>
+            <a:r>
+              <a:rPr lang="es-AR" sz="1400" dirty="0" smtClean="0">
+                <a:solidFill>
+                  <a:srgbClr val="00B050"/>
+                </a:solidFill>
+              </a:rPr>
+              <a:t>1</a:t>
+            </a:r>
+            <a:endParaRPr lang="es-AR" sz="1400" dirty="0">
+              <a:solidFill>
+                <a:srgbClr val="00B050"/>
+              </a:solidFill>
+            </a:endParaRPr>
+          </a:p>
+        </p:txBody>
+      </p:sp>
+      <p:sp>
+        <p:nvSpPr>
+          <p:cNvPr id="152" name="45 CuadroTexto"/>
+          <p:cNvSpPr txBox="1"/>
+          <p:nvPr/>
+        </p:nvSpPr>
+        <p:spPr>
+          <a:xfrm>
+            <a:off x="5948626" y="3902140"/>
+            <a:ext cx="330540" cy="369332"/>
+          </a:xfrm>
+          <a:prstGeom prst="rect">
+            <a:avLst/>
+          </a:prstGeom>
+          <a:noFill/>
+        </p:spPr>
+        <p:txBody>
+          <a:bodyPr wrap="none" rtlCol="0">
+            <a:spAutoFit/>
+          </a:bodyPr>
+          <a:lstStyle/>
+          <a:p>
+            <a:r>
+              <a:rPr lang="es-AR" dirty="0" smtClean="0"/>
+              <a:t>G</a:t>
+            </a:r>
+            <a:endParaRPr lang="es-AR" dirty="0"/>
+          </a:p>
+        </p:txBody>
+      </p:sp>
+      <p:sp>
+        <p:nvSpPr>
+          <p:cNvPr id="153" name="47 CuadroTexto"/>
+          <p:cNvSpPr txBox="1"/>
+          <p:nvPr/>
+        </p:nvSpPr>
+        <p:spPr>
+          <a:xfrm>
+            <a:off x="5980431" y="4223630"/>
+            <a:ext cx="276038" cy="307777"/>
+          </a:xfrm>
+          <a:prstGeom prst="rect">
+            <a:avLst/>
+          </a:prstGeom>
+          <a:noFill/>
+        </p:spPr>
+        <p:txBody>
+          <a:bodyPr wrap="none" rtlCol="0">
+            <a:spAutoFit/>
+          </a:bodyPr>
+          <a:lstStyle/>
+          <a:p>
+            <a:r>
+              <a:rPr lang="es-AR" sz="1400" dirty="0" smtClean="0">
+                <a:solidFill>
+                  <a:srgbClr val="00B050"/>
+                </a:solidFill>
+              </a:rPr>
+              <a:t>2</a:t>
+            </a:r>
+            <a:endParaRPr lang="es-AR" sz="1400" dirty="0">
+              <a:solidFill>
+                <a:srgbClr val="00B050"/>
+              </a:solidFill>
+            </a:endParaRPr>
+          </a:p>
+        </p:txBody>
+      </p:sp>
+      <p:sp>
+        <p:nvSpPr>
+          <p:cNvPr id="154" name="45 CuadroTexto"/>
+          <p:cNvSpPr txBox="1"/>
+          <p:nvPr/>
+        </p:nvSpPr>
+        <p:spPr>
+          <a:xfrm>
+            <a:off x="7845664" y="4175094"/>
+            <a:ext cx="242374" cy="369332"/>
+          </a:xfrm>
+          <a:prstGeom prst="rect">
+            <a:avLst/>
+          </a:prstGeom>
+          <a:noFill/>
+        </p:spPr>
+        <p:txBody>
+          <a:bodyPr wrap="none" rtlCol="0">
+            <a:spAutoFit/>
+          </a:bodyPr>
+          <a:lstStyle/>
+          <a:p>
+            <a:r>
+              <a:rPr lang="es-AR" dirty="0" smtClean="0"/>
+              <a:t>I</a:t>
+            </a:r>
+            <a:endParaRPr lang="es-AR" dirty="0"/>
+          </a:p>
+        </p:txBody>
+      </p:sp>
+      <p:sp>
+        <p:nvSpPr>
+          <p:cNvPr id="155" name="47 CuadroTexto"/>
+          <p:cNvSpPr txBox="1"/>
+          <p:nvPr/>
+        </p:nvSpPr>
+        <p:spPr>
+          <a:xfrm>
+            <a:off x="7754637" y="4537528"/>
+            <a:ext cx="276038" cy="307777"/>
+          </a:xfrm>
+          <a:prstGeom prst="rect">
+            <a:avLst/>
+          </a:prstGeom>
+          <a:noFill/>
+        </p:spPr>
+        <p:txBody>
+          <a:bodyPr wrap="none" rtlCol="0">
+            <a:spAutoFit/>
+          </a:bodyPr>
+          <a:lstStyle/>
+          <a:p>
+            <a:r>
+              <a:rPr lang="es-AR" sz="1400" dirty="0" smtClean="0">
+                <a:solidFill>
+                  <a:srgbClr val="00B050"/>
+                </a:solidFill>
+              </a:rPr>
+              <a:t>2</a:t>
+            </a:r>
+            <a:endParaRPr lang="es-AR" sz="1400" dirty="0">
+              <a:solidFill>
+                <a:srgbClr val="00B050"/>
+              </a:solidFill>
+            </a:endParaRPr>
+          </a:p>
+        </p:txBody>
+      </p:sp>
+    </p:spTree>
+    <p:extLst>
+      <p:ext uri="{BB962C8B-B14F-4D97-AF65-F5344CB8AC3E}">
+        <p14:creationId xmlns:p14="http://schemas.microsoft.com/office/powerpoint/2010/main" xmlns="" val="3314279428"/>
       </p:ext>
     </p:extLst>
   </p:cSld>
@@ -9967,7 +17261,7 @@
           <p:nvPr>
             <p:extLst>
               <p:ext uri="{D42A27DB-BD31-4B8C-83A1-F6EECF244321}">
-                <p14:modId xmlns:p14="http://schemas.microsoft.com/office/powerpoint/2010/main" val="2542205784"/>
+                <p14:modId xmlns:p14="http://schemas.microsoft.com/office/powerpoint/2010/main" xmlns="" val="2542205784"/>
               </p:ext>
             </p:extLst>
           </p:nvPr>
@@ -10429,7 +17723,7 @@
     </p:spTree>
     <p:extLst>
       <p:ext uri="{BB962C8B-B14F-4D97-AF65-F5344CB8AC3E}">
-        <p14:creationId xmlns:p14="http://schemas.microsoft.com/office/powerpoint/2010/main" val="3975564088"/>
+        <p14:creationId xmlns:p14="http://schemas.microsoft.com/office/powerpoint/2010/main" xmlns="" val="3975564088"/>
       </p:ext>
     </p:extLst>
   </p:cSld>
@@ -13811,7 +21105,7 @@
     </p:spTree>
     <p:extLst>
       <p:ext uri="{BB962C8B-B14F-4D97-AF65-F5344CB8AC3E}">
-        <p14:creationId xmlns:p14="http://schemas.microsoft.com/office/powerpoint/2010/main" val="546631854"/>
+        <p14:creationId xmlns:p14="http://schemas.microsoft.com/office/powerpoint/2010/main" xmlns="" val="546631854"/>
       </p:ext>
     </p:extLst>
   </p:cSld>
@@ -16899,7 +24193,7 @@
     </p:spTree>
     <p:extLst>
       <p:ext uri="{BB962C8B-B14F-4D97-AF65-F5344CB8AC3E}">
-        <p14:creationId xmlns:p14="http://schemas.microsoft.com/office/powerpoint/2010/main" val="546631854"/>
+        <p14:creationId xmlns:p14="http://schemas.microsoft.com/office/powerpoint/2010/main" xmlns="" val="546631854"/>
       </p:ext>
     </p:extLst>
   </p:cSld>
@@ -21243,7 +28537,7 @@
     </p:spTree>
     <p:extLst>
       <p:ext uri="{BB962C8B-B14F-4D97-AF65-F5344CB8AC3E}">
-        <p14:creationId xmlns:p14="http://schemas.microsoft.com/office/powerpoint/2010/main" val="546631854"/>
+        <p14:creationId xmlns:p14="http://schemas.microsoft.com/office/powerpoint/2010/main" xmlns="" val="546631854"/>
       </p:ext>
     </p:extLst>
   </p:cSld>
@@ -25587,7 +32881,7 @@
     </p:spTree>
     <p:extLst>
       <p:ext uri="{BB962C8B-B14F-4D97-AF65-F5344CB8AC3E}">
-        <p14:creationId xmlns:p14="http://schemas.microsoft.com/office/powerpoint/2010/main" val="546631854"/>
+        <p14:creationId xmlns:p14="http://schemas.microsoft.com/office/powerpoint/2010/main" xmlns="" val="546631854"/>
       </p:ext>
     </p:extLst>
   </p:cSld>
@@ -29931,7 +37225,7 @@
     </p:spTree>
     <p:extLst>
       <p:ext uri="{BB962C8B-B14F-4D97-AF65-F5344CB8AC3E}">
-        <p14:creationId xmlns:p14="http://schemas.microsoft.com/office/powerpoint/2010/main" val="546631854"/>
+        <p14:creationId xmlns:p14="http://schemas.microsoft.com/office/powerpoint/2010/main" xmlns="" val="546631854"/>
       </p:ext>
     </p:extLst>
   </p:cSld>
@@ -30373,7 +37667,6 @@
               <a:rPr lang="es-AR" dirty="0"/>
               <a:t>3</a:t>
             </a:r>
-            <a:endParaRPr lang="es-AR" dirty="0"/>
           </a:p>
         </p:txBody>
       </p:sp>
@@ -30403,7 +37696,6 @@
               <a:rPr lang="es-AR" dirty="0"/>
               <a:t>3</a:t>
             </a:r>
-            <a:endParaRPr lang="es-AR" dirty="0"/>
           </a:p>
         </p:txBody>
       </p:sp>
@@ -30577,7 +37869,6 @@
               <a:rPr lang="es-AR" dirty="0"/>
               <a:t>4</a:t>
             </a:r>
-            <a:endParaRPr lang="es-AR" dirty="0"/>
           </a:p>
         </p:txBody>
       </p:sp>
@@ -30607,7 +37898,6 @@
               <a:rPr lang="es-AR" dirty="0"/>
               <a:t>6</a:t>
             </a:r>
-            <a:endParaRPr lang="es-AR" dirty="0"/>
           </a:p>
         </p:txBody>
       </p:sp>
@@ -30782,7 +38072,6 @@
               <a:rPr lang="es-AR" dirty="0"/>
               <a:t>5</a:t>
             </a:r>
-            <a:endParaRPr lang="es-AR" dirty="0"/>
           </a:p>
         </p:txBody>
       </p:sp>
@@ -30987,7 +38276,6 @@
               <a:rPr lang="es-AR" dirty="0"/>
               <a:t>7</a:t>
             </a:r>
-            <a:endParaRPr lang="es-AR" dirty="0"/>
           </a:p>
         </p:txBody>
       </p:sp>
@@ -31856,7 +39144,6 @@
               <a:rPr lang="es-AR" dirty="0"/>
               <a:t>F</a:t>
             </a:r>
-            <a:endParaRPr lang="es-AR" dirty="0"/>
           </a:p>
         </p:txBody>
       </p:sp>
@@ -32024,11 +39311,6 @@
               </a:rPr>
               <a:t>2</a:t>
             </a:r>
-            <a:endParaRPr lang="es-AR" sz="1400" dirty="0">
-              <a:solidFill>
-                <a:srgbClr val="00B050"/>
-              </a:solidFill>
-            </a:endParaRPr>
           </a:p>
         </p:txBody>
       </p:sp>
@@ -32263,7 +39545,7 @@
     </p:spTree>
     <p:extLst>
       <p:ext uri="{BB962C8B-B14F-4D97-AF65-F5344CB8AC3E}">
-        <p14:creationId xmlns:p14="http://schemas.microsoft.com/office/powerpoint/2010/main" val="3314279428"/>
+        <p14:creationId xmlns:p14="http://schemas.microsoft.com/office/powerpoint/2010/main" xmlns="" val="3314279428"/>
       </p:ext>
     </p:extLst>
   </p:cSld>
@@ -32299,7 +39581,7 @@
           <p:nvPr>
             <p:extLst>
               <p:ext uri="{D42A27DB-BD31-4B8C-83A1-F6EECF244321}">
-                <p14:modId xmlns:p14="http://schemas.microsoft.com/office/powerpoint/2010/main" val="82278249"/>
+                <p14:modId xmlns:p14="http://schemas.microsoft.com/office/powerpoint/2010/main" xmlns="" val="82278249"/>
               </p:ext>
             </p:extLst>
           </p:nvPr>
@@ -32874,7 +40156,6 @@
               <a:rPr lang="es-AR" dirty="0"/>
               <a:t>1</a:t>
             </a:r>
-            <a:endParaRPr lang="es-AR" dirty="0"/>
           </a:p>
         </p:txBody>
       </p:sp>
@@ -32954,7 +40235,6 @@
               <a:rPr lang="es-AR" dirty="0"/>
               <a:t>2</a:t>
             </a:r>
-            <a:endParaRPr lang="es-AR" dirty="0"/>
           </a:p>
         </p:txBody>
       </p:sp>
@@ -33796,7 +41076,6 @@
               <a:rPr lang="es-AR" dirty="0"/>
               <a:t>B</a:t>
             </a:r>
-            <a:endParaRPr lang="es-AR" dirty="0"/>
           </a:p>
         </p:txBody>
       </p:sp>
@@ -34008,15 +41287,7 @@
                   <a:srgbClr val="00B050"/>
                 </a:solidFill>
               </a:rPr>
-              <a:t>10</a:t>
-            </a:r>
-            <a:r>
-              <a:rPr lang="es-AR" sz="1400" dirty="0" smtClean="0">
-                <a:solidFill>
-                  <a:srgbClr val="00B050"/>
-                </a:solidFill>
-              </a:rPr>
-              <a:t>0</a:t>
+              <a:t>100</a:t>
             </a:r>
             <a:endParaRPr lang="es-AR" sz="1400" dirty="0">
               <a:solidFill>
@@ -34092,15 +41363,7 @@
                   <a:srgbClr val="00B050"/>
                 </a:solidFill>
               </a:rPr>
-              <a:t>15</a:t>
-            </a:r>
-            <a:r>
-              <a:rPr lang="es-AR" sz="1400" dirty="0" smtClean="0">
-                <a:solidFill>
-                  <a:srgbClr val="00B050"/>
-                </a:solidFill>
-              </a:rPr>
-              <a:t>0</a:t>
+              <a:t>150</a:t>
             </a:r>
             <a:endParaRPr lang="es-AR" sz="1400" dirty="0">
               <a:solidFill>
@@ -34176,15 +41439,7 @@
                   <a:srgbClr val="00B050"/>
                 </a:solidFill>
               </a:rPr>
-              <a:t>10</a:t>
-            </a:r>
-            <a:r>
-              <a:rPr lang="es-AR" sz="1400" dirty="0" smtClean="0">
-                <a:solidFill>
-                  <a:srgbClr val="00B050"/>
-                </a:solidFill>
-              </a:rPr>
-              <a:t>0</a:t>
+              <a:t>100</a:t>
             </a:r>
             <a:endParaRPr lang="es-AR" sz="1400" dirty="0">
               <a:solidFill>
@@ -34260,15 +41515,45 @@
                   <a:srgbClr val="00B050"/>
                 </a:solidFill>
               </a:rPr>
-              <a:t>20</a:t>
-            </a:r>
+              <a:t>200</a:t>
+            </a:r>
+            <a:endParaRPr lang="es-AR" sz="1400" dirty="0">
+              <a:solidFill>
+                <a:srgbClr val="00B050"/>
+              </a:solidFill>
+            </a:endParaRPr>
+          </a:p>
+        </p:txBody>
+      </p:sp>
+      <p:sp>
+        <p:nvSpPr>
+          <p:cNvPr id="44" name="47 CuadroTexto"/>
+          <p:cNvSpPr txBox="1"/>
+          <p:nvPr/>
+        </p:nvSpPr>
+        <p:spPr>
+          <a:xfrm>
+            <a:off x="10127048" y="3655723"/>
+            <a:ext cx="458780" cy="307777"/>
+          </a:xfrm>
+          <a:prstGeom prst="rect">
+            <a:avLst/>
+          </a:prstGeom>
+          <a:noFill/>
+        </p:spPr>
+        <p:txBody>
+          <a:bodyPr wrap="none" rtlCol="0">
+            <a:spAutoFit/>
+          </a:bodyPr>
+          <a:lstStyle/>
+          <a:p>
             <a:r>
               <a:rPr lang="es-AR" sz="1400" dirty="0" smtClean="0">
                 <a:solidFill>
                   <a:srgbClr val="00B050"/>
                 </a:solidFill>
               </a:rPr>
-              <a:t>0</a:t>
+              <a:t>200</a:t>
             </a:r>
             <a:endParaRPr lang="es-AR" sz="1400" dirty="0">
               <a:solidFill>
@@ -34278,56 +41563,10 @@
           </a:p>
         </p:txBody>
       </p:sp>
-      <p:sp>
-        <p:nvSpPr>
-          <p:cNvPr id="44" name="47 CuadroTexto"/>
-          <p:cNvSpPr txBox="1"/>
-          <p:nvPr/>
-        </p:nvSpPr>
-        <p:spPr>
-          <a:xfrm>
-            <a:off x="10127048" y="3655723"/>
-            <a:ext cx="458780" cy="307777"/>
-          </a:xfrm>
-          <a:prstGeom prst="rect">
-            <a:avLst/>
-          </a:prstGeom>
-          <a:noFill/>
-        </p:spPr>
-        <p:txBody>
-          <a:bodyPr wrap="none" rtlCol="0">
-            <a:spAutoFit/>
-          </a:bodyPr>
-          <a:lstStyle/>
-          <a:p>
-            <a:r>
-              <a:rPr lang="es-AR" sz="1400" dirty="0" smtClean="0">
-                <a:solidFill>
-                  <a:srgbClr val="00B050"/>
-                </a:solidFill>
-              </a:rPr>
-              <a:t>20</a:t>
-            </a:r>
-            <a:r>
-              <a:rPr lang="es-AR" sz="1400" dirty="0" smtClean="0">
-                <a:solidFill>
-                  <a:srgbClr val="00B050"/>
-                </a:solidFill>
-              </a:rPr>
-              <a:t>0</a:t>
-            </a:r>
-            <a:endParaRPr lang="es-AR" sz="1400" dirty="0">
-              <a:solidFill>
-                <a:srgbClr val="00B050"/>
-              </a:solidFill>
-            </a:endParaRPr>
-          </a:p>
-        </p:txBody>
-      </p:sp>
     </p:spTree>
     <p:extLst>
       <p:ext uri="{BB962C8B-B14F-4D97-AF65-F5344CB8AC3E}">
-        <p14:creationId xmlns:p14="http://schemas.microsoft.com/office/powerpoint/2010/main" val="2119210799"/>
+        <p14:creationId xmlns:p14="http://schemas.microsoft.com/office/powerpoint/2010/main" xmlns="" val="2119210799"/>
       </p:ext>
     </p:extLst>
   </p:cSld>
@@ -34592,7 +41831,7 @@
   <a:extraClrSchemeLst/>
   <a:extLst>
     <a:ext uri="{05A4C25C-085E-4340-85A3-A5531E510DB2}">
-      <thm15:themeFamily xmlns="" xmlns:thm15="http://schemas.microsoft.com/office/thememl/2012/main" name="Office Theme" id="{62F939B6-93AF-4DB8-9C6B-D6C7DFDC589F}" vid="{4A3C46E8-61CC-4603-A589-7422A47A8E4A}"/>
+      <thm15:themeFamily xmlns:thm15="http://schemas.microsoft.com/office/thememl/2012/main" xmlns="" name="Office Theme" id="{62F939B6-93AF-4DB8-9C6B-D6C7DFDC589F}" vid="{4A3C46E8-61CC-4603-A589-7422A47A8E4A}"/>
     </a:ext>
   </a:extLst>
 </a:theme>
